--- a/SFML 던그리드 모작 팀 프로젝트(민지규, 박지광, 황규영) 발표 자료.pptx
+++ b/SFML 던그리드 모작 팀 프로젝트(민지규, 박지광, 황규영) 발표 자료.pptx
@@ -1,19 +1,37 @@
 
 <file path=ppt/presentation.xml><?xml version="1.0" encoding="utf-8"?>
-<p:presentation xmlns:a="http://schemas.openxmlformats.org/drawingml/2006/main" xmlns:r="http://schemas.openxmlformats.org/officeDocument/2006/relationships" xmlns:p="http://schemas.openxmlformats.org/presentationml/2006/main" saveSubsetFonts="1">
+<p:presentation xmlns:a="http://schemas.openxmlformats.org/drawingml/2006/main" xmlns:r="http://schemas.openxmlformats.org/officeDocument/2006/relationships" xmlns:p="http://schemas.openxmlformats.org/presentationml/2006/main" embedTrueTypeFonts="1" saveSubsetFonts="1">
   <p:sldMasterIdLst>
-    <p:sldMasterId id="2147483648" r:id="rId1"/>
+    <p:sldMasterId id="2147483660" r:id="rId1"/>
   </p:sldMasterIdLst>
   <p:sldIdLst>
-    <p:sldId id="256" r:id="rId2"/>
+    <p:sldId id="264" r:id="rId2"/>
+    <p:sldId id="267" r:id="rId3"/>
+    <p:sldId id="268" r:id="rId4"/>
+    <p:sldId id="269" r:id="rId5"/>
+    <p:sldId id="265" r:id="rId6"/>
+    <p:sldId id="266" r:id="rId7"/>
   </p:sldIdLst>
   <p:sldSz cx="12192000" cy="6858000"/>
   <p:notesSz cx="6858000" cy="9144000"/>
+  <p:embeddedFontLst>
+    <p:embeddedFont>
+      <p:font typeface="Century Schoolbook" panose="02040604050505020304" pitchFamily="18" charset="0"/>
+      <p:regular r:id="rId8"/>
+      <p:bold r:id="rId9"/>
+      <p:italic r:id="rId10"/>
+      <p:boldItalic r:id="rId11"/>
+    </p:embeddedFont>
+    <p:embeddedFont>
+      <p:font typeface="Wingdings 2" panose="05020102010507070707" pitchFamily="18" charset="2"/>
+      <p:regular r:id="rId12"/>
+    </p:embeddedFont>
+  </p:embeddedFontLst>
   <p:defaultTextStyle>
     <a:defPPr>
-      <a:defRPr lang="ko-KR"/>
+      <a:defRPr lang="en-US"/>
     </a:defPPr>
-    <a:lvl1pPr marL="0" algn="l" defTabSz="914400" rtl="0" eaLnBrk="1" latinLnBrk="1" hangingPunct="1">
+    <a:lvl1pPr marL="0" algn="l" defTabSz="457200" rtl="0" eaLnBrk="1" latinLnBrk="0" hangingPunct="1">
       <a:defRPr sz="1800" kern="1200">
         <a:solidFill>
           <a:schemeClr val="tx1"/>
@@ -23,7 +41,7 @@
         <a:cs typeface="+mn-cs"/>
       </a:defRPr>
     </a:lvl1pPr>
-    <a:lvl2pPr marL="457200" algn="l" defTabSz="914400" rtl="0" eaLnBrk="1" latinLnBrk="1" hangingPunct="1">
+    <a:lvl2pPr marL="457200" algn="l" defTabSz="457200" rtl="0" eaLnBrk="1" latinLnBrk="0" hangingPunct="1">
       <a:defRPr sz="1800" kern="1200">
         <a:solidFill>
           <a:schemeClr val="tx1"/>
@@ -33,7 +51,7 @@
         <a:cs typeface="+mn-cs"/>
       </a:defRPr>
     </a:lvl2pPr>
-    <a:lvl3pPr marL="914400" algn="l" defTabSz="914400" rtl="0" eaLnBrk="1" latinLnBrk="1" hangingPunct="1">
+    <a:lvl3pPr marL="914400" algn="l" defTabSz="457200" rtl="0" eaLnBrk="1" latinLnBrk="0" hangingPunct="1">
       <a:defRPr sz="1800" kern="1200">
         <a:solidFill>
           <a:schemeClr val="tx1"/>
@@ -43,7 +61,7 @@
         <a:cs typeface="+mn-cs"/>
       </a:defRPr>
     </a:lvl3pPr>
-    <a:lvl4pPr marL="1371600" algn="l" defTabSz="914400" rtl="0" eaLnBrk="1" latinLnBrk="1" hangingPunct="1">
+    <a:lvl4pPr marL="1371600" algn="l" defTabSz="457200" rtl="0" eaLnBrk="1" latinLnBrk="0" hangingPunct="1">
       <a:defRPr sz="1800" kern="1200">
         <a:solidFill>
           <a:schemeClr val="tx1"/>
@@ -53,7 +71,7 @@
         <a:cs typeface="+mn-cs"/>
       </a:defRPr>
     </a:lvl4pPr>
-    <a:lvl5pPr marL="1828800" algn="l" defTabSz="914400" rtl="0" eaLnBrk="1" latinLnBrk="1" hangingPunct="1">
+    <a:lvl5pPr marL="1828800" algn="l" defTabSz="457200" rtl="0" eaLnBrk="1" latinLnBrk="0" hangingPunct="1">
       <a:defRPr sz="1800" kern="1200">
         <a:solidFill>
           <a:schemeClr val="tx1"/>
@@ -63,7 +81,7 @@
         <a:cs typeface="+mn-cs"/>
       </a:defRPr>
     </a:lvl5pPr>
-    <a:lvl6pPr marL="2286000" algn="l" defTabSz="914400" rtl="0" eaLnBrk="1" latinLnBrk="1" hangingPunct="1">
+    <a:lvl6pPr marL="2286000" algn="l" defTabSz="457200" rtl="0" eaLnBrk="1" latinLnBrk="0" hangingPunct="1">
       <a:defRPr sz="1800" kern="1200">
         <a:solidFill>
           <a:schemeClr val="tx1"/>
@@ -73,7 +91,7 @@
         <a:cs typeface="+mn-cs"/>
       </a:defRPr>
     </a:lvl6pPr>
-    <a:lvl7pPr marL="2743200" algn="l" defTabSz="914400" rtl="0" eaLnBrk="1" latinLnBrk="1" hangingPunct="1">
+    <a:lvl7pPr marL="2743200" algn="l" defTabSz="457200" rtl="0" eaLnBrk="1" latinLnBrk="0" hangingPunct="1">
       <a:defRPr sz="1800" kern="1200">
         <a:solidFill>
           <a:schemeClr val="tx1"/>
@@ -83,7 +101,7 @@
         <a:cs typeface="+mn-cs"/>
       </a:defRPr>
     </a:lvl7pPr>
-    <a:lvl8pPr marL="3200400" algn="l" defTabSz="914400" rtl="0" eaLnBrk="1" latinLnBrk="1" hangingPunct="1">
+    <a:lvl8pPr marL="3200400" algn="l" defTabSz="457200" rtl="0" eaLnBrk="1" latinLnBrk="0" hangingPunct="1">
       <a:defRPr sz="1800" kern="1200">
         <a:solidFill>
           <a:schemeClr val="tx1"/>
@@ -93,7 +111,7 @@
         <a:cs typeface="+mn-cs"/>
       </a:defRPr>
     </a:lvl8pPr>
-    <a:lvl9pPr marL="3657600" algn="l" defTabSz="914400" rtl="0" eaLnBrk="1" latinLnBrk="1" hangingPunct="1">
+    <a:lvl9pPr marL="3657600" algn="l" defTabSz="457200" rtl="0" eaLnBrk="1" latinLnBrk="0" hangingPunct="1">
       <a:defRPr sz="1800" kern="1200">
         <a:solidFill>
           <a:schemeClr val="tx1"/>
@@ -104,12 +122,252 @@
       </a:defRPr>
     </a:lvl9pPr>
   </p:defaultTextStyle>
+  <p:extLst>
+    <p:ext uri="{EFAFB233-063F-42B5-8137-9DF3F51BA10A}">
+      <p15:sldGuideLst xmlns:p15="http://schemas.microsoft.com/office/powerpoint/2012/main"/>
+    </p:ext>
+  </p:extLst>
 </p:presentation>
 </file>
 
+<file path=ppt/revisionInfo.xml><?xml version="1.0" encoding="utf-8"?>
+<p1510:revInfo xmlns:a="http://schemas.openxmlformats.org/drawingml/2006/main" xmlns:r="http://schemas.openxmlformats.org/officeDocument/2006/relationships" xmlns:p1510="http://schemas.microsoft.com/office/powerpoint/2015/10/main">
+  <p1510:revLst>
+    <p1510:client id="{722B7B0A-E636-4916-B8BD-69ACED0398DF}" v="749" dt="2024-11-24T17:14:51.397"/>
+    <p1510:client id="{C5D7DAE8-D46A-441F-9188-DF75D3BA1E09}" v="4" dt="2024-11-25T00:49:16.060"/>
+  </p1510:revLst>
+</p1510:revInfo>
+</file>
+
+<file path=ppt/changesInfos/changesInfo1.xml><?xml version="1.0" encoding="utf-8"?>
+<pc:chgInfo xmlns:a="http://schemas.openxmlformats.org/drawingml/2006/main" xmlns:r="http://schemas.openxmlformats.org/officeDocument/2006/relationships" xmlns:ac="http://schemas.microsoft.com/office/drawing/2013/main/command" xmlns:pc="http://schemas.microsoft.com/office/powerpoint/2013/main/command">
+  <pc:docChgLst>
+    <pc:chgData name="규영 황" userId="9ded07097000da66" providerId="LiveId" clId="{722B7B0A-E636-4916-B8BD-69ACED0398DF}"/>
+    <pc:docChg chg="undo custSel addSld modSld">
+      <pc:chgData name="규영 황" userId="9ded07097000da66" providerId="LiveId" clId="{722B7B0A-E636-4916-B8BD-69ACED0398DF}" dt="2024-11-24T17:16:24.676" v="1523" actId="1076"/>
+      <pc:docMkLst>
+        <pc:docMk/>
+      </pc:docMkLst>
+      <pc:sldChg chg="addSp delSp modSp mod">
+        <pc:chgData name="규영 황" userId="9ded07097000da66" providerId="LiveId" clId="{722B7B0A-E636-4916-B8BD-69ACED0398DF}" dt="2024-11-24T17:16:24.676" v="1523" actId="1076"/>
+        <pc:sldMkLst>
+          <pc:docMk/>
+          <pc:sldMk cId="1528793594" sldId="258"/>
+        </pc:sldMkLst>
+        <pc:picChg chg="add del mod modCrop">
+          <ac:chgData name="규영 황" userId="9ded07097000da66" providerId="LiveId" clId="{722B7B0A-E636-4916-B8BD-69ACED0398DF}" dt="2024-11-24T17:14:53.566" v="1520" actId="478"/>
+          <ac:picMkLst>
+            <pc:docMk/>
+            <pc:sldMk cId="1528793594" sldId="258"/>
+            <ac:picMk id="5" creationId="{3AC054BE-6C8A-65E9-FA97-4C4825D316DD}"/>
+          </ac:picMkLst>
+        </pc:picChg>
+        <pc:picChg chg="del">
+          <ac:chgData name="규영 황" userId="9ded07097000da66" providerId="LiveId" clId="{722B7B0A-E636-4916-B8BD-69ACED0398DF}" dt="2024-11-24T17:00:01.180" v="1500" actId="478"/>
+          <ac:picMkLst>
+            <pc:docMk/>
+            <pc:sldMk cId="1528793594" sldId="258"/>
+            <ac:picMk id="6" creationId="{1EB7F05C-0579-C478-97E3-E50931513EA5}"/>
+          </ac:picMkLst>
+        </pc:picChg>
+        <pc:picChg chg="add mod">
+          <ac:chgData name="규영 황" userId="9ded07097000da66" providerId="LiveId" clId="{722B7B0A-E636-4916-B8BD-69ACED0398DF}" dt="2024-11-24T17:16:24.676" v="1523" actId="1076"/>
+          <ac:picMkLst>
+            <pc:docMk/>
+            <pc:sldMk cId="1528793594" sldId="258"/>
+            <ac:picMk id="6" creationId="{341B0587-BB9F-874B-1A0B-9F327EA3D573}"/>
+          </ac:picMkLst>
+        </pc:picChg>
+        <pc:picChg chg="mod">
+          <ac:chgData name="규영 황" userId="9ded07097000da66" providerId="LiveId" clId="{722B7B0A-E636-4916-B8BD-69ACED0398DF}" dt="2024-11-24T17:16:24.676" v="1523" actId="1076"/>
+          <ac:picMkLst>
+            <pc:docMk/>
+            <pc:sldMk cId="1528793594" sldId="258"/>
+            <ac:picMk id="8" creationId="{B6BD5B04-5ED7-F0A7-465C-B4B1236A5EAB}"/>
+          </ac:picMkLst>
+        </pc:picChg>
+      </pc:sldChg>
+      <pc:sldChg chg="addSp delSp modSp mod">
+        <pc:chgData name="규영 황" userId="9ded07097000da66" providerId="LiveId" clId="{722B7B0A-E636-4916-B8BD-69ACED0398DF}" dt="2024-11-24T16:51:25.349" v="1491" actId="20577"/>
+        <pc:sldMkLst>
+          <pc:docMk/>
+          <pc:sldMk cId="511770704" sldId="261"/>
+        </pc:sldMkLst>
+        <pc:spChg chg="mod">
+          <ac:chgData name="규영 황" userId="9ded07097000da66" providerId="LiveId" clId="{722B7B0A-E636-4916-B8BD-69ACED0398DF}" dt="2024-11-24T16:46:13.865" v="987"/>
+          <ac:spMkLst>
+            <pc:docMk/>
+            <pc:sldMk cId="511770704" sldId="261"/>
+            <ac:spMk id="2" creationId="{EDA8DB17-7539-0EF3-E9C8-F2244548F708}"/>
+          </ac:spMkLst>
+        </pc:spChg>
+        <pc:spChg chg="mod">
+          <ac:chgData name="규영 황" userId="9ded07097000da66" providerId="LiveId" clId="{722B7B0A-E636-4916-B8BD-69ACED0398DF}" dt="2024-11-24T16:51:25.349" v="1491" actId="20577"/>
+          <ac:spMkLst>
+            <pc:docMk/>
+            <pc:sldMk cId="511770704" sldId="261"/>
+            <ac:spMk id="3" creationId="{27A526C7-6A5C-8A0A-1DD1-0D71594327FC}"/>
+          </ac:spMkLst>
+        </pc:spChg>
+        <pc:picChg chg="del mod">
+          <ac:chgData name="규영 황" userId="9ded07097000da66" providerId="LiveId" clId="{722B7B0A-E636-4916-B8BD-69ACED0398DF}" dt="2024-11-24T16:46:09.780" v="979" actId="478"/>
+          <ac:picMkLst>
+            <pc:docMk/>
+            <pc:sldMk cId="511770704" sldId="261"/>
+            <ac:picMk id="9" creationId="{DFE9A400-E44C-3FCD-61BF-DFE156171BB1}"/>
+          </ac:picMkLst>
+        </pc:picChg>
+        <pc:picChg chg="add del mod ord modCrop">
+          <ac:chgData name="규영 황" userId="9ded07097000da66" providerId="LiveId" clId="{722B7B0A-E636-4916-B8BD-69ACED0398DF}" dt="2024-11-24T16:46:06.908" v="978" actId="478"/>
+          <ac:picMkLst>
+            <pc:docMk/>
+            <pc:sldMk cId="511770704" sldId="261"/>
+            <ac:picMk id="11" creationId="{3199E489-9FDC-2157-B17F-5F299F737B16}"/>
+          </ac:picMkLst>
+        </pc:picChg>
+      </pc:sldChg>
+      <pc:sldChg chg="addSp delSp modSp mod">
+        <pc:chgData name="규영 황" userId="9ded07097000da66" providerId="LiveId" clId="{722B7B0A-E636-4916-B8BD-69ACED0398DF}" dt="2024-11-24T16:45:27.908" v="976" actId="20577"/>
+        <pc:sldMkLst>
+          <pc:docMk/>
+          <pc:sldMk cId="97714067" sldId="266"/>
+        </pc:sldMkLst>
+        <pc:spChg chg="add mod">
+          <ac:chgData name="규영 황" userId="9ded07097000da66" providerId="LiveId" clId="{722B7B0A-E636-4916-B8BD-69ACED0398DF}" dt="2024-11-24T16:45:24.321" v="973" actId="1076"/>
+          <ac:spMkLst>
+            <pc:docMk/>
+            <pc:sldMk cId="97714067" sldId="266"/>
+            <ac:spMk id="4" creationId="{30A53004-D154-5F68-A1E2-5394A794F6A7}"/>
+          </ac:spMkLst>
+        </pc:spChg>
+        <pc:spChg chg="add mod">
+          <ac:chgData name="규영 황" userId="9ded07097000da66" providerId="LiveId" clId="{722B7B0A-E636-4916-B8BD-69ACED0398DF}" dt="2024-11-24T16:45:27.908" v="976" actId="20577"/>
+          <ac:spMkLst>
+            <pc:docMk/>
+            <pc:sldMk cId="97714067" sldId="266"/>
+            <ac:spMk id="5" creationId="{B82C22A8-A141-9035-3462-152571E96610}"/>
+          </ac:spMkLst>
+        </pc:spChg>
+        <pc:spChg chg="add del mod">
+          <ac:chgData name="규영 황" userId="9ded07097000da66" providerId="LiveId" clId="{722B7B0A-E636-4916-B8BD-69ACED0398DF}" dt="2024-11-24T16:44:58.155" v="941" actId="13822"/>
+          <ac:spMkLst>
+            <pc:docMk/>
+            <pc:sldMk cId="97714067" sldId="266"/>
+            <ac:spMk id="7" creationId="{AE87C7E4-478D-5A34-464B-E6F36E0D5A24}"/>
+          </ac:spMkLst>
+        </pc:spChg>
+        <pc:spChg chg="add del mod">
+          <ac:chgData name="규영 황" userId="9ded07097000da66" providerId="LiveId" clId="{722B7B0A-E636-4916-B8BD-69ACED0398DF}" dt="2024-11-24T16:44:58.155" v="941" actId="13822"/>
+          <ac:spMkLst>
+            <pc:docMk/>
+            <pc:sldMk cId="97714067" sldId="266"/>
+            <ac:spMk id="8" creationId="{092CAACA-747B-FB8E-5925-9DB3A39C08EC}"/>
+          </ac:spMkLst>
+        </pc:spChg>
+        <pc:spChg chg="add del mod">
+          <ac:chgData name="규영 황" userId="9ded07097000da66" providerId="LiveId" clId="{722B7B0A-E636-4916-B8BD-69ACED0398DF}" dt="2024-11-24T16:45:05.243" v="942" actId="13822"/>
+          <ac:spMkLst>
+            <pc:docMk/>
+            <pc:sldMk cId="97714067" sldId="266"/>
+            <ac:spMk id="9" creationId="{2657C0A1-FC27-8D86-EB93-51BE423B8386}"/>
+          </ac:spMkLst>
+        </pc:spChg>
+        <pc:spChg chg="add del mod">
+          <ac:chgData name="규영 황" userId="9ded07097000da66" providerId="LiveId" clId="{722B7B0A-E636-4916-B8BD-69ACED0398DF}" dt="2024-11-24T16:45:05.243" v="942" actId="13822"/>
+          <ac:spMkLst>
+            <pc:docMk/>
+            <pc:sldMk cId="97714067" sldId="266"/>
+            <ac:spMk id="10" creationId="{60F1A398-CCC4-0D59-FC91-7FC7E91554F4}"/>
+          </ac:spMkLst>
+        </pc:spChg>
+      </pc:sldChg>
+      <pc:sldChg chg="modSp add mod">
+        <pc:chgData name="규영 황" userId="9ded07097000da66" providerId="LiveId" clId="{722B7B0A-E636-4916-B8BD-69ACED0398DF}" dt="2024-11-24T16:54:41.401" v="1493" actId="1076"/>
+        <pc:sldMkLst>
+          <pc:docMk/>
+          <pc:sldMk cId="3802659592" sldId="270"/>
+        </pc:sldMkLst>
+        <pc:picChg chg="mod">
+          <ac:chgData name="규영 황" userId="9ded07097000da66" providerId="LiveId" clId="{722B7B0A-E636-4916-B8BD-69ACED0398DF}" dt="2024-11-24T16:54:41.401" v="1493" actId="1076"/>
+          <ac:picMkLst>
+            <pc:docMk/>
+            <pc:sldMk cId="3802659592" sldId="270"/>
+            <ac:picMk id="9" creationId="{BE7E7E90-E451-029F-90CF-22FB42BD4278}"/>
+          </ac:picMkLst>
+        </pc:picChg>
+      </pc:sldChg>
+    </pc:docChg>
+  </pc:docChgLst>
+  <pc:docChgLst>
+    <pc:chgData name="규영 황" userId="9ded07097000da66" providerId="LiveId" clId="{C5D7DAE8-D46A-441F-9188-DF75D3BA1E09}"/>
+    <pc:docChg chg="custSel modSld">
+      <pc:chgData name="규영 황" userId="9ded07097000da66" providerId="LiveId" clId="{C5D7DAE8-D46A-441F-9188-DF75D3BA1E09}" dt="2024-11-25T00:49:16.063" v="33" actId="20577"/>
+      <pc:docMkLst>
+        <pc:docMk/>
+      </pc:docMkLst>
+      <pc:sldChg chg="modSp mod">
+        <pc:chgData name="규영 황" userId="9ded07097000da66" providerId="LiveId" clId="{C5D7DAE8-D46A-441F-9188-DF75D3BA1E09}" dt="2024-11-25T00:35:01.193" v="26"/>
+        <pc:sldMkLst>
+          <pc:docMk/>
+          <pc:sldMk cId="1528793594" sldId="258"/>
+        </pc:sldMkLst>
+        <pc:spChg chg="mod">
+          <ac:chgData name="규영 황" userId="9ded07097000da66" providerId="LiveId" clId="{C5D7DAE8-D46A-441F-9188-DF75D3BA1E09}" dt="2024-11-25T00:35:01.193" v="26"/>
+          <ac:spMkLst>
+            <pc:docMk/>
+            <pc:sldMk cId="1528793594" sldId="258"/>
+            <ac:spMk id="2" creationId="{C9877359-8163-8AF5-D2F4-FFF52964B6FE}"/>
+          </ac:spMkLst>
+        </pc:spChg>
+      </pc:sldChg>
+      <pc:sldChg chg="modSp mod">
+        <pc:chgData name="규영 황" userId="9ded07097000da66" providerId="LiveId" clId="{C5D7DAE8-D46A-441F-9188-DF75D3BA1E09}" dt="2024-11-25T00:49:16.063" v="33" actId="20577"/>
+        <pc:sldMkLst>
+          <pc:docMk/>
+          <pc:sldMk cId="511770704" sldId="261"/>
+        </pc:sldMkLst>
+        <pc:spChg chg="mod">
+          <ac:chgData name="규영 황" userId="9ded07097000da66" providerId="LiveId" clId="{C5D7DAE8-D46A-441F-9188-DF75D3BA1E09}" dt="2024-11-25T00:49:16.063" v="33" actId="20577"/>
+          <ac:spMkLst>
+            <pc:docMk/>
+            <pc:sldMk cId="511770704" sldId="261"/>
+            <ac:spMk id="3" creationId="{27A526C7-6A5C-8A0A-1DD1-0D71594327FC}"/>
+          </ac:spMkLst>
+        </pc:spChg>
+      </pc:sldChg>
+      <pc:sldChg chg="delSp mod">
+        <pc:chgData name="규영 황" userId="9ded07097000da66" providerId="LiveId" clId="{C5D7DAE8-D46A-441F-9188-DF75D3BA1E09}" dt="2024-11-25T00:31:33.976" v="0" actId="478"/>
+        <pc:sldMkLst>
+          <pc:docMk/>
+          <pc:sldMk cId="3802659592" sldId="270"/>
+        </pc:sldMkLst>
+        <pc:picChg chg="del">
+          <ac:chgData name="규영 황" userId="9ded07097000da66" providerId="LiveId" clId="{C5D7DAE8-D46A-441F-9188-DF75D3BA1E09}" dt="2024-11-25T00:31:33.976" v="0" actId="478"/>
+          <ac:picMkLst>
+            <pc:docMk/>
+            <pc:sldMk cId="3802659592" sldId="270"/>
+            <ac:picMk id="11" creationId="{AA4DB17A-9C3B-5DB9-BCAD-532BC57E0749}"/>
+          </ac:picMkLst>
+        </pc:picChg>
+      </pc:sldChg>
+    </pc:docChg>
+  </pc:docChgLst>
+</pc:chgInfo>
+</file>
+
 <file path=ppt/slideLayouts/slideLayout1.xml><?xml version="1.0" encoding="utf-8"?>
-<p:sldLayout xmlns:a="http://schemas.openxmlformats.org/drawingml/2006/main" xmlns:r="http://schemas.openxmlformats.org/officeDocument/2006/relationships" xmlns:p="http://schemas.openxmlformats.org/presentationml/2006/main" type="title" preserve="1">
+<p:sldLayout xmlns:a="http://schemas.openxmlformats.org/drawingml/2006/main" xmlns:r="http://schemas.openxmlformats.org/officeDocument/2006/relationships" xmlns:p="http://schemas.openxmlformats.org/presentationml/2006/main" showMasterSp="0" type="title" preserve="1">
   <p:cSld name="제목 슬라이드">
+    <p:bg>
+      <p:bgPr>
+        <a:solidFill>
+          <a:schemeClr val="bg2">
+            <a:lumMod val="75000"/>
+          </a:schemeClr>
+        </a:solidFill>
+        <a:effectLst/>
+      </p:bgPr>
+    </p:bg>
     <p:spTree>
       <p:nvGrpSpPr>
         <p:cNvPr id="1" name=""/>
@@ -126,13 +384,7 @@
       </p:grpSpPr>
       <p:sp>
         <p:nvSpPr>
-          <p:cNvPr id="2" name="제목 1">
-            <a:extLst>
-              <a:ext uri="{FF2B5EF4-FFF2-40B4-BE49-F238E27FC236}">
-                <a16:creationId xmlns:a16="http://schemas.microsoft.com/office/drawing/2014/main" id="{DE4F222C-C824-AA5A-8ECA-CE22C967DD41}"/>
-              </a:ext>
-            </a:extLst>
-          </p:cNvPr>
+          <p:cNvPr id="2" name="Title 1"/>
           <p:cNvSpPr>
             <a:spLocks noGrp="1"/>
           </p:cNvSpPr>
@@ -142,15 +394,24 @@
         </p:nvSpPr>
         <p:spPr>
           <a:xfrm>
-            <a:off x="1524000" y="1122363"/>
-            <a:ext cx="9144000" cy="2387600"/>
+            <a:off x="1261872" y="758952"/>
+            <a:ext cx="9418320" cy="4041648"/>
           </a:xfrm>
         </p:spPr>
         <p:txBody>
-          <a:bodyPr anchor="b"/>
+          <a:bodyPr anchor="b">
+            <a:normAutofit/>
+          </a:bodyPr>
           <a:lstStyle>
-            <a:lvl1pPr algn="ctr">
-              <a:defRPr sz="6000"/>
+            <a:lvl1pPr algn="l">
+              <a:lnSpc>
+                <a:spcPct val="85000"/>
+              </a:lnSpc>
+              <a:defRPr sz="7200" baseline="0">
+                <a:solidFill>
+                  <a:schemeClr val="tx1"/>
+                </a:solidFill>
+              </a:defRPr>
             </a:lvl1pPr>
           </a:lstStyle>
           <a:p>
@@ -158,18 +419,13 @@
               <a:rPr lang="ko-KR" altLang="en-US"/>
               <a:t>마스터 제목 스타일 편집</a:t>
             </a:r>
-          </a:p>
-        </p:txBody>
-      </p:sp>
-      <p:sp>
-        <p:nvSpPr>
-          <p:cNvPr id="3" name="부제목 2">
-            <a:extLst>
-              <a:ext uri="{FF2B5EF4-FFF2-40B4-BE49-F238E27FC236}">
-                <a16:creationId xmlns:a16="http://schemas.microsoft.com/office/drawing/2014/main" id="{CD294ADA-0990-2468-8EEA-AC8E06DEA916}"/>
-              </a:ext>
-            </a:extLst>
-          </p:cNvPr>
+            <a:endParaRPr lang="en-US"/>
+          </a:p>
+        </p:txBody>
+      </p:sp>
+      <p:sp>
+        <p:nvSpPr>
+          <p:cNvPr id="3" name="Subtitle 2"/>
           <p:cNvSpPr>
             <a:spLocks noGrp="1"/>
           </p:cNvSpPr>
@@ -179,48 +435,56 @@
         </p:nvSpPr>
         <p:spPr>
           <a:xfrm>
-            <a:off x="1524000" y="3602038"/>
-            <a:ext cx="9144000" cy="1655762"/>
+            <a:off x="1261872" y="4800600"/>
+            <a:ext cx="9418320" cy="1691640"/>
           </a:xfrm>
         </p:spPr>
         <p:txBody>
-          <a:bodyPr/>
+          <a:bodyPr>
+            <a:normAutofit/>
+          </a:bodyPr>
           <a:lstStyle>
-            <a:lvl1pPr marL="0" indent="0" algn="ctr">
-              <a:buNone/>
-              <a:defRPr sz="2400"/>
+            <a:lvl1pPr marL="0" indent="0" algn="l">
+              <a:buNone/>
+              <a:defRPr sz="2200" baseline="0">
+                <a:solidFill>
+                  <a:schemeClr val="tx1">
+                    <a:lumMod val="75000"/>
+                  </a:schemeClr>
+                </a:solidFill>
+              </a:defRPr>
             </a:lvl1pPr>
             <a:lvl2pPr marL="457200" indent="0" algn="ctr">
               <a:buNone/>
-              <a:defRPr sz="2000"/>
+              <a:defRPr sz="2200"/>
             </a:lvl2pPr>
             <a:lvl3pPr marL="914400" indent="0" algn="ctr">
               <a:buNone/>
-              <a:defRPr sz="1800"/>
+              <a:defRPr sz="2200"/>
             </a:lvl3pPr>
             <a:lvl4pPr marL="1371600" indent="0" algn="ctr">
               <a:buNone/>
-              <a:defRPr sz="1600"/>
+              <a:defRPr sz="2000"/>
             </a:lvl4pPr>
             <a:lvl5pPr marL="1828800" indent="0" algn="ctr">
               <a:buNone/>
-              <a:defRPr sz="1600"/>
+              <a:defRPr sz="2000"/>
             </a:lvl5pPr>
             <a:lvl6pPr marL="2286000" indent="0" algn="ctr">
               <a:buNone/>
-              <a:defRPr sz="1600"/>
+              <a:defRPr sz="2000"/>
             </a:lvl6pPr>
             <a:lvl7pPr marL="2743200" indent="0" algn="ctr">
               <a:buNone/>
-              <a:defRPr sz="1600"/>
+              <a:defRPr sz="2000"/>
             </a:lvl7pPr>
             <a:lvl8pPr marL="3200400" indent="0" algn="ctr">
               <a:buNone/>
-              <a:defRPr sz="1600"/>
+              <a:defRPr sz="2000"/>
             </a:lvl8pPr>
             <a:lvl9pPr marL="3657600" indent="0" algn="ctr">
               <a:buNone/>
-              <a:defRPr sz="1600"/>
+              <a:defRPr sz="2000"/>
             </a:lvl9pPr>
           </a:lstStyle>
           <a:p>
@@ -228,18 +492,13 @@
               <a:rPr lang="ko-KR" altLang="en-US"/>
               <a:t>클릭하여 마스터 부제목 스타일 편집</a:t>
             </a:r>
-          </a:p>
-        </p:txBody>
-      </p:sp>
-      <p:sp>
-        <p:nvSpPr>
-          <p:cNvPr id="4" name="날짜 개체 틀 3">
-            <a:extLst>
-              <a:ext uri="{FF2B5EF4-FFF2-40B4-BE49-F238E27FC236}">
-                <a16:creationId xmlns:a16="http://schemas.microsoft.com/office/drawing/2014/main" id="{50A8E570-BD50-1285-A4CC-067F8FFA4733}"/>
-              </a:ext>
-            </a:extLst>
-          </p:cNvPr>
+            <a:endParaRPr lang="en-US"/>
+          </a:p>
+        </p:txBody>
+      </p:sp>
+      <p:sp>
+        <p:nvSpPr>
+          <p:cNvPr id="4" name="Date Placeholder 3"/>
           <p:cNvSpPr>
             <a:spLocks noGrp="1"/>
           </p:cNvSpPr>
@@ -250,9 +509,19 @@
         <p:spPr/>
         <p:txBody>
           <a:bodyPr/>
-          <a:lstStyle/>
-          <a:p>
-            <a:fld id="{EDC5E968-A43C-487E-B1C7-C3EB13612E90}" type="datetimeFigureOut">
+          <a:lstStyle>
+            <a:lvl1pPr>
+              <a:defRPr>
+                <a:solidFill>
+                  <a:schemeClr val="tx1">
+                    <a:lumMod val="50000"/>
+                  </a:schemeClr>
+                </a:solidFill>
+              </a:defRPr>
+            </a:lvl1pPr>
+          </a:lstStyle>
+          <a:p>
+            <a:fld id="{010A0EC7-C1CC-42C8-AFB7-240F4BAB930A}" type="datetimeFigureOut">
               <a:rPr lang="ko-KR" altLang="en-US" smtClean="0"/>
               <a:t>2024-12-08 (Sun)</a:t>
             </a:fld>
@@ -262,13 +531,7 @@
       </p:sp>
       <p:sp>
         <p:nvSpPr>
-          <p:cNvPr id="5" name="바닥글 개체 틀 4">
-            <a:extLst>
-              <a:ext uri="{FF2B5EF4-FFF2-40B4-BE49-F238E27FC236}">
-                <a16:creationId xmlns:a16="http://schemas.microsoft.com/office/drawing/2014/main" id="{E7D9C1A2-E325-F7E5-ABCE-C8E64E6DF76A}"/>
-              </a:ext>
-            </a:extLst>
-          </p:cNvPr>
+          <p:cNvPr id="5" name="Footer Placeholder 4"/>
           <p:cNvSpPr>
             <a:spLocks noGrp="1"/>
           </p:cNvSpPr>
@@ -279,7 +542,17 @@
         <p:spPr/>
         <p:txBody>
           <a:bodyPr/>
-          <a:lstStyle/>
+          <a:lstStyle>
+            <a:lvl1pPr>
+              <a:defRPr>
+                <a:solidFill>
+                  <a:schemeClr val="tx1">
+                    <a:lumMod val="65000"/>
+                  </a:schemeClr>
+                </a:solidFill>
+              </a:defRPr>
+            </a:lvl1pPr>
+          </a:lstStyle>
           <a:p>
             <a:endParaRPr lang="ko-KR" altLang="en-US"/>
           </a:p>
@@ -287,13 +560,7 @@
       </p:sp>
       <p:sp>
         <p:nvSpPr>
-          <p:cNvPr id="6" name="슬라이드 번호 개체 틀 5">
-            <a:extLst>
-              <a:ext uri="{FF2B5EF4-FFF2-40B4-BE49-F238E27FC236}">
-                <a16:creationId xmlns:a16="http://schemas.microsoft.com/office/drawing/2014/main" id="{8AAB57E1-E366-517C-E54B-7FD36D7AF395}"/>
-              </a:ext>
-            </a:extLst>
-          </p:cNvPr>
+          <p:cNvPr id="6" name="Slide Number Placeholder 5"/>
           <p:cNvSpPr>
             <a:spLocks noGrp="1"/>
           </p:cNvSpPr>
@@ -304,9 +571,19 @@
         <p:spPr/>
         <p:txBody>
           <a:bodyPr/>
-          <a:lstStyle/>
-          <a:p>
-            <a:fld id="{872D9B03-EA98-43FC-B0E6-6C85CB7CE809}" type="slidenum">
+          <a:lstStyle>
+            <a:lvl1pPr>
+              <a:defRPr>
+                <a:solidFill>
+                  <a:schemeClr val="tx1">
+                    <a:lumMod val="65000"/>
+                  </a:schemeClr>
+                </a:solidFill>
+              </a:defRPr>
+            </a:lvl1pPr>
+          </a:lstStyle>
+          <a:p>
+            <a:fld id="{C6AFA24E-139E-4472-A8D9-A6EB820DB9C8}" type="slidenum">
               <a:rPr lang="ko-KR" altLang="en-US" smtClean="0"/>
               <a:t>‹#›</a:t>
             </a:fld>
@@ -314,15 +591,53 @@
           </a:p>
         </p:txBody>
       </p:sp>
+      <p:sp>
+        <p:nvSpPr>
+          <p:cNvPr id="7" name="Rectangle 6"/>
+          <p:cNvSpPr/>
+          <p:nvPr/>
+        </p:nvSpPr>
+        <p:spPr>
+          <a:xfrm>
+            <a:off x="0" y="0"/>
+            <a:ext cx="457200" cy="6858000"/>
+          </a:xfrm>
+          <a:prstGeom prst="rect">
+            <a:avLst/>
+          </a:prstGeom>
+          <a:solidFill>
+            <a:schemeClr val="accent1"/>
+          </a:solidFill>
+          <a:ln>
+            <a:noFill/>
+          </a:ln>
+        </p:spPr>
+        <p:style>
+          <a:lnRef idx="2">
+            <a:schemeClr val="accent1">
+              <a:shade val="50000"/>
+            </a:schemeClr>
+          </a:lnRef>
+          <a:fillRef idx="1">
+            <a:schemeClr val="accent1"/>
+          </a:fillRef>
+          <a:effectRef idx="0">
+            <a:schemeClr val="accent1"/>
+          </a:effectRef>
+          <a:fontRef idx="minor">
+            <a:schemeClr val="lt1"/>
+          </a:fontRef>
+        </p:style>
+      </p:sp>
     </p:spTree>
     <p:extLst>
       <p:ext uri="{BB962C8B-B14F-4D97-AF65-F5344CB8AC3E}">
-        <p14:creationId xmlns:p14="http://schemas.microsoft.com/office/powerpoint/2010/main" val="997760333"/>
+        <p14:creationId xmlns:p14="http://schemas.microsoft.com/office/powerpoint/2010/main" val="1341728336"/>
       </p:ext>
     </p:extLst>
   </p:cSld>
   <p:clrMapOvr>
-    <a:masterClrMapping/>
+    <a:overrideClrMapping bg1="dk1" tx1="lt1" bg2="dk2" tx2="lt2" accent1="accent1" accent2="accent2" accent3="accent3" accent4="accent4" accent5="accent5" accent6="accent6" hlink="hlink" folHlink="folHlink"/>
   </p:clrMapOvr>
 </p:sldLayout>
 </file>
@@ -346,13 +661,7 @@
       </p:grpSpPr>
       <p:sp>
         <p:nvSpPr>
-          <p:cNvPr id="2" name="제목 1">
-            <a:extLst>
-              <a:ext uri="{FF2B5EF4-FFF2-40B4-BE49-F238E27FC236}">
-                <a16:creationId xmlns:a16="http://schemas.microsoft.com/office/drawing/2014/main" id="{F9C27CFB-2106-EF5A-10DD-F7A099F09DA2}"/>
-              </a:ext>
-            </a:extLst>
-          </p:cNvPr>
+          <p:cNvPr id="2" name="Title 1"/>
           <p:cNvSpPr>
             <a:spLocks noGrp="1"/>
           </p:cNvSpPr>
@@ -369,18 +678,13 @@
               <a:rPr lang="ko-KR" altLang="en-US"/>
               <a:t>마스터 제목 스타일 편집</a:t>
             </a:r>
-          </a:p>
-        </p:txBody>
-      </p:sp>
-      <p:sp>
-        <p:nvSpPr>
-          <p:cNvPr id="3" name="세로 텍스트 개체 틀 2">
-            <a:extLst>
-              <a:ext uri="{FF2B5EF4-FFF2-40B4-BE49-F238E27FC236}">
-                <a16:creationId xmlns:a16="http://schemas.microsoft.com/office/drawing/2014/main" id="{0E974DDC-E1E9-8C48-D270-CFB9076CC43A}"/>
-              </a:ext>
-            </a:extLst>
-          </p:cNvPr>
+            <a:endParaRPr lang="en-US"/>
+          </a:p>
+        </p:txBody>
+      </p:sp>
+      <p:sp>
+        <p:nvSpPr>
+          <p:cNvPr id="3" name="Vertical Text Placeholder 2"/>
           <p:cNvSpPr>
             <a:spLocks noGrp="1"/>
           </p:cNvSpPr>
@@ -426,18 +730,13 @@
               <a:rPr lang="ko-KR" altLang="en-US"/>
               <a:t>다섯 번째 수준</a:t>
             </a:r>
-          </a:p>
-        </p:txBody>
-      </p:sp>
-      <p:sp>
-        <p:nvSpPr>
-          <p:cNvPr id="4" name="날짜 개체 틀 3">
-            <a:extLst>
-              <a:ext uri="{FF2B5EF4-FFF2-40B4-BE49-F238E27FC236}">
-                <a16:creationId xmlns:a16="http://schemas.microsoft.com/office/drawing/2014/main" id="{D2091DDD-7523-A63F-9BFB-B80454039FA5}"/>
-              </a:ext>
-            </a:extLst>
-          </p:cNvPr>
+            <a:endParaRPr lang="en-US"/>
+          </a:p>
+        </p:txBody>
+      </p:sp>
+      <p:sp>
+        <p:nvSpPr>
+          <p:cNvPr id="4" name="Date Placeholder 3"/>
           <p:cNvSpPr>
             <a:spLocks noGrp="1"/>
           </p:cNvSpPr>
@@ -450,7 +749,7 @@
           <a:bodyPr/>
           <a:lstStyle/>
           <a:p>
-            <a:fld id="{EDC5E968-A43C-487E-B1C7-C3EB13612E90}" type="datetimeFigureOut">
+            <a:fld id="{010A0EC7-C1CC-42C8-AFB7-240F4BAB930A}" type="datetimeFigureOut">
               <a:rPr lang="ko-KR" altLang="en-US" smtClean="0"/>
               <a:t>2024-12-08 (Sun)</a:t>
             </a:fld>
@@ -460,13 +759,7 @@
       </p:sp>
       <p:sp>
         <p:nvSpPr>
-          <p:cNvPr id="5" name="바닥글 개체 틀 4">
-            <a:extLst>
-              <a:ext uri="{FF2B5EF4-FFF2-40B4-BE49-F238E27FC236}">
-                <a16:creationId xmlns:a16="http://schemas.microsoft.com/office/drawing/2014/main" id="{9D94035D-2DA2-A141-047A-A0A0A735C2BF}"/>
-              </a:ext>
-            </a:extLst>
-          </p:cNvPr>
+          <p:cNvPr id="5" name="Footer Placeholder 4"/>
           <p:cNvSpPr>
             <a:spLocks noGrp="1"/>
           </p:cNvSpPr>
@@ -485,13 +778,7 @@
       </p:sp>
       <p:sp>
         <p:nvSpPr>
-          <p:cNvPr id="6" name="슬라이드 번호 개체 틀 5">
-            <a:extLst>
-              <a:ext uri="{FF2B5EF4-FFF2-40B4-BE49-F238E27FC236}">
-                <a16:creationId xmlns:a16="http://schemas.microsoft.com/office/drawing/2014/main" id="{1656F43D-346B-DD65-138D-77A68FE7AB46}"/>
-              </a:ext>
-            </a:extLst>
-          </p:cNvPr>
+          <p:cNvPr id="6" name="Slide Number Placeholder 5"/>
           <p:cNvSpPr>
             <a:spLocks noGrp="1"/>
           </p:cNvSpPr>
@@ -504,7 +791,7 @@
           <a:bodyPr/>
           <a:lstStyle/>
           <a:p>
-            <a:fld id="{872D9B03-EA98-43FC-B0E6-6C85CB7CE809}" type="slidenum">
+            <a:fld id="{C6AFA24E-139E-4472-A8D9-A6EB820DB9C8}" type="slidenum">
               <a:rPr lang="ko-KR" altLang="en-US" smtClean="0"/>
               <a:t>‹#›</a:t>
             </a:fld>
@@ -515,7 +802,7 @@
     </p:spTree>
     <p:extLst>
       <p:ext uri="{BB962C8B-B14F-4D97-AF65-F5344CB8AC3E}">
-        <p14:creationId xmlns:p14="http://schemas.microsoft.com/office/powerpoint/2010/main" val="3442489144"/>
+        <p14:creationId xmlns:p14="http://schemas.microsoft.com/office/powerpoint/2010/main" val="382371347"/>
       </p:ext>
     </p:extLst>
   </p:cSld>
@@ -544,13 +831,7 @@
       </p:grpSpPr>
       <p:sp>
         <p:nvSpPr>
-          <p:cNvPr id="2" name="세로 제목 1">
-            <a:extLst>
-              <a:ext uri="{FF2B5EF4-FFF2-40B4-BE49-F238E27FC236}">
-                <a16:creationId xmlns:a16="http://schemas.microsoft.com/office/drawing/2014/main" id="{B471BC53-8E00-02A3-22EE-C1E4D53778B9}"/>
-              </a:ext>
-            </a:extLst>
-          </p:cNvPr>
+          <p:cNvPr id="2" name="Vertical Title 1"/>
           <p:cNvSpPr>
             <a:spLocks noGrp="1"/>
           </p:cNvSpPr>
@@ -560,8 +841,8 @@
         </p:nvSpPr>
         <p:spPr>
           <a:xfrm>
-            <a:off x="8724900" y="365125"/>
-            <a:ext cx="2628900" cy="5811838"/>
+            <a:off x="8648700" y="381000"/>
+            <a:ext cx="2476500" cy="5897562"/>
           </a:xfrm>
         </p:spPr>
         <p:txBody>
@@ -572,18 +853,13 @@
               <a:rPr lang="ko-KR" altLang="en-US"/>
               <a:t>마스터 제목 스타일 편집</a:t>
             </a:r>
-          </a:p>
-        </p:txBody>
-      </p:sp>
-      <p:sp>
-        <p:nvSpPr>
-          <p:cNvPr id="3" name="세로 텍스트 개체 틀 2">
-            <a:extLst>
-              <a:ext uri="{FF2B5EF4-FFF2-40B4-BE49-F238E27FC236}">
-                <a16:creationId xmlns:a16="http://schemas.microsoft.com/office/drawing/2014/main" id="{3D922E57-9A6B-1597-3F5E-30CDAC0FD1DD}"/>
-              </a:ext>
-            </a:extLst>
-          </p:cNvPr>
+            <a:endParaRPr lang="en-US"/>
+          </a:p>
+        </p:txBody>
+      </p:sp>
+      <p:sp>
+        <p:nvSpPr>
+          <p:cNvPr id="3" name="Vertical Text Placeholder 2"/>
           <p:cNvSpPr>
             <a:spLocks noGrp="1"/>
           </p:cNvSpPr>
@@ -593,8 +869,8 @@
         </p:nvSpPr>
         <p:spPr>
           <a:xfrm>
-            <a:off x="838200" y="365125"/>
-            <a:ext cx="7734300" cy="5811838"/>
+            <a:off x="762000" y="381000"/>
+            <a:ext cx="7734300" cy="5897562"/>
           </a:xfrm>
         </p:spPr>
         <p:txBody>
@@ -634,18 +910,13 @@
               <a:rPr lang="ko-KR" altLang="en-US"/>
               <a:t>다섯 번째 수준</a:t>
             </a:r>
-          </a:p>
-        </p:txBody>
-      </p:sp>
-      <p:sp>
-        <p:nvSpPr>
-          <p:cNvPr id="4" name="날짜 개체 틀 3">
-            <a:extLst>
-              <a:ext uri="{FF2B5EF4-FFF2-40B4-BE49-F238E27FC236}">
-                <a16:creationId xmlns:a16="http://schemas.microsoft.com/office/drawing/2014/main" id="{78CA7E18-7DD3-3F89-67E4-F0F916B05B5D}"/>
-              </a:ext>
-            </a:extLst>
-          </p:cNvPr>
+            <a:endParaRPr lang="en-US"/>
+          </a:p>
+        </p:txBody>
+      </p:sp>
+      <p:sp>
+        <p:nvSpPr>
+          <p:cNvPr id="4" name="Date Placeholder 3"/>
           <p:cNvSpPr>
             <a:spLocks noGrp="1"/>
           </p:cNvSpPr>
@@ -658,7 +929,7 @@
           <a:bodyPr/>
           <a:lstStyle/>
           <a:p>
-            <a:fld id="{EDC5E968-A43C-487E-B1C7-C3EB13612E90}" type="datetimeFigureOut">
+            <a:fld id="{010A0EC7-C1CC-42C8-AFB7-240F4BAB930A}" type="datetimeFigureOut">
               <a:rPr lang="ko-KR" altLang="en-US" smtClean="0"/>
               <a:t>2024-12-08 (Sun)</a:t>
             </a:fld>
@@ -668,13 +939,7 @@
       </p:sp>
       <p:sp>
         <p:nvSpPr>
-          <p:cNvPr id="5" name="바닥글 개체 틀 4">
-            <a:extLst>
-              <a:ext uri="{FF2B5EF4-FFF2-40B4-BE49-F238E27FC236}">
-                <a16:creationId xmlns:a16="http://schemas.microsoft.com/office/drawing/2014/main" id="{D0203019-AA70-EA2A-9485-5979DED019EB}"/>
-              </a:ext>
-            </a:extLst>
-          </p:cNvPr>
+          <p:cNvPr id="5" name="Footer Placeholder 4"/>
           <p:cNvSpPr>
             <a:spLocks noGrp="1"/>
           </p:cNvSpPr>
@@ -693,13 +958,7 @@
       </p:sp>
       <p:sp>
         <p:nvSpPr>
-          <p:cNvPr id="6" name="슬라이드 번호 개체 틀 5">
-            <a:extLst>
-              <a:ext uri="{FF2B5EF4-FFF2-40B4-BE49-F238E27FC236}">
-                <a16:creationId xmlns:a16="http://schemas.microsoft.com/office/drawing/2014/main" id="{4FFA8764-F522-67E4-F35F-FC9BE93082FB}"/>
-              </a:ext>
-            </a:extLst>
-          </p:cNvPr>
+          <p:cNvPr id="6" name="Slide Number Placeholder 5"/>
           <p:cNvSpPr>
             <a:spLocks noGrp="1"/>
           </p:cNvSpPr>
@@ -712,7 +971,7 @@
           <a:bodyPr/>
           <a:lstStyle/>
           <a:p>
-            <a:fld id="{872D9B03-EA98-43FC-B0E6-6C85CB7CE809}" type="slidenum">
+            <a:fld id="{C6AFA24E-139E-4472-A8D9-A6EB820DB9C8}" type="slidenum">
               <a:rPr lang="ko-KR" altLang="en-US" smtClean="0"/>
               <a:t>‹#›</a:t>
             </a:fld>
@@ -723,7 +982,7 @@
     </p:spTree>
     <p:extLst>
       <p:ext uri="{BB962C8B-B14F-4D97-AF65-F5344CB8AC3E}">
-        <p14:creationId xmlns:p14="http://schemas.microsoft.com/office/powerpoint/2010/main" val="907650154"/>
+        <p14:creationId xmlns:p14="http://schemas.microsoft.com/office/powerpoint/2010/main" val="1611564271"/>
       </p:ext>
     </p:extLst>
   </p:cSld>
@@ -752,13 +1011,7 @@
       </p:grpSpPr>
       <p:sp>
         <p:nvSpPr>
-          <p:cNvPr id="2" name="제목 1">
-            <a:extLst>
-              <a:ext uri="{FF2B5EF4-FFF2-40B4-BE49-F238E27FC236}">
-                <a16:creationId xmlns:a16="http://schemas.microsoft.com/office/drawing/2014/main" id="{4D8B342B-B3D4-2620-F2DC-95CBBB47C8BF}"/>
-              </a:ext>
-            </a:extLst>
-          </p:cNvPr>
+          <p:cNvPr id="2" name="Title 1"/>
           <p:cNvSpPr>
             <a:spLocks noGrp="1"/>
           </p:cNvSpPr>
@@ -775,18 +1028,13 @@
               <a:rPr lang="ko-KR" altLang="en-US"/>
               <a:t>마스터 제목 스타일 편집</a:t>
             </a:r>
-          </a:p>
-        </p:txBody>
-      </p:sp>
-      <p:sp>
-        <p:nvSpPr>
-          <p:cNvPr id="3" name="내용 개체 틀 2">
-            <a:extLst>
-              <a:ext uri="{FF2B5EF4-FFF2-40B4-BE49-F238E27FC236}">
-                <a16:creationId xmlns:a16="http://schemas.microsoft.com/office/drawing/2014/main" id="{1D9491E8-0188-40D5-14B9-C60E3E085518}"/>
-              </a:ext>
-            </a:extLst>
-          </p:cNvPr>
+            <a:endParaRPr lang="en-US"/>
+          </a:p>
+        </p:txBody>
+      </p:sp>
+      <p:sp>
+        <p:nvSpPr>
+          <p:cNvPr id="3" name="Content Placeholder 2"/>
           <p:cNvSpPr>
             <a:spLocks noGrp="1"/>
           </p:cNvSpPr>
@@ -832,18 +1080,13 @@
               <a:rPr lang="ko-KR" altLang="en-US"/>
               <a:t>다섯 번째 수준</a:t>
             </a:r>
-          </a:p>
-        </p:txBody>
-      </p:sp>
-      <p:sp>
-        <p:nvSpPr>
-          <p:cNvPr id="4" name="날짜 개체 틀 3">
-            <a:extLst>
-              <a:ext uri="{FF2B5EF4-FFF2-40B4-BE49-F238E27FC236}">
-                <a16:creationId xmlns:a16="http://schemas.microsoft.com/office/drawing/2014/main" id="{44440368-12D7-6DC5-9595-8048E4A7FE8E}"/>
-              </a:ext>
-            </a:extLst>
-          </p:cNvPr>
+            <a:endParaRPr lang="en-US"/>
+          </a:p>
+        </p:txBody>
+      </p:sp>
+      <p:sp>
+        <p:nvSpPr>
+          <p:cNvPr id="4" name="Date Placeholder 3"/>
           <p:cNvSpPr>
             <a:spLocks noGrp="1"/>
           </p:cNvSpPr>
@@ -856,7 +1099,7 @@
           <a:bodyPr/>
           <a:lstStyle/>
           <a:p>
-            <a:fld id="{EDC5E968-A43C-487E-B1C7-C3EB13612E90}" type="datetimeFigureOut">
+            <a:fld id="{010A0EC7-C1CC-42C8-AFB7-240F4BAB930A}" type="datetimeFigureOut">
               <a:rPr lang="ko-KR" altLang="en-US" smtClean="0"/>
               <a:t>2024-12-08 (Sun)</a:t>
             </a:fld>
@@ -866,13 +1109,7 @@
       </p:sp>
       <p:sp>
         <p:nvSpPr>
-          <p:cNvPr id="5" name="바닥글 개체 틀 4">
-            <a:extLst>
-              <a:ext uri="{FF2B5EF4-FFF2-40B4-BE49-F238E27FC236}">
-                <a16:creationId xmlns:a16="http://schemas.microsoft.com/office/drawing/2014/main" id="{9F9B7261-34C4-6B90-308A-C49CD007A1D4}"/>
-              </a:ext>
-            </a:extLst>
-          </p:cNvPr>
+          <p:cNvPr id="5" name="Footer Placeholder 4"/>
           <p:cNvSpPr>
             <a:spLocks noGrp="1"/>
           </p:cNvSpPr>
@@ -891,13 +1128,7 @@
       </p:sp>
       <p:sp>
         <p:nvSpPr>
-          <p:cNvPr id="6" name="슬라이드 번호 개체 틀 5">
-            <a:extLst>
-              <a:ext uri="{FF2B5EF4-FFF2-40B4-BE49-F238E27FC236}">
-                <a16:creationId xmlns:a16="http://schemas.microsoft.com/office/drawing/2014/main" id="{B7EED215-284F-88FD-E3DB-918967D71662}"/>
-              </a:ext>
-            </a:extLst>
-          </p:cNvPr>
+          <p:cNvPr id="6" name="Slide Number Placeholder 5"/>
           <p:cNvSpPr>
             <a:spLocks noGrp="1"/>
           </p:cNvSpPr>
@@ -910,7 +1141,7 @@
           <a:bodyPr/>
           <a:lstStyle/>
           <a:p>
-            <a:fld id="{872D9B03-EA98-43FC-B0E6-6C85CB7CE809}" type="slidenum">
+            <a:fld id="{C6AFA24E-139E-4472-A8D9-A6EB820DB9C8}" type="slidenum">
               <a:rPr lang="ko-KR" altLang="en-US" smtClean="0"/>
               <a:t>‹#›</a:t>
             </a:fld>
@@ -921,7 +1152,7 @@
     </p:spTree>
     <p:extLst>
       <p:ext uri="{BB962C8B-B14F-4D97-AF65-F5344CB8AC3E}">
-        <p14:creationId xmlns:p14="http://schemas.microsoft.com/office/powerpoint/2010/main" val="1658186624"/>
+        <p14:creationId xmlns:p14="http://schemas.microsoft.com/office/powerpoint/2010/main" val="3144849700"/>
       </p:ext>
     </p:extLst>
   </p:cSld>
@@ -950,13 +1181,7 @@
       </p:grpSpPr>
       <p:sp>
         <p:nvSpPr>
-          <p:cNvPr id="2" name="제목 1">
-            <a:extLst>
-              <a:ext uri="{FF2B5EF4-FFF2-40B4-BE49-F238E27FC236}">
-                <a16:creationId xmlns:a16="http://schemas.microsoft.com/office/drawing/2014/main" id="{8020D73B-F41F-546E-6426-8669F527A85D}"/>
-              </a:ext>
-            </a:extLst>
-          </p:cNvPr>
+          <p:cNvPr id="2" name="Title 1"/>
           <p:cNvSpPr>
             <a:spLocks noGrp="1"/>
           </p:cNvSpPr>
@@ -966,15 +1191,20 @@
         </p:nvSpPr>
         <p:spPr>
           <a:xfrm>
-            <a:off x="831850" y="1709738"/>
-            <a:ext cx="10515600" cy="2852737"/>
+            <a:off x="1261872" y="758952"/>
+            <a:ext cx="9418320" cy="4041648"/>
           </a:xfrm>
         </p:spPr>
         <p:txBody>
-          <a:bodyPr anchor="b"/>
+          <a:bodyPr anchor="b">
+            <a:normAutofit/>
+          </a:bodyPr>
           <a:lstStyle>
             <a:lvl1pPr>
-              <a:defRPr sz="6000"/>
+              <a:lnSpc>
+                <a:spcPct val="85000"/>
+              </a:lnSpc>
+              <a:defRPr sz="7200" b="0"/>
             </a:lvl1pPr>
           </a:lstStyle>
           <a:p>
@@ -982,18 +1212,13 @@
               <a:rPr lang="ko-KR" altLang="en-US"/>
               <a:t>마스터 제목 스타일 편집</a:t>
             </a:r>
-          </a:p>
-        </p:txBody>
-      </p:sp>
-      <p:sp>
-        <p:nvSpPr>
-          <p:cNvPr id="3" name="텍스트 개체 틀 2">
-            <a:extLst>
-              <a:ext uri="{FF2B5EF4-FFF2-40B4-BE49-F238E27FC236}">
-                <a16:creationId xmlns:a16="http://schemas.microsoft.com/office/drawing/2014/main" id="{A68A714B-2AC7-6735-7816-442BDEE6C54A}"/>
-              </a:ext>
-            </a:extLst>
-          </p:cNvPr>
+            <a:endParaRPr lang="en-US"/>
+          </a:p>
+        </p:txBody>
+      </p:sp>
+      <p:sp>
+        <p:nvSpPr>
+          <p:cNvPr id="3" name="Text Placeholder 2"/>
           <p:cNvSpPr>
             <a:spLocks noGrp="1"/>
           </p:cNvSpPr>
@@ -1003,99 +1228,102 @@
         </p:nvSpPr>
         <p:spPr>
           <a:xfrm>
-            <a:off x="831850" y="4589463"/>
-            <a:ext cx="10515600" cy="1500187"/>
+            <a:off x="1261872" y="4800600"/>
+            <a:ext cx="9418320" cy="1691640"/>
           </a:xfrm>
         </p:spPr>
         <p:txBody>
-          <a:bodyPr/>
+          <a:bodyPr anchor="t">
+            <a:normAutofit/>
+          </a:bodyPr>
           <a:lstStyle>
             <a:lvl1pPr marL="0" indent="0">
               <a:buNone/>
-              <a:defRPr sz="2400">
+              <a:defRPr sz="2200">
                 <a:solidFill>
                   <a:schemeClr val="tx1">
-                    <a:tint val="82000"/>
+                    <a:lumMod val="65000"/>
+                    <a:lumOff val="35000"/>
                   </a:schemeClr>
                 </a:solidFill>
               </a:defRPr>
             </a:lvl1pPr>
             <a:lvl2pPr marL="457200" indent="0">
               <a:buNone/>
-              <a:defRPr sz="2000">
+              <a:defRPr sz="1800">
                 <a:solidFill>
                   <a:schemeClr val="tx1">
-                    <a:tint val="82000"/>
+                    <a:tint val="75000"/>
                   </a:schemeClr>
                 </a:solidFill>
               </a:defRPr>
             </a:lvl2pPr>
             <a:lvl3pPr marL="914400" indent="0">
               <a:buNone/>
-              <a:defRPr sz="1800">
+              <a:defRPr sz="1600">
                 <a:solidFill>
                   <a:schemeClr val="tx1">
-                    <a:tint val="82000"/>
+                    <a:tint val="75000"/>
                   </a:schemeClr>
                 </a:solidFill>
               </a:defRPr>
             </a:lvl3pPr>
             <a:lvl4pPr marL="1371600" indent="0">
               <a:buNone/>
-              <a:defRPr sz="1600">
+              <a:defRPr sz="1400">
                 <a:solidFill>
                   <a:schemeClr val="tx1">
-                    <a:tint val="82000"/>
+                    <a:tint val="75000"/>
                   </a:schemeClr>
                 </a:solidFill>
               </a:defRPr>
             </a:lvl4pPr>
             <a:lvl5pPr marL="1828800" indent="0">
               <a:buNone/>
-              <a:defRPr sz="1600">
+              <a:defRPr sz="1400">
                 <a:solidFill>
                   <a:schemeClr val="tx1">
-                    <a:tint val="82000"/>
+                    <a:tint val="75000"/>
                   </a:schemeClr>
                 </a:solidFill>
               </a:defRPr>
             </a:lvl5pPr>
             <a:lvl6pPr marL="2286000" indent="0">
               <a:buNone/>
-              <a:defRPr sz="1600">
+              <a:defRPr sz="1400">
                 <a:solidFill>
                   <a:schemeClr val="tx1">
-                    <a:tint val="82000"/>
+                    <a:tint val="75000"/>
                   </a:schemeClr>
                 </a:solidFill>
               </a:defRPr>
             </a:lvl6pPr>
             <a:lvl7pPr marL="2743200" indent="0">
               <a:buNone/>
-              <a:defRPr sz="1600">
+              <a:defRPr sz="1400">
                 <a:solidFill>
                   <a:schemeClr val="tx1">
-                    <a:tint val="82000"/>
+                    <a:tint val="75000"/>
                   </a:schemeClr>
                 </a:solidFill>
               </a:defRPr>
             </a:lvl7pPr>
             <a:lvl8pPr marL="3200400" indent="0">
               <a:buNone/>
-              <a:defRPr sz="1600">
+              <a:defRPr sz="1400">
                 <a:solidFill>
                   <a:schemeClr val="tx1">
-                    <a:tint val="82000"/>
+                    <a:tint val="75000"/>
                   </a:schemeClr>
                 </a:solidFill>
               </a:defRPr>
             </a:lvl8pPr>
             <a:lvl9pPr marL="3657600" indent="0">
               <a:buNone/>
-              <a:defRPr sz="1600">
+              <a:defRPr sz="1400">
                 <a:solidFill>
                   <a:schemeClr val="tx1">
-                    <a:tint val="82000"/>
+                    <a:tint val="75000"/>
                   </a:schemeClr>
                 </a:solidFill>
               </a:defRPr>
@@ -1112,13 +1340,7 @@
       </p:sp>
       <p:sp>
         <p:nvSpPr>
-          <p:cNvPr id="4" name="날짜 개체 틀 3">
-            <a:extLst>
-              <a:ext uri="{FF2B5EF4-FFF2-40B4-BE49-F238E27FC236}">
-                <a16:creationId xmlns:a16="http://schemas.microsoft.com/office/drawing/2014/main" id="{1397ED90-F1F5-F36D-E56E-CC99923666CF}"/>
-              </a:ext>
-            </a:extLst>
-          </p:cNvPr>
+          <p:cNvPr id="4" name="Date Placeholder 3"/>
           <p:cNvSpPr>
             <a:spLocks noGrp="1"/>
           </p:cNvSpPr>
@@ -1131,7 +1353,7 @@
           <a:bodyPr/>
           <a:lstStyle/>
           <a:p>
-            <a:fld id="{EDC5E968-A43C-487E-B1C7-C3EB13612E90}" type="datetimeFigureOut">
+            <a:fld id="{010A0EC7-C1CC-42C8-AFB7-240F4BAB930A}" type="datetimeFigureOut">
               <a:rPr lang="ko-KR" altLang="en-US" smtClean="0"/>
               <a:t>2024-12-08 (Sun)</a:t>
             </a:fld>
@@ -1141,13 +1363,7 @@
       </p:sp>
       <p:sp>
         <p:nvSpPr>
-          <p:cNvPr id="5" name="바닥글 개체 틀 4">
-            <a:extLst>
-              <a:ext uri="{FF2B5EF4-FFF2-40B4-BE49-F238E27FC236}">
-                <a16:creationId xmlns:a16="http://schemas.microsoft.com/office/drawing/2014/main" id="{97D5BC08-5B32-D8CE-6361-9AFCDEC0192E}"/>
-              </a:ext>
-            </a:extLst>
-          </p:cNvPr>
+          <p:cNvPr id="5" name="Footer Placeholder 4"/>
           <p:cNvSpPr>
             <a:spLocks noGrp="1"/>
           </p:cNvSpPr>
@@ -1166,13 +1382,7 @@
       </p:sp>
       <p:sp>
         <p:nvSpPr>
-          <p:cNvPr id="6" name="슬라이드 번호 개체 틀 5">
-            <a:extLst>
-              <a:ext uri="{FF2B5EF4-FFF2-40B4-BE49-F238E27FC236}">
-                <a16:creationId xmlns:a16="http://schemas.microsoft.com/office/drawing/2014/main" id="{509014DD-350A-E700-3007-D11621BB29FA}"/>
-              </a:ext>
-            </a:extLst>
-          </p:cNvPr>
+          <p:cNvPr id="6" name="Slide Number Placeholder 5"/>
           <p:cNvSpPr>
             <a:spLocks noGrp="1"/>
           </p:cNvSpPr>
@@ -1185,7 +1395,7 @@
           <a:bodyPr/>
           <a:lstStyle/>
           <a:p>
-            <a:fld id="{872D9B03-EA98-43FC-B0E6-6C85CB7CE809}" type="slidenum">
+            <a:fld id="{C6AFA24E-139E-4472-A8D9-A6EB820DB9C8}" type="slidenum">
               <a:rPr lang="ko-KR" altLang="en-US" smtClean="0"/>
               <a:t>‹#›</a:t>
             </a:fld>
@@ -1193,10 +1403,48 @@
           </a:p>
         </p:txBody>
       </p:sp>
+      <p:sp>
+        <p:nvSpPr>
+          <p:cNvPr id="7" name="Rectangle 6"/>
+          <p:cNvSpPr/>
+          <p:nvPr/>
+        </p:nvSpPr>
+        <p:spPr>
+          <a:xfrm>
+            <a:off x="0" y="0"/>
+            <a:ext cx="457200" cy="6858000"/>
+          </a:xfrm>
+          <a:prstGeom prst="rect">
+            <a:avLst/>
+          </a:prstGeom>
+          <a:solidFill>
+            <a:schemeClr val="accent1"/>
+          </a:solidFill>
+          <a:ln>
+            <a:noFill/>
+          </a:ln>
+        </p:spPr>
+        <p:style>
+          <a:lnRef idx="2">
+            <a:schemeClr val="accent1">
+              <a:shade val="50000"/>
+            </a:schemeClr>
+          </a:lnRef>
+          <a:fillRef idx="1">
+            <a:schemeClr val="accent1"/>
+          </a:fillRef>
+          <a:effectRef idx="0">
+            <a:schemeClr val="accent1"/>
+          </a:effectRef>
+          <a:fontRef idx="minor">
+            <a:schemeClr val="lt1"/>
+          </a:fontRef>
+        </p:style>
+      </p:sp>
     </p:spTree>
     <p:extLst>
       <p:ext uri="{BB962C8B-B14F-4D97-AF65-F5344CB8AC3E}">
-        <p14:creationId xmlns:p14="http://schemas.microsoft.com/office/powerpoint/2010/main" val="3094696305"/>
+        <p14:creationId xmlns:p14="http://schemas.microsoft.com/office/powerpoint/2010/main" val="1254187958"/>
       </p:ext>
     </p:extLst>
   </p:cSld>
@@ -1225,13 +1473,7 @@
       </p:grpSpPr>
       <p:sp>
         <p:nvSpPr>
-          <p:cNvPr id="2" name="제목 1">
-            <a:extLst>
-              <a:ext uri="{FF2B5EF4-FFF2-40B4-BE49-F238E27FC236}">
-                <a16:creationId xmlns:a16="http://schemas.microsoft.com/office/drawing/2014/main" id="{0121499E-B312-DF0D-56AC-E17C169EC023}"/>
-              </a:ext>
-            </a:extLst>
-          </p:cNvPr>
+          <p:cNvPr id="2" name="Title 1"/>
           <p:cNvSpPr>
             <a:spLocks noGrp="1"/>
           </p:cNvSpPr>
@@ -1248,18 +1490,13 @@
               <a:rPr lang="ko-KR" altLang="en-US"/>
               <a:t>마스터 제목 스타일 편집</a:t>
             </a:r>
-          </a:p>
-        </p:txBody>
-      </p:sp>
-      <p:sp>
-        <p:nvSpPr>
-          <p:cNvPr id="3" name="내용 개체 틀 2">
-            <a:extLst>
-              <a:ext uri="{FF2B5EF4-FFF2-40B4-BE49-F238E27FC236}">
-                <a16:creationId xmlns:a16="http://schemas.microsoft.com/office/drawing/2014/main" id="{9DFC33D7-F23D-5159-AE70-8A86DDD10422}"/>
-              </a:ext>
-            </a:extLst>
-          </p:cNvPr>
+            <a:endParaRPr lang="en-US"/>
+          </a:p>
+        </p:txBody>
+      </p:sp>
+      <p:sp>
+        <p:nvSpPr>
+          <p:cNvPr id="3" name="Content Placeholder 2"/>
           <p:cNvSpPr>
             <a:spLocks noGrp="1"/>
           </p:cNvSpPr>
@@ -1269,13 +1506,41 @@
         </p:nvSpPr>
         <p:spPr>
           <a:xfrm>
-            <a:off x="838200" y="1825625"/>
-            <a:ext cx="5181600" cy="4351338"/>
+            <a:off x="1261872" y="1828800"/>
+            <a:ext cx="4480560" cy="4351337"/>
           </a:xfrm>
         </p:spPr>
         <p:txBody>
           <a:bodyPr/>
-          <a:lstStyle/>
+          <a:lstStyle>
+            <a:lvl1pPr>
+              <a:defRPr sz="1800"/>
+            </a:lvl1pPr>
+            <a:lvl2pPr>
+              <a:defRPr sz="1600"/>
+            </a:lvl2pPr>
+            <a:lvl3pPr>
+              <a:defRPr sz="1400"/>
+            </a:lvl3pPr>
+            <a:lvl4pPr>
+              <a:defRPr sz="1400"/>
+            </a:lvl4pPr>
+            <a:lvl5pPr>
+              <a:defRPr sz="1400"/>
+            </a:lvl5pPr>
+            <a:lvl6pPr>
+              <a:defRPr sz="1400"/>
+            </a:lvl6pPr>
+            <a:lvl7pPr>
+              <a:defRPr sz="1400"/>
+            </a:lvl7pPr>
+            <a:lvl8pPr>
+              <a:defRPr sz="1400"/>
+            </a:lvl8pPr>
+            <a:lvl9pPr>
+              <a:defRPr sz="1400"/>
+            </a:lvl9pPr>
+          </a:lstStyle>
           <a:p>
             <a:pPr lvl="0"/>
             <a:r>
@@ -1310,18 +1575,13 @@
               <a:rPr lang="ko-KR" altLang="en-US"/>
               <a:t>다섯 번째 수준</a:t>
             </a:r>
-          </a:p>
-        </p:txBody>
-      </p:sp>
-      <p:sp>
-        <p:nvSpPr>
-          <p:cNvPr id="4" name="내용 개체 틀 3">
-            <a:extLst>
-              <a:ext uri="{FF2B5EF4-FFF2-40B4-BE49-F238E27FC236}">
-                <a16:creationId xmlns:a16="http://schemas.microsoft.com/office/drawing/2014/main" id="{60597B4B-69CF-F764-9573-80B03F90A923}"/>
-              </a:ext>
-            </a:extLst>
-          </p:cNvPr>
+            <a:endParaRPr lang="en-US"/>
+          </a:p>
+        </p:txBody>
+      </p:sp>
+      <p:sp>
+        <p:nvSpPr>
+          <p:cNvPr id="4" name="Content Placeholder 3"/>
           <p:cNvSpPr>
             <a:spLocks noGrp="1"/>
           </p:cNvSpPr>
@@ -1331,13 +1591,41 @@
         </p:nvSpPr>
         <p:spPr>
           <a:xfrm>
-            <a:off x="6172200" y="1825625"/>
-            <a:ext cx="5181600" cy="4351338"/>
+            <a:off x="6126480" y="1828800"/>
+            <a:ext cx="4480560" cy="4351337"/>
           </a:xfrm>
         </p:spPr>
         <p:txBody>
           <a:bodyPr/>
-          <a:lstStyle/>
+          <a:lstStyle>
+            <a:lvl1pPr>
+              <a:defRPr sz="1800"/>
+            </a:lvl1pPr>
+            <a:lvl2pPr>
+              <a:defRPr sz="1600"/>
+            </a:lvl2pPr>
+            <a:lvl3pPr>
+              <a:defRPr sz="1400"/>
+            </a:lvl3pPr>
+            <a:lvl4pPr>
+              <a:defRPr sz="1400"/>
+            </a:lvl4pPr>
+            <a:lvl5pPr>
+              <a:defRPr sz="1400"/>
+            </a:lvl5pPr>
+            <a:lvl6pPr>
+              <a:defRPr sz="1400"/>
+            </a:lvl6pPr>
+            <a:lvl7pPr>
+              <a:defRPr sz="1400"/>
+            </a:lvl7pPr>
+            <a:lvl8pPr>
+              <a:defRPr sz="1400"/>
+            </a:lvl8pPr>
+            <a:lvl9pPr>
+              <a:defRPr sz="1400"/>
+            </a:lvl9pPr>
+          </a:lstStyle>
           <a:p>
             <a:pPr lvl="0"/>
             <a:r>
@@ -1372,18 +1660,13 @@
               <a:rPr lang="ko-KR" altLang="en-US"/>
               <a:t>다섯 번째 수준</a:t>
             </a:r>
-          </a:p>
-        </p:txBody>
-      </p:sp>
-      <p:sp>
-        <p:nvSpPr>
-          <p:cNvPr id="5" name="날짜 개체 틀 4">
-            <a:extLst>
-              <a:ext uri="{FF2B5EF4-FFF2-40B4-BE49-F238E27FC236}">
-                <a16:creationId xmlns:a16="http://schemas.microsoft.com/office/drawing/2014/main" id="{0370F4D0-201C-2501-278C-A80D89F59649}"/>
-              </a:ext>
-            </a:extLst>
-          </p:cNvPr>
+            <a:endParaRPr lang="en-US"/>
+          </a:p>
+        </p:txBody>
+      </p:sp>
+      <p:sp>
+        <p:nvSpPr>
+          <p:cNvPr id="5" name="Date Placeholder 4"/>
           <p:cNvSpPr>
             <a:spLocks noGrp="1"/>
           </p:cNvSpPr>
@@ -1396,7 +1679,7 @@
           <a:bodyPr/>
           <a:lstStyle/>
           <a:p>
-            <a:fld id="{EDC5E968-A43C-487E-B1C7-C3EB13612E90}" type="datetimeFigureOut">
+            <a:fld id="{010A0EC7-C1CC-42C8-AFB7-240F4BAB930A}" type="datetimeFigureOut">
               <a:rPr lang="ko-KR" altLang="en-US" smtClean="0"/>
               <a:t>2024-12-08 (Sun)</a:t>
             </a:fld>
@@ -1406,13 +1689,7 @@
       </p:sp>
       <p:sp>
         <p:nvSpPr>
-          <p:cNvPr id="6" name="바닥글 개체 틀 5">
-            <a:extLst>
-              <a:ext uri="{FF2B5EF4-FFF2-40B4-BE49-F238E27FC236}">
-                <a16:creationId xmlns:a16="http://schemas.microsoft.com/office/drawing/2014/main" id="{9305C194-75C0-704F-76A2-74ADBD80E393}"/>
-              </a:ext>
-            </a:extLst>
-          </p:cNvPr>
+          <p:cNvPr id="6" name="Footer Placeholder 5"/>
           <p:cNvSpPr>
             <a:spLocks noGrp="1"/>
           </p:cNvSpPr>
@@ -1431,13 +1708,7 @@
       </p:sp>
       <p:sp>
         <p:nvSpPr>
-          <p:cNvPr id="7" name="슬라이드 번호 개체 틀 6">
-            <a:extLst>
-              <a:ext uri="{FF2B5EF4-FFF2-40B4-BE49-F238E27FC236}">
-                <a16:creationId xmlns:a16="http://schemas.microsoft.com/office/drawing/2014/main" id="{FC83A77D-AECA-5303-6B47-51725236A716}"/>
-              </a:ext>
-            </a:extLst>
-          </p:cNvPr>
+          <p:cNvPr id="7" name="Slide Number Placeholder 6"/>
           <p:cNvSpPr>
             <a:spLocks noGrp="1"/>
           </p:cNvSpPr>
@@ -1450,7 +1721,7 @@
           <a:bodyPr/>
           <a:lstStyle/>
           <a:p>
-            <a:fld id="{872D9B03-EA98-43FC-B0E6-6C85CB7CE809}" type="slidenum">
+            <a:fld id="{C6AFA24E-139E-4472-A8D9-A6EB820DB9C8}" type="slidenum">
               <a:rPr lang="ko-KR" altLang="en-US" smtClean="0"/>
               <a:t>‹#›</a:t>
             </a:fld>
@@ -1461,7 +1732,7 @@
     </p:spTree>
     <p:extLst>
       <p:ext uri="{BB962C8B-B14F-4D97-AF65-F5344CB8AC3E}">
-        <p14:creationId xmlns:p14="http://schemas.microsoft.com/office/powerpoint/2010/main" val="2183309172"/>
+        <p14:creationId xmlns:p14="http://schemas.microsoft.com/office/powerpoint/2010/main" val="2064086132"/>
       </p:ext>
     </p:extLst>
   </p:cSld>
@@ -1490,65 +1761,58 @@
       </p:grpSpPr>
       <p:sp>
         <p:nvSpPr>
-          <p:cNvPr id="2" name="제목 1">
-            <a:extLst>
-              <a:ext uri="{FF2B5EF4-FFF2-40B4-BE49-F238E27FC236}">
-                <a16:creationId xmlns:a16="http://schemas.microsoft.com/office/drawing/2014/main" id="{D781FDF7-5435-F095-E4E1-8985512F1F94}"/>
-              </a:ext>
-            </a:extLst>
-          </p:cNvPr>
+          <p:cNvPr id="10" name="Title 9"/>
           <p:cNvSpPr>
             <a:spLocks noGrp="1"/>
           </p:cNvSpPr>
           <p:nvPr>
             <p:ph type="title"/>
+          </p:nvPr>
+        </p:nvSpPr>
+        <p:spPr/>
+        <p:txBody>
+          <a:bodyPr/>
+          <a:lstStyle/>
+          <a:p>
+            <a:r>
+              <a:rPr lang="ko-KR" altLang="en-US"/>
+              <a:t>마스터 제목 스타일 편집</a:t>
+            </a:r>
+            <a:endParaRPr lang="en-US"/>
+          </a:p>
+        </p:txBody>
+      </p:sp>
+      <p:sp>
+        <p:nvSpPr>
+          <p:cNvPr id="3" name="Text Placeholder 2"/>
+          <p:cNvSpPr>
+            <a:spLocks noGrp="1"/>
+          </p:cNvSpPr>
+          <p:nvPr>
+            <p:ph type="body" idx="1"/>
           </p:nvPr>
         </p:nvSpPr>
         <p:spPr>
           <a:xfrm>
-            <a:off x="839788" y="365125"/>
-            <a:ext cx="10515600" cy="1325563"/>
+            <a:off x="1261872" y="1713655"/>
+            <a:ext cx="4480560" cy="731520"/>
           </a:xfrm>
         </p:spPr>
         <p:txBody>
-          <a:bodyPr/>
-          <a:lstStyle/>
-          <a:p>
-            <a:r>
-              <a:rPr lang="ko-KR" altLang="en-US"/>
-              <a:t>마스터 제목 스타일 편집</a:t>
-            </a:r>
-          </a:p>
-        </p:txBody>
-      </p:sp>
-      <p:sp>
-        <p:nvSpPr>
-          <p:cNvPr id="3" name="텍스트 개체 틀 2">
-            <a:extLst>
-              <a:ext uri="{FF2B5EF4-FFF2-40B4-BE49-F238E27FC236}">
-                <a16:creationId xmlns:a16="http://schemas.microsoft.com/office/drawing/2014/main" id="{864DDD9B-B57D-8DEC-9EF3-83E263CC7F48}"/>
-              </a:ext>
-            </a:extLst>
-          </p:cNvPr>
-          <p:cNvSpPr>
-            <a:spLocks noGrp="1"/>
-          </p:cNvSpPr>
-          <p:nvPr>
-            <p:ph type="body" idx="1"/>
-          </p:nvPr>
-        </p:nvSpPr>
-        <p:spPr>
-          <a:xfrm>
-            <a:off x="839788" y="1681163"/>
-            <a:ext cx="5157787" cy="823912"/>
-          </a:xfrm>
-        </p:spPr>
-        <p:txBody>
-          <a:bodyPr anchor="b"/>
+          <a:bodyPr anchor="b">
+            <a:normAutofit/>
+          </a:bodyPr>
           <a:lstStyle>
             <a:lvl1pPr marL="0" indent="0">
-              <a:buNone/>
-              <a:defRPr sz="2400" b="1"/>
+              <a:spcBef>
+                <a:spcPts val="0"/>
+              </a:spcBef>
+              <a:buNone/>
+              <a:defRPr sz="2000" b="0">
+                <a:solidFill>
+                  <a:schemeClr val="tx2"/>
+                </a:solidFill>
+              </a:defRPr>
             </a:lvl1pPr>
             <a:lvl2pPr marL="457200" indent="0">
               <a:buNone/>
@@ -1594,13 +1858,7 @@
       </p:sp>
       <p:sp>
         <p:nvSpPr>
-          <p:cNvPr id="4" name="내용 개체 틀 3">
-            <a:extLst>
-              <a:ext uri="{FF2B5EF4-FFF2-40B4-BE49-F238E27FC236}">
-                <a16:creationId xmlns:a16="http://schemas.microsoft.com/office/drawing/2014/main" id="{5AB6D243-DE80-A4F1-7DB6-DFF3EC7C5600}"/>
-              </a:ext>
-            </a:extLst>
-          </p:cNvPr>
+          <p:cNvPr id="4" name="Content Placeholder 3"/>
           <p:cNvSpPr>
             <a:spLocks noGrp="1"/>
           </p:cNvSpPr>
@@ -1610,13 +1868,41 @@
         </p:nvSpPr>
         <p:spPr>
           <a:xfrm>
-            <a:off x="839788" y="2505075"/>
-            <a:ext cx="5157787" cy="3684588"/>
+            <a:off x="1261872" y="2507550"/>
+            <a:ext cx="4480560" cy="3664650"/>
           </a:xfrm>
         </p:spPr>
         <p:txBody>
           <a:bodyPr/>
-          <a:lstStyle/>
+          <a:lstStyle>
+            <a:lvl1pPr>
+              <a:defRPr sz="1800"/>
+            </a:lvl1pPr>
+            <a:lvl2pPr>
+              <a:defRPr sz="1600"/>
+            </a:lvl2pPr>
+            <a:lvl3pPr>
+              <a:defRPr sz="1400"/>
+            </a:lvl3pPr>
+            <a:lvl4pPr>
+              <a:defRPr sz="1400"/>
+            </a:lvl4pPr>
+            <a:lvl5pPr>
+              <a:defRPr sz="1400"/>
+            </a:lvl5pPr>
+            <a:lvl6pPr>
+              <a:defRPr sz="1400"/>
+            </a:lvl6pPr>
+            <a:lvl7pPr>
+              <a:defRPr sz="1400"/>
+            </a:lvl7pPr>
+            <a:lvl8pPr>
+              <a:defRPr sz="1400"/>
+            </a:lvl8pPr>
+            <a:lvl9pPr>
+              <a:defRPr sz="1400"/>
+            </a:lvl9pPr>
+          </a:lstStyle>
           <a:p>
             <a:pPr lvl="0"/>
             <a:r>
@@ -1651,18 +1937,13 @@
               <a:rPr lang="ko-KR" altLang="en-US"/>
               <a:t>다섯 번째 수준</a:t>
             </a:r>
-          </a:p>
-        </p:txBody>
-      </p:sp>
-      <p:sp>
-        <p:nvSpPr>
-          <p:cNvPr id="5" name="텍스트 개체 틀 4">
-            <a:extLst>
-              <a:ext uri="{FF2B5EF4-FFF2-40B4-BE49-F238E27FC236}">
-                <a16:creationId xmlns:a16="http://schemas.microsoft.com/office/drawing/2014/main" id="{07F9AF10-B725-AF08-3EF4-ABE344EFB0C9}"/>
-              </a:ext>
-            </a:extLst>
-          </p:cNvPr>
+            <a:endParaRPr lang="en-US"/>
+          </a:p>
+        </p:txBody>
+      </p:sp>
+      <p:sp>
+        <p:nvSpPr>
+          <p:cNvPr id="5" name="Text Placeholder 4"/>
           <p:cNvSpPr>
             <a:spLocks noGrp="1"/>
           </p:cNvSpPr>
@@ -1672,16 +1953,31 @@
         </p:nvSpPr>
         <p:spPr>
           <a:xfrm>
-            <a:off x="6172200" y="1681163"/>
-            <a:ext cx="5183188" cy="823912"/>
+            <a:off x="6126480" y="1713655"/>
+            <a:ext cx="4480560" cy="731520"/>
           </a:xfrm>
         </p:spPr>
         <p:txBody>
-          <a:bodyPr anchor="b"/>
+          <a:bodyPr anchor="b">
+            <a:normAutofit/>
+          </a:bodyPr>
           <a:lstStyle>
             <a:lvl1pPr marL="0" indent="0">
-              <a:buNone/>
-              <a:defRPr sz="2400" b="1"/>
+              <a:lnSpc>
+                <a:spcPct val="95000"/>
+              </a:lnSpc>
+              <a:spcBef>
+                <a:spcPts val="0"/>
+              </a:spcBef>
+              <a:buNone/>
+              <a:defRPr lang="en-US" sz="2000" b="0" kern="1200" dirty="0">
+                <a:solidFill>
+                  <a:schemeClr val="tx2"/>
+                </a:solidFill>
+                <a:latin typeface="+mn-lt"/>
+                <a:ea typeface="+mn-ea"/>
+                <a:cs typeface="+mn-cs"/>
+              </a:defRPr>
             </a:lvl1pPr>
             <a:lvl2pPr marL="457200" indent="0">
               <a:buNone/>
@@ -1717,7 +2013,16 @@
             </a:lvl9pPr>
           </a:lstStyle>
           <a:p>
-            <a:pPr lvl="0"/>
+            <a:pPr marL="0" lvl="0" indent="0" algn="l" defTabSz="914400" rtl="0" eaLnBrk="1" latinLnBrk="0" hangingPunct="1">
+              <a:lnSpc>
+                <a:spcPct val="90000"/>
+              </a:lnSpc>
+              <a:spcBef>
+                <a:spcPts val="2000"/>
+              </a:spcBef>
+              <a:buFontTx/>
+              <a:buNone/>
+            </a:pPr>
             <a:r>
               <a:rPr lang="ko-KR" altLang="en-US"/>
               <a:t>마스터 텍스트 스타일을 편집하려면 클릭</a:t>
@@ -1727,13 +2032,7 @@
       </p:sp>
       <p:sp>
         <p:nvSpPr>
-          <p:cNvPr id="6" name="내용 개체 틀 5">
-            <a:extLst>
-              <a:ext uri="{FF2B5EF4-FFF2-40B4-BE49-F238E27FC236}">
-                <a16:creationId xmlns:a16="http://schemas.microsoft.com/office/drawing/2014/main" id="{16BFFF84-635E-C596-422E-AD2C71A32995}"/>
-              </a:ext>
-            </a:extLst>
-          </p:cNvPr>
+          <p:cNvPr id="6" name="Content Placeholder 5"/>
           <p:cNvSpPr>
             <a:spLocks noGrp="1"/>
           </p:cNvSpPr>
@@ -1743,13 +2042,41 @@
         </p:nvSpPr>
         <p:spPr>
           <a:xfrm>
-            <a:off x="6172200" y="2505075"/>
-            <a:ext cx="5183188" cy="3684588"/>
+            <a:off x="6126480" y="2507550"/>
+            <a:ext cx="4480560" cy="3664650"/>
           </a:xfrm>
         </p:spPr>
         <p:txBody>
           <a:bodyPr/>
-          <a:lstStyle/>
+          <a:lstStyle>
+            <a:lvl1pPr>
+              <a:defRPr sz="1800"/>
+            </a:lvl1pPr>
+            <a:lvl2pPr>
+              <a:defRPr sz="1600"/>
+            </a:lvl2pPr>
+            <a:lvl3pPr>
+              <a:defRPr sz="1400"/>
+            </a:lvl3pPr>
+            <a:lvl4pPr>
+              <a:defRPr sz="1400"/>
+            </a:lvl4pPr>
+            <a:lvl5pPr>
+              <a:defRPr sz="1400"/>
+            </a:lvl5pPr>
+            <a:lvl6pPr>
+              <a:defRPr sz="1400"/>
+            </a:lvl6pPr>
+            <a:lvl7pPr>
+              <a:defRPr sz="1400"/>
+            </a:lvl7pPr>
+            <a:lvl8pPr>
+              <a:defRPr sz="1400"/>
+            </a:lvl8pPr>
+            <a:lvl9pPr>
+              <a:defRPr sz="1400"/>
+            </a:lvl9pPr>
+          </a:lstStyle>
           <a:p>
             <a:pPr lvl="0"/>
             <a:r>
@@ -1784,18 +2111,13 @@
               <a:rPr lang="ko-KR" altLang="en-US"/>
               <a:t>다섯 번째 수준</a:t>
             </a:r>
-          </a:p>
-        </p:txBody>
-      </p:sp>
-      <p:sp>
-        <p:nvSpPr>
-          <p:cNvPr id="7" name="날짜 개체 틀 6">
-            <a:extLst>
-              <a:ext uri="{FF2B5EF4-FFF2-40B4-BE49-F238E27FC236}">
-                <a16:creationId xmlns:a16="http://schemas.microsoft.com/office/drawing/2014/main" id="{8611F34C-4F60-F746-A6B2-40D158F3E80A}"/>
-              </a:ext>
-            </a:extLst>
-          </p:cNvPr>
+            <a:endParaRPr lang="en-US"/>
+          </a:p>
+        </p:txBody>
+      </p:sp>
+      <p:sp>
+        <p:nvSpPr>
+          <p:cNvPr id="7" name="Date Placeholder 6"/>
           <p:cNvSpPr>
             <a:spLocks noGrp="1"/>
           </p:cNvSpPr>
@@ -1808,7 +2130,7 @@
           <a:bodyPr/>
           <a:lstStyle/>
           <a:p>
-            <a:fld id="{EDC5E968-A43C-487E-B1C7-C3EB13612E90}" type="datetimeFigureOut">
+            <a:fld id="{010A0EC7-C1CC-42C8-AFB7-240F4BAB930A}" type="datetimeFigureOut">
               <a:rPr lang="ko-KR" altLang="en-US" smtClean="0"/>
               <a:t>2024-12-08 (Sun)</a:t>
             </a:fld>
@@ -1818,13 +2140,7 @@
       </p:sp>
       <p:sp>
         <p:nvSpPr>
-          <p:cNvPr id="8" name="바닥글 개체 틀 7">
-            <a:extLst>
-              <a:ext uri="{FF2B5EF4-FFF2-40B4-BE49-F238E27FC236}">
-                <a16:creationId xmlns:a16="http://schemas.microsoft.com/office/drawing/2014/main" id="{91EB5EA2-ED9E-54A3-9EED-5D50F89C28F4}"/>
-              </a:ext>
-            </a:extLst>
-          </p:cNvPr>
+          <p:cNvPr id="8" name="Footer Placeholder 7"/>
           <p:cNvSpPr>
             <a:spLocks noGrp="1"/>
           </p:cNvSpPr>
@@ -1843,13 +2159,7 @@
       </p:sp>
       <p:sp>
         <p:nvSpPr>
-          <p:cNvPr id="9" name="슬라이드 번호 개체 틀 8">
-            <a:extLst>
-              <a:ext uri="{FF2B5EF4-FFF2-40B4-BE49-F238E27FC236}">
-                <a16:creationId xmlns:a16="http://schemas.microsoft.com/office/drawing/2014/main" id="{541DF306-59C8-5CA3-6854-7ED25CA26E57}"/>
-              </a:ext>
-            </a:extLst>
-          </p:cNvPr>
+          <p:cNvPr id="9" name="Slide Number Placeholder 8"/>
           <p:cNvSpPr>
             <a:spLocks noGrp="1"/>
           </p:cNvSpPr>
@@ -1862,7 +2172,7 @@
           <a:bodyPr/>
           <a:lstStyle/>
           <a:p>
-            <a:fld id="{872D9B03-EA98-43FC-B0E6-6C85CB7CE809}" type="slidenum">
+            <a:fld id="{C6AFA24E-139E-4472-A8D9-A6EB820DB9C8}" type="slidenum">
               <a:rPr lang="ko-KR" altLang="en-US" smtClean="0"/>
               <a:t>‹#›</a:t>
             </a:fld>
@@ -1873,7 +2183,7 @@
     </p:spTree>
     <p:extLst>
       <p:ext uri="{BB962C8B-B14F-4D97-AF65-F5344CB8AC3E}">
-        <p14:creationId xmlns:p14="http://schemas.microsoft.com/office/powerpoint/2010/main" val="3108268060"/>
+        <p14:creationId xmlns:p14="http://schemas.microsoft.com/office/powerpoint/2010/main" val="2459878931"/>
       </p:ext>
     </p:extLst>
   </p:cSld>
@@ -1902,13 +2212,7 @@
       </p:grpSpPr>
       <p:sp>
         <p:nvSpPr>
-          <p:cNvPr id="2" name="제목 1">
-            <a:extLst>
-              <a:ext uri="{FF2B5EF4-FFF2-40B4-BE49-F238E27FC236}">
-                <a16:creationId xmlns:a16="http://schemas.microsoft.com/office/drawing/2014/main" id="{E6139508-3F21-73E9-BAC6-F0D0B994A3A7}"/>
-              </a:ext>
-            </a:extLst>
-          </p:cNvPr>
+          <p:cNvPr id="6" name="Title 5"/>
           <p:cNvSpPr>
             <a:spLocks noGrp="1"/>
           </p:cNvSpPr>
@@ -1925,18 +2229,13 @@
               <a:rPr lang="ko-KR" altLang="en-US"/>
               <a:t>마스터 제목 스타일 편집</a:t>
             </a:r>
-          </a:p>
-        </p:txBody>
-      </p:sp>
-      <p:sp>
-        <p:nvSpPr>
-          <p:cNvPr id="3" name="날짜 개체 틀 2">
-            <a:extLst>
-              <a:ext uri="{FF2B5EF4-FFF2-40B4-BE49-F238E27FC236}">
-                <a16:creationId xmlns:a16="http://schemas.microsoft.com/office/drawing/2014/main" id="{AE33465B-4C79-EC4A-3EA8-55B037660FED}"/>
-              </a:ext>
-            </a:extLst>
-          </p:cNvPr>
+            <a:endParaRPr lang="en-US"/>
+          </a:p>
+        </p:txBody>
+      </p:sp>
+      <p:sp>
+        <p:nvSpPr>
+          <p:cNvPr id="3" name="Date Placeholder 2"/>
           <p:cNvSpPr>
             <a:spLocks noGrp="1"/>
           </p:cNvSpPr>
@@ -1949,7 +2248,7 @@
           <a:bodyPr/>
           <a:lstStyle/>
           <a:p>
-            <a:fld id="{EDC5E968-A43C-487E-B1C7-C3EB13612E90}" type="datetimeFigureOut">
+            <a:fld id="{010A0EC7-C1CC-42C8-AFB7-240F4BAB930A}" type="datetimeFigureOut">
               <a:rPr lang="ko-KR" altLang="en-US" smtClean="0"/>
               <a:t>2024-12-08 (Sun)</a:t>
             </a:fld>
@@ -1959,13 +2258,7 @@
       </p:sp>
       <p:sp>
         <p:nvSpPr>
-          <p:cNvPr id="4" name="바닥글 개체 틀 3">
-            <a:extLst>
-              <a:ext uri="{FF2B5EF4-FFF2-40B4-BE49-F238E27FC236}">
-                <a16:creationId xmlns:a16="http://schemas.microsoft.com/office/drawing/2014/main" id="{50329AB5-6199-1706-3AB3-BC6296CFC47F}"/>
-              </a:ext>
-            </a:extLst>
-          </p:cNvPr>
+          <p:cNvPr id="4" name="Footer Placeholder 3"/>
           <p:cNvSpPr>
             <a:spLocks noGrp="1"/>
           </p:cNvSpPr>
@@ -1984,13 +2277,7 @@
       </p:sp>
       <p:sp>
         <p:nvSpPr>
-          <p:cNvPr id="5" name="슬라이드 번호 개체 틀 4">
-            <a:extLst>
-              <a:ext uri="{FF2B5EF4-FFF2-40B4-BE49-F238E27FC236}">
-                <a16:creationId xmlns:a16="http://schemas.microsoft.com/office/drawing/2014/main" id="{46A3167A-2C79-DE77-051F-AAF7666F963E}"/>
-              </a:ext>
-            </a:extLst>
-          </p:cNvPr>
+          <p:cNvPr id="5" name="Slide Number Placeholder 4"/>
           <p:cNvSpPr>
             <a:spLocks noGrp="1"/>
           </p:cNvSpPr>
@@ -2003,7 +2290,7 @@
           <a:bodyPr/>
           <a:lstStyle/>
           <a:p>
-            <a:fld id="{872D9B03-EA98-43FC-B0E6-6C85CB7CE809}" type="slidenum">
+            <a:fld id="{C6AFA24E-139E-4472-A8D9-A6EB820DB9C8}" type="slidenum">
               <a:rPr lang="ko-KR" altLang="en-US" smtClean="0"/>
               <a:t>‹#›</a:t>
             </a:fld>
@@ -2014,7 +2301,7 @@
     </p:spTree>
     <p:extLst>
       <p:ext uri="{BB962C8B-B14F-4D97-AF65-F5344CB8AC3E}">
-        <p14:creationId xmlns:p14="http://schemas.microsoft.com/office/powerpoint/2010/main" val="420704682"/>
+        <p14:creationId xmlns:p14="http://schemas.microsoft.com/office/powerpoint/2010/main" val="1846320159"/>
       </p:ext>
     </p:extLst>
   </p:cSld>
@@ -2043,13 +2330,7 @@
       </p:grpSpPr>
       <p:sp>
         <p:nvSpPr>
-          <p:cNvPr id="2" name="날짜 개체 틀 1">
-            <a:extLst>
-              <a:ext uri="{FF2B5EF4-FFF2-40B4-BE49-F238E27FC236}">
-                <a16:creationId xmlns:a16="http://schemas.microsoft.com/office/drawing/2014/main" id="{60A01ACD-4713-B1F5-D103-79B12F58A68B}"/>
-              </a:ext>
-            </a:extLst>
-          </p:cNvPr>
+          <p:cNvPr id="2" name="Date Placeholder 1"/>
           <p:cNvSpPr>
             <a:spLocks noGrp="1"/>
           </p:cNvSpPr>
@@ -2062,7 +2343,7 @@
           <a:bodyPr/>
           <a:lstStyle/>
           <a:p>
-            <a:fld id="{EDC5E968-A43C-487E-B1C7-C3EB13612E90}" type="datetimeFigureOut">
+            <a:fld id="{010A0EC7-C1CC-42C8-AFB7-240F4BAB930A}" type="datetimeFigureOut">
               <a:rPr lang="ko-KR" altLang="en-US" smtClean="0"/>
               <a:t>2024-12-08 (Sun)</a:t>
             </a:fld>
@@ -2072,13 +2353,7 @@
       </p:sp>
       <p:sp>
         <p:nvSpPr>
-          <p:cNvPr id="3" name="바닥글 개체 틀 2">
-            <a:extLst>
-              <a:ext uri="{FF2B5EF4-FFF2-40B4-BE49-F238E27FC236}">
-                <a16:creationId xmlns:a16="http://schemas.microsoft.com/office/drawing/2014/main" id="{5DC9D398-6293-E953-F7F6-21862C9F902A}"/>
-              </a:ext>
-            </a:extLst>
-          </p:cNvPr>
+          <p:cNvPr id="3" name="Footer Placeholder 2"/>
           <p:cNvSpPr>
             <a:spLocks noGrp="1"/>
           </p:cNvSpPr>
@@ -2097,13 +2372,7 @@
       </p:sp>
       <p:sp>
         <p:nvSpPr>
-          <p:cNvPr id="4" name="슬라이드 번호 개체 틀 3">
-            <a:extLst>
-              <a:ext uri="{FF2B5EF4-FFF2-40B4-BE49-F238E27FC236}">
-                <a16:creationId xmlns:a16="http://schemas.microsoft.com/office/drawing/2014/main" id="{DC4CDFBA-C95E-A29C-F17C-28B2F9BF2AED}"/>
-              </a:ext>
-            </a:extLst>
-          </p:cNvPr>
+          <p:cNvPr id="4" name="Slide Number Placeholder 3"/>
           <p:cNvSpPr>
             <a:spLocks noGrp="1"/>
           </p:cNvSpPr>
@@ -2116,7 +2385,7 @@
           <a:bodyPr/>
           <a:lstStyle/>
           <a:p>
-            <a:fld id="{872D9B03-EA98-43FC-B0E6-6C85CB7CE809}" type="slidenum">
+            <a:fld id="{C6AFA24E-139E-4472-A8D9-A6EB820DB9C8}" type="slidenum">
               <a:rPr lang="ko-KR" altLang="en-US" smtClean="0"/>
               <a:t>‹#›</a:t>
             </a:fld>
@@ -2127,7 +2396,7 @@
     </p:spTree>
     <p:extLst>
       <p:ext uri="{BB962C8B-B14F-4D97-AF65-F5344CB8AC3E}">
-        <p14:creationId xmlns:p14="http://schemas.microsoft.com/office/powerpoint/2010/main" val="132068206"/>
+        <p14:creationId xmlns:p14="http://schemas.microsoft.com/office/powerpoint/2010/main" val="10288659"/>
       </p:ext>
     </p:extLst>
   </p:cSld>
@@ -2156,13 +2425,7 @@
       </p:grpSpPr>
       <p:sp>
         <p:nvSpPr>
-          <p:cNvPr id="2" name="제목 1">
-            <a:extLst>
-              <a:ext uri="{FF2B5EF4-FFF2-40B4-BE49-F238E27FC236}">
-                <a16:creationId xmlns:a16="http://schemas.microsoft.com/office/drawing/2014/main" id="{F9E69B28-8091-A3EA-4518-F877A3AE1C62}"/>
-              </a:ext>
-            </a:extLst>
-          </p:cNvPr>
+          <p:cNvPr id="2" name="Title 1"/>
           <p:cNvSpPr>
             <a:spLocks noGrp="1"/>
           </p:cNvSpPr>
@@ -2172,15 +2435,17 @@
         </p:nvSpPr>
         <p:spPr>
           <a:xfrm>
-            <a:off x="839788" y="457200"/>
-            <a:ext cx="3932237" cy="1600200"/>
+            <a:off x="841248" y="457200"/>
+            <a:ext cx="3200400" cy="1600197"/>
           </a:xfrm>
         </p:spPr>
         <p:txBody>
-          <a:bodyPr anchor="b"/>
+          <a:bodyPr anchor="b">
+            <a:normAutofit/>
+          </a:bodyPr>
           <a:lstStyle>
             <a:lvl1pPr>
-              <a:defRPr sz="3200"/>
+              <a:defRPr sz="3200" b="0" baseline="0"/>
             </a:lvl1pPr>
           </a:lstStyle>
           <a:p>
@@ -2188,18 +2453,13 @@
               <a:rPr lang="ko-KR" altLang="en-US"/>
               <a:t>마스터 제목 스타일 편집</a:t>
             </a:r>
-          </a:p>
-        </p:txBody>
-      </p:sp>
-      <p:sp>
-        <p:nvSpPr>
-          <p:cNvPr id="3" name="내용 개체 틀 2">
-            <a:extLst>
-              <a:ext uri="{FF2B5EF4-FFF2-40B4-BE49-F238E27FC236}">
-                <a16:creationId xmlns:a16="http://schemas.microsoft.com/office/drawing/2014/main" id="{5AFEDFA3-93EB-76BF-8A53-61B003E0B3B9}"/>
-              </a:ext>
-            </a:extLst>
-          </p:cNvPr>
+            <a:endParaRPr lang="en-US"/>
+          </a:p>
+        </p:txBody>
+      </p:sp>
+      <p:sp>
+        <p:nvSpPr>
+          <p:cNvPr id="3" name="Content Placeholder 2"/>
           <p:cNvSpPr>
             <a:spLocks noGrp="1"/>
           </p:cNvSpPr>
@@ -2209,39 +2469,39 @@
         </p:nvSpPr>
         <p:spPr>
           <a:xfrm>
-            <a:off x="5183188" y="987425"/>
-            <a:ext cx="6172200" cy="4873625"/>
+            <a:off x="4504267" y="685800"/>
+            <a:ext cx="6079066" cy="5486400"/>
           </a:xfrm>
         </p:spPr>
         <p:txBody>
           <a:bodyPr/>
           <a:lstStyle>
             <a:lvl1pPr>
-              <a:defRPr sz="3200"/>
+              <a:defRPr sz="2000"/>
             </a:lvl1pPr>
             <a:lvl2pPr>
-              <a:defRPr sz="2800"/>
+              <a:defRPr sz="1800"/>
             </a:lvl2pPr>
             <a:lvl3pPr>
-              <a:defRPr sz="2400"/>
+              <a:defRPr sz="1600"/>
             </a:lvl3pPr>
             <a:lvl4pPr>
-              <a:defRPr sz="2000"/>
+              <a:defRPr sz="1400"/>
             </a:lvl4pPr>
             <a:lvl5pPr>
-              <a:defRPr sz="2000"/>
+              <a:defRPr sz="1400"/>
             </a:lvl5pPr>
             <a:lvl6pPr>
-              <a:defRPr sz="2000"/>
+              <a:defRPr sz="1400"/>
             </a:lvl6pPr>
             <a:lvl7pPr>
-              <a:defRPr sz="2000"/>
+              <a:defRPr sz="1400"/>
             </a:lvl7pPr>
             <a:lvl8pPr>
-              <a:defRPr sz="2000"/>
+              <a:defRPr sz="1400"/>
             </a:lvl8pPr>
             <a:lvl9pPr>
-              <a:defRPr sz="2000"/>
+              <a:defRPr sz="1400"/>
             </a:lvl9pPr>
           </a:lstStyle>
           <a:p>
@@ -2278,18 +2538,13 @@
               <a:rPr lang="ko-KR" altLang="en-US"/>
               <a:t>다섯 번째 수준</a:t>
             </a:r>
-          </a:p>
-        </p:txBody>
-      </p:sp>
-      <p:sp>
-        <p:nvSpPr>
-          <p:cNvPr id="4" name="텍스트 개체 틀 3">
-            <a:extLst>
-              <a:ext uri="{FF2B5EF4-FFF2-40B4-BE49-F238E27FC236}">
-                <a16:creationId xmlns:a16="http://schemas.microsoft.com/office/drawing/2014/main" id="{FEA0650B-FB27-294E-049D-BAB1D9F9FF4E}"/>
-              </a:ext>
-            </a:extLst>
-          </p:cNvPr>
+            <a:endParaRPr lang="en-US"/>
+          </a:p>
+        </p:txBody>
+      </p:sp>
+      <p:sp>
+        <p:nvSpPr>
+          <p:cNvPr id="4" name="Text Placeholder 3"/>
           <p:cNvSpPr>
             <a:spLocks noGrp="1"/>
           </p:cNvSpPr>
@@ -2299,48 +2554,56 @@
         </p:nvSpPr>
         <p:spPr>
           <a:xfrm>
-            <a:off x="839788" y="2057400"/>
-            <a:ext cx="3932237" cy="3811588"/>
+            <a:off x="841248" y="2099734"/>
+            <a:ext cx="3200400" cy="3810001"/>
           </a:xfrm>
         </p:spPr>
         <p:txBody>
-          <a:bodyPr/>
+          <a:bodyPr>
+            <a:normAutofit/>
+          </a:bodyPr>
           <a:lstStyle>
             <a:lvl1pPr marL="0" indent="0">
-              <a:buNone/>
-              <a:defRPr sz="1600"/>
+              <a:lnSpc>
+                <a:spcPct val="114000"/>
+              </a:lnSpc>
+              <a:spcBef>
+                <a:spcPts val="800"/>
+              </a:spcBef>
+              <a:buNone/>
+              <a:defRPr sz="1300"/>
             </a:lvl1pPr>
             <a:lvl2pPr marL="457200" indent="0">
               <a:buNone/>
-              <a:defRPr sz="1400"/>
+              <a:defRPr sz="1200"/>
             </a:lvl2pPr>
             <a:lvl3pPr marL="914400" indent="0">
               <a:buNone/>
-              <a:defRPr sz="1200"/>
+              <a:defRPr sz="1000"/>
             </a:lvl3pPr>
             <a:lvl4pPr marL="1371600" indent="0">
               <a:buNone/>
-              <a:defRPr sz="1000"/>
+              <a:defRPr sz="900"/>
             </a:lvl4pPr>
             <a:lvl5pPr marL="1828800" indent="0">
               <a:buNone/>
-              <a:defRPr sz="1000"/>
+              <a:defRPr sz="900"/>
             </a:lvl5pPr>
             <a:lvl6pPr marL="2286000" indent="0">
               <a:buNone/>
-              <a:defRPr sz="1000"/>
+              <a:defRPr sz="900"/>
             </a:lvl6pPr>
             <a:lvl7pPr marL="2743200" indent="0">
               <a:buNone/>
-              <a:defRPr sz="1000"/>
+              <a:defRPr sz="900"/>
             </a:lvl7pPr>
             <a:lvl8pPr marL="3200400" indent="0">
               <a:buNone/>
-              <a:defRPr sz="1000"/>
+              <a:defRPr sz="900"/>
             </a:lvl8pPr>
             <a:lvl9pPr marL="3657600" indent="0">
               <a:buNone/>
-              <a:defRPr sz="1000"/>
+              <a:defRPr sz="900"/>
             </a:lvl9pPr>
           </a:lstStyle>
           <a:p>
@@ -2354,13 +2617,7 @@
       </p:sp>
       <p:sp>
         <p:nvSpPr>
-          <p:cNvPr id="5" name="날짜 개체 틀 4">
-            <a:extLst>
-              <a:ext uri="{FF2B5EF4-FFF2-40B4-BE49-F238E27FC236}">
-                <a16:creationId xmlns:a16="http://schemas.microsoft.com/office/drawing/2014/main" id="{B8023C83-E3D7-2337-A156-1F75C20E9255}"/>
-              </a:ext>
-            </a:extLst>
-          </p:cNvPr>
+          <p:cNvPr id="5" name="Date Placeholder 4"/>
           <p:cNvSpPr>
             <a:spLocks noGrp="1"/>
           </p:cNvSpPr>
@@ -2373,7 +2630,7 @@
           <a:bodyPr/>
           <a:lstStyle/>
           <a:p>
-            <a:fld id="{EDC5E968-A43C-487E-B1C7-C3EB13612E90}" type="datetimeFigureOut">
+            <a:fld id="{010A0EC7-C1CC-42C8-AFB7-240F4BAB930A}" type="datetimeFigureOut">
               <a:rPr lang="ko-KR" altLang="en-US" smtClean="0"/>
               <a:t>2024-12-08 (Sun)</a:t>
             </a:fld>
@@ -2383,13 +2640,7 @@
       </p:sp>
       <p:sp>
         <p:nvSpPr>
-          <p:cNvPr id="6" name="바닥글 개체 틀 5">
-            <a:extLst>
-              <a:ext uri="{FF2B5EF4-FFF2-40B4-BE49-F238E27FC236}">
-                <a16:creationId xmlns:a16="http://schemas.microsoft.com/office/drawing/2014/main" id="{711A87B1-19B9-5148-6DE8-8725DBEDA1AC}"/>
-              </a:ext>
-            </a:extLst>
-          </p:cNvPr>
+          <p:cNvPr id="6" name="Footer Placeholder 5"/>
           <p:cNvSpPr>
             <a:spLocks noGrp="1"/>
           </p:cNvSpPr>
@@ -2408,13 +2659,7 @@
       </p:sp>
       <p:sp>
         <p:nvSpPr>
-          <p:cNvPr id="7" name="슬라이드 번호 개체 틀 6">
-            <a:extLst>
-              <a:ext uri="{FF2B5EF4-FFF2-40B4-BE49-F238E27FC236}">
-                <a16:creationId xmlns:a16="http://schemas.microsoft.com/office/drawing/2014/main" id="{9F6B71D2-DD81-D414-E840-28C150098FE1}"/>
-              </a:ext>
-            </a:extLst>
-          </p:cNvPr>
+          <p:cNvPr id="7" name="Slide Number Placeholder 6"/>
           <p:cNvSpPr>
             <a:spLocks noGrp="1"/>
           </p:cNvSpPr>
@@ -2427,7 +2672,7 @@
           <a:bodyPr/>
           <a:lstStyle/>
           <a:p>
-            <a:fld id="{872D9B03-EA98-43FC-B0E6-6C85CB7CE809}" type="slidenum">
+            <a:fld id="{C6AFA24E-139E-4472-A8D9-A6EB820DB9C8}" type="slidenum">
               <a:rPr lang="ko-KR" altLang="en-US" smtClean="0"/>
               <a:t>‹#›</a:t>
             </a:fld>
@@ -2438,7 +2683,7 @@
     </p:spTree>
     <p:extLst>
       <p:ext uri="{BB962C8B-B14F-4D97-AF65-F5344CB8AC3E}">
-        <p14:creationId xmlns:p14="http://schemas.microsoft.com/office/powerpoint/2010/main" val="3528624211"/>
+        <p14:creationId xmlns:p14="http://schemas.microsoft.com/office/powerpoint/2010/main" val="3544376248"/>
       </p:ext>
     </p:extLst>
   </p:cSld>
@@ -2467,31 +2712,69 @@
       </p:grpSpPr>
       <p:sp>
         <p:nvSpPr>
-          <p:cNvPr id="2" name="제목 1">
-            <a:extLst>
-              <a:ext uri="{FF2B5EF4-FFF2-40B4-BE49-F238E27FC236}">
-                <a16:creationId xmlns:a16="http://schemas.microsoft.com/office/drawing/2014/main" id="{D4DDE9B9-B76F-3671-AD4F-12AB77046AFC}"/>
-              </a:ext>
-            </a:extLst>
-          </p:cNvPr>
-          <p:cNvSpPr>
-            <a:spLocks noGrp="1"/>
-          </p:cNvSpPr>
-          <p:nvPr>
-            <p:ph type="title"/>
-          </p:nvPr>
+          <p:cNvPr id="8" name="Rectangle 7"/>
+          <p:cNvSpPr/>
+          <p:nvPr/>
         </p:nvSpPr>
         <p:spPr>
           <a:xfrm>
-            <a:off x="839788" y="457200"/>
-            <a:ext cx="3932237" cy="1600200"/>
+            <a:off x="0" y="5105400"/>
+            <a:ext cx="11292840" cy="1752600"/>
+          </a:xfrm>
+          <a:prstGeom prst="rect">
+            <a:avLst/>
+          </a:prstGeom>
+          <a:solidFill>
+            <a:srgbClr val="000000"/>
+          </a:solidFill>
+          <a:ln>
+            <a:noFill/>
+          </a:ln>
+        </p:spPr>
+        <p:style>
+          <a:lnRef idx="2">
+            <a:schemeClr val="accent1">
+              <a:shade val="50000"/>
+            </a:schemeClr>
+          </a:lnRef>
+          <a:fillRef idx="1">
+            <a:schemeClr val="accent1"/>
+          </a:fillRef>
+          <a:effectRef idx="0">
+            <a:schemeClr val="accent1"/>
+          </a:effectRef>
+          <a:fontRef idx="minor">
+            <a:schemeClr val="lt1"/>
+          </a:fontRef>
+        </p:style>
+      </p:sp>
+      <p:sp>
+        <p:nvSpPr>
+          <p:cNvPr id="2" name="Title 1"/>
+          <p:cNvSpPr>
+            <a:spLocks noGrp="1"/>
+          </p:cNvSpPr>
+          <p:nvPr>
+            <p:ph type="title"/>
+          </p:nvPr>
+        </p:nvSpPr>
+        <p:spPr>
+          <a:xfrm>
+            <a:off x="914400" y="5257800"/>
+            <a:ext cx="9982200" cy="914400"/>
           </a:xfrm>
         </p:spPr>
         <p:txBody>
-          <a:bodyPr anchor="b"/>
+          <a:bodyPr anchor="b">
+            <a:normAutofit/>
+          </a:bodyPr>
           <a:lstStyle>
             <a:lvl1pPr>
-              <a:defRPr sz="3200"/>
+              <a:defRPr sz="2800" b="0">
+                <a:solidFill>
+                  <a:schemeClr val="bg1"/>
+                </a:solidFill>
+              </a:defRPr>
             </a:lvl1pPr>
           </a:lstStyle>
           <a:p>
@@ -2499,20 +2782,15 @@
               <a:rPr lang="ko-KR" altLang="en-US"/>
               <a:t>마스터 제목 스타일 편집</a:t>
             </a:r>
-          </a:p>
-        </p:txBody>
-      </p:sp>
-      <p:sp>
-        <p:nvSpPr>
-          <p:cNvPr id="3" name="그림 개체 틀 2">
-            <a:extLst>
-              <a:ext uri="{FF2B5EF4-FFF2-40B4-BE49-F238E27FC236}">
-                <a16:creationId xmlns:a16="http://schemas.microsoft.com/office/drawing/2014/main" id="{D012106B-EBBD-1CDF-2479-A26C4D9CCD56}"/>
-              </a:ext>
-            </a:extLst>
-          </p:cNvPr>
-          <p:cNvSpPr>
-            <a:spLocks noGrp="1"/>
+            <a:endParaRPr lang="en-US"/>
+          </a:p>
+        </p:txBody>
+      </p:sp>
+      <p:sp>
+        <p:nvSpPr>
+          <p:cNvPr id="3" name="Picture Placeholder 2"/>
+          <p:cNvSpPr>
+            <a:spLocks noGrp="1" noChangeAspect="1"/>
           </p:cNvSpPr>
           <p:nvPr>
             <p:ph type="pic" idx="1"/>
@@ -2520,16 +2798,23 @@
         </p:nvSpPr>
         <p:spPr>
           <a:xfrm>
-            <a:off x="5183188" y="987425"/>
-            <a:ext cx="6172200" cy="4873625"/>
+            <a:off x="0" y="0"/>
+            <a:ext cx="11292840" cy="5128923"/>
           </a:xfrm>
+          <a:solidFill>
+            <a:schemeClr val="accent1"/>
+          </a:solidFill>
         </p:spPr>
         <p:txBody>
-          <a:bodyPr/>
+          <a:bodyPr anchor="t"/>
           <a:lstStyle>
             <a:lvl1pPr marL="0" indent="0">
               <a:buNone/>
-              <a:defRPr sz="3200"/>
+              <a:defRPr sz="3200">
+                <a:solidFill>
+                  <a:schemeClr val="bg1"/>
+                </a:solidFill>
+              </a:defRPr>
             </a:lvl1pPr>
             <a:lvl2pPr marL="457200" indent="0">
               <a:buNone/>
@@ -2565,19 +2850,17 @@
             </a:lvl9pPr>
           </a:lstStyle>
           <a:p>
-            <a:endParaRPr lang="ko-KR" altLang="en-US"/>
-          </a:p>
-        </p:txBody>
-      </p:sp>
-      <p:sp>
-        <p:nvSpPr>
-          <p:cNvPr id="4" name="텍스트 개체 틀 3">
-            <a:extLst>
-              <a:ext uri="{FF2B5EF4-FFF2-40B4-BE49-F238E27FC236}">
-                <a16:creationId xmlns:a16="http://schemas.microsoft.com/office/drawing/2014/main" id="{27B6B6C9-9623-2BD5-D343-77DAB3E22254}"/>
-              </a:ext>
-            </a:extLst>
-          </p:cNvPr>
+            <a:r>
+              <a:rPr lang="ko-KR" altLang="en-US"/>
+              <a:t>그림을 추가하려면 아이콘을 클릭하십시오</a:t>
+            </a:r>
+            <a:endParaRPr lang="en-US"/>
+          </a:p>
+        </p:txBody>
+      </p:sp>
+      <p:sp>
+        <p:nvSpPr>
+          <p:cNvPr id="4" name="Text Placeholder 3"/>
           <p:cNvSpPr>
             <a:spLocks noGrp="1"/>
           </p:cNvSpPr>
@@ -2587,48 +2870,62 @@
         </p:nvSpPr>
         <p:spPr>
           <a:xfrm>
-            <a:off x="839788" y="2057400"/>
-            <a:ext cx="3932237" cy="3811588"/>
+            <a:off x="914400" y="6108589"/>
+            <a:ext cx="9982200" cy="597011"/>
           </a:xfrm>
         </p:spPr>
         <p:txBody>
-          <a:bodyPr/>
+          <a:bodyPr>
+            <a:normAutofit/>
+          </a:bodyPr>
           <a:lstStyle>
             <a:lvl1pPr marL="0" indent="0">
-              <a:buNone/>
-              <a:defRPr sz="1600"/>
+              <a:lnSpc>
+                <a:spcPct val="100000"/>
+              </a:lnSpc>
+              <a:spcBef>
+                <a:spcPts val="800"/>
+              </a:spcBef>
+              <a:buNone/>
+              <a:defRPr sz="1300">
+                <a:solidFill>
+                  <a:schemeClr val="bg1">
+                    <a:lumMod val="85000"/>
+                  </a:schemeClr>
+                </a:solidFill>
+              </a:defRPr>
             </a:lvl1pPr>
             <a:lvl2pPr marL="457200" indent="0">
               <a:buNone/>
-              <a:defRPr sz="1400"/>
+              <a:defRPr sz="1200"/>
             </a:lvl2pPr>
             <a:lvl3pPr marL="914400" indent="0">
               <a:buNone/>
-              <a:defRPr sz="1200"/>
+              <a:defRPr sz="1000"/>
             </a:lvl3pPr>
             <a:lvl4pPr marL="1371600" indent="0">
               <a:buNone/>
-              <a:defRPr sz="1000"/>
+              <a:defRPr sz="900"/>
             </a:lvl4pPr>
             <a:lvl5pPr marL="1828800" indent="0">
               <a:buNone/>
-              <a:defRPr sz="1000"/>
+              <a:defRPr sz="900"/>
             </a:lvl5pPr>
             <a:lvl6pPr marL="2286000" indent="0">
               <a:buNone/>
-              <a:defRPr sz="1000"/>
+              <a:defRPr sz="900"/>
             </a:lvl6pPr>
             <a:lvl7pPr marL="2743200" indent="0">
               <a:buNone/>
-              <a:defRPr sz="1000"/>
+              <a:defRPr sz="900"/>
             </a:lvl7pPr>
             <a:lvl8pPr marL="3200400" indent="0">
               <a:buNone/>
-              <a:defRPr sz="1000"/>
+              <a:defRPr sz="900"/>
             </a:lvl8pPr>
             <a:lvl9pPr marL="3657600" indent="0">
               <a:buNone/>
-              <a:defRPr sz="1000"/>
+              <a:defRPr sz="900"/>
             </a:lvl9pPr>
           </a:lstStyle>
           <a:p>
@@ -2642,13 +2939,7 @@
       </p:sp>
       <p:sp>
         <p:nvSpPr>
-          <p:cNvPr id="5" name="날짜 개체 틀 4">
-            <a:extLst>
-              <a:ext uri="{FF2B5EF4-FFF2-40B4-BE49-F238E27FC236}">
-                <a16:creationId xmlns:a16="http://schemas.microsoft.com/office/drawing/2014/main" id="{3722E46A-4154-ABC4-2142-2C92453F28D1}"/>
-              </a:ext>
-            </a:extLst>
-          </p:cNvPr>
+          <p:cNvPr id="5" name="Date Placeholder 4"/>
           <p:cNvSpPr>
             <a:spLocks noGrp="1"/>
           </p:cNvSpPr>
@@ -2661,7 +2952,7 @@
           <a:bodyPr/>
           <a:lstStyle/>
           <a:p>
-            <a:fld id="{EDC5E968-A43C-487E-B1C7-C3EB13612E90}" type="datetimeFigureOut">
+            <a:fld id="{010A0EC7-C1CC-42C8-AFB7-240F4BAB930A}" type="datetimeFigureOut">
               <a:rPr lang="ko-KR" altLang="en-US" smtClean="0"/>
               <a:t>2024-12-08 (Sun)</a:t>
             </a:fld>
@@ -2671,13 +2962,7 @@
       </p:sp>
       <p:sp>
         <p:nvSpPr>
-          <p:cNvPr id="6" name="바닥글 개체 틀 5">
-            <a:extLst>
-              <a:ext uri="{FF2B5EF4-FFF2-40B4-BE49-F238E27FC236}">
-                <a16:creationId xmlns:a16="http://schemas.microsoft.com/office/drawing/2014/main" id="{940AD3DC-DB66-6D79-8BA3-E2FDA7894CD4}"/>
-              </a:ext>
-            </a:extLst>
-          </p:cNvPr>
+          <p:cNvPr id="6" name="Footer Placeholder 5"/>
           <p:cNvSpPr>
             <a:spLocks noGrp="1"/>
           </p:cNvSpPr>
@@ -2696,13 +2981,7 @@
       </p:sp>
       <p:sp>
         <p:nvSpPr>
-          <p:cNvPr id="7" name="슬라이드 번호 개체 틀 6">
-            <a:extLst>
-              <a:ext uri="{FF2B5EF4-FFF2-40B4-BE49-F238E27FC236}">
-                <a16:creationId xmlns:a16="http://schemas.microsoft.com/office/drawing/2014/main" id="{7BE547C8-24EA-160D-DC6F-C75FFC2CBC7C}"/>
-              </a:ext>
-            </a:extLst>
-          </p:cNvPr>
+          <p:cNvPr id="7" name="Slide Number Placeholder 6"/>
           <p:cNvSpPr>
             <a:spLocks noGrp="1"/>
           </p:cNvSpPr>
@@ -2715,7 +2994,7 @@
           <a:bodyPr/>
           <a:lstStyle/>
           <a:p>
-            <a:fld id="{872D9B03-EA98-43FC-B0E6-6C85CB7CE809}" type="slidenum">
+            <a:fld id="{C6AFA24E-139E-4472-A8D9-A6EB820DB9C8}" type="slidenum">
               <a:rPr lang="ko-KR" altLang="en-US" smtClean="0"/>
               <a:t>‹#›</a:t>
             </a:fld>
@@ -2726,7 +3005,7 @@
     </p:spTree>
     <p:extLst>
       <p:ext uri="{BB962C8B-B14F-4D97-AF65-F5344CB8AC3E}">
-        <p14:creationId xmlns:p14="http://schemas.microsoft.com/office/powerpoint/2010/main" val="2257738243"/>
+        <p14:creationId xmlns:p14="http://schemas.microsoft.com/office/powerpoint/2010/main" val="761393232"/>
       </p:ext>
     </p:extLst>
   </p:cSld>
@@ -2760,31 +3039,65 @@
       </p:grpSpPr>
       <p:sp>
         <p:nvSpPr>
-          <p:cNvPr id="2" name="제목 개체 틀 1">
-            <a:extLst>
-              <a:ext uri="{FF2B5EF4-FFF2-40B4-BE49-F238E27FC236}">
-                <a16:creationId xmlns:a16="http://schemas.microsoft.com/office/drawing/2014/main" id="{E558B980-07FB-29C0-40E8-0F8ED4A97772}"/>
-              </a:ext>
-            </a:extLst>
-          </p:cNvPr>
-          <p:cNvSpPr>
-            <a:spLocks noGrp="1"/>
-          </p:cNvSpPr>
-          <p:nvPr>
-            <p:ph type="title"/>
-          </p:nvPr>
+          <p:cNvPr id="7" name="Rectangle 6"/>
+          <p:cNvSpPr/>
+          <p:nvPr/>
         </p:nvSpPr>
         <p:spPr>
           <a:xfrm>
-            <a:off x="838200" y="365125"/>
-            <a:ext cx="10515600" cy="1325563"/>
+            <a:off x="11292840" y="0"/>
+            <a:ext cx="914400" cy="6858000"/>
+          </a:xfrm>
+          <a:prstGeom prst="rect">
+            <a:avLst/>
+          </a:prstGeom>
+          <a:solidFill>
+            <a:schemeClr val="tx2">
+              <a:lumMod val="75000"/>
+            </a:schemeClr>
+          </a:solidFill>
+          <a:ln>
+            <a:noFill/>
+          </a:ln>
+        </p:spPr>
+        <p:style>
+          <a:lnRef idx="2">
+            <a:schemeClr val="accent1">
+              <a:shade val="50000"/>
+            </a:schemeClr>
+          </a:lnRef>
+          <a:fillRef idx="1">
+            <a:schemeClr val="accent1"/>
+          </a:fillRef>
+          <a:effectRef idx="0">
+            <a:schemeClr val="accent1"/>
+          </a:effectRef>
+          <a:fontRef idx="minor">
+            <a:schemeClr val="lt1"/>
+          </a:fontRef>
+        </p:style>
+      </p:sp>
+      <p:sp>
+        <p:nvSpPr>
+          <p:cNvPr id="2" name="Title Placeholder 1"/>
+          <p:cNvSpPr>
+            <a:spLocks noGrp="1"/>
+          </p:cNvSpPr>
+          <p:nvPr>
+            <p:ph type="title"/>
+          </p:nvPr>
+        </p:nvSpPr>
+        <p:spPr>
+          <a:xfrm>
+            <a:off x="1261872" y="365760"/>
+            <a:ext cx="9692640" cy="1325562"/>
           </a:xfrm>
           <a:prstGeom prst="rect">
             <a:avLst/>
           </a:prstGeom>
         </p:spPr>
         <p:txBody>
-          <a:bodyPr vert="horz" lIns="91440" tIns="45720" rIns="91440" bIns="45720" rtlCol="0" anchor="ctr">
+          <a:bodyPr vert="horz" lIns="91440" tIns="45720" rIns="91440" bIns="45720" rtlCol="0" anchor="b">
             <a:normAutofit/>
           </a:bodyPr>
           <a:lstStyle/>
@@ -2793,18 +3106,13 @@
               <a:rPr lang="ko-KR" altLang="en-US"/>
               <a:t>마스터 제목 스타일 편집</a:t>
             </a:r>
-          </a:p>
-        </p:txBody>
-      </p:sp>
-      <p:sp>
-        <p:nvSpPr>
-          <p:cNvPr id="3" name="텍스트 개체 틀 2">
-            <a:extLst>
-              <a:ext uri="{FF2B5EF4-FFF2-40B4-BE49-F238E27FC236}">
-                <a16:creationId xmlns:a16="http://schemas.microsoft.com/office/drawing/2014/main" id="{E546B8A1-F806-3715-E5DD-AFFDDCF16776}"/>
-              </a:ext>
-            </a:extLst>
-          </p:cNvPr>
+            <a:endParaRPr lang="en-US"/>
+          </a:p>
+        </p:txBody>
+      </p:sp>
+      <p:sp>
+        <p:nvSpPr>
+          <p:cNvPr id="3" name="Text Placeholder 2"/>
           <p:cNvSpPr>
             <a:spLocks noGrp="1"/>
           </p:cNvSpPr>
@@ -2814,8 +3122,8 @@
         </p:nvSpPr>
         <p:spPr>
           <a:xfrm>
-            <a:off x="838200" y="1825625"/>
-            <a:ext cx="10515600" cy="4351338"/>
+            <a:off x="1261872" y="1828800"/>
+            <a:ext cx="8595360" cy="4351337"/>
           </a:xfrm>
           <a:prstGeom prst="rect">
             <a:avLst/>
@@ -2860,18 +3168,13 @@
               <a:rPr lang="ko-KR" altLang="en-US"/>
               <a:t>다섯 번째 수준</a:t>
             </a:r>
-          </a:p>
-        </p:txBody>
-      </p:sp>
-      <p:sp>
-        <p:nvSpPr>
-          <p:cNvPr id="4" name="날짜 개체 틀 3">
-            <a:extLst>
-              <a:ext uri="{FF2B5EF4-FFF2-40B4-BE49-F238E27FC236}">
-                <a16:creationId xmlns:a16="http://schemas.microsoft.com/office/drawing/2014/main" id="{C3FF4891-3EA2-D04E-9FFB-B64511AA9035}"/>
-              </a:ext>
-            </a:extLst>
-          </p:cNvPr>
+            <a:endParaRPr lang="en-US"/>
+          </a:p>
+        </p:txBody>
+      </p:sp>
+      <p:sp>
+        <p:nvSpPr>
+          <p:cNvPr id="4" name="Date Placeholder 3"/>
           <p:cNvSpPr>
             <a:spLocks noGrp="1"/>
           </p:cNvSpPr>
@@ -2880,9 +3183,9 @@
           </p:nvPr>
         </p:nvSpPr>
         <p:spPr>
-          <a:xfrm>
-            <a:off x="838200" y="6356350"/>
-            <a:ext cx="2743200" cy="365125"/>
+          <a:xfrm rot="16200000">
+            <a:off x="10797542" y="998537"/>
+            <a:ext cx="1904999" cy="365125"/>
           </a:xfrm>
           <a:prstGeom prst="rect">
             <a:avLst/>
@@ -2891,18 +3194,19 @@
         <p:txBody>
           <a:bodyPr vert="horz" lIns="91440" tIns="45720" rIns="91440" bIns="45720" rtlCol="0" anchor="ctr"/>
           <a:lstStyle>
-            <a:lvl1pPr algn="l">
-              <a:defRPr sz="1200">
+            <a:lvl1pPr algn="r">
+              <a:defRPr sz="1050" b="0">
                 <a:solidFill>
-                  <a:schemeClr val="tx1">
-                    <a:tint val="82000"/>
+                  <a:schemeClr val="tx2">
+                    <a:lumMod val="20000"/>
+                    <a:lumOff val="80000"/>
                   </a:schemeClr>
                 </a:solidFill>
               </a:defRPr>
             </a:lvl1pPr>
           </a:lstStyle>
           <a:p>
-            <a:fld id="{EDC5E968-A43C-487E-B1C7-C3EB13612E90}" type="datetimeFigureOut">
+            <a:fld id="{010A0EC7-C1CC-42C8-AFB7-240F4BAB930A}" type="datetimeFigureOut">
               <a:rPr lang="ko-KR" altLang="en-US" smtClean="0"/>
               <a:t>2024-12-08 (Sun)</a:t>
             </a:fld>
@@ -2912,13 +3216,7 @@
       </p:sp>
       <p:sp>
         <p:nvSpPr>
-          <p:cNvPr id="5" name="바닥글 개체 틀 4">
-            <a:extLst>
-              <a:ext uri="{FF2B5EF4-FFF2-40B4-BE49-F238E27FC236}">
-                <a16:creationId xmlns:a16="http://schemas.microsoft.com/office/drawing/2014/main" id="{0B0EF0B5-82A5-7296-6498-8384216AF623}"/>
-              </a:ext>
-            </a:extLst>
-          </p:cNvPr>
+          <p:cNvPr id="5" name="Footer Placeholder 4"/>
           <p:cNvSpPr>
             <a:spLocks noGrp="1"/>
           </p:cNvSpPr>
@@ -2927,9 +3225,9 @@
           </p:nvPr>
         </p:nvSpPr>
         <p:spPr>
-          <a:xfrm>
-            <a:off x="4038600" y="6356350"/>
-            <a:ext cx="4114800" cy="365125"/>
+          <a:xfrm rot="16200000">
+            <a:off x="9959341" y="4046537"/>
+            <a:ext cx="3581400" cy="365125"/>
           </a:xfrm>
           <a:prstGeom prst="rect">
             <a:avLst/>
@@ -2938,11 +3236,12 @@
         <p:txBody>
           <a:bodyPr vert="horz" lIns="91440" tIns="45720" rIns="91440" bIns="45720" rtlCol="0" anchor="ctr"/>
           <a:lstStyle>
-            <a:lvl1pPr algn="ctr">
-              <a:defRPr sz="1200">
+            <a:lvl1pPr algn="l">
+              <a:defRPr sz="1050">
                 <a:solidFill>
-                  <a:schemeClr val="tx1">
-                    <a:tint val="82000"/>
+                  <a:schemeClr val="tx2">
+                    <a:lumMod val="20000"/>
+                    <a:lumOff val="80000"/>
                   </a:schemeClr>
                 </a:solidFill>
               </a:defRPr>
@@ -2955,13 +3254,7 @@
       </p:sp>
       <p:sp>
         <p:nvSpPr>
-          <p:cNvPr id="6" name="슬라이드 번호 개체 틀 5">
-            <a:extLst>
-              <a:ext uri="{FF2B5EF4-FFF2-40B4-BE49-F238E27FC236}">
-                <a16:creationId xmlns:a16="http://schemas.microsoft.com/office/drawing/2014/main" id="{3192776F-C73D-CF14-072E-935AE6397E82}"/>
-              </a:ext>
-            </a:extLst>
-          </p:cNvPr>
+          <p:cNvPr id="6" name="Slide Number Placeholder 5"/>
           <p:cNvSpPr>
             <a:spLocks noGrp="1"/>
           </p:cNvSpPr>
@@ -2971,28 +3264,31 @@
         </p:nvSpPr>
         <p:spPr>
           <a:xfrm>
-            <a:off x="8610600" y="6356350"/>
-            <a:ext cx="2743200" cy="365125"/>
+            <a:off x="11292840" y="6172200"/>
+            <a:ext cx="914400" cy="593725"/>
           </a:xfrm>
           <a:prstGeom prst="rect">
             <a:avLst/>
           </a:prstGeom>
         </p:spPr>
         <p:txBody>
-          <a:bodyPr vert="horz" lIns="91440" tIns="45720" rIns="91440" bIns="45720" rtlCol="0" anchor="ctr"/>
+          <a:bodyPr vert="horz" lIns="45720" tIns="45720" rIns="45720" bIns="45720" rtlCol="0" anchor="ctr">
+            <a:normAutofit/>
+          </a:bodyPr>
           <a:lstStyle>
-            <a:lvl1pPr algn="r">
-              <a:defRPr sz="1200">
+            <a:lvl1pPr algn="ctr">
+              <a:defRPr sz="3600">
                 <a:solidFill>
-                  <a:schemeClr val="tx1">
-                    <a:tint val="82000"/>
+                  <a:schemeClr val="tx2">
+                    <a:lumMod val="60000"/>
+                    <a:lumOff val="40000"/>
                   </a:schemeClr>
                 </a:solidFill>
               </a:defRPr>
             </a:lvl1pPr>
           </a:lstStyle>
           <a:p>
-            <a:fld id="{872D9B03-EA98-43FC-B0E6-6C85CB7CE809}" type="slidenum">
+            <a:fld id="{C6AFA24E-139E-4472-A8D9-A6EB820DB9C8}" type="slidenum">
               <a:rPr lang="ko-KR" altLang="en-US" smtClean="0"/>
               <a:t>‹#›</a:t>
             </a:fld>
@@ -3003,23 +3299,23 @@
     </p:spTree>
     <p:extLst>
       <p:ext uri="{BB962C8B-B14F-4D97-AF65-F5344CB8AC3E}">
-        <p14:creationId xmlns:p14="http://schemas.microsoft.com/office/powerpoint/2010/main" val="3365829962"/>
+        <p14:creationId xmlns:p14="http://schemas.microsoft.com/office/powerpoint/2010/main" val="1517231210"/>
       </p:ext>
     </p:extLst>
   </p:cSld>
   <p:clrMap bg1="lt1" tx1="dk1" bg2="lt2" tx2="dk2" accent1="accent1" accent2="accent2" accent3="accent3" accent4="accent4" accent5="accent5" accent6="accent6" hlink="hlink" folHlink="folHlink"/>
   <p:sldLayoutIdLst>
-    <p:sldLayoutId id="2147483649" r:id="rId1"/>
-    <p:sldLayoutId id="2147483650" r:id="rId2"/>
-    <p:sldLayoutId id="2147483651" r:id="rId3"/>
-    <p:sldLayoutId id="2147483652" r:id="rId4"/>
-    <p:sldLayoutId id="2147483653" r:id="rId5"/>
-    <p:sldLayoutId id="2147483654" r:id="rId6"/>
-    <p:sldLayoutId id="2147483655" r:id="rId7"/>
-    <p:sldLayoutId id="2147483656" r:id="rId8"/>
-    <p:sldLayoutId id="2147483657" r:id="rId9"/>
-    <p:sldLayoutId id="2147483658" r:id="rId10"/>
-    <p:sldLayoutId id="2147483659" r:id="rId11"/>
+    <p:sldLayoutId id="2147483661" r:id="rId1"/>
+    <p:sldLayoutId id="2147483662" r:id="rId2"/>
+    <p:sldLayoutId id="2147483663" r:id="rId3"/>
+    <p:sldLayoutId id="2147483664" r:id="rId4"/>
+    <p:sldLayoutId id="2147483665" r:id="rId5"/>
+    <p:sldLayoutId id="2147483666" r:id="rId6"/>
+    <p:sldLayoutId id="2147483667" r:id="rId7"/>
+    <p:sldLayoutId id="2147483668" r:id="rId8"/>
+    <p:sldLayoutId id="2147483669" r:id="rId9"/>
+    <p:sldLayoutId id="2147483670" r:id="rId10"/>
+    <p:sldLayoutId id="2147483671" r:id="rId11"/>
   </p:sldLayoutIdLst>
   <p:txStyles>
     <p:titleStyle>
@@ -3031,7 +3327,7 @@
           <a:spcPct val="0"/>
         </a:spcBef>
         <a:buNone/>
-        <a:defRPr sz="4400" kern="1200">
+        <a:defRPr sz="4400" kern="1200" spc="-50" baseline="0">
           <a:solidFill>
             <a:schemeClr val="tx1"/>
           </a:solidFill>
@@ -3042,16 +3338,23 @@
       </a:lvl1pPr>
     </p:titleStyle>
     <p:bodyStyle>
-      <a:lvl1pPr marL="228600" indent="-228600" algn="l" defTabSz="914400" rtl="0" eaLnBrk="1" latinLnBrk="1" hangingPunct="1">
+      <a:lvl1pPr marL="182880" indent="-182880" algn="l" defTabSz="914400" rtl="0" eaLnBrk="1" latinLnBrk="1" hangingPunct="1">
         <a:lnSpc>
-          <a:spcPct val="90000"/>
+          <a:spcPct val="95000"/>
         </a:lnSpc>
         <a:spcBef>
-          <a:spcPts val="1000"/>
+          <a:spcPts val="1400"/>
         </a:spcBef>
-        <a:buFont typeface="Arial" panose="020B0604020202020204" pitchFamily="34" charset="0"/>
+        <a:spcAft>
+          <a:spcPts val="200"/>
+        </a:spcAft>
+        <a:buClr>
+          <a:schemeClr val="accent1"/>
+        </a:buClr>
+        <a:buSzPct val="80000"/>
+        <a:buFont typeface="Arial" pitchFamily="34" charset="0"/>
         <a:buChar char="•"/>
-        <a:defRPr sz="2800" kern="1200">
+        <a:defRPr sz="1800" kern="1200" spc="10" baseline="0">
           <a:solidFill>
             <a:schemeClr val="tx1"/>
           </a:solidFill>
@@ -3060,144 +3363,216 @@
           <a:cs typeface="+mn-cs"/>
         </a:defRPr>
       </a:lvl1pPr>
-      <a:lvl2pPr marL="685800" indent="-228600" algn="l" defTabSz="914400" rtl="0" eaLnBrk="1" latinLnBrk="1" hangingPunct="1">
+      <a:lvl2pPr marL="457200" indent="-182880" algn="l" defTabSz="914400" rtl="0" eaLnBrk="1" latinLnBrk="1" hangingPunct="1">
         <a:lnSpc>
           <a:spcPct val="90000"/>
         </a:lnSpc>
         <a:spcBef>
-          <a:spcPts val="500"/>
+          <a:spcPts val="300"/>
         </a:spcBef>
-        <a:buFont typeface="Arial" panose="020B0604020202020204" pitchFamily="34" charset="0"/>
-        <a:buChar char="•"/>
-        <a:defRPr sz="2400" kern="1200">
+        <a:spcAft>
+          <a:spcPts val="300"/>
+        </a:spcAft>
+        <a:buClr>
+          <a:schemeClr val="accent1"/>
+        </a:buClr>
+        <a:buFont typeface="Wingdings 2" pitchFamily="18" charset="2"/>
+        <a:buChar char=""/>
+        <a:defRPr sz="1600" kern="1200">
           <a:solidFill>
-            <a:schemeClr val="tx1"/>
+            <a:schemeClr val="tx1">
+              <a:lumMod val="85000"/>
+              <a:lumOff val="15000"/>
+            </a:schemeClr>
           </a:solidFill>
           <a:latin typeface="+mn-lt"/>
           <a:ea typeface="+mn-ea"/>
           <a:cs typeface="+mn-cs"/>
         </a:defRPr>
       </a:lvl2pPr>
-      <a:lvl3pPr marL="1143000" indent="-228600" algn="l" defTabSz="914400" rtl="0" eaLnBrk="1" latinLnBrk="1" hangingPunct="1">
+      <a:lvl3pPr marL="731520" indent="-182880" algn="l" defTabSz="914400" rtl="0" eaLnBrk="1" latinLnBrk="1" hangingPunct="1">
         <a:lnSpc>
           <a:spcPct val="90000"/>
         </a:lnSpc>
         <a:spcBef>
-          <a:spcPts val="500"/>
+          <a:spcPts val="300"/>
         </a:spcBef>
-        <a:buFont typeface="Arial" panose="020B0604020202020204" pitchFamily="34" charset="0"/>
-        <a:buChar char="•"/>
-        <a:defRPr sz="2000" kern="1200">
+        <a:spcAft>
+          <a:spcPts val="300"/>
+        </a:spcAft>
+        <a:buClr>
+          <a:schemeClr val="accent1"/>
+        </a:buClr>
+        <a:buFont typeface="Wingdings 2" pitchFamily="18" charset="2"/>
+        <a:buChar char=""/>
+        <a:defRPr sz="1400" kern="1200">
           <a:solidFill>
-            <a:schemeClr val="tx1"/>
+            <a:schemeClr val="tx1">
+              <a:lumMod val="85000"/>
+              <a:lumOff val="15000"/>
+            </a:schemeClr>
           </a:solidFill>
           <a:latin typeface="+mn-lt"/>
           <a:ea typeface="+mn-ea"/>
           <a:cs typeface="+mn-cs"/>
         </a:defRPr>
       </a:lvl3pPr>
-      <a:lvl4pPr marL="1600200" indent="-228600" algn="l" defTabSz="914400" rtl="0" eaLnBrk="1" latinLnBrk="1" hangingPunct="1">
+      <a:lvl4pPr marL="1005840" indent="-182880" algn="l" defTabSz="914400" rtl="0" eaLnBrk="1" latinLnBrk="1" hangingPunct="1">
         <a:lnSpc>
           <a:spcPct val="90000"/>
         </a:lnSpc>
         <a:spcBef>
-          <a:spcPts val="500"/>
+          <a:spcPts val="300"/>
         </a:spcBef>
-        <a:buFont typeface="Arial" panose="020B0604020202020204" pitchFamily="34" charset="0"/>
-        <a:buChar char="•"/>
-        <a:defRPr sz="1800" kern="1200">
+        <a:spcAft>
+          <a:spcPts val="300"/>
+        </a:spcAft>
+        <a:buClr>
+          <a:schemeClr val="accent1"/>
+        </a:buClr>
+        <a:buFont typeface="Wingdings 2" pitchFamily="18" charset="2"/>
+        <a:buChar char=""/>
+        <a:defRPr sz="1400" kern="1200">
           <a:solidFill>
-            <a:schemeClr val="tx1"/>
+            <a:schemeClr val="tx1">
+              <a:lumMod val="85000"/>
+              <a:lumOff val="15000"/>
+            </a:schemeClr>
           </a:solidFill>
           <a:latin typeface="+mn-lt"/>
           <a:ea typeface="+mn-ea"/>
           <a:cs typeface="+mn-cs"/>
         </a:defRPr>
       </a:lvl4pPr>
-      <a:lvl5pPr marL="2057400" indent="-228600" algn="l" defTabSz="914400" rtl="0" eaLnBrk="1" latinLnBrk="1" hangingPunct="1">
+      <a:lvl5pPr marL="1280160" indent="-182880" algn="l" defTabSz="914400" rtl="0" eaLnBrk="1" latinLnBrk="1" hangingPunct="1">
         <a:lnSpc>
           <a:spcPct val="90000"/>
         </a:lnSpc>
         <a:spcBef>
-          <a:spcPts val="500"/>
+          <a:spcPts val="300"/>
         </a:spcBef>
-        <a:buFont typeface="Arial" panose="020B0604020202020204" pitchFamily="34" charset="0"/>
-        <a:buChar char="•"/>
-        <a:defRPr sz="1800" kern="1200">
+        <a:spcAft>
+          <a:spcPts val="300"/>
+        </a:spcAft>
+        <a:buClr>
+          <a:schemeClr val="accent1"/>
+        </a:buClr>
+        <a:buFont typeface="Wingdings 2" pitchFamily="18" charset="2"/>
+        <a:buChar char=""/>
+        <a:defRPr sz="1400" kern="1200">
           <a:solidFill>
-            <a:schemeClr val="tx1"/>
+            <a:schemeClr val="tx1">
+              <a:lumMod val="85000"/>
+              <a:lumOff val="15000"/>
+            </a:schemeClr>
           </a:solidFill>
           <a:latin typeface="+mn-lt"/>
           <a:ea typeface="+mn-ea"/>
           <a:cs typeface="+mn-cs"/>
         </a:defRPr>
       </a:lvl5pPr>
-      <a:lvl6pPr marL="2514600" indent="-228600" algn="l" defTabSz="914400" rtl="0" eaLnBrk="1" latinLnBrk="1" hangingPunct="1">
+      <a:lvl6pPr marL="1600000" indent="-228600" algn="l" defTabSz="914400" rtl="0" eaLnBrk="1" latinLnBrk="1" hangingPunct="1">
         <a:lnSpc>
           <a:spcPct val="90000"/>
         </a:lnSpc>
         <a:spcBef>
-          <a:spcPts val="500"/>
+          <a:spcPts val="300"/>
         </a:spcBef>
-        <a:buFont typeface="Arial" panose="020B0604020202020204" pitchFamily="34" charset="0"/>
-        <a:buChar char="•"/>
-        <a:defRPr sz="1800" kern="1200">
+        <a:spcAft>
+          <a:spcPts val="300"/>
+        </a:spcAft>
+        <a:buClr>
+          <a:schemeClr val="accent1"/>
+        </a:buClr>
+        <a:buFont typeface="Wingdings 2" pitchFamily="18" charset="2"/>
+        <a:buChar char=""/>
+        <a:defRPr sz="1400" kern="1200">
           <a:solidFill>
-            <a:schemeClr val="tx1"/>
+            <a:schemeClr val="tx1">
+              <a:lumMod val="85000"/>
+              <a:lumOff val="15000"/>
+            </a:schemeClr>
           </a:solidFill>
           <a:latin typeface="+mn-lt"/>
           <a:ea typeface="+mn-ea"/>
           <a:cs typeface="+mn-cs"/>
         </a:defRPr>
       </a:lvl6pPr>
-      <a:lvl7pPr marL="2971800" indent="-228600" algn="l" defTabSz="914400" rtl="0" eaLnBrk="1" latinLnBrk="1" hangingPunct="1">
+      <a:lvl7pPr marL="1900000" indent="-228600" algn="l" defTabSz="914400" rtl="0" eaLnBrk="1" latinLnBrk="1" hangingPunct="1">
         <a:lnSpc>
           <a:spcPct val="90000"/>
         </a:lnSpc>
         <a:spcBef>
-          <a:spcPts val="500"/>
+          <a:spcPts val="300"/>
         </a:spcBef>
-        <a:buFont typeface="Arial" panose="020B0604020202020204" pitchFamily="34" charset="0"/>
-        <a:buChar char="•"/>
-        <a:defRPr sz="1800" kern="1200">
+        <a:spcAft>
+          <a:spcPts val="300"/>
+        </a:spcAft>
+        <a:buClr>
+          <a:schemeClr val="accent1"/>
+        </a:buClr>
+        <a:buFont typeface="Wingdings 2" pitchFamily="18" charset="2"/>
+        <a:buChar char=""/>
+        <a:defRPr sz="1400" kern="1200">
           <a:solidFill>
-            <a:schemeClr val="tx1"/>
+            <a:schemeClr val="tx1">
+              <a:lumMod val="85000"/>
+              <a:lumOff val="15000"/>
+            </a:schemeClr>
           </a:solidFill>
           <a:latin typeface="+mn-lt"/>
           <a:ea typeface="+mn-ea"/>
           <a:cs typeface="+mn-cs"/>
         </a:defRPr>
       </a:lvl7pPr>
-      <a:lvl8pPr marL="3429000" indent="-228600" algn="l" defTabSz="914400" rtl="0" eaLnBrk="1" latinLnBrk="1" hangingPunct="1">
+      <a:lvl8pPr marL="2200000" indent="-228600" algn="l" defTabSz="914400" rtl="0" eaLnBrk="1" latinLnBrk="1" hangingPunct="1">
         <a:lnSpc>
           <a:spcPct val="90000"/>
         </a:lnSpc>
         <a:spcBef>
-          <a:spcPts val="500"/>
+          <a:spcPts val="300"/>
         </a:spcBef>
-        <a:buFont typeface="Arial" panose="020B0604020202020204" pitchFamily="34" charset="0"/>
-        <a:buChar char="•"/>
-        <a:defRPr sz="1800" kern="1200">
+        <a:spcAft>
+          <a:spcPts val="300"/>
+        </a:spcAft>
+        <a:buClr>
+          <a:schemeClr val="accent1"/>
+        </a:buClr>
+        <a:buFont typeface="Wingdings 2" pitchFamily="18" charset="2"/>
+        <a:buChar char=""/>
+        <a:defRPr sz="1400" kern="1200">
           <a:solidFill>
-            <a:schemeClr val="tx1"/>
+            <a:schemeClr val="tx1">
+              <a:lumMod val="85000"/>
+              <a:lumOff val="15000"/>
+            </a:schemeClr>
           </a:solidFill>
           <a:latin typeface="+mn-lt"/>
           <a:ea typeface="+mn-ea"/>
           <a:cs typeface="+mn-cs"/>
         </a:defRPr>
       </a:lvl8pPr>
-      <a:lvl9pPr marL="3886200" indent="-228600" algn="l" defTabSz="914400" rtl="0" eaLnBrk="1" latinLnBrk="1" hangingPunct="1">
+      <a:lvl9pPr marL="2500000" indent="-228600" algn="l" defTabSz="914400" rtl="0" eaLnBrk="1" latinLnBrk="1" hangingPunct="1">
         <a:lnSpc>
           <a:spcPct val="90000"/>
         </a:lnSpc>
         <a:spcBef>
-          <a:spcPts val="500"/>
+          <a:spcPts val="300"/>
         </a:spcBef>
-        <a:buFont typeface="Arial" panose="020B0604020202020204" pitchFamily="34" charset="0"/>
-        <a:buChar char="•"/>
-        <a:defRPr sz="1800" kern="1200">
+        <a:spcAft>
+          <a:spcPts val="300"/>
+        </a:spcAft>
+        <a:buClr>
+          <a:schemeClr val="accent1"/>
+        </a:buClr>
+        <a:buFont typeface="Wingdings 2" pitchFamily="18" charset="2"/>
+        <a:buChar char=""/>
+        <a:defRPr sz="1400" kern="1200">
           <a:solidFill>
-            <a:schemeClr val="tx1"/>
+            <a:schemeClr val="tx1">
+              <a:lumMod val="85000"/>
+              <a:lumOff val="15000"/>
+            </a:schemeClr>
           </a:solidFill>
           <a:latin typeface="+mn-lt"/>
           <a:ea typeface="+mn-ea"/>
@@ -3207,7 +3582,7 @@
     </p:bodyStyle>
     <p:otherStyle>
       <a:defPPr>
-        <a:defRPr lang="ko-KR"/>
+        <a:defRPr lang="en-US"/>
       </a:defPPr>
       <a:lvl1pPr marL="0" algn="l" defTabSz="914400" rtl="0" eaLnBrk="1" latinLnBrk="1" hangingPunct="1">
         <a:defRPr sz="1800" kern="1200">
@@ -3326,7 +3701,7 @@
           <p:cNvPr id="2" name="제목 1">
             <a:extLst>
               <a:ext uri="{FF2B5EF4-FFF2-40B4-BE49-F238E27FC236}">
-                <a16:creationId xmlns:a16="http://schemas.microsoft.com/office/drawing/2014/main" id="{A1C38E0E-B42A-1D26-E83D-B56C489DB9CB}"/>
+                <a16:creationId xmlns:a16="http://schemas.microsoft.com/office/drawing/2014/main" id="{1649AA7B-DA4A-BA85-7019-5E387CB348C6}"/>
               </a:ext>
             </a:extLst>
           </p:cNvPr>
@@ -3334,47 +3709,1098 @@
             <a:spLocks noGrp="1"/>
           </p:cNvSpPr>
           <p:nvPr>
-            <p:ph type="ctrTitle"/>
-          </p:nvPr>
-        </p:nvSpPr>
-        <p:spPr/>
-        <p:txBody>
-          <a:bodyPr/>
-          <a:lstStyle/>
-          <a:p>
-            <a:endParaRPr lang="ko-KR" altLang="en-US"/>
-          </a:p>
-        </p:txBody>
-      </p:sp>
-      <p:sp>
-        <p:nvSpPr>
-          <p:cNvPr id="3" name="부제목 2">
+            <p:ph type="title"/>
+          </p:nvPr>
+        </p:nvSpPr>
+        <p:spPr>
+          <a:xfrm>
+            <a:off x="750898" y="626152"/>
+            <a:ext cx="9692640" cy="1325562"/>
+          </a:xfrm>
+        </p:spPr>
+        <p:txBody>
+          <a:bodyPr/>
+          <a:lstStyle/>
+          <a:p>
+            <a:r>
+              <a:rPr lang="ko-KR" altLang="en-US" dirty="0"/>
+              <a:t>구현 내용 </a:t>
+            </a:r>
+            <a:r>
+              <a:rPr lang="en-US" altLang="ko-KR" dirty="0"/>
+              <a:t>– </a:t>
+            </a:r>
+            <a:r>
+              <a:rPr lang="ko-KR" altLang="en-US" dirty="0"/>
+              <a:t>몬스터 상태패턴 </a:t>
+            </a:r>
+            <a:r>
+              <a:rPr lang="en-US" altLang="ko-KR" dirty="0"/>
+              <a:t>(</a:t>
+            </a:r>
+            <a:r>
+              <a:rPr lang="ko-KR" altLang="en-US" dirty="0"/>
+              <a:t>민지규</a:t>
+            </a:r>
+            <a:r>
+              <a:rPr lang="en-US" altLang="ko-KR" dirty="0"/>
+              <a:t>)</a:t>
+            </a:r>
+            <a:endParaRPr lang="ko-KR" altLang="en-US" dirty="0"/>
+          </a:p>
+        </p:txBody>
+      </p:sp>
+      <p:pic>
+        <p:nvPicPr>
+          <p:cNvPr id="5" name="내용 개체 틀 4" descr="텍스트, 스크린샷, 폰트, 디자인이(가) 표시된 사진&#10;&#10;자동 생성된 설명">
             <a:extLst>
               <a:ext uri="{FF2B5EF4-FFF2-40B4-BE49-F238E27FC236}">
-                <a16:creationId xmlns:a16="http://schemas.microsoft.com/office/drawing/2014/main" id="{C7AB2BD9-D4E2-F960-D7FF-18B5F713E15E}"/>
+                <a16:creationId xmlns:a16="http://schemas.microsoft.com/office/drawing/2014/main" id="{FB120F24-18BA-5D36-EF9A-D395B23F4CD0}"/>
               </a:ext>
             </a:extLst>
           </p:cNvPr>
-          <p:cNvSpPr>
-            <a:spLocks noGrp="1"/>
-          </p:cNvSpPr>
-          <p:nvPr>
-            <p:ph type="subTitle" idx="1"/>
-          </p:nvPr>
-        </p:nvSpPr>
-        <p:spPr/>
-        <p:txBody>
-          <a:bodyPr/>
-          <a:lstStyle/>
-          <a:p>
-            <a:endParaRPr lang="ko-KR" altLang="en-US"/>
+          <p:cNvPicPr>
+            <a:picLocks noGrp="1" noChangeAspect="1"/>
+          </p:cNvPicPr>
+          <p:nvPr>
+            <p:ph idx="1"/>
+          </p:nvPr>
+        </p:nvPicPr>
+        <p:blipFill>
+          <a:blip r:embed="rId2">
+            <a:extLst>
+              <a:ext uri="{28A0092B-C50C-407E-A947-70E740481C1C}">
+                <a14:useLocalDpi xmlns:a14="http://schemas.microsoft.com/office/drawing/2010/main" val="0"/>
+              </a:ext>
+            </a:extLst>
+          </a:blip>
+          <a:stretch>
+            <a:fillRect/>
+          </a:stretch>
+        </p:blipFill>
+        <p:spPr>
+          <a:xfrm>
+            <a:off x="864314" y="3913876"/>
+            <a:ext cx="1835244" cy="1809843"/>
+          </a:xfrm>
+        </p:spPr>
+      </p:pic>
+      <p:pic>
+        <p:nvPicPr>
+          <p:cNvPr id="7" name="그림 6" descr="텍스트, 폰트, 스크린샷이(가) 표시된 사진&#10;&#10;자동 생성된 설명">
+            <a:extLst>
+              <a:ext uri="{FF2B5EF4-FFF2-40B4-BE49-F238E27FC236}">
+                <a16:creationId xmlns:a16="http://schemas.microsoft.com/office/drawing/2014/main" id="{1DE97FA3-3924-46CA-E674-C80E7CB0DEA4}"/>
+              </a:ext>
+            </a:extLst>
+          </p:cNvPr>
+          <p:cNvPicPr>
+            <a:picLocks noChangeAspect="1"/>
+          </p:cNvPicPr>
+          <p:nvPr/>
+        </p:nvPicPr>
+        <p:blipFill>
+          <a:blip r:embed="rId3">
+            <a:extLst>
+              <a:ext uri="{28A0092B-C50C-407E-A947-70E740481C1C}">
+                <a14:useLocalDpi xmlns:a14="http://schemas.microsoft.com/office/drawing/2010/main" val="0"/>
+              </a:ext>
+            </a:extLst>
+          </a:blip>
+          <a:stretch>
+            <a:fillRect/>
+          </a:stretch>
+        </p:blipFill>
+        <p:spPr>
+          <a:xfrm>
+            <a:off x="3294118" y="3917051"/>
+            <a:ext cx="3181514" cy="901746"/>
+          </a:xfrm>
+          <a:prstGeom prst="rect">
+            <a:avLst/>
+          </a:prstGeom>
+        </p:spPr>
+      </p:pic>
+      <p:sp>
+        <p:nvSpPr>
+          <p:cNvPr id="10" name="제목 1">
+            <a:extLst>
+              <a:ext uri="{FF2B5EF4-FFF2-40B4-BE49-F238E27FC236}">
+                <a16:creationId xmlns:a16="http://schemas.microsoft.com/office/drawing/2014/main" id="{16885FDA-7393-695B-3919-4C1F85E923D8}"/>
+              </a:ext>
+            </a:extLst>
+          </p:cNvPr>
+          <p:cNvSpPr txBox="1">
+            <a:spLocks/>
+          </p:cNvSpPr>
+          <p:nvPr/>
+        </p:nvSpPr>
+        <p:spPr>
+          <a:xfrm>
+            <a:off x="708508" y="429950"/>
+            <a:ext cx="10356014" cy="3421430"/>
+          </a:xfrm>
+          <a:prstGeom prst="rect">
+            <a:avLst/>
+          </a:prstGeom>
+        </p:spPr>
+        <p:txBody>
+          <a:bodyPr vert="horz" lIns="91440" tIns="45720" rIns="91440" bIns="45720" rtlCol="0" anchor="b">
+            <a:normAutofit/>
+          </a:bodyPr>
+          <a:lstStyle>
+            <a:lvl1pPr algn="l" defTabSz="914400" rtl="0" eaLnBrk="1" latinLnBrk="1" hangingPunct="1">
+              <a:lnSpc>
+                <a:spcPct val="90000"/>
+              </a:lnSpc>
+              <a:spcBef>
+                <a:spcPct val="0"/>
+              </a:spcBef>
+              <a:buNone/>
+              <a:defRPr sz="4400" kern="1200" spc="-50" baseline="0">
+                <a:solidFill>
+                  <a:schemeClr val="tx1"/>
+                </a:solidFill>
+                <a:latin typeface="+mj-lt"/>
+                <a:ea typeface="+mj-ea"/>
+                <a:cs typeface="+mj-cs"/>
+              </a:defRPr>
+            </a:lvl1pPr>
+          </a:lstStyle>
+          <a:p>
+            <a:endParaRPr lang="ko-KR" altLang="en-US" dirty="0"/>
+          </a:p>
+        </p:txBody>
+      </p:sp>
+      <p:sp>
+        <p:nvSpPr>
+          <p:cNvPr id="11" name="제목 1">
+            <a:extLst>
+              <a:ext uri="{FF2B5EF4-FFF2-40B4-BE49-F238E27FC236}">
+                <a16:creationId xmlns:a16="http://schemas.microsoft.com/office/drawing/2014/main" id="{9E1B8191-C311-98AC-24C1-ABDFFBE4BD65}"/>
+              </a:ext>
+            </a:extLst>
+          </p:cNvPr>
+          <p:cNvSpPr txBox="1">
+            <a:spLocks/>
+          </p:cNvSpPr>
+          <p:nvPr/>
+        </p:nvSpPr>
+        <p:spPr>
+          <a:xfrm>
+            <a:off x="750898" y="1705063"/>
+            <a:ext cx="9692640" cy="1325562"/>
+          </a:xfrm>
+          <a:prstGeom prst="rect">
+            <a:avLst/>
+          </a:prstGeom>
+        </p:spPr>
+        <p:txBody>
+          <a:bodyPr vert="horz" lIns="91440" tIns="45720" rIns="91440" bIns="45720" rtlCol="0" anchor="b">
+            <a:normAutofit/>
+          </a:bodyPr>
+          <a:lstStyle>
+            <a:lvl1pPr algn="l" defTabSz="914400" rtl="0" eaLnBrk="1" latinLnBrk="1" hangingPunct="1">
+              <a:lnSpc>
+                <a:spcPct val="90000"/>
+              </a:lnSpc>
+              <a:spcBef>
+                <a:spcPct val="0"/>
+              </a:spcBef>
+              <a:buNone/>
+              <a:defRPr sz="4400" kern="1200" spc="-50" baseline="0">
+                <a:solidFill>
+                  <a:schemeClr val="tx1"/>
+                </a:solidFill>
+                <a:latin typeface="+mj-lt"/>
+                <a:ea typeface="+mj-ea"/>
+                <a:cs typeface="+mj-cs"/>
+              </a:defRPr>
+            </a:lvl1pPr>
+          </a:lstStyle>
+          <a:p>
+            <a:r>
+              <a:rPr lang="ko-KR" altLang="en-US" sz="1800" dirty="0"/>
+              <a:t>몬스터의 행동을 상태 패턴 기반으로 행동하게 하였다</a:t>
+            </a:r>
+            <a:r>
+              <a:rPr lang="en-US" altLang="ko-KR" sz="1800" dirty="0"/>
+              <a:t>.</a:t>
+            </a:r>
+            <a:endParaRPr lang="ko-KR" altLang="en-US" sz="1800" dirty="0"/>
           </a:p>
         </p:txBody>
       </p:sp>
     </p:spTree>
     <p:extLst>
       <p:ext uri="{BB962C8B-B14F-4D97-AF65-F5344CB8AC3E}">
-        <p14:creationId xmlns:p14="http://schemas.microsoft.com/office/powerpoint/2010/main" val="1748759457"/>
+        <p14:creationId xmlns:p14="http://schemas.microsoft.com/office/powerpoint/2010/main" val="2184540906"/>
+      </p:ext>
+    </p:extLst>
+  </p:cSld>
+  <p:clrMapOvr>
+    <a:masterClrMapping/>
+  </p:clrMapOvr>
+</p:sld>
+</file>
+
+<file path=ppt/slides/slide2.xml><?xml version="1.0" encoding="utf-8"?>
+<p:sld xmlns:a="http://schemas.openxmlformats.org/drawingml/2006/main" xmlns:r="http://schemas.openxmlformats.org/officeDocument/2006/relationships" xmlns:p="http://schemas.openxmlformats.org/presentationml/2006/main">
+  <p:cSld>
+    <p:spTree>
+      <p:nvGrpSpPr>
+        <p:cNvPr id="1" name="">
+          <a:extLst>
+            <a:ext uri="{FF2B5EF4-FFF2-40B4-BE49-F238E27FC236}">
+              <a16:creationId xmlns:a16="http://schemas.microsoft.com/office/drawing/2014/main" id="{28F1DE55-8DC6-E382-16F7-AA75FA0642AF}"/>
+            </a:ext>
+          </a:extLst>
+        </p:cNvPr>
+        <p:cNvGrpSpPr/>
+        <p:nvPr/>
+      </p:nvGrpSpPr>
+      <p:grpSpPr>
+        <a:xfrm>
+          <a:off x="0" y="0"/>
+          <a:ext cx="0" cy="0"/>
+          <a:chOff x="0" y="0"/>
+          <a:chExt cx="0" cy="0"/>
+        </a:xfrm>
+      </p:grpSpPr>
+      <p:sp>
+        <p:nvSpPr>
+          <p:cNvPr id="2" name="제목 1">
+            <a:extLst>
+              <a:ext uri="{FF2B5EF4-FFF2-40B4-BE49-F238E27FC236}">
+                <a16:creationId xmlns:a16="http://schemas.microsoft.com/office/drawing/2014/main" id="{812CF639-D999-0B14-39F8-BB8A9C6AD12F}"/>
+              </a:ext>
+            </a:extLst>
+          </p:cNvPr>
+          <p:cNvSpPr>
+            <a:spLocks noGrp="1"/>
+          </p:cNvSpPr>
+          <p:nvPr>
+            <p:ph type="title"/>
+          </p:nvPr>
+        </p:nvSpPr>
+        <p:spPr/>
+        <p:txBody>
+          <a:bodyPr/>
+          <a:lstStyle/>
+          <a:p>
+            <a:r>
+              <a:rPr lang="ko-KR" altLang="en-US" dirty="0"/>
+              <a:t>구현 내용 </a:t>
+            </a:r>
+            <a:r>
+              <a:rPr lang="en-US" altLang="ko-KR" dirty="0"/>
+              <a:t>– </a:t>
+            </a:r>
+            <a:r>
+              <a:rPr lang="ko-KR" altLang="en-US" dirty="0"/>
+              <a:t>몬스터 충돌 처리 </a:t>
+            </a:r>
+            <a:r>
+              <a:rPr lang="en-US" altLang="ko-KR" dirty="0"/>
+              <a:t>(</a:t>
+            </a:r>
+            <a:r>
+              <a:rPr lang="ko-KR" altLang="en-US" dirty="0"/>
+              <a:t>민지규</a:t>
+            </a:r>
+            <a:r>
+              <a:rPr lang="en-US" altLang="ko-KR" dirty="0"/>
+              <a:t>)</a:t>
+            </a:r>
+            <a:endParaRPr lang="ko-KR" altLang="en-US" dirty="0"/>
+          </a:p>
+        </p:txBody>
+      </p:sp>
+      <p:sp>
+        <p:nvSpPr>
+          <p:cNvPr id="3" name="내용 개체 틀 2">
+            <a:extLst>
+              <a:ext uri="{FF2B5EF4-FFF2-40B4-BE49-F238E27FC236}">
+                <a16:creationId xmlns:a16="http://schemas.microsoft.com/office/drawing/2014/main" id="{EC4500DF-9562-60C8-03AE-1F4966584E12}"/>
+              </a:ext>
+            </a:extLst>
+          </p:cNvPr>
+          <p:cNvSpPr>
+            <a:spLocks noGrp="1"/>
+          </p:cNvSpPr>
+          <p:nvPr>
+            <p:ph idx="1"/>
+          </p:nvPr>
+        </p:nvSpPr>
+        <p:spPr>
+          <a:xfrm>
+            <a:off x="1261872" y="1828801"/>
+            <a:ext cx="8595360" cy="969818"/>
+          </a:xfrm>
+        </p:spPr>
+        <p:txBody>
+          <a:bodyPr/>
+          <a:lstStyle/>
+          <a:p>
+            <a:r>
+              <a:rPr lang="ko-KR" altLang="en-US" dirty="0"/>
+              <a:t>중력을 받는 오브젝트가 땅 위에 서 있게 하는 충돌 처리 코드의 일부이다</a:t>
+            </a:r>
+            <a:r>
+              <a:rPr lang="en-US" altLang="ko-KR" dirty="0"/>
+              <a:t>.</a:t>
+            </a:r>
+            <a:endParaRPr lang="ko-KR" altLang="en-US" dirty="0"/>
+          </a:p>
+        </p:txBody>
+      </p:sp>
+      <p:pic>
+        <p:nvPicPr>
+          <p:cNvPr id="11" name="그림 10">
+            <a:extLst>
+              <a:ext uri="{FF2B5EF4-FFF2-40B4-BE49-F238E27FC236}">
+                <a16:creationId xmlns:a16="http://schemas.microsoft.com/office/drawing/2014/main" id="{13DFB9FE-0963-11B9-B8D5-251AE24C5697}"/>
+              </a:ext>
+            </a:extLst>
+          </p:cNvPr>
+          <p:cNvPicPr>
+            <a:picLocks noChangeAspect="1"/>
+          </p:cNvPicPr>
+          <p:nvPr/>
+        </p:nvPicPr>
+        <p:blipFill>
+          <a:blip r:embed="rId2"/>
+          <a:stretch>
+            <a:fillRect/>
+          </a:stretch>
+        </p:blipFill>
+        <p:spPr>
+          <a:xfrm>
+            <a:off x="1261872" y="3044453"/>
+            <a:ext cx="5092962" cy="3225966"/>
+          </a:xfrm>
+          <a:prstGeom prst="rect">
+            <a:avLst/>
+          </a:prstGeom>
+        </p:spPr>
+      </p:pic>
+    </p:spTree>
+    <p:extLst>
+      <p:ext uri="{BB962C8B-B14F-4D97-AF65-F5344CB8AC3E}">
+        <p14:creationId xmlns:p14="http://schemas.microsoft.com/office/powerpoint/2010/main" val="3385414614"/>
+      </p:ext>
+    </p:extLst>
+  </p:cSld>
+  <p:clrMapOvr>
+    <a:masterClrMapping/>
+  </p:clrMapOvr>
+</p:sld>
+</file>
+
+<file path=ppt/slides/slide3.xml><?xml version="1.0" encoding="utf-8"?>
+<p:sld xmlns:a="http://schemas.openxmlformats.org/drawingml/2006/main" xmlns:r="http://schemas.openxmlformats.org/officeDocument/2006/relationships" xmlns:p="http://schemas.openxmlformats.org/presentationml/2006/main">
+  <p:cSld>
+    <p:spTree>
+      <p:nvGrpSpPr>
+        <p:cNvPr id="1" name="">
+          <a:extLst>
+            <a:ext uri="{FF2B5EF4-FFF2-40B4-BE49-F238E27FC236}">
+              <a16:creationId xmlns:a16="http://schemas.microsoft.com/office/drawing/2014/main" id="{FC5E3C23-EAC9-BD7F-A1B3-4EE15C44BA5D}"/>
+            </a:ext>
+          </a:extLst>
+        </p:cNvPr>
+        <p:cNvGrpSpPr/>
+        <p:nvPr/>
+      </p:nvGrpSpPr>
+      <p:grpSpPr>
+        <a:xfrm>
+          <a:off x="0" y="0"/>
+          <a:ext cx="0" cy="0"/>
+          <a:chOff x="0" y="0"/>
+          <a:chExt cx="0" cy="0"/>
+        </a:xfrm>
+      </p:grpSpPr>
+      <p:sp>
+        <p:nvSpPr>
+          <p:cNvPr id="2" name="제목 1">
+            <a:extLst>
+              <a:ext uri="{FF2B5EF4-FFF2-40B4-BE49-F238E27FC236}">
+                <a16:creationId xmlns:a16="http://schemas.microsoft.com/office/drawing/2014/main" id="{AFA33A54-7653-B20C-CD22-55F07F28CB8E}"/>
+              </a:ext>
+            </a:extLst>
+          </p:cNvPr>
+          <p:cNvSpPr>
+            <a:spLocks noGrp="1"/>
+          </p:cNvSpPr>
+          <p:nvPr>
+            <p:ph type="title"/>
+          </p:nvPr>
+        </p:nvSpPr>
+        <p:spPr/>
+        <p:txBody>
+          <a:bodyPr/>
+          <a:lstStyle/>
+          <a:p>
+            <a:r>
+              <a:rPr lang="ko-KR" altLang="en-US" dirty="0"/>
+              <a:t>구현 내용 </a:t>
+            </a:r>
+            <a:r>
+              <a:rPr lang="en-US" altLang="ko-KR" dirty="0"/>
+              <a:t>– </a:t>
+            </a:r>
+            <a:r>
+              <a:rPr lang="ko-KR" altLang="en-US" dirty="0"/>
+              <a:t>보스 </a:t>
+            </a:r>
+            <a:r>
+              <a:rPr lang="en-US" altLang="ko-KR" dirty="0"/>
+              <a:t>(</a:t>
+            </a:r>
+            <a:r>
+              <a:rPr lang="ko-KR" altLang="en-US" dirty="0"/>
+              <a:t>민지규</a:t>
+            </a:r>
+            <a:r>
+              <a:rPr lang="en-US" altLang="ko-KR" dirty="0"/>
+              <a:t>)</a:t>
+            </a:r>
+            <a:endParaRPr lang="ko-KR" altLang="en-US" dirty="0"/>
+          </a:p>
+        </p:txBody>
+      </p:sp>
+      <p:sp>
+        <p:nvSpPr>
+          <p:cNvPr id="3" name="내용 개체 틀 2">
+            <a:extLst>
+              <a:ext uri="{FF2B5EF4-FFF2-40B4-BE49-F238E27FC236}">
+                <a16:creationId xmlns:a16="http://schemas.microsoft.com/office/drawing/2014/main" id="{2CF296B2-BE32-A461-B5BC-63A0655BE9A6}"/>
+              </a:ext>
+            </a:extLst>
+          </p:cNvPr>
+          <p:cNvSpPr>
+            <a:spLocks noGrp="1"/>
+          </p:cNvSpPr>
+          <p:nvPr>
+            <p:ph idx="1"/>
+          </p:nvPr>
+        </p:nvSpPr>
+        <p:spPr>
+          <a:xfrm>
+            <a:off x="1261872" y="1828800"/>
+            <a:ext cx="8595360" cy="683491"/>
+          </a:xfrm>
+        </p:spPr>
+        <p:txBody>
+          <a:bodyPr/>
+          <a:lstStyle/>
+          <a:p>
+            <a:r>
+              <a:rPr lang="ko-KR" altLang="en-US" dirty="0"/>
+              <a:t>보스도 상태 기반 패턴으로 구현 하였으며</a:t>
+            </a:r>
+            <a:r>
+              <a:rPr lang="en-US" altLang="ko-KR" dirty="0"/>
+              <a:t>, </a:t>
+            </a:r>
+            <a:r>
+              <a:rPr lang="ko-KR" altLang="en-US" dirty="0"/>
+              <a:t>이에 필요한 각각의 오브젝트들과 행동을 클래스와 함수로 만들어서 구현하였다</a:t>
+            </a:r>
+            <a:r>
+              <a:rPr lang="en-US" altLang="ko-KR" dirty="0"/>
+              <a:t>.</a:t>
+            </a:r>
+            <a:endParaRPr lang="ko-KR" altLang="en-US" dirty="0"/>
+          </a:p>
+        </p:txBody>
+      </p:sp>
+      <p:pic>
+        <p:nvPicPr>
+          <p:cNvPr id="5" name="그림 4" descr="텍스트, 스크린샷, 소프트웨어, 폰트이(가) 표시된 사진&#10;&#10;자동 생성된 설명">
+            <a:extLst>
+              <a:ext uri="{FF2B5EF4-FFF2-40B4-BE49-F238E27FC236}">
+                <a16:creationId xmlns:a16="http://schemas.microsoft.com/office/drawing/2014/main" id="{C8637FD4-4F29-E920-2413-B27363654E5A}"/>
+              </a:ext>
+            </a:extLst>
+          </p:cNvPr>
+          <p:cNvPicPr>
+            <a:picLocks noChangeAspect="1"/>
+          </p:cNvPicPr>
+          <p:nvPr/>
+        </p:nvPicPr>
+        <p:blipFill>
+          <a:blip r:embed="rId2">
+            <a:extLst>
+              <a:ext uri="{28A0092B-C50C-407E-A947-70E740481C1C}">
+                <a14:useLocalDpi xmlns:a14="http://schemas.microsoft.com/office/drawing/2010/main" val="0"/>
+              </a:ext>
+            </a:extLst>
+          </a:blip>
+          <a:stretch>
+            <a:fillRect/>
+          </a:stretch>
+        </p:blipFill>
+        <p:spPr>
+          <a:xfrm>
+            <a:off x="1959785" y="3191384"/>
+            <a:ext cx="2121009" cy="2673487"/>
+          </a:xfrm>
+          <a:prstGeom prst="rect">
+            <a:avLst/>
+          </a:prstGeom>
+        </p:spPr>
+      </p:pic>
+      <p:pic>
+        <p:nvPicPr>
+          <p:cNvPr id="7" name="그림 6" descr="텍스트, 스크린샷이(가) 표시된 사진&#10;&#10;자동 생성된 설명">
+            <a:extLst>
+              <a:ext uri="{FF2B5EF4-FFF2-40B4-BE49-F238E27FC236}">
+                <a16:creationId xmlns:a16="http://schemas.microsoft.com/office/drawing/2014/main" id="{6C5A2240-3F0B-BD60-DE18-8F0CAB316178}"/>
+              </a:ext>
+            </a:extLst>
+          </p:cNvPr>
+          <p:cNvPicPr>
+            <a:picLocks noChangeAspect="1"/>
+          </p:cNvPicPr>
+          <p:nvPr/>
+        </p:nvPicPr>
+        <p:blipFill>
+          <a:blip r:embed="rId3">
+            <a:extLst>
+              <a:ext uri="{28A0092B-C50C-407E-A947-70E740481C1C}">
+                <a14:useLocalDpi xmlns:a14="http://schemas.microsoft.com/office/drawing/2010/main" val="0"/>
+              </a:ext>
+            </a:extLst>
+          </a:blip>
+          <a:stretch>
+            <a:fillRect/>
+          </a:stretch>
+        </p:blipFill>
+        <p:spPr>
+          <a:xfrm>
+            <a:off x="5421042" y="2512291"/>
+            <a:ext cx="3750668" cy="4345709"/>
+          </a:xfrm>
+          <a:prstGeom prst="rect">
+            <a:avLst/>
+          </a:prstGeom>
+        </p:spPr>
+      </p:pic>
+    </p:spTree>
+    <p:extLst>
+      <p:ext uri="{BB962C8B-B14F-4D97-AF65-F5344CB8AC3E}">
+        <p14:creationId xmlns:p14="http://schemas.microsoft.com/office/powerpoint/2010/main" val="3205282881"/>
+      </p:ext>
+    </p:extLst>
+  </p:cSld>
+  <p:clrMapOvr>
+    <a:masterClrMapping/>
+  </p:clrMapOvr>
+</p:sld>
+</file>
+
+<file path=ppt/slides/slide4.xml><?xml version="1.0" encoding="utf-8"?>
+<p:sld xmlns:a="http://schemas.openxmlformats.org/drawingml/2006/main" xmlns:r="http://schemas.openxmlformats.org/officeDocument/2006/relationships" xmlns:p="http://schemas.openxmlformats.org/presentationml/2006/main">
+  <p:cSld>
+    <p:spTree>
+      <p:nvGrpSpPr>
+        <p:cNvPr id="1" name="">
+          <a:extLst>
+            <a:ext uri="{FF2B5EF4-FFF2-40B4-BE49-F238E27FC236}">
+              <a16:creationId xmlns:a16="http://schemas.microsoft.com/office/drawing/2014/main" id="{BE020E40-B60D-BC62-885F-E49F39FC7C49}"/>
+            </a:ext>
+          </a:extLst>
+        </p:cNvPr>
+        <p:cNvGrpSpPr/>
+        <p:nvPr/>
+      </p:nvGrpSpPr>
+      <p:grpSpPr>
+        <a:xfrm>
+          <a:off x="0" y="0"/>
+          <a:ext cx="0" cy="0"/>
+          <a:chOff x="0" y="0"/>
+          <a:chExt cx="0" cy="0"/>
+        </a:xfrm>
+      </p:grpSpPr>
+      <p:sp>
+        <p:nvSpPr>
+          <p:cNvPr id="2" name="제목 1">
+            <a:extLst>
+              <a:ext uri="{FF2B5EF4-FFF2-40B4-BE49-F238E27FC236}">
+                <a16:creationId xmlns:a16="http://schemas.microsoft.com/office/drawing/2014/main" id="{47BE64B6-1F80-62FC-2FAE-6E50A412690E}"/>
+              </a:ext>
+            </a:extLst>
+          </p:cNvPr>
+          <p:cNvSpPr>
+            <a:spLocks noGrp="1"/>
+          </p:cNvSpPr>
+          <p:nvPr>
+            <p:ph type="title"/>
+          </p:nvPr>
+        </p:nvSpPr>
+        <p:spPr/>
+        <p:txBody>
+          <a:bodyPr/>
+          <a:lstStyle/>
+          <a:p>
+            <a:r>
+              <a:rPr lang="ko-KR" altLang="en-US" dirty="0"/>
+              <a:t>구현 내용 </a:t>
+            </a:r>
+            <a:r>
+              <a:rPr lang="en-US" altLang="ko-KR" dirty="0"/>
+              <a:t>– </a:t>
+            </a:r>
+            <a:r>
+              <a:rPr lang="ko-KR" altLang="en-US" dirty="0"/>
+              <a:t>무기 </a:t>
+            </a:r>
+            <a:r>
+              <a:rPr lang="en-US" altLang="ko-KR" dirty="0"/>
+              <a:t>(</a:t>
+            </a:r>
+            <a:r>
+              <a:rPr lang="ko-KR" altLang="en-US" dirty="0"/>
+              <a:t>민지규</a:t>
+            </a:r>
+            <a:r>
+              <a:rPr lang="en-US" altLang="ko-KR" dirty="0"/>
+              <a:t>)</a:t>
+            </a:r>
+            <a:endParaRPr lang="ko-KR" altLang="en-US" dirty="0"/>
+          </a:p>
+        </p:txBody>
+      </p:sp>
+      <p:sp>
+        <p:nvSpPr>
+          <p:cNvPr id="3" name="내용 개체 틀 2">
+            <a:extLst>
+              <a:ext uri="{FF2B5EF4-FFF2-40B4-BE49-F238E27FC236}">
+                <a16:creationId xmlns:a16="http://schemas.microsoft.com/office/drawing/2014/main" id="{39588B08-2A77-C3C1-2FF2-1528F110036E}"/>
+              </a:ext>
+            </a:extLst>
+          </p:cNvPr>
+          <p:cNvSpPr>
+            <a:spLocks noGrp="1"/>
+          </p:cNvSpPr>
+          <p:nvPr>
+            <p:ph idx="1"/>
+          </p:nvPr>
+        </p:nvSpPr>
+        <p:spPr>
+          <a:xfrm>
+            <a:off x="1261872" y="1828800"/>
+            <a:ext cx="8595360" cy="979055"/>
+          </a:xfrm>
+        </p:spPr>
+        <p:txBody>
+          <a:bodyPr/>
+          <a:lstStyle/>
+          <a:p>
+            <a:r>
+              <a:rPr lang="ko-KR" altLang="en-US" dirty="0"/>
+              <a:t>무기도 필요한 클래스들을 만들어주었으며</a:t>
+            </a:r>
+            <a:r>
+              <a:rPr lang="en-US" altLang="ko-KR" dirty="0"/>
+              <a:t>, </a:t>
+            </a:r>
+            <a:r>
+              <a:rPr lang="ko-KR" altLang="en-US" dirty="0"/>
+              <a:t>원거리 무기 같은 경우엔 오브젝트 </a:t>
+            </a:r>
+            <a:r>
+              <a:rPr lang="ko-KR" altLang="en-US" dirty="0" err="1"/>
+              <a:t>풀링을</a:t>
+            </a:r>
+            <a:r>
+              <a:rPr lang="ko-KR" altLang="en-US" dirty="0"/>
+              <a:t> 사용하여 화살을 발사하였고</a:t>
+            </a:r>
+            <a:r>
+              <a:rPr lang="en-US" altLang="ko-KR" dirty="0"/>
+              <a:t>, </a:t>
+            </a:r>
+            <a:r>
+              <a:rPr lang="ko-KR" altLang="en-US" dirty="0"/>
+              <a:t>화살이 각각 벽과 몬스터에게 충돌 했을 시 행동을 다르게 하여 처리하였다</a:t>
+            </a:r>
+            <a:r>
+              <a:rPr lang="en-US" altLang="ko-KR" dirty="0"/>
+              <a:t>.</a:t>
+            </a:r>
+            <a:endParaRPr lang="ko-KR" altLang="en-US" dirty="0"/>
+          </a:p>
+        </p:txBody>
+      </p:sp>
+      <p:pic>
+        <p:nvPicPr>
+          <p:cNvPr id="5" name="그림 4" descr="텍스트, 스크린샷, 폰트이(가) 표시된 사진&#10;&#10;자동 생성된 설명">
+            <a:extLst>
+              <a:ext uri="{FF2B5EF4-FFF2-40B4-BE49-F238E27FC236}">
+                <a16:creationId xmlns:a16="http://schemas.microsoft.com/office/drawing/2014/main" id="{9E349C37-CB7F-C913-CD72-3EB3F376BB7C}"/>
+              </a:ext>
+            </a:extLst>
+          </p:cNvPr>
+          <p:cNvPicPr>
+            <a:picLocks noChangeAspect="1"/>
+          </p:cNvPicPr>
+          <p:nvPr/>
+        </p:nvPicPr>
+        <p:blipFill>
+          <a:blip r:embed="rId2">
+            <a:extLst>
+              <a:ext uri="{28A0092B-C50C-407E-A947-70E740481C1C}">
+                <a14:useLocalDpi xmlns:a14="http://schemas.microsoft.com/office/drawing/2010/main" val="0"/>
+              </a:ext>
+            </a:extLst>
+          </a:blip>
+          <a:stretch>
+            <a:fillRect/>
+          </a:stretch>
+        </p:blipFill>
+        <p:spPr>
+          <a:xfrm>
+            <a:off x="900490" y="3301657"/>
+            <a:ext cx="2133710" cy="2101958"/>
+          </a:xfrm>
+          <a:prstGeom prst="rect">
+            <a:avLst/>
+          </a:prstGeom>
+        </p:spPr>
+      </p:pic>
+      <p:pic>
+        <p:nvPicPr>
+          <p:cNvPr id="7" name="그림 6" descr="텍스트, 스크린샷, 폰트이(가) 표시된 사진&#10;&#10;자동 생성된 설명">
+            <a:extLst>
+              <a:ext uri="{FF2B5EF4-FFF2-40B4-BE49-F238E27FC236}">
+                <a16:creationId xmlns:a16="http://schemas.microsoft.com/office/drawing/2014/main" id="{80EE488E-644C-C2D4-C893-4AAB9C1AF7C8}"/>
+              </a:ext>
+            </a:extLst>
+          </p:cNvPr>
+          <p:cNvPicPr>
+            <a:picLocks noChangeAspect="1"/>
+          </p:cNvPicPr>
+          <p:nvPr/>
+        </p:nvPicPr>
+        <p:blipFill>
+          <a:blip r:embed="rId3">
+            <a:extLst>
+              <a:ext uri="{28A0092B-C50C-407E-A947-70E740481C1C}">
+                <a14:useLocalDpi xmlns:a14="http://schemas.microsoft.com/office/drawing/2010/main" val="0"/>
+              </a:ext>
+            </a:extLst>
+          </a:blip>
+          <a:stretch>
+            <a:fillRect/>
+          </a:stretch>
+        </p:blipFill>
+        <p:spPr>
+          <a:xfrm>
+            <a:off x="3364851" y="3851822"/>
+            <a:ext cx="2743341" cy="1149409"/>
+          </a:xfrm>
+          <a:prstGeom prst="rect">
+            <a:avLst/>
+          </a:prstGeom>
+        </p:spPr>
+      </p:pic>
+      <p:pic>
+        <p:nvPicPr>
+          <p:cNvPr id="9" name="그림 8" descr="텍스트, 스크린샷, 소프트웨어, 디스플레이이(가) 표시된 사진&#10;&#10;자동 생성된 설명">
+            <a:extLst>
+              <a:ext uri="{FF2B5EF4-FFF2-40B4-BE49-F238E27FC236}">
+                <a16:creationId xmlns:a16="http://schemas.microsoft.com/office/drawing/2014/main" id="{640C2108-89EF-1910-6B9A-C5F47F4460BF}"/>
+              </a:ext>
+            </a:extLst>
+          </p:cNvPr>
+          <p:cNvPicPr>
+            <a:picLocks noChangeAspect="1"/>
+          </p:cNvPicPr>
+          <p:nvPr/>
+        </p:nvPicPr>
+        <p:blipFill>
+          <a:blip r:embed="rId4">
+            <a:extLst>
+              <a:ext uri="{28A0092B-C50C-407E-A947-70E740481C1C}">
+                <a14:useLocalDpi xmlns:a14="http://schemas.microsoft.com/office/drawing/2010/main" val="0"/>
+              </a:ext>
+            </a:extLst>
+          </a:blip>
+          <a:stretch>
+            <a:fillRect/>
+          </a:stretch>
+        </p:blipFill>
+        <p:spPr>
+          <a:xfrm>
+            <a:off x="6289696" y="2756796"/>
+            <a:ext cx="4640431" cy="3847919"/>
+          </a:xfrm>
+          <a:prstGeom prst="rect">
+            <a:avLst/>
+          </a:prstGeom>
+        </p:spPr>
+      </p:pic>
+    </p:spTree>
+    <p:extLst>
+      <p:ext uri="{BB962C8B-B14F-4D97-AF65-F5344CB8AC3E}">
+        <p14:creationId xmlns:p14="http://schemas.microsoft.com/office/powerpoint/2010/main" val="2924371448"/>
+      </p:ext>
+    </p:extLst>
+  </p:cSld>
+  <p:clrMapOvr>
+    <a:masterClrMapping/>
+  </p:clrMapOvr>
+</p:sld>
+</file>
+
+<file path=ppt/slides/slide5.xml><?xml version="1.0" encoding="utf-8"?>
+<p:sld xmlns:a="http://schemas.openxmlformats.org/drawingml/2006/main" xmlns:r="http://schemas.openxmlformats.org/officeDocument/2006/relationships" xmlns:p="http://schemas.openxmlformats.org/presentationml/2006/main">
+  <p:cSld>
+    <p:spTree>
+      <p:nvGrpSpPr>
+        <p:cNvPr id="1" name="">
+          <a:extLst>
+            <a:ext uri="{FF2B5EF4-FFF2-40B4-BE49-F238E27FC236}">
+              <a16:creationId xmlns:a16="http://schemas.microsoft.com/office/drawing/2014/main" id="{39E2E0B6-4397-2E2D-54E8-21DEB02590B0}"/>
+            </a:ext>
+          </a:extLst>
+        </p:cNvPr>
+        <p:cNvGrpSpPr/>
+        <p:nvPr/>
+      </p:nvGrpSpPr>
+      <p:grpSpPr>
+        <a:xfrm>
+          <a:off x="0" y="0"/>
+          <a:ext cx="0" cy="0"/>
+          <a:chOff x="0" y="0"/>
+          <a:chExt cx="0" cy="0"/>
+        </a:xfrm>
+      </p:grpSpPr>
+      <p:sp>
+        <p:nvSpPr>
+          <p:cNvPr id="2" name="제목 1">
+            <a:extLst>
+              <a:ext uri="{FF2B5EF4-FFF2-40B4-BE49-F238E27FC236}">
+                <a16:creationId xmlns:a16="http://schemas.microsoft.com/office/drawing/2014/main" id="{088ED972-A1D1-FDD7-420C-56D49A3DC6E7}"/>
+              </a:ext>
+            </a:extLst>
+          </p:cNvPr>
+          <p:cNvSpPr>
+            <a:spLocks noGrp="1"/>
+          </p:cNvSpPr>
+          <p:nvPr>
+            <p:ph type="title"/>
+          </p:nvPr>
+        </p:nvSpPr>
+        <p:spPr>
+          <a:xfrm>
+            <a:off x="1261872" y="329426"/>
+            <a:ext cx="9692640" cy="1325562"/>
+          </a:xfrm>
+        </p:spPr>
+        <p:txBody>
+          <a:bodyPr/>
+          <a:lstStyle/>
+          <a:p>
+            <a:r>
+              <a:rPr lang="ko-KR" altLang="en-US" dirty="0"/>
+              <a:t>잘한 점 </a:t>
+            </a:r>
+            <a:r>
+              <a:rPr lang="en-US" altLang="ko-KR" dirty="0"/>
+              <a:t>- </a:t>
+            </a:r>
+            <a:r>
+              <a:rPr lang="ko-KR" altLang="en-US" dirty="0"/>
+              <a:t>민지규</a:t>
+            </a:r>
+          </a:p>
+        </p:txBody>
+      </p:sp>
+      <p:sp>
+        <p:nvSpPr>
+          <p:cNvPr id="3" name="내용 개체 틀 2">
+            <a:extLst>
+              <a:ext uri="{FF2B5EF4-FFF2-40B4-BE49-F238E27FC236}">
+                <a16:creationId xmlns:a16="http://schemas.microsoft.com/office/drawing/2014/main" id="{425D50EE-1265-25FC-0A9B-41C3CE97B77F}"/>
+              </a:ext>
+            </a:extLst>
+          </p:cNvPr>
+          <p:cNvSpPr>
+            <a:spLocks noGrp="1"/>
+          </p:cNvSpPr>
+          <p:nvPr>
+            <p:ph idx="1"/>
+          </p:nvPr>
+        </p:nvSpPr>
+        <p:spPr/>
+        <p:txBody>
+          <a:bodyPr/>
+          <a:lstStyle/>
+          <a:p>
+            <a:r>
+              <a:rPr lang="ko-KR" altLang="en-US" dirty="0"/>
+              <a:t>목표로 했던 대부분의 구현은 완료했음</a:t>
+            </a:r>
+            <a:endParaRPr lang="en-US" altLang="ko-KR" dirty="0"/>
+          </a:p>
+          <a:p>
+            <a:r>
+              <a:rPr lang="ko-KR" altLang="en-US" dirty="0"/>
+              <a:t>몬스터 행동 패턴을 상태 기반 패턴으로 구현해 보았음</a:t>
+            </a:r>
+            <a:endParaRPr lang="en-US" altLang="ko-KR" dirty="0"/>
+          </a:p>
+          <a:p>
+            <a:r>
+              <a:rPr lang="ko-KR" altLang="en-US" dirty="0"/>
+              <a:t>몬스터 </a:t>
+            </a:r>
+            <a:r>
+              <a:rPr lang="en-US" altLang="ko-KR" dirty="0"/>
+              <a:t>AI </a:t>
+            </a:r>
+            <a:r>
+              <a:rPr lang="ko-KR" altLang="en-US" dirty="0"/>
+              <a:t>행동 별 충돌처리 처리를 구현해 보았음</a:t>
+            </a:r>
+          </a:p>
+        </p:txBody>
+      </p:sp>
+    </p:spTree>
+    <p:extLst>
+      <p:ext uri="{BB962C8B-B14F-4D97-AF65-F5344CB8AC3E}">
+        <p14:creationId xmlns:p14="http://schemas.microsoft.com/office/powerpoint/2010/main" val="827499903"/>
+      </p:ext>
+    </p:extLst>
+  </p:cSld>
+  <p:clrMapOvr>
+    <a:masterClrMapping/>
+  </p:clrMapOvr>
+</p:sld>
+</file>
+
+<file path=ppt/slides/slide6.xml><?xml version="1.0" encoding="utf-8"?>
+<p:sld xmlns:a="http://schemas.openxmlformats.org/drawingml/2006/main" xmlns:r="http://schemas.openxmlformats.org/officeDocument/2006/relationships" xmlns:p="http://schemas.openxmlformats.org/presentationml/2006/main">
+  <p:cSld>
+    <p:spTree>
+      <p:nvGrpSpPr>
+        <p:cNvPr id="1" name="">
+          <a:extLst>
+            <a:ext uri="{FF2B5EF4-FFF2-40B4-BE49-F238E27FC236}">
+              <a16:creationId xmlns:a16="http://schemas.microsoft.com/office/drawing/2014/main" id="{63FBC2BD-9AAB-85BD-77EC-1337D6ABE2B7}"/>
+            </a:ext>
+          </a:extLst>
+        </p:cNvPr>
+        <p:cNvGrpSpPr/>
+        <p:nvPr/>
+      </p:nvGrpSpPr>
+      <p:grpSpPr>
+        <a:xfrm>
+          <a:off x="0" y="0"/>
+          <a:ext cx="0" cy="0"/>
+          <a:chOff x="0" y="0"/>
+          <a:chExt cx="0" cy="0"/>
+        </a:xfrm>
+      </p:grpSpPr>
+      <p:sp>
+        <p:nvSpPr>
+          <p:cNvPr id="2" name="제목 1">
+            <a:extLst>
+              <a:ext uri="{FF2B5EF4-FFF2-40B4-BE49-F238E27FC236}">
+                <a16:creationId xmlns:a16="http://schemas.microsoft.com/office/drawing/2014/main" id="{7AB1B0FC-0870-2D9B-21ED-FF9533E0BB64}"/>
+              </a:ext>
+            </a:extLst>
+          </p:cNvPr>
+          <p:cNvSpPr>
+            <a:spLocks noGrp="1"/>
+          </p:cNvSpPr>
+          <p:nvPr>
+            <p:ph type="title"/>
+          </p:nvPr>
+        </p:nvSpPr>
+        <p:spPr/>
+        <p:txBody>
+          <a:bodyPr/>
+          <a:lstStyle/>
+          <a:p>
+            <a:r>
+              <a:rPr lang="ko-KR" altLang="en-US" dirty="0"/>
+              <a:t>아쉬운 점 </a:t>
+            </a:r>
+            <a:r>
+              <a:rPr lang="en-US" altLang="ko-KR" dirty="0"/>
+              <a:t>- </a:t>
+            </a:r>
+            <a:r>
+              <a:rPr lang="ko-KR" altLang="en-US" dirty="0"/>
+              <a:t>민지규</a:t>
+            </a:r>
+          </a:p>
+        </p:txBody>
+      </p:sp>
+      <p:sp>
+        <p:nvSpPr>
+          <p:cNvPr id="3" name="내용 개체 틀 2">
+            <a:extLst>
+              <a:ext uri="{FF2B5EF4-FFF2-40B4-BE49-F238E27FC236}">
+                <a16:creationId xmlns:a16="http://schemas.microsoft.com/office/drawing/2014/main" id="{C8EE11C1-B93A-F0CF-4BB8-66F845DE35FF}"/>
+              </a:ext>
+            </a:extLst>
+          </p:cNvPr>
+          <p:cNvSpPr>
+            <a:spLocks noGrp="1"/>
+          </p:cNvSpPr>
+          <p:nvPr>
+            <p:ph idx="1"/>
+          </p:nvPr>
+        </p:nvSpPr>
+        <p:spPr/>
+        <p:txBody>
+          <a:bodyPr/>
+          <a:lstStyle/>
+          <a:p>
+            <a:r>
+              <a:rPr lang="ko-KR" altLang="en-US" dirty="0"/>
+              <a:t>몬스터  </a:t>
+            </a:r>
+            <a:r>
+              <a:rPr lang="en-US" altLang="ko-KR" dirty="0"/>
+              <a:t>AI </a:t>
+            </a:r>
+            <a:r>
+              <a:rPr lang="ko-KR" altLang="en-US" dirty="0"/>
+              <a:t>행동 별 충돌처리 처리를 구현 하느라 시간을 많이 소모했음</a:t>
+            </a:r>
+            <a:endParaRPr lang="en-US" altLang="ko-KR" dirty="0"/>
+          </a:p>
+          <a:p>
+            <a:r>
+              <a:rPr lang="ko-KR" altLang="en-US" dirty="0"/>
+              <a:t>생각보다 몬스터와 무기에 디테일 적인 요소들이 많은데</a:t>
+            </a:r>
+            <a:r>
+              <a:rPr lang="en-US" altLang="ko-KR" dirty="0"/>
+              <a:t>, </a:t>
+            </a:r>
+            <a:r>
+              <a:rPr lang="ko-KR" altLang="en-US" dirty="0"/>
+              <a:t>이를 세세하게 구현하지 못한 점이 아쉬움</a:t>
+            </a:r>
+            <a:r>
+              <a:rPr lang="en-US" altLang="ko-KR" dirty="0"/>
+              <a:t>.</a:t>
+            </a:r>
+            <a:endParaRPr lang="ko-KR" altLang="en-US" dirty="0"/>
+          </a:p>
+        </p:txBody>
+      </p:sp>
+    </p:spTree>
+    <p:extLst>
+      <p:ext uri="{BB962C8B-B14F-4D97-AF65-F5344CB8AC3E}">
+        <p14:creationId xmlns:p14="http://schemas.microsoft.com/office/powerpoint/2010/main" val="3846376203"/>
       </p:ext>
     </p:extLst>
   </p:cSld>
@@ -3385,110 +4811,58 @@
 </file>
 
 <file path=ppt/theme/theme1.xml><?xml version="1.0" encoding="utf-8"?>
-<a:theme xmlns:a="http://schemas.openxmlformats.org/drawingml/2006/main" name="Office 테마">
+<a:theme xmlns:a="http://schemas.openxmlformats.org/drawingml/2006/main" name="보기">
   <a:themeElements>
-    <a:clrScheme name="Office">
+    <a:clrScheme name="보기">
       <a:dk1>
-        <a:sysClr val="windowText" lastClr="000000"/>
+        <a:srgbClr val="000000"/>
       </a:dk1>
       <a:lt1>
-        <a:sysClr val="window" lastClr="FFFFFF"/>
+        <a:srgbClr val="FFFFFF"/>
       </a:lt1>
       <a:dk2>
-        <a:srgbClr val="0E2841"/>
+        <a:srgbClr val="46464A"/>
       </a:dk2>
       <a:lt2>
-        <a:srgbClr val="E8E8E8"/>
+        <a:srgbClr val="D6D3CC"/>
       </a:lt2>
       <a:accent1>
-        <a:srgbClr val="156082"/>
+        <a:srgbClr val="6F6F74"/>
       </a:accent1>
       <a:accent2>
-        <a:srgbClr val="E97132"/>
+        <a:srgbClr val="92A9B9"/>
       </a:accent2>
       <a:accent3>
-        <a:srgbClr val="196B24"/>
+        <a:srgbClr val="A7B789"/>
       </a:accent3>
       <a:accent4>
-        <a:srgbClr val="0F9ED5"/>
+        <a:srgbClr val="B9A489"/>
       </a:accent4>
       <a:accent5>
-        <a:srgbClr val="A02B93"/>
+        <a:srgbClr val="8D6374"/>
       </a:accent5>
       <a:accent6>
-        <a:srgbClr val="4EA72E"/>
+        <a:srgbClr val="9B7362"/>
       </a:accent6>
       <a:hlink>
-        <a:srgbClr val="467886"/>
+        <a:srgbClr val="67AABF"/>
       </a:hlink>
       <a:folHlink>
-        <a:srgbClr val="96607D"/>
+        <a:srgbClr val="ABAFA5"/>
       </a:folHlink>
     </a:clrScheme>
-    <a:fontScheme name="Office">
+    <a:fontScheme name="보기">
       <a:majorFont>
-        <a:latin typeface="맑은 고딕" panose="02110004020202020204"/>
+        <a:latin typeface="Century Schoolbook" panose="02040604050505020304"/>
         <a:ea typeface=""/>
         <a:cs typeface=""/>
-        <a:font script="Jpan" typeface="游ゴシック Light"/>
+        <a:font script="Jpan" typeface="ＭＳ ゴシック"/>
         <a:font script="Hang" typeface="맑은 고딕"/>
-        <a:font script="Hans" typeface="等线 Light"/>
+        <a:font script="Hans" typeface="宋体"/>
         <a:font script="Hant" typeface="新細明體"/>
-        <a:font script="Arab" typeface="Times New Roman"/>
-        <a:font script="Hebr" typeface="Times New Roman"/>
-        <a:font script="Thai" typeface="Angsana New"/>
-        <a:font script="Ethi" typeface="Nyala"/>
-        <a:font script="Beng" typeface="Vrinda"/>
-        <a:font script="Gujr" typeface="Shruti"/>
-        <a:font script="Khmr" typeface="MoolBoran"/>
-        <a:font script="Knda" typeface="Tunga"/>
-        <a:font script="Guru" typeface="Raavi"/>
-        <a:font script="Cans" typeface="Euphemia"/>
-        <a:font script="Cher" typeface="Plantagenet Cherokee"/>
-        <a:font script="Yiii" typeface="Microsoft Yi Baiti"/>
-        <a:font script="Tibt" typeface="Microsoft Himalaya"/>
-        <a:font script="Thaa" typeface="MV Boli"/>
-        <a:font script="Deva" typeface="Mangal"/>
-        <a:font script="Telu" typeface="Gautami"/>
-        <a:font script="Taml" typeface="Latha"/>
-        <a:font script="Syrc" typeface="Estrangelo Edessa"/>
-        <a:font script="Orya" typeface="Kalinga"/>
-        <a:font script="Mlym" typeface="Kartika"/>
-        <a:font script="Laoo" typeface="DokChampa"/>
-        <a:font script="Sinh" typeface="Iskoola Pota"/>
-        <a:font script="Mong" typeface="Mongolian Baiti"/>
-        <a:font script="Viet" typeface="Times New Roman"/>
-        <a:font script="Uigh" typeface="Microsoft Uighur"/>
-        <a:font script="Geor" typeface="Sylfaen"/>
-        <a:font script="Armn" typeface="Arial"/>
-        <a:font script="Bugi" typeface="Leelawadee UI"/>
-        <a:font script="Bopo" typeface="Microsoft JhengHei"/>
-        <a:font script="Java" typeface="Javanese Text"/>
-        <a:font script="Lisu" typeface="Segoe UI"/>
-        <a:font script="Mymr" typeface="Myanmar Text"/>
-        <a:font script="Nkoo" typeface="Ebrima"/>
-        <a:font script="Olck" typeface="Nirmala UI"/>
-        <a:font script="Osma" typeface="Ebrima"/>
-        <a:font script="Phag" typeface="Phagspa"/>
-        <a:font script="Syrn" typeface="Estrangelo Edessa"/>
-        <a:font script="Syrj" typeface="Estrangelo Edessa"/>
-        <a:font script="Syre" typeface="Estrangelo Edessa"/>
-        <a:font script="Sora" typeface="Nirmala UI"/>
-        <a:font script="Tale" typeface="Microsoft Tai Le"/>
-        <a:font script="Talu" typeface="Microsoft New Tai Lue"/>
-        <a:font script="Tfng" typeface="Ebrima"/>
-      </a:majorFont>
-      <a:minorFont>
-        <a:latin typeface="맑은 고딕" panose="02110004020202020204"/>
-        <a:ea typeface=""/>
-        <a:cs typeface=""/>
-        <a:font script="Jpan" typeface="游ゴシック"/>
-        <a:font script="Hang" typeface="맑은 고딕"/>
-        <a:font script="Hans" typeface="等线"/>
-        <a:font script="Hant" typeface="新細明體"/>
-        <a:font script="Arab" typeface="Arial"/>
-        <a:font script="Hebr" typeface="Arial"/>
-        <a:font script="Thai" typeface="Cordia New"/>
+        <a:font script="Arab" typeface="Tahoma"/>
+        <a:font script="Hebr" typeface="Gisha"/>
+        <a:font script="Thai" typeface="DilleniaUPC"/>
         <a:font script="Ethi" typeface="Nyala"/>
         <a:font script="Beng" typeface="Vrinda"/>
         <a:font script="Gujr" typeface="Shruti"/>
@@ -3509,107 +4883,86 @@
         <a:font script="Laoo" typeface="DokChampa"/>
         <a:font script="Sinh" typeface="Iskoola Pota"/>
         <a:font script="Mong" typeface="Mongolian Baiti"/>
-        <a:font script="Viet" typeface="Arial"/>
+        <a:font script="Viet" typeface="Tahoma"/>
         <a:font script="Uigh" typeface="Microsoft Uighur"/>
         <a:font script="Geor" typeface="Sylfaen"/>
-        <a:font script="Armn" typeface="Arial"/>
-        <a:font script="Bugi" typeface="Leelawadee UI"/>
-        <a:font script="Bopo" typeface="Microsoft JhengHei"/>
-        <a:font script="Java" typeface="Javanese Text"/>
-        <a:font script="Lisu" typeface="Segoe UI"/>
-        <a:font script="Mymr" typeface="Myanmar Text"/>
-        <a:font script="Nkoo" typeface="Ebrima"/>
-        <a:font script="Olck" typeface="Nirmala UI"/>
-        <a:font script="Osma" typeface="Ebrima"/>
-        <a:font script="Phag" typeface="Phagspa"/>
-        <a:font script="Syrn" typeface="Estrangelo Edessa"/>
-        <a:font script="Syrj" typeface="Estrangelo Edessa"/>
-        <a:font script="Syre" typeface="Estrangelo Edessa"/>
-        <a:font script="Sora" typeface="Nirmala UI"/>
-        <a:font script="Tale" typeface="Microsoft Tai Le"/>
-        <a:font script="Talu" typeface="Microsoft New Tai Lue"/>
-        <a:font script="Tfng" typeface="Ebrima"/>
+      </a:majorFont>
+      <a:minorFont>
+        <a:latin typeface="Century Schoolbook" panose="02040604050505020304"/>
+        <a:ea typeface=""/>
+        <a:cs typeface=""/>
+        <a:font script="Jpan" typeface="ＭＳ ゴシック"/>
+        <a:font script="Hang" typeface="맑은 고딕"/>
+        <a:font script="Hans" typeface="宋体"/>
+        <a:font script="Hant" typeface="新細明體"/>
+        <a:font script="Arab" typeface="Tahoma"/>
+        <a:font script="Hebr" typeface="Gisha"/>
+        <a:font script="Thai" typeface="DilleniaUPC"/>
+        <a:font script="Ethi" typeface="Nyala"/>
+        <a:font script="Beng" typeface="Vrinda"/>
+        <a:font script="Gujr" typeface="Shruti"/>
+        <a:font script="Khmr" typeface="DaunPenh"/>
+        <a:font script="Knda" typeface="Tunga"/>
+        <a:font script="Guru" typeface="Raavi"/>
+        <a:font script="Cans" typeface="Euphemia"/>
+        <a:font script="Cher" typeface="Plantagenet Cherokee"/>
+        <a:font script="Yiii" typeface="Microsoft Yi Baiti"/>
+        <a:font script="Tibt" typeface="Microsoft Himalaya"/>
+        <a:font script="Thaa" typeface="MV Boli"/>
+        <a:font script="Deva" typeface="Mangal"/>
+        <a:font script="Telu" typeface="Gautami"/>
+        <a:font script="Taml" typeface="Latha"/>
+        <a:font script="Syrc" typeface="Estrangelo Edessa"/>
+        <a:font script="Orya" typeface="Kalinga"/>
+        <a:font script="Mlym" typeface="Kartika"/>
+        <a:font script="Laoo" typeface="DokChampa"/>
+        <a:font script="Sinh" typeface="Iskoola Pota"/>
+        <a:font script="Mong" typeface="Mongolian Baiti"/>
+        <a:font script="Viet" typeface="Verdana"/>
+        <a:font script="Uigh" typeface="Microsoft Uighur"/>
+        <a:font script="Geor" typeface="Sylfaen"/>
       </a:minorFont>
     </a:fontScheme>
-    <a:fmtScheme name="Office">
+    <a:fmtScheme name="보기">
       <a:fillStyleLst>
         <a:solidFill>
           <a:schemeClr val="phClr"/>
         </a:solidFill>
-        <a:gradFill rotWithShape="1">
-          <a:gsLst>
-            <a:gs pos="0">
-              <a:schemeClr val="phClr">
-                <a:lumMod val="110000"/>
-                <a:satMod val="105000"/>
-                <a:tint val="67000"/>
-              </a:schemeClr>
-            </a:gs>
-            <a:gs pos="50000">
-              <a:schemeClr val="phClr">
-                <a:lumMod val="105000"/>
-                <a:satMod val="103000"/>
-                <a:tint val="73000"/>
-              </a:schemeClr>
-            </a:gs>
-            <a:gs pos="100000">
-              <a:schemeClr val="phClr">
-                <a:lumMod val="105000"/>
-                <a:satMod val="109000"/>
-                <a:tint val="81000"/>
-              </a:schemeClr>
-            </a:gs>
-          </a:gsLst>
-          <a:lin ang="5400000" scaled="0"/>
-        </a:gradFill>
-        <a:gradFill rotWithShape="1">
-          <a:gsLst>
-            <a:gs pos="0">
-              <a:schemeClr val="phClr">
-                <a:satMod val="103000"/>
-                <a:lumMod val="102000"/>
-                <a:tint val="94000"/>
-              </a:schemeClr>
-            </a:gs>
-            <a:gs pos="50000">
-              <a:schemeClr val="phClr">
-                <a:satMod val="110000"/>
-                <a:lumMod val="100000"/>
-                <a:shade val="100000"/>
-              </a:schemeClr>
-            </a:gs>
-            <a:gs pos="100000">
-              <a:schemeClr val="phClr">
-                <a:lumMod val="99000"/>
-                <a:satMod val="120000"/>
-                <a:shade val="78000"/>
-              </a:schemeClr>
-            </a:gs>
-          </a:gsLst>
-          <a:lin ang="5400000" scaled="0"/>
-        </a:gradFill>
+        <a:solidFill>
+          <a:schemeClr val="phClr">
+            <a:tint val="60000"/>
+            <a:satMod val="120000"/>
+          </a:schemeClr>
+        </a:solidFill>
+        <a:solidFill>
+          <a:schemeClr val="phClr">
+            <a:shade val="75000"/>
+            <a:satMod val="160000"/>
+          </a:schemeClr>
+        </a:solidFill>
       </a:fillStyleLst>
       <a:lnStyleLst>
-        <a:ln w="12700" cap="flat" cmpd="sng" algn="ctr">
+        <a:ln w="9525" cap="flat" cmpd="sng" algn="ctr">
           <a:solidFill>
             <a:schemeClr val="phClr"/>
           </a:solidFill>
           <a:prstDash val="solid"/>
-          <a:miter lim="800000"/>
         </a:ln>
-        <a:ln w="19050" cap="flat" cmpd="sng" algn="ctr">
+        <a:ln w="13970" cap="flat" cmpd="sng" algn="ctr">
           <a:solidFill>
             <a:schemeClr val="phClr"/>
           </a:solidFill>
           <a:prstDash val="solid"/>
-          <a:miter lim="800000"/>
         </a:ln>
-        <a:ln w="25400" cap="flat" cmpd="sng" algn="ctr">
+        <a:ln w="17145" cap="flat" cmpd="sng" algn="ctr">
           <a:solidFill>
-            <a:schemeClr val="phClr"/>
+            <a:schemeClr val="phClr">
+              <a:shade val="95000"/>
+              <a:alpha val="95000"/>
+              <a:satMod val="150000"/>
+            </a:schemeClr>
           </a:solidFill>
           <a:prstDash val="solid"/>
-          <a:miter lim="800000"/>
         </a:ln>
       </a:lnStyleLst>
       <a:effectStyleLst>
@@ -3617,16 +4970,52 @@
           <a:effectLst/>
         </a:effectStyle>
         <a:effectStyle>
-          <a:effectLst/>
+          <a:effectLst>
+            <a:outerShdw blurRad="50800" dist="15240" dir="5400000" algn="tl" rotWithShape="0">
+              <a:srgbClr val="000000">
+                <a:alpha val="75000"/>
+              </a:srgbClr>
+            </a:outerShdw>
+          </a:effectLst>
+          <a:scene3d>
+            <a:camera prst="orthographicFront">
+              <a:rot lat="0" lon="0" rev="0"/>
+            </a:camera>
+            <a:lightRig rig="brightRoom" dir="tl"/>
+          </a:scene3d>
+          <a:sp3d contourW="9525" prstMaterial="flat">
+            <a:bevelT w="0" h="0" prst="coolSlant"/>
+            <a:contourClr>
+              <a:schemeClr val="phClr">
+                <a:shade val="35000"/>
+                <a:satMod val="130000"/>
+              </a:schemeClr>
+            </a:contourClr>
+          </a:sp3d>
         </a:effectStyle>
         <a:effectStyle>
           <a:effectLst>
-            <a:outerShdw blurRad="57150" dist="19050" dir="5400000" algn="ctr" rotWithShape="0">
+            <a:outerShdw blurRad="76200" dist="25400" dir="5400000" algn="tl" rotWithShape="0">
               <a:srgbClr val="000000">
-                <a:alpha val="63000"/>
+                <a:alpha val="55000"/>
               </a:srgbClr>
             </a:outerShdw>
           </a:effectLst>
+          <a:scene3d>
+            <a:camera prst="orthographicFront">
+              <a:rot lat="0" lon="0" rev="0"/>
+            </a:camera>
+            <a:lightRig rig="brightRoom" dir="tl"/>
+          </a:scene3d>
+          <a:sp3d contourW="19050" prstMaterial="flat">
+            <a:bevelT w="0" h="0" prst="coolSlant"/>
+            <a:contourClr>
+              <a:schemeClr val="phClr">
+                <a:shade val="25000"/>
+                <a:satMod val="140000"/>
+              </a:schemeClr>
+            </a:contourClr>
+          </a:sp3d>
         </a:effectStyle>
       </a:effectStyleLst>
       <a:bgFillStyleLst>
@@ -3643,57 +5032,32 @@
           <a:gsLst>
             <a:gs pos="0">
               <a:schemeClr val="phClr">
-                <a:tint val="93000"/>
-                <a:satMod val="150000"/>
+                <a:tint val="94000"/>
                 <a:shade val="98000"/>
+                <a:satMod val="130000"/>
                 <a:lumMod val="102000"/>
-              </a:schemeClr>
-            </a:gs>
-            <a:gs pos="50000">
-              <a:schemeClr val="phClr">
-                <a:tint val="98000"/>
-                <a:satMod val="130000"/>
-                <a:shade val="90000"/>
-                <a:lumMod val="103000"/>
               </a:schemeClr>
             </a:gs>
             <a:gs pos="100000">
               <a:schemeClr val="phClr">
-                <a:shade val="63000"/>
-                <a:satMod val="120000"/>
+                <a:tint val="98000"/>
+                <a:shade val="78000"/>
+                <a:satMod val="140000"/>
               </a:schemeClr>
             </a:gs>
           </a:gsLst>
-          <a:lin ang="5400000" scaled="0"/>
+          <a:path path="circle">
+            <a:fillToRect l="100000" t="100000" r="100000" b="100000"/>
+          </a:path>
         </a:gradFill>
       </a:bgFillStyleLst>
     </a:fmtScheme>
   </a:themeElements>
-  <a:objectDefaults>
-    <a:lnDef>
-      <a:spPr/>
-      <a:bodyPr/>
-      <a:lstStyle/>
-      <a:style>
-        <a:lnRef idx="2">
-          <a:schemeClr val="accent1"/>
-        </a:lnRef>
-        <a:fillRef idx="0">
-          <a:schemeClr val="accent1"/>
-        </a:fillRef>
-        <a:effectRef idx="1">
-          <a:schemeClr val="accent1"/>
-        </a:effectRef>
-        <a:fontRef idx="minor">
-          <a:schemeClr val="tx1"/>
-        </a:fontRef>
-      </a:style>
-    </a:lnDef>
-  </a:objectDefaults>
+  <a:objectDefaults/>
   <a:extraClrSchemeLst/>
   <a:extLst>
     <a:ext uri="{05A4C25C-085E-4340-85A3-A5531E510DB2}">
-      <thm15:themeFamily xmlns:thm15="http://schemas.microsoft.com/office/thememl/2012/main" name="Office Theme" id="{2E142A2C-CD16-42D6-873A-C26D2A0506FA}" vid="{1BDDFF52-6CD6-40A5-AB3C-68EB2F1E4D0A}"/>
+      <thm15:themeFamily xmlns:thm15="http://schemas.microsoft.com/office/thememl/2012/main" name="View" id="{BA0EB5A6-F2D4-4F82-977B-64ADEE4A2A69}" vid="{3969A8A2-35DB-4E3B-8885-16FD20568674}"/>
     </a:ext>
   </a:extLst>
 </a:theme>

--- a/SFML 던그리드 모작 팀 프로젝트(민지규, 박지광, 황규영) 발표 자료.pptx
+++ b/SFML 던그리드 모작 팀 프로젝트(민지규, 박지광, 황규영) 발표 자료.pptx
@@ -5,26 +5,45 @@
     <p:sldMasterId id="2147483660" r:id="rId1"/>
   </p:sldMasterIdLst>
   <p:sldIdLst>
-    <p:sldId id="264" r:id="rId2"/>
-    <p:sldId id="267" r:id="rId3"/>
-    <p:sldId id="268" r:id="rId4"/>
-    <p:sldId id="269" r:id="rId5"/>
-    <p:sldId id="265" r:id="rId6"/>
-    <p:sldId id="266" r:id="rId7"/>
+    <p:sldId id="256" r:id="rId2"/>
+    <p:sldId id="257" r:id="rId3"/>
+    <p:sldId id="258" r:id="rId4"/>
+    <p:sldId id="262" r:id="rId5"/>
+    <p:sldId id="261" r:id="rId6"/>
+    <p:sldId id="263" r:id="rId7"/>
+    <p:sldId id="273" r:id="rId8"/>
+    <p:sldId id="267" r:id="rId9"/>
+    <p:sldId id="274" r:id="rId10"/>
+    <p:sldId id="275" r:id="rId11"/>
+    <p:sldId id="265" r:id="rId12"/>
+    <p:sldId id="271" r:id="rId13"/>
+    <p:sldId id="276" r:id="rId14"/>
+    <p:sldId id="277" r:id="rId15"/>
+    <p:sldId id="278" r:id="rId16"/>
+    <p:sldId id="279" r:id="rId17"/>
+    <p:sldId id="280" r:id="rId18"/>
+    <p:sldId id="272" r:id="rId19"/>
+    <p:sldId id="281" r:id="rId20"/>
+    <p:sldId id="282" r:id="rId21"/>
+    <p:sldId id="283" r:id="rId22"/>
+    <p:sldId id="284" r:id="rId23"/>
+    <p:sldId id="285" r:id="rId24"/>
+    <p:sldId id="268" r:id="rId25"/>
+    <p:sldId id="269" r:id="rId26"/>
   </p:sldIdLst>
   <p:sldSz cx="12192000" cy="6858000"/>
   <p:notesSz cx="6858000" cy="9144000"/>
   <p:embeddedFontLst>
     <p:embeddedFont>
       <p:font typeface="Century Schoolbook" panose="02040604050505020304" pitchFamily="18" charset="0"/>
-      <p:regular r:id="rId8"/>
-      <p:bold r:id="rId9"/>
-      <p:italic r:id="rId10"/>
-      <p:boldItalic r:id="rId11"/>
+      <p:regular r:id="rId27"/>
+      <p:bold r:id="rId28"/>
+      <p:italic r:id="rId29"/>
+      <p:boldItalic r:id="rId30"/>
     </p:embeddedFont>
     <p:embeddedFont>
       <p:font typeface="Wingdings 2" panose="05020102010507070707" pitchFamily="18" charset="2"/>
-      <p:regular r:id="rId12"/>
+      <p:regular r:id="rId31"/>
     </p:embeddedFont>
   </p:embeddedFontLst>
   <p:defaultTextStyle>
@@ -3701,7 +3720,7 @@
           <p:cNvPr id="2" name="제목 1">
             <a:extLst>
               <a:ext uri="{FF2B5EF4-FFF2-40B4-BE49-F238E27FC236}">
-                <a16:creationId xmlns:a16="http://schemas.microsoft.com/office/drawing/2014/main" id="{1649AA7B-DA4A-BA85-7019-5E387CB348C6}"/>
+                <a16:creationId xmlns:a16="http://schemas.microsoft.com/office/drawing/2014/main" id="{C5BCC2C8-6C64-AE99-ECA2-8F9FEDCE0E56}"/>
               </a:ext>
             </a:extLst>
           </p:cNvPr>
@@ -3709,232 +3728,77 @@
             <a:spLocks noGrp="1"/>
           </p:cNvSpPr>
           <p:nvPr>
-            <p:ph type="title"/>
+            <p:ph type="ctrTitle"/>
           </p:nvPr>
         </p:nvSpPr>
-        <p:spPr>
-          <a:xfrm>
-            <a:off x="750898" y="626152"/>
-            <a:ext cx="9692640" cy="1325562"/>
-          </a:xfrm>
-        </p:spPr>
-        <p:txBody>
-          <a:bodyPr/>
+        <p:spPr/>
+        <p:txBody>
+          <a:bodyPr anchor="ctr" anchorCtr="0"/>
           <a:lstStyle/>
           <a:p>
             <a:r>
+              <a:rPr lang="ko-KR" altLang="en-US" dirty="0" err="1"/>
+              <a:t>던그리드</a:t>
+            </a:r>
+            <a:br>
+              <a:rPr lang="en-US" altLang="ko-KR" dirty="0"/>
+            </a:br>
+            <a:r>
               <a:rPr lang="ko-KR" altLang="en-US" dirty="0"/>
-              <a:t>구현 내용 </a:t>
-            </a:r>
-            <a:r>
-              <a:rPr lang="en-US" altLang="ko-KR" dirty="0"/>
-              <a:t>– </a:t>
-            </a:r>
-            <a:r>
-              <a:rPr lang="ko-KR" altLang="en-US" dirty="0"/>
-              <a:t>몬스터 상태패턴 </a:t>
-            </a:r>
-            <a:r>
-              <a:rPr lang="en-US" altLang="ko-KR" dirty="0"/>
-              <a:t>(</a:t>
-            </a:r>
-            <a:r>
-              <a:rPr lang="ko-KR" altLang="en-US" dirty="0"/>
-              <a:t>민지규</a:t>
-            </a:r>
-            <a:r>
-              <a:rPr lang="en-US" altLang="ko-KR" dirty="0"/>
-              <a:t>)</a:t>
-            </a:r>
-            <a:endParaRPr lang="ko-KR" altLang="en-US" dirty="0"/>
-          </a:p>
-        </p:txBody>
-      </p:sp>
-      <p:pic>
-        <p:nvPicPr>
-          <p:cNvPr id="5" name="내용 개체 틀 4" descr="텍스트, 스크린샷, 폰트, 디자인이(가) 표시된 사진&#10;&#10;자동 생성된 설명">
+              <a:t>모작</a:t>
+            </a:r>
+          </a:p>
+        </p:txBody>
+      </p:sp>
+      <p:sp>
+        <p:nvSpPr>
+          <p:cNvPr id="3" name="부제목 2">
             <a:extLst>
               <a:ext uri="{FF2B5EF4-FFF2-40B4-BE49-F238E27FC236}">
-                <a16:creationId xmlns:a16="http://schemas.microsoft.com/office/drawing/2014/main" id="{FB120F24-18BA-5D36-EF9A-D395B23F4CD0}"/>
+                <a16:creationId xmlns:a16="http://schemas.microsoft.com/office/drawing/2014/main" id="{2848F2AA-C6CF-7679-7E7B-7A9644B9F929}"/>
               </a:ext>
             </a:extLst>
           </p:cNvPr>
-          <p:cNvPicPr>
-            <a:picLocks noGrp="1" noChangeAspect="1"/>
-          </p:cNvPicPr>
+          <p:cNvSpPr>
+            <a:spLocks noGrp="1"/>
+          </p:cNvSpPr>
           <p:nvPr>
-            <p:ph idx="1"/>
+            <p:ph type="subTitle" idx="1"/>
           </p:nvPr>
-        </p:nvPicPr>
-        <p:blipFill>
-          <a:blip r:embed="rId2">
-            <a:extLst>
-              <a:ext uri="{28A0092B-C50C-407E-A947-70E740481C1C}">
-                <a14:useLocalDpi xmlns:a14="http://schemas.microsoft.com/office/drawing/2010/main" val="0"/>
-              </a:ext>
-            </a:extLst>
-          </a:blip>
-          <a:stretch>
-            <a:fillRect/>
-          </a:stretch>
-        </p:blipFill>
-        <p:spPr>
-          <a:xfrm>
-            <a:off x="864314" y="3913876"/>
-            <a:ext cx="1835244" cy="1809843"/>
-          </a:xfrm>
-        </p:spPr>
-      </p:pic>
-      <p:pic>
-        <p:nvPicPr>
-          <p:cNvPr id="7" name="그림 6" descr="텍스트, 폰트, 스크린샷이(가) 표시된 사진&#10;&#10;자동 생성된 설명">
-            <a:extLst>
-              <a:ext uri="{FF2B5EF4-FFF2-40B4-BE49-F238E27FC236}">
-                <a16:creationId xmlns:a16="http://schemas.microsoft.com/office/drawing/2014/main" id="{1DE97FA3-3924-46CA-E674-C80E7CB0DEA4}"/>
-              </a:ext>
-            </a:extLst>
-          </p:cNvPr>
-          <p:cNvPicPr>
-            <a:picLocks noChangeAspect="1"/>
-          </p:cNvPicPr>
-          <p:nvPr/>
-        </p:nvPicPr>
-        <p:blipFill>
-          <a:blip r:embed="rId3">
-            <a:extLst>
-              <a:ext uri="{28A0092B-C50C-407E-A947-70E740481C1C}">
-                <a14:useLocalDpi xmlns:a14="http://schemas.microsoft.com/office/drawing/2010/main" val="0"/>
-              </a:ext>
-            </a:extLst>
-          </a:blip>
-          <a:stretch>
-            <a:fillRect/>
-          </a:stretch>
-        </p:blipFill>
-        <p:spPr>
-          <a:xfrm>
-            <a:off x="3294118" y="3917051"/>
-            <a:ext cx="3181514" cy="901746"/>
-          </a:xfrm>
-          <a:prstGeom prst="rect">
-            <a:avLst/>
-          </a:prstGeom>
-        </p:spPr>
-      </p:pic>
-      <p:sp>
-        <p:nvSpPr>
-          <p:cNvPr id="10" name="제목 1">
-            <a:extLst>
-              <a:ext uri="{FF2B5EF4-FFF2-40B4-BE49-F238E27FC236}">
-                <a16:creationId xmlns:a16="http://schemas.microsoft.com/office/drawing/2014/main" id="{16885FDA-7393-695B-3919-4C1F85E923D8}"/>
-              </a:ext>
-            </a:extLst>
-          </p:cNvPr>
-          <p:cNvSpPr txBox="1">
-            <a:spLocks/>
-          </p:cNvSpPr>
-          <p:nvPr/>
-        </p:nvSpPr>
-        <p:spPr>
-          <a:xfrm>
-            <a:off x="708508" y="429950"/>
-            <a:ext cx="10356014" cy="3421430"/>
-          </a:xfrm>
-          <a:prstGeom prst="rect">
-            <a:avLst/>
-          </a:prstGeom>
-        </p:spPr>
-        <p:txBody>
-          <a:bodyPr vert="horz" lIns="91440" tIns="45720" rIns="91440" bIns="45720" rtlCol="0" anchor="b">
-            <a:normAutofit/>
-          </a:bodyPr>
-          <a:lstStyle>
-            <a:lvl1pPr algn="l" defTabSz="914400" rtl="0" eaLnBrk="1" latinLnBrk="1" hangingPunct="1">
-              <a:lnSpc>
-                <a:spcPct val="90000"/>
-              </a:lnSpc>
-              <a:spcBef>
-                <a:spcPct val="0"/>
-              </a:spcBef>
-              <a:buNone/>
-              <a:defRPr sz="4400" kern="1200" spc="-50" baseline="0">
-                <a:solidFill>
-                  <a:schemeClr val="tx1"/>
-                </a:solidFill>
-                <a:latin typeface="+mj-lt"/>
-                <a:ea typeface="+mj-ea"/>
-                <a:cs typeface="+mj-cs"/>
-              </a:defRPr>
-            </a:lvl1pPr>
-          </a:lstStyle>
-          <a:p>
-            <a:endParaRPr lang="ko-KR" altLang="en-US" dirty="0"/>
-          </a:p>
-        </p:txBody>
-      </p:sp>
-      <p:sp>
-        <p:nvSpPr>
-          <p:cNvPr id="11" name="제목 1">
-            <a:extLst>
-              <a:ext uri="{FF2B5EF4-FFF2-40B4-BE49-F238E27FC236}">
-                <a16:creationId xmlns:a16="http://schemas.microsoft.com/office/drawing/2014/main" id="{9E1B8191-C311-98AC-24C1-ABDFFBE4BD65}"/>
-              </a:ext>
-            </a:extLst>
-          </p:cNvPr>
-          <p:cNvSpPr txBox="1">
-            <a:spLocks/>
-          </p:cNvSpPr>
-          <p:nvPr/>
-        </p:nvSpPr>
-        <p:spPr>
-          <a:xfrm>
-            <a:off x="750898" y="1705063"/>
-            <a:ext cx="9692640" cy="1325562"/>
-          </a:xfrm>
-          <a:prstGeom prst="rect">
-            <a:avLst/>
-          </a:prstGeom>
-        </p:spPr>
-        <p:txBody>
-          <a:bodyPr vert="horz" lIns="91440" tIns="45720" rIns="91440" bIns="45720" rtlCol="0" anchor="b">
-            <a:normAutofit/>
-          </a:bodyPr>
-          <a:lstStyle>
-            <a:lvl1pPr algn="l" defTabSz="914400" rtl="0" eaLnBrk="1" latinLnBrk="1" hangingPunct="1">
-              <a:lnSpc>
-                <a:spcPct val="90000"/>
-              </a:lnSpc>
-              <a:spcBef>
-                <a:spcPct val="0"/>
-              </a:spcBef>
-              <a:buNone/>
-              <a:defRPr sz="4400" kern="1200" spc="-50" baseline="0">
-                <a:solidFill>
-                  <a:schemeClr val="tx1"/>
-                </a:solidFill>
-                <a:latin typeface="+mj-lt"/>
-                <a:ea typeface="+mj-ea"/>
-                <a:cs typeface="+mj-cs"/>
-              </a:defRPr>
-            </a:lvl1pPr>
-          </a:lstStyle>
-          <a:p>
-            <a:r>
-              <a:rPr lang="ko-KR" altLang="en-US" sz="1800" dirty="0"/>
-              <a:t>몬스터의 행동을 상태 패턴 기반으로 행동하게 하였다</a:t>
-            </a:r>
-            <a:r>
-              <a:rPr lang="en-US" altLang="ko-KR" sz="1800" dirty="0"/>
-              <a:t>.</a:t>
-            </a:r>
-            <a:endParaRPr lang="ko-KR" altLang="en-US" sz="1800" dirty="0"/>
+        </p:nvSpPr>
+        <p:spPr/>
+        <p:txBody>
+          <a:bodyPr anchor="b" anchorCtr="0"/>
+          <a:lstStyle/>
+          <a:p>
+            <a:pPr algn="r"/>
+            <a:r>
+              <a:rPr lang="ko-KR" altLang="en-US" dirty="0" err="1"/>
+              <a:t>민지규</a:t>
+            </a:r>
+            <a:r>
+              <a:rPr lang="en-US" altLang="ko-KR" dirty="0"/>
+              <a:t>, </a:t>
+            </a:r>
+            <a:r>
+              <a:rPr lang="ko-KR" altLang="en-US" dirty="0" err="1"/>
+              <a:t>박지광</a:t>
+            </a:r>
+            <a:r>
+              <a:rPr lang="en-US" altLang="ko-KR" dirty="0"/>
+              <a:t>, </a:t>
+            </a:r>
+            <a:r>
+              <a:rPr lang="ko-KR" altLang="en-US" dirty="0"/>
+              <a:t>황규영</a:t>
+            </a:r>
           </a:p>
         </p:txBody>
       </p:sp>
     </p:spTree>
     <p:extLst>
       <p:ext uri="{BB962C8B-B14F-4D97-AF65-F5344CB8AC3E}">
-        <p14:creationId xmlns:p14="http://schemas.microsoft.com/office/powerpoint/2010/main" val="2184540906"/>
+        <p14:creationId xmlns:p14="http://schemas.microsoft.com/office/powerpoint/2010/main" val="500432649"/>
       </p:ext>
     </p:extLst>
   </p:cSld>
@@ -3944,363 +3808,7 @@
 </p:sld>
 </file>
 
-<file path=ppt/slides/slide2.xml><?xml version="1.0" encoding="utf-8"?>
-<p:sld xmlns:a="http://schemas.openxmlformats.org/drawingml/2006/main" xmlns:r="http://schemas.openxmlformats.org/officeDocument/2006/relationships" xmlns:p="http://schemas.openxmlformats.org/presentationml/2006/main">
-  <p:cSld>
-    <p:spTree>
-      <p:nvGrpSpPr>
-        <p:cNvPr id="1" name="">
-          <a:extLst>
-            <a:ext uri="{FF2B5EF4-FFF2-40B4-BE49-F238E27FC236}">
-              <a16:creationId xmlns:a16="http://schemas.microsoft.com/office/drawing/2014/main" id="{28F1DE55-8DC6-E382-16F7-AA75FA0642AF}"/>
-            </a:ext>
-          </a:extLst>
-        </p:cNvPr>
-        <p:cNvGrpSpPr/>
-        <p:nvPr/>
-      </p:nvGrpSpPr>
-      <p:grpSpPr>
-        <a:xfrm>
-          <a:off x="0" y="0"/>
-          <a:ext cx="0" cy="0"/>
-          <a:chOff x="0" y="0"/>
-          <a:chExt cx="0" cy="0"/>
-        </a:xfrm>
-      </p:grpSpPr>
-      <p:sp>
-        <p:nvSpPr>
-          <p:cNvPr id="2" name="제목 1">
-            <a:extLst>
-              <a:ext uri="{FF2B5EF4-FFF2-40B4-BE49-F238E27FC236}">
-                <a16:creationId xmlns:a16="http://schemas.microsoft.com/office/drawing/2014/main" id="{812CF639-D999-0B14-39F8-BB8A9C6AD12F}"/>
-              </a:ext>
-            </a:extLst>
-          </p:cNvPr>
-          <p:cNvSpPr>
-            <a:spLocks noGrp="1"/>
-          </p:cNvSpPr>
-          <p:nvPr>
-            <p:ph type="title"/>
-          </p:nvPr>
-        </p:nvSpPr>
-        <p:spPr/>
-        <p:txBody>
-          <a:bodyPr/>
-          <a:lstStyle/>
-          <a:p>
-            <a:r>
-              <a:rPr lang="ko-KR" altLang="en-US" dirty="0"/>
-              <a:t>구현 내용 </a:t>
-            </a:r>
-            <a:r>
-              <a:rPr lang="en-US" altLang="ko-KR" dirty="0"/>
-              <a:t>– </a:t>
-            </a:r>
-            <a:r>
-              <a:rPr lang="ko-KR" altLang="en-US" dirty="0"/>
-              <a:t>몬스터 충돌 처리 </a:t>
-            </a:r>
-            <a:r>
-              <a:rPr lang="en-US" altLang="ko-KR" dirty="0"/>
-              <a:t>(</a:t>
-            </a:r>
-            <a:r>
-              <a:rPr lang="ko-KR" altLang="en-US" dirty="0"/>
-              <a:t>민지규</a:t>
-            </a:r>
-            <a:r>
-              <a:rPr lang="en-US" altLang="ko-KR" dirty="0"/>
-              <a:t>)</a:t>
-            </a:r>
-            <a:endParaRPr lang="ko-KR" altLang="en-US" dirty="0"/>
-          </a:p>
-        </p:txBody>
-      </p:sp>
-      <p:sp>
-        <p:nvSpPr>
-          <p:cNvPr id="3" name="내용 개체 틀 2">
-            <a:extLst>
-              <a:ext uri="{FF2B5EF4-FFF2-40B4-BE49-F238E27FC236}">
-                <a16:creationId xmlns:a16="http://schemas.microsoft.com/office/drawing/2014/main" id="{EC4500DF-9562-60C8-03AE-1F4966584E12}"/>
-              </a:ext>
-            </a:extLst>
-          </p:cNvPr>
-          <p:cNvSpPr>
-            <a:spLocks noGrp="1"/>
-          </p:cNvSpPr>
-          <p:nvPr>
-            <p:ph idx="1"/>
-          </p:nvPr>
-        </p:nvSpPr>
-        <p:spPr>
-          <a:xfrm>
-            <a:off x="1261872" y="1828801"/>
-            <a:ext cx="8595360" cy="969818"/>
-          </a:xfrm>
-        </p:spPr>
-        <p:txBody>
-          <a:bodyPr/>
-          <a:lstStyle/>
-          <a:p>
-            <a:r>
-              <a:rPr lang="ko-KR" altLang="en-US" dirty="0"/>
-              <a:t>중력을 받는 오브젝트가 땅 위에 서 있게 하는 충돌 처리 코드의 일부이다</a:t>
-            </a:r>
-            <a:r>
-              <a:rPr lang="en-US" altLang="ko-KR" dirty="0"/>
-              <a:t>.</a:t>
-            </a:r>
-            <a:endParaRPr lang="ko-KR" altLang="en-US" dirty="0"/>
-          </a:p>
-        </p:txBody>
-      </p:sp>
-      <p:pic>
-        <p:nvPicPr>
-          <p:cNvPr id="11" name="그림 10">
-            <a:extLst>
-              <a:ext uri="{FF2B5EF4-FFF2-40B4-BE49-F238E27FC236}">
-                <a16:creationId xmlns:a16="http://schemas.microsoft.com/office/drawing/2014/main" id="{13DFB9FE-0963-11B9-B8D5-251AE24C5697}"/>
-              </a:ext>
-            </a:extLst>
-          </p:cNvPr>
-          <p:cNvPicPr>
-            <a:picLocks noChangeAspect="1"/>
-          </p:cNvPicPr>
-          <p:nvPr/>
-        </p:nvPicPr>
-        <p:blipFill>
-          <a:blip r:embed="rId2"/>
-          <a:stretch>
-            <a:fillRect/>
-          </a:stretch>
-        </p:blipFill>
-        <p:spPr>
-          <a:xfrm>
-            <a:off x="1261872" y="3044453"/>
-            <a:ext cx="5092962" cy="3225966"/>
-          </a:xfrm>
-          <a:prstGeom prst="rect">
-            <a:avLst/>
-          </a:prstGeom>
-        </p:spPr>
-      </p:pic>
-    </p:spTree>
-    <p:extLst>
-      <p:ext uri="{BB962C8B-B14F-4D97-AF65-F5344CB8AC3E}">
-        <p14:creationId xmlns:p14="http://schemas.microsoft.com/office/powerpoint/2010/main" val="3385414614"/>
-      </p:ext>
-    </p:extLst>
-  </p:cSld>
-  <p:clrMapOvr>
-    <a:masterClrMapping/>
-  </p:clrMapOvr>
-</p:sld>
-</file>
-
-<file path=ppt/slides/slide3.xml><?xml version="1.0" encoding="utf-8"?>
-<p:sld xmlns:a="http://schemas.openxmlformats.org/drawingml/2006/main" xmlns:r="http://schemas.openxmlformats.org/officeDocument/2006/relationships" xmlns:p="http://schemas.openxmlformats.org/presentationml/2006/main">
-  <p:cSld>
-    <p:spTree>
-      <p:nvGrpSpPr>
-        <p:cNvPr id="1" name="">
-          <a:extLst>
-            <a:ext uri="{FF2B5EF4-FFF2-40B4-BE49-F238E27FC236}">
-              <a16:creationId xmlns:a16="http://schemas.microsoft.com/office/drawing/2014/main" id="{FC5E3C23-EAC9-BD7F-A1B3-4EE15C44BA5D}"/>
-            </a:ext>
-          </a:extLst>
-        </p:cNvPr>
-        <p:cNvGrpSpPr/>
-        <p:nvPr/>
-      </p:nvGrpSpPr>
-      <p:grpSpPr>
-        <a:xfrm>
-          <a:off x="0" y="0"/>
-          <a:ext cx="0" cy="0"/>
-          <a:chOff x="0" y="0"/>
-          <a:chExt cx="0" cy="0"/>
-        </a:xfrm>
-      </p:grpSpPr>
-      <p:sp>
-        <p:nvSpPr>
-          <p:cNvPr id="2" name="제목 1">
-            <a:extLst>
-              <a:ext uri="{FF2B5EF4-FFF2-40B4-BE49-F238E27FC236}">
-                <a16:creationId xmlns:a16="http://schemas.microsoft.com/office/drawing/2014/main" id="{AFA33A54-7653-B20C-CD22-55F07F28CB8E}"/>
-              </a:ext>
-            </a:extLst>
-          </p:cNvPr>
-          <p:cNvSpPr>
-            <a:spLocks noGrp="1"/>
-          </p:cNvSpPr>
-          <p:nvPr>
-            <p:ph type="title"/>
-          </p:nvPr>
-        </p:nvSpPr>
-        <p:spPr/>
-        <p:txBody>
-          <a:bodyPr/>
-          <a:lstStyle/>
-          <a:p>
-            <a:r>
-              <a:rPr lang="ko-KR" altLang="en-US" dirty="0"/>
-              <a:t>구현 내용 </a:t>
-            </a:r>
-            <a:r>
-              <a:rPr lang="en-US" altLang="ko-KR" dirty="0"/>
-              <a:t>– </a:t>
-            </a:r>
-            <a:r>
-              <a:rPr lang="ko-KR" altLang="en-US" dirty="0"/>
-              <a:t>보스 </a:t>
-            </a:r>
-            <a:r>
-              <a:rPr lang="en-US" altLang="ko-KR" dirty="0"/>
-              <a:t>(</a:t>
-            </a:r>
-            <a:r>
-              <a:rPr lang="ko-KR" altLang="en-US" dirty="0"/>
-              <a:t>민지규</a:t>
-            </a:r>
-            <a:r>
-              <a:rPr lang="en-US" altLang="ko-KR" dirty="0"/>
-              <a:t>)</a:t>
-            </a:r>
-            <a:endParaRPr lang="ko-KR" altLang="en-US" dirty="0"/>
-          </a:p>
-        </p:txBody>
-      </p:sp>
-      <p:sp>
-        <p:nvSpPr>
-          <p:cNvPr id="3" name="내용 개체 틀 2">
-            <a:extLst>
-              <a:ext uri="{FF2B5EF4-FFF2-40B4-BE49-F238E27FC236}">
-                <a16:creationId xmlns:a16="http://schemas.microsoft.com/office/drawing/2014/main" id="{2CF296B2-BE32-A461-B5BC-63A0655BE9A6}"/>
-              </a:ext>
-            </a:extLst>
-          </p:cNvPr>
-          <p:cNvSpPr>
-            <a:spLocks noGrp="1"/>
-          </p:cNvSpPr>
-          <p:nvPr>
-            <p:ph idx="1"/>
-          </p:nvPr>
-        </p:nvSpPr>
-        <p:spPr>
-          <a:xfrm>
-            <a:off x="1261872" y="1828800"/>
-            <a:ext cx="8595360" cy="683491"/>
-          </a:xfrm>
-        </p:spPr>
-        <p:txBody>
-          <a:bodyPr/>
-          <a:lstStyle/>
-          <a:p>
-            <a:r>
-              <a:rPr lang="ko-KR" altLang="en-US" dirty="0"/>
-              <a:t>보스도 상태 기반 패턴으로 구현 하였으며</a:t>
-            </a:r>
-            <a:r>
-              <a:rPr lang="en-US" altLang="ko-KR" dirty="0"/>
-              <a:t>, </a:t>
-            </a:r>
-            <a:r>
-              <a:rPr lang="ko-KR" altLang="en-US" dirty="0"/>
-              <a:t>이에 필요한 각각의 오브젝트들과 행동을 클래스와 함수로 만들어서 구현하였다</a:t>
-            </a:r>
-            <a:r>
-              <a:rPr lang="en-US" altLang="ko-KR" dirty="0"/>
-              <a:t>.</a:t>
-            </a:r>
-            <a:endParaRPr lang="ko-KR" altLang="en-US" dirty="0"/>
-          </a:p>
-        </p:txBody>
-      </p:sp>
-      <p:pic>
-        <p:nvPicPr>
-          <p:cNvPr id="5" name="그림 4" descr="텍스트, 스크린샷, 소프트웨어, 폰트이(가) 표시된 사진&#10;&#10;자동 생성된 설명">
-            <a:extLst>
-              <a:ext uri="{FF2B5EF4-FFF2-40B4-BE49-F238E27FC236}">
-                <a16:creationId xmlns:a16="http://schemas.microsoft.com/office/drawing/2014/main" id="{C8637FD4-4F29-E920-2413-B27363654E5A}"/>
-              </a:ext>
-            </a:extLst>
-          </p:cNvPr>
-          <p:cNvPicPr>
-            <a:picLocks noChangeAspect="1"/>
-          </p:cNvPicPr>
-          <p:nvPr/>
-        </p:nvPicPr>
-        <p:blipFill>
-          <a:blip r:embed="rId2">
-            <a:extLst>
-              <a:ext uri="{28A0092B-C50C-407E-A947-70E740481C1C}">
-                <a14:useLocalDpi xmlns:a14="http://schemas.microsoft.com/office/drawing/2010/main" val="0"/>
-              </a:ext>
-            </a:extLst>
-          </a:blip>
-          <a:stretch>
-            <a:fillRect/>
-          </a:stretch>
-        </p:blipFill>
-        <p:spPr>
-          <a:xfrm>
-            <a:off x="1959785" y="3191384"/>
-            <a:ext cx="2121009" cy="2673487"/>
-          </a:xfrm>
-          <a:prstGeom prst="rect">
-            <a:avLst/>
-          </a:prstGeom>
-        </p:spPr>
-      </p:pic>
-      <p:pic>
-        <p:nvPicPr>
-          <p:cNvPr id="7" name="그림 6" descr="텍스트, 스크린샷이(가) 표시된 사진&#10;&#10;자동 생성된 설명">
-            <a:extLst>
-              <a:ext uri="{FF2B5EF4-FFF2-40B4-BE49-F238E27FC236}">
-                <a16:creationId xmlns:a16="http://schemas.microsoft.com/office/drawing/2014/main" id="{6C5A2240-3F0B-BD60-DE18-8F0CAB316178}"/>
-              </a:ext>
-            </a:extLst>
-          </p:cNvPr>
-          <p:cNvPicPr>
-            <a:picLocks noChangeAspect="1"/>
-          </p:cNvPicPr>
-          <p:nvPr/>
-        </p:nvPicPr>
-        <p:blipFill>
-          <a:blip r:embed="rId3">
-            <a:extLst>
-              <a:ext uri="{28A0092B-C50C-407E-A947-70E740481C1C}">
-                <a14:useLocalDpi xmlns:a14="http://schemas.microsoft.com/office/drawing/2010/main" val="0"/>
-              </a:ext>
-            </a:extLst>
-          </a:blip>
-          <a:stretch>
-            <a:fillRect/>
-          </a:stretch>
-        </p:blipFill>
-        <p:spPr>
-          <a:xfrm>
-            <a:off x="5421042" y="2512291"/>
-            <a:ext cx="3750668" cy="4345709"/>
-          </a:xfrm>
-          <a:prstGeom prst="rect">
-            <a:avLst/>
-          </a:prstGeom>
-        </p:spPr>
-      </p:pic>
-    </p:spTree>
-    <p:extLst>
-      <p:ext uri="{BB962C8B-B14F-4D97-AF65-F5344CB8AC3E}">
-        <p14:creationId xmlns:p14="http://schemas.microsoft.com/office/powerpoint/2010/main" val="3205282881"/>
-      </p:ext>
-    </p:extLst>
-  </p:cSld>
-  <p:clrMapOvr>
-    <a:masterClrMapping/>
-  </p:clrMapOvr>
-</p:sld>
-</file>
-
-<file path=ppt/slides/slide4.xml><?xml version="1.0" encoding="utf-8"?>
+<file path=ppt/slides/slide10.xml><?xml version="1.0" encoding="utf-8"?>
 <p:sld xmlns:a="http://schemas.openxmlformats.org/drawingml/2006/main" xmlns:r="http://schemas.openxmlformats.org/officeDocument/2006/relationships" xmlns:p="http://schemas.openxmlformats.org/presentationml/2006/main">
   <p:cSld>
     <p:spTree>
@@ -4555,7 +4063,7 @@
 </p:sld>
 </file>
 
-<file path=ppt/slides/slide5.xml><?xml version="1.0" encoding="utf-8"?>
+<file path=ppt/slides/slide11.xml><?xml version="1.0" encoding="utf-8"?>
 <p:sld xmlns:a="http://schemas.openxmlformats.org/drawingml/2006/main" xmlns:r="http://schemas.openxmlformats.org/officeDocument/2006/relationships" xmlns:p="http://schemas.openxmlformats.org/presentationml/2006/main">
   <p:cSld>
     <p:spTree>
@@ -4635,7 +4143,12 @@
             <p:ph idx="1"/>
           </p:nvPr>
         </p:nvSpPr>
-        <p:spPr/>
+        <p:spPr>
+          <a:xfrm>
+            <a:off x="1261872" y="1828801"/>
+            <a:ext cx="8595360" cy="1325562"/>
+          </a:xfrm>
+        </p:spPr>
         <p:txBody>
           <a:bodyPr/>
           <a:lstStyle/>
@@ -4666,6 +4179,374 @@
               <a:rPr lang="ko-KR" altLang="en-US" dirty="0"/>
               <a:t>행동 별 충돌처리 처리를 구현해 보았음</a:t>
             </a:r>
+          </a:p>
+        </p:txBody>
+      </p:sp>
+      <p:sp>
+        <p:nvSpPr>
+          <p:cNvPr id="4" name="제목 1">
+            <a:extLst>
+              <a:ext uri="{FF2B5EF4-FFF2-40B4-BE49-F238E27FC236}">
+                <a16:creationId xmlns:a16="http://schemas.microsoft.com/office/drawing/2014/main" id="{5B179F36-A226-8A91-2DB8-1EEE63575083}"/>
+              </a:ext>
+            </a:extLst>
+          </p:cNvPr>
+          <p:cNvSpPr txBox="1">
+            <a:spLocks/>
+          </p:cNvSpPr>
+          <p:nvPr/>
+        </p:nvSpPr>
+        <p:spPr>
+          <a:xfrm>
+            <a:off x="1189043" y="3127423"/>
+            <a:ext cx="9692640" cy="1325562"/>
+          </a:xfrm>
+          <a:prstGeom prst="rect">
+            <a:avLst/>
+          </a:prstGeom>
+        </p:spPr>
+        <p:txBody>
+          <a:bodyPr vert="horz" lIns="91440" tIns="45720" rIns="91440" bIns="45720" rtlCol="0" anchor="b">
+            <a:normAutofit/>
+          </a:bodyPr>
+          <a:lstStyle>
+            <a:lvl1pPr algn="l" defTabSz="914400" rtl="0" eaLnBrk="1" latinLnBrk="1" hangingPunct="1">
+              <a:lnSpc>
+                <a:spcPct val="90000"/>
+              </a:lnSpc>
+              <a:spcBef>
+                <a:spcPct val="0"/>
+              </a:spcBef>
+              <a:buNone/>
+              <a:defRPr sz="4400" kern="1200" spc="-50" baseline="0">
+                <a:solidFill>
+                  <a:schemeClr val="tx1"/>
+                </a:solidFill>
+                <a:latin typeface="+mj-lt"/>
+                <a:ea typeface="+mj-ea"/>
+                <a:cs typeface="+mj-cs"/>
+              </a:defRPr>
+            </a:lvl1pPr>
+          </a:lstStyle>
+          <a:p>
+            <a:r>
+              <a:rPr lang="ko-KR" altLang="en-US" dirty="0"/>
+              <a:t>아쉬운 점 </a:t>
+            </a:r>
+            <a:r>
+              <a:rPr lang="en-US" altLang="ko-KR" dirty="0"/>
+              <a:t>- </a:t>
+            </a:r>
+            <a:r>
+              <a:rPr lang="ko-KR" altLang="en-US" dirty="0"/>
+              <a:t>민지규</a:t>
+            </a:r>
+          </a:p>
+        </p:txBody>
+      </p:sp>
+      <p:sp>
+        <p:nvSpPr>
+          <p:cNvPr id="5" name="내용 개체 틀 2">
+            <a:extLst>
+              <a:ext uri="{FF2B5EF4-FFF2-40B4-BE49-F238E27FC236}">
+                <a16:creationId xmlns:a16="http://schemas.microsoft.com/office/drawing/2014/main" id="{0BBB7F53-1495-72AC-2138-CEF7CF7F884F}"/>
+              </a:ext>
+            </a:extLst>
+          </p:cNvPr>
+          <p:cNvSpPr txBox="1">
+            <a:spLocks/>
+          </p:cNvSpPr>
+          <p:nvPr/>
+        </p:nvSpPr>
+        <p:spPr>
+          <a:xfrm>
+            <a:off x="1189043" y="4626798"/>
+            <a:ext cx="8595360" cy="1168736"/>
+          </a:xfrm>
+          <a:prstGeom prst="rect">
+            <a:avLst/>
+          </a:prstGeom>
+        </p:spPr>
+        <p:txBody>
+          <a:bodyPr vert="horz" lIns="91440" tIns="45720" rIns="91440" bIns="45720" rtlCol="0">
+            <a:normAutofit/>
+          </a:bodyPr>
+          <a:lstStyle>
+            <a:lvl1pPr marL="182880" indent="-182880" algn="l" defTabSz="914400" rtl="0" eaLnBrk="1" latinLnBrk="1" hangingPunct="1">
+              <a:lnSpc>
+                <a:spcPct val="95000"/>
+              </a:lnSpc>
+              <a:spcBef>
+                <a:spcPts val="1400"/>
+              </a:spcBef>
+              <a:spcAft>
+                <a:spcPts val="200"/>
+              </a:spcAft>
+              <a:buClr>
+                <a:schemeClr val="accent1"/>
+              </a:buClr>
+              <a:buSzPct val="80000"/>
+              <a:buFont typeface="Arial" pitchFamily="34" charset="0"/>
+              <a:buChar char="•"/>
+              <a:defRPr sz="1800" kern="1200" spc="10" baseline="0">
+                <a:solidFill>
+                  <a:schemeClr val="tx1"/>
+                </a:solidFill>
+                <a:latin typeface="+mn-lt"/>
+                <a:ea typeface="+mn-ea"/>
+                <a:cs typeface="+mn-cs"/>
+              </a:defRPr>
+            </a:lvl1pPr>
+            <a:lvl2pPr marL="457200" indent="-182880" algn="l" defTabSz="914400" rtl="0" eaLnBrk="1" latinLnBrk="1" hangingPunct="1">
+              <a:lnSpc>
+                <a:spcPct val="90000"/>
+              </a:lnSpc>
+              <a:spcBef>
+                <a:spcPts val="300"/>
+              </a:spcBef>
+              <a:spcAft>
+                <a:spcPts val="300"/>
+              </a:spcAft>
+              <a:buClr>
+                <a:schemeClr val="accent1"/>
+              </a:buClr>
+              <a:buFont typeface="Wingdings 2" pitchFamily="18" charset="2"/>
+              <a:buChar char=""/>
+              <a:defRPr sz="1600" kern="1200">
+                <a:solidFill>
+                  <a:schemeClr val="tx1">
+                    <a:lumMod val="85000"/>
+                    <a:lumOff val="15000"/>
+                  </a:schemeClr>
+                </a:solidFill>
+                <a:latin typeface="+mn-lt"/>
+                <a:ea typeface="+mn-ea"/>
+                <a:cs typeface="+mn-cs"/>
+              </a:defRPr>
+            </a:lvl2pPr>
+            <a:lvl3pPr marL="731520" indent="-182880" algn="l" defTabSz="914400" rtl="0" eaLnBrk="1" latinLnBrk="1" hangingPunct="1">
+              <a:lnSpc>
+                <a:spcPct val="90000"/>
+              </a:lnSpc>
+              <a:spcBef>
+                <a:spcPts val="300"/>
+              </a:spcBef>
+              <a:spcAft>
+                <a:spcPts val="300"/>
+              </a:spcAft>
+              <a:buClr>
+                <a:schemeClr val="accent1"/>
+              </a:buClr>
+              <a:buFont typeface="Wingdings 2" pitchFamily="18" charset="2"/>
+              <a:buChar char=""/>
+              <a:defRPr sz="1400" kern="1200">
+                <a:solidFill>
+                  <a:schemeClr val="tx1">
+                    <a:lumMod val="85000"/>
+                    <a:lumOff val="15000"/>
+                  </a:schemeClr>
+                </a:solidFill>
+                <a:latin typeface="+mn-lt"/>
+                <a:ea typeface="+mn-ea"/>
+                <a:cs typeface="+mn-cs"/>
+              </a:defRPr>
+            </a:lvl3pPr>
+            <a:lvl4pPr marL="1005840" indent="-182880" algn="l" defTabSz="914400" rtl="0" eaLnBrk="1" latinLnBrk="1" hangingPunct="1">
+              <a:lnSpc>
+                <a:spcPct val="90000"/>
+              </a:lnSpc>
+              <a:spcBef>
+                <a:spcPts val="300"/>
+              </a:spcBef>
+              <a:spcAft>
+                <a:spcPts val="300"/>
+              </a:spcAft>
+              <a:buClr>
+                <a:schemeClr val="accent1"/>
+              </a:buClr>
+              <a:buFont typeface="Wingdings 2" pitchFamily="18" charset="2"/>
+              <a:buChar char=""/>
+              <a:defRPr sz="1400" kern="1200">
+                <a:solidFill>
+                  <a:schemeClr val="tx1">
+                    <a:lumMod val="85000"/>
+                    <a:lumOff val="15000"/>
+                  </a:schemeClr>
+                </a:solidFill>
+                <a:latin typeface="+mn-lt"/>
+                <a:ea typeface="+mn-ea"/>
+                <a:cs typeface="+mn-cs"/>
+              </a:defRPr>
+            </a:lvl4pPr>
+            <a:lvl5pPr marL="1280160" indent="-182880" algn="l" defTabSz="914400" rtl="0" eaLnBrk="1" latinLnBrk="1" hangingPunct="1">
+              <a:lnSpc>
+                <a:spcPct val="90000"/>
+              </a:lnSpc>
+              <a:spcBef>
+                <a:spcPts val="300"/>
+              </a:spcBef>
+              <a:spcAft>
+                <a:spcPts val="300"/>
+              </a:spcAft>
+              <a:buClr>
+                <a:schemeClr val="accent1"/>
+              </a:buClr>
+              <a:buFont typeface="Wingdings 2" pitchFamily="18" charset="2"/>
+              <a:buChar char=""/>
+              <a:defRPr sz="1400" kern="1200">
+                <a:solidFill>
+                  <a:schemeClr val="tx1">
+                    <a:lumMod val="85000"/>
+                    <a:lumOff val="15000"/>
+                  </a:schemeClr>
+                </a:solidFill>
+                <a:latin typeface="+mn-lt"/>
+                <a:ea typeface="+mn-ea"/>
+                <a:cs typeface="+mn-cs"/>
+              </a:defRPr>
+            </a:lvl5pPr>
+            <a:lvl6pPr marL="1600000" indent="-228600" algn="l" defTabSz="914400" rtl="0" eaLnBrk="1" latinLnBrk="1" hangingPunct="1">
+              <a:lnSpc>
+                <a:spcPct val="90000"/>
+              </a:lnSpc>
+              <a:spcBef>
+                <a:spcPts val="300"/>
+              </a:spcBef>
+              <a:spcAft>
+                <a:spcPts val="300"/>
+              </a:spcAft>
+              <a:buClr>
+                <a:schemeClr val="accent1"/>
+              </a:buClr>
+              <a:buFont typeface="Wingdings 2" pitchFamily="18" charset="2"/>
+              <a:buChar char=""/>
+              <a:defRPr sz="1400" kern="1200">
+                <a:solidFill>
+                  <a:schemeClr val="tx1">
+                    <a:lumMod val="85000"/>
+                    <a:lumOff val="15000"/>
+                  </a:schemeClr>
+                </a:solidFill>
+                <a:latin typeface="+mn-lt"/>
+                <a:ea typeface="+mn-ea"/>
+                <a:cs typeface="+mn-cs"/>
+              </a:defRPr>
+            </a:lvl6pPr>
+            <a:lvl7pPr marL="1900000" indent="-228600" algn="l" defTabSz="914400" rtl="0" eaLnBrk="1" latinLnBrk="1" hangingPunct="1">
+              <a:lnSpc>
+                <a:spcPct val="90000"/>
+              </a:lnSpc>
+              <a:spcBef>
+                <a:spcPts val="300"/>
+              </a:spcBef>
+              <a:spcAft>
+                <a:spcPts val="300"/>
+              </a:spcAft>
+              <a:buClr>
+                <a:schemeClr val="accent1"/>
+              </a:buClr>
+              <a:buFont typeface="Wingdings 2" pitchFamily="18" charset="2"/>
+              <a:buChar char=""/>
+              <a:defRPr sz="1400" kern="1200">
+                <a:solidFill>
+                  <a:schemeClr val="tx1">
+                    <a:lumMod val="85000"/>
+                    <a:lumOff val="15000"/>
+                  </a:schemeClr>
+                </a:solidFill>
+                <a:latin typeface="+mn-lt"/>
+                <a:ea typeface="+mn-ea"/>
+                <a:cs typeface="+mn-cs"/>
+              </a:defRPr>
+            </a:lvl7pPr>
+            <a:lvl8pPr marL="2200000" indent="-228600" algn="l" defTabSz="914400" rtl="0" eaLnBrk="1" latinLnBrk="1" hangingPunct="1">
+              <a:lnSpc>
+                <a:spcPct val="90000"/>
+              </a:lnSpc>
+              <a:spcBef>
+                <a:spcPts val="300"/>
+              </a:spcBef>
+              <a:spcAft>
+                <a:spcPts val="300"/>
+              </a:spcAft>
+              <a:buClr>
+                <a:schemeClr val="accent1"/>
+              </a:buClr>
+              <a:buFont typeface="Wingdings 2" pitchFamily="18" charset="2"/>
+              <a:buChar char=""/>
+              <a:defRPr sz="1400" kern="1200">
+                <a:solidFill>
+                  <a:schemeClr val="tx1">
+                    <a:lumMod val="85000"/>
+                    <a:lumOff val="15000"/>
+                  </a:schemeClr>
+                </a:solidFill>
+                <a:latin typeface="+mn-lt"/>
+                <a:ea typeface="+mn-ea"/>
+                <a:cs typeface="+mn-cs"/>
+              </a:defRPr>
+            </a:lvl8pPr>
+            <a:lvl9pPr marL="2500000" indent="-228600" algn="l" defTabSz="914400" rtl="0" eaLnBrk="1" latinLnBrk="1" hangingPunct="1">
+              <a:lnSpc>
+                <a:spcPct val="90000"/>
+              </a:lnSpc>
+              <a:spcBef>
+                <a:spcPts val="300"/>
+              </a:spcBef>
+              <a:spcAft>
+                <a:spcPts val="300"/>
+              </a:spcAft>
+              <a:buClr>
+                <a:schemeClr val="accent1"/>
+              </a:buClr>
+              <a:buFont typeface="Wingdings 2" pitchFamily="18" charset="2"/>
+              <a:buChar char=""/>
+              <a:defRPr sz="1400" kern="1200">
+                <a:solidFill>
+                  <a:schemeClr val="tx1">
+                    <a:lumMod val="85000"/>
+                    <a:lumOff val="15000"/>
+                  </a:schemeClr>
+                </a:solidFill>
+                <a:latin typeface="+mn-lt"/>
+                <a:ea typeface="+mn-ea"/>
+                <a:cs typeface="+mn-cs"/>
+              </a:defRPr>
+            </a:lvl9pPr>
+          </a:lstStyle>
+          <a:p>
+            <a:r>
+              <a:rPr lang="ko-KR" altLang="en-US" dirty="0"/>
+              <a:t>몬스터  </a:t>
+            </a:r>
+            <a:r>
+              <a:rPr lang="en-US" altLang="ko-KR" dirty="0"/>
+              <a:t>AI </a:t>
+            </a:r>
+            <a:r>
+              <a:rPr lang="ko-KR" altLang="en-US" dirty="0"/>
+              <a:t>행동 별 충돌처리 처리를 구현 하느라 시간을 많이 소모했음</a:t>
+            </a:r>
+            <a:endParaRPr lang="en-US" altLang="ko-KR" dirty="0"/>
+          </a:p>
+          <a:p>
+            <a:r>
+              <a:rPr lang="ko-KR" altLang="en-US" dirty="0"/>
+              <a:t>생각보다 몬스터와 무기에 디테일 적인 요소들이 많은데</a:t>
+            </a:r>
+            <a:r>
+              <a:rPr lang="en-US" altLang="ko-KR" dirty="0"/>
+              <a:t>, </a:t>
+            </a:r>
+            <a:r>
+              <a:rPr lang="ko-KR" altLang="en-US" dirty="0"/>
+              <a:t>이를 세세하게 구현하지 못한 점이 아쉬움</a:t>
+            </a:r>
+            <a:r>
+              <a:rPr lang="en-US" altLang="ko-KR" dirty="0"/>
+              <a:t>.</a:t>
+            </a:r>
+            <a:endParaRPr lang="ko-KR" altLang="en-US" dirty="0"/>
           </a:p>
         </p:txBody>
       </p:sp>
@@ -4673,6 +4554,5780 @@
     <p:extLst>
       <p:ext uri="{BB962C8B-B14F-4D97-AF65-F5344CB8AC3E}">
         <p14:creationId xmlns:p14="http://schemas.microsoft.com/office/powerpoint/2010/main" val="827499903"/>
+      </p:ext>
+    </p:extLst>
+  </p:cSld>
+  <p:clrMapOvr>
+    <a:masterClrMapping/>
+  </p:clrMapOvr>
+</p:sld>
+</file>
+
+<file path=ppt/slides/slide12.xml><?xml version="1.0" encoding="utf-8"?>
+<p:sld xmlns:a="http://schemas.openxmlformats.org/drawingml/2006/main" xmlns:r="http://schemas.openxmlformats.org/officeDocument/2006/relationships" xmlns:p="http://schemas.openxmlformats.org/presentationml/2006/main">
+  <p:cSld>
+    <p:spTree>
+      <p:nvGrpSpPr>
+        <p:cNvPr id="1" name="">
+          <a:extLst>
+            <a:ext uri="{FF2B5EF4-FFF2-40B4-BE49-F238E27FC236}">
+              <a16:creationId xmlns:a16="http://schemas.microsoft.com/office/drawing/2014/main" id="{F16FC5CE-64A2-CF6F-986B-1642393D50F5}"/>
+            </a:ext>
+          </a:extLst>
+        </p:cNvPr>
+        <p:cNvGrpSpPr/>
+        <p:nvPr/>
+      </p:nvGrpSpPr>
+      <p:grpSpPr>
+        <a:xfrm>
+          <a:off x="0" y="0"/>
+          <a:ext cx="0" cy="0"/>
+          <a:chOff x="0" y="0"/>
+          <a:chExt cx="0" cy="0"/>
+        </a:xfrm>
+      </p:grpSpPr>
+      <p:sp>
+        <p:nvSpPr>
+          <p:cNvPr id="2" name="제목 1">
+            <a:extLst>
+              <a:ext uri="{FF2B5EF4-FFF2-40B4-BE49-F238E27FC236}">
+                <a16:creationId xmlns:a16="http://schemas.microsoft.com/office/drawing/2014/main" id="{CAAFC7F5-0758-51BD-178E-1A71F6CA25D6}"/>
+              </a:ext>
+            </a:extLst>
+          </p:cNvPr>
+          <p:cNvSpPr>
+            <a:spLocks noGrp="1"/>
+          </p:cNvSpPr>
+          <p:nvPr>
+            <p:ph type="title"/>
+          </p:nvPr>
+        </p:nvSpPr>
+        <p:spPr/>
+        <p:txBody>
+          <a:bodyPr/>
+          <a:lstStyle/>
+          <a:p>
+            <a:r>
+              <a:rPr lang="ko-KR" altLang="en-US" dirty="0"/>
+              <a:t>개발 과정 </a:t>
+            </a:r>
+            <a:r>
+              <a:rPr lang="en-US" altLang="ko-KR" dirty="0"/>
+              <a:t>– </a:t>
+            </a:r>
+            <a:r>
+              <a:rPr lang="ko-KR" altLang="en-US" dirty="0" err="1"/>
+              <a:t>박지광</a:t>
+            </a:r>
+            <a:endParaRPr lang="ko-KR" altLang="en-US" dirty="0"/>
+          </a:p>
+        </p:txBody>
+      </p:sp>
+      <p:pic>
+        <p:nvPicPr>
+          <p:cNvPr id="5" name="내용 개체 틀 4">
+            <a:extLst>
+              <a:ext uri="{FF2B5EF4-FFF2-40B4-BE49-F238E27FC236}">
+                <a16:creationId xmlns:a16="http://schemas.microsoft.com/office/drawing/2014/main" id="{B3D32009-A85F-AA71-D211-80DF0C1EFDF7}"/>
+              </a:ext>
+            </a:extLst>
+          </p:cNvPr>
+          <p:cNvPicPr>
+            <a:picLocks noGrp="1" noChangeAspect="1"/>
+          </p:cNvPicPr>
+          <p:nvPr>
+            <p:ph idx="1"/>
+          </p:nvPr>
+        </p:nvPicPr>
+        <p:blipFill>
+          <a:blip r:embed="rId2"/>
+          <a:stretch>
+            <a:fillRect/>
+          </a:stretch>
+        </p:blipFill>
+        <p:spPr>
+          <a:xfrm>
+            <a:off x="1339350" y="1963738"/>
+            <a:ext cx="8592551" cy="4081462"/>
+          </a:xfrm>
+        </p:spPr>
+      </p:pic>
+    </p:spTree>
+    <p:extLst>
+      <p:ext uri="{BB962C8B-B14F-4D97-AF65-F5344CB8AC3E}">
+        <p14:creationId xmlns:p14="http://schemas.microsoft.com/office/powerpoint/2010/main" val="246994812"/>
+      </p:ext>
+    </p:extLst>
+  </p:cSld>
+  <p:clrMapOvr>
+    <a:masterClrMapping/>
+  </p:clrMapOvr>
+</p:sld>
+</file>
+
+<file path=ppt/slides/slide13.xml><?xml version="1.0" encoding="utf-8"?>
+<p:sld xmlns:a="http://schemas.openxmlformats.org/drawingml/2006/main" xmlns:r="http://schemas.openxmlformats.org/officeDocument/2006/relationships" xmlns:p="http://schemas.openxmlformats.org/presentationml/2006/main">
+  <p:cSld>
+    <p:spTree>
+      <p:nvGrpSpPr>
+        <p:cNvPr id="1" name=""/>
+        <p:cNvGrpSpPr/>
+        <p:nvPr/>
+      </p:nvGrpSpPr>
+      <p:grpSpPr>
+        <a:xfrm>
+          <a:off x="0" y="0"/>
+          <a:ext cx="0" cy="0"/>
+          <a:chOff x="0" y="0"/>
+          <a:chExt cx="0" cy="0"/>
+        </a:xfrm>
+      </p:grpSpPr>
+      <p:sp>
+        <p:nvSpPr>
+          <p:cNvPr id="2" name="제목 1"/>
+          <p:cNvSpPr>
+            <a:spLocks noGrp="1"/>
+          </p:cNvSpPr>
+          <p:nvPr>
+            <p:ph type="title"/>
+          </p:nvPr>
+        </p:nvSpPr>
+        <p:spPr/>
+        <p:txBody>
+          <a:bodyPr/>
+          <a:lstStyle/>
+          <a:p>
+            <a:pPr lvl="0">
+              <a:defRPr/>
+            </a:pPr>
+            <a:r>
+              <a:rPr lang="ko-KR" altLang="en-US"/>
+              <a:t>구현 내용 </a:t>
+            </a:r>
+            <a:r>
+              <a:rPr lang="en-US" altLang="ko-KR"/>
+              <a:t>-</a:t>
+            </a:r>
+            <a:r>
+              <a:rPr lang="ko-KR" altLang="en-US"/>
+              <a:t> 플레이어 기본구현</a:t>
+            </a:r>
+          </a:p>
+        </p:txBody>
+      </p:sp>
+      <p:sp>
+        <p:nvSpPr>
+          <p:cNvPr id="3" name="내용 개체 틀 2"/>
+          <p:cNvSpPr>
+            <a:spLocks noGrp="1"/>
+          </p:cNvSpPr>
+          <p:nvPr>
+            <p:ph idx="1"/>
+          </p:nvPr>
+        </p:nvSpPr>
+        <p:spPr>
+          <a:xfrm>
+            <a:off x="574305" y="1835107"/>
+            <a:ext cx="8595360" cy="4351337"/>
+          </a:xfrm>
+        </p:spPr>
+        <p:txBody>
+          <a:bodyPr/>
+          <a:lstStyle/>
+          <a:p>
+            <a:pPr lvl="0">
+              <a:defRPr/>
+            </a:pPr>
+            <a:r>
+              <a:rPr lang="ko-KR" altLang="en-US"/>
+              <a:t>플레이어 	</a:t>
+            </a:r>
+          </a:p>
+        </p:txBody>
+      </p:sp>
+      <p:sp>
+        <p:nvSpPr>
+          <p:cNvPr id="5" name="내용 개체 틀 2"/>
+          <p:cNvSpPr>
+            <a:spLocks noGrp="1"/>
+          </p:cNvSpPr>
+          <p:nvPr/>
+        </p:nvSpPr>
+        <p:spPr>
+          <a:xfrm>
+            <a:off x="419336" y="2201261"/>
+            <a:ext cx="8595360" cy="4351337"/>
+          </a:xfrm>
+          <a:prstGeom prst="rect">
+            <a:avLst/>
+          </a:prstGeom>
+        </p:spPr>
+        <p:txBody>
+          <a:bodyPr vert="horz" lIns="91440" tIns="45720" rIns="91440" bIns="45720">
+            <a:normAutofit/>
+          </a:bodyPr>
+          <a:lstStyle/>
+          <a:p>
+            <a:pPr marL="0" lvl="0" indent="0" algn="l" defTabSz="914400" rtl="0" eaLnBrk="1" latinLnBrk="1" hangingPunct="1">
+              <a:lnSpc>
+                <a:spcPct val="95000"/>
+              </a:lnSpc>
+              <a:spcBef>
+                <a:spcPts val="1400"/>
+              </a:spcBef>
+              <a:spcAft>
+                <a:spcPts val="200"/>
+              </a:spcAft>
+              <a:buClr>
+                <a:schemeClr val="accent1"/>
+              </a:buClr>
+              <a:buSzPct val="80000"/>
+              <a:buFont typeface="Arial"/>
+              <a:buNone/>
+              <a:defRPr/>
+            </a:pPr>
+            <a:r>
+              <a:rPr kumimoji="0" lang="ko-KR" altLang="en-US" sz="1800" b="0" i="0" u="none" strike="noStrike" kern="1200" cap="none" spc="10" normalizeH="0" baseline="0">
+                <a:solidFill>
+                  <a:schemeClr val="tx1"/>
+                </a:solidFill>
+                <a:latin typeface="+mn-lt"/>
+                <a:ea typeface="+mn-ea"/>
+                <a:cs typeface="+mn-cs"/>
+              </a:rPr>
+              <a:t> </a:t>
+            </a:r>
+            <a:r>
+              <a:rPr kumimoji="0" lang="en-US" altLang="ko-KR" sz="1800" b="0" i="0" u="none" strike="noStrike" kern="1200" cap="none" spc="10" normalizeH="0" baseline="0">
+                <a:solidFill>
+                  <a:schemeClr val="tx1"/>
+                </a:solidFill>
+                <a:latin typeface="+mn-lt"/>
+                <a:ea typeface="+mn-ea"/>
+                <a:cs typeface="+mn-cs"/>
+              </a:rPr>
+              <a:t>1.GameObject </a:t>
+            </a:r>
+            <a:r>
+              <a:rPr kumimoji="0" lang="ko-KR" altLang="en-US" sz="1800" b="0" i="0" u="none" strike="noStrike" kern="1200" cap="none" spc="10" normalizeH="0" baseline="0">
+                <a:solidFill>
+                  <a:schemeClr val="tx1"/>
+                </a:solidFill>
+                <a:latin typeface="+mn-lt"/>
+                <a:ea typeface="+mn-ea"/>
+                <a:cs typeface="+mn-cs"/>
+              </a:rPr>
+              <a:t>를 상속받은 캐릭터 클래스를 만듬</a:t>
+            </a:r>
+          </a:p>
+          <a:p>
+            <a:pPr marL="0" lvl="0" indent="0" algn="l" defTabSz="914400" rtl="0" eaLnBrk="1" latinLnBrk="1" hangingPunct="1">
+              <a:lnSpc>
+                <a:spcPct val="95000"/>
+              </a:lnSpc>
+              <a:spcBef>
+                <a:spcPts val="1400"/>
+              </a:spcBef>
+              <a:spcAft>
+                <a:spcPts val="200"/>
+              </a:spcAft>
+              <a:buClr>
+                <a:schemeClr val="accent1"/>
+              </a:buClr>
+              <a:buSzPct val="80000"/>
+              <a:buFont typeface="Arial"/>
+              <a:buNone/>
+              <a:defRPr/>
+            </a:pPr>
+            <a:r>
+              <a:rPr kumimoji="0" lang="ko-KR" altLang="en-US" sz="1500" b="0" i="0" u="none" strike="noStrike" kern="1200" cap="none" spc="10" normalizeH="0" baseline="0">
+                <a:solidFill>
+                  <a:schemeClr val="tx1"/>
+                </a:solidFill>
+                <a:latin typeface="+mn-lt"/>
+                <a:ea typeface="+mn-ea"/>
+                <a:cs typeface="+mn-cs"/>
+              </a:rPr>
+              <a:t> </a:t>
+            </a:r>
+            <a:r>
+              <a:rPr kumimoji="0" lang="en-US" altLang="ko-KR" sz="1500" b="0" i="0" u="none" strike="noStrike" kern="1200" cap="none" spc="10" normalizeH="0" baseline="0">
+                <a:solidFill>
+                  <a:schemeClr val="tx1"/>
+                </a:solidFill>
+                <a:latin typeface="+mn-lt"/>
+                <a:ea typeface="+mn-ea"/>
+                <a:cs typeface="+mn-cs"/>
+              </a:rPr>
+              <a:t>-</a:t>
+            </a:r>
+            <a:r>
+              <a:rPr kumimoji="0" lang="ko-KR" altLang="en-US" sz="1500" b="0" i="0" u="none" strike="noStrike" kern="1200" cap="none" spc="10" normalizeH="0" baseline="0">
+                <a:solidFill>
+                  <a:schemeClr val="tx1"/>
+                </a:solidFill>
+                <a:latin typeface="+mn-lt"/>
+                <a:ea typeface="+mn-ea"/>
+                <a:cs typeface="+mn-cs"/>
+              </a:rPr>
+              <a:t> 캐릭터 클래스에 플레이어와 몬스터에 쓸 멤버변수들을 추가함</a:t>
+            </a:r>
+          </a:p>
+          <a:p>
+            <a:pPr marL="0" lvl="0" indent="0" algn="l" defTabSz="914400" rtl="0" eaLnBrk="1" latinLnBrk="1" hangingPunct="1">
+              <a:lnSpc>
+                <a:spcPct val="95000"/>
+              </a:lnSpc>
+              <a:spcBef>
+                <a:spcPts val="1400"/>
+              </a:spcBef>
+              <a:spcAft>
+                <a:spcPts val="200"/>
+              </a:spcAft>
+              <a:buClr>
+                <a:schemeClr val="accent1"/>
+              </a:buClr>
+              <a:buSzPct val="80000"/>
+              <a:buFont typeface="Arial"/>
+              <a:buNone/>
+              <a:defRPr/>
+            </a:pPr>
+            <a:r>
+              <a:rPr kumimoji="0" lang="ko-KR" altLang="en-US" sz="1500" b="0" i="0" u="none" strike="noStrike" kern="1200" cap="none" spc="10" normalizeH="0" baseline="0">
+                <a:solidFill>
+                  <a:schemeClr val="tx1"/>
+                </a:solidFill>
+                <a:latin typeface="+mn-lt"/>
+                <a:ea typeface="+mn-ea"/>
+                <a:cs typeface="+mn-cs"/>
+              </a:rPr>
+              <a:t>   </a:t>
+            </a:r>
+            <a:r>
+              <a:rPr kumimoji="0" lang="en-US" altLang="ko-KR" sz="1500" b="0" i="0" u="none" strike="noStrike" kern="1200" cap="none" spc="10" normalizeH="0" baseline="0">
+                <a:solidFill>
+                  <a:schemeClr val="tx1"/>
+                </a:solidFill>
+                <a:latin typeface="+mn-lt"/>
+                <a:ea typeface="+mn-ea"/>
+                <a:cs typeface="+mn-cs"/>
+              </a:rPr>
+              <a:t>(</a:t>
+            </a:r>
+            <a:r>
+              <a:rPr kumimoji="0" lang="ko-KR" altLang="en-US" sz="1500" b="0" i="0" u="none" strike="noStrike" kern="1200" cap="none" spc="10" normalizeH="0" baseline="0">
+                <a:solidFill>
+                  <a:schemeClr val="tx1"/>
+                </a:solidFill>
+                <a:latin typeface="+mn-lt"/>
+                <a:ea typeface="+mn-ea"/>
+                <a:cs typeface="+mn-cs"/>
+              </a:rPr>
+              <a:t> 민지규</a:t>
+            </a:r>
+            <a:r>
+              <a:rPr kumimoji="0" lang="en-US" altLang="ko-KR" sz="1500" b="0" i="0" u="none" strike="noStrike" kern="1200" cap="none" spc="10" normalizeH="0" baseline="0">
+                <a:solidFill>
+                  <a:schemeClr val="tx1"/>
+                </a:solidFill>
+                <a:latin typeface="+mn-lt"/>
+                <a:ea typeface="+mn-ea"/>
+                <a:cs typeface="+mn-cs"/>
+              </a:rPr>
+              <a:t>,</a:t>
+            </a:r>
+            <a:r>
+              <a:rPr kumimoji="0" lang="ko-KR" altLang="en-US" sz="1500" b="0" i="0" u="none" strike="noStrike" kern="1200" cap="none" spc="10" normalizeH="0" baseline="0">
+                <a:solidFill>
+                  <a:schemeClr val="tx1"/>
+                </a:solidFill>
+                <a:latin typeface="+mn-lt"/>
+                <a:ea typeface="+mn-ea"/>
+                <a:cs typeface="+mn-cs"/>
+              </a:rPr>
+              <a:t> 박지광 </a:t>
+            </a:r>
+            <a:r>
+              <a:rPr kumimoji="0" lang="en-US" altLang="ko-KR" sz="1500" b="0" i="0" u="none" strike="noStrike" kern="1200" cap="none" spc="10" normalizeH="0" baseline="0">
+                <a:solidFill>
+                  <a:schemeClr val="tx1"/>
+                </a:solidFill>
+                <a:latin typeface="+mn-lt"/>
+                <a:ea typeface="+mn-ea"/>
+                <a:cs typeface="+mn-cs"/>
+              </a:rPr>
+              <a:t>)</a:t>
+            </a:r>
+            <a:r>
+              <a:rPr kumimoji="0" lang="ko-KR" altLang="en-US" sz="1500" b="0" i="0" u="none" strike="noStrike" kern="1200" cap="none" spc="10" normalizeH="0" baseline="0">
+                <a:solidFill>
+                  <a:schemeClr val="tx1"/>
+                </a:solidFill>
+                <a:latin typeface="+mn-lt"/>
+                <a:ea typeface="+mn-ea"/>
+                <a:cs typeface="+mn-cs"/>
+              </a:rPr>
+              <a:t> 공동작업 </a:t>
+            </a:r>
+            <a:endParaRPr kumimoji="0" lang="ko-KR" altLang="en-US" sz="1800" b="0" i="0" u="none" strike="noStrike" kern="1200" cap="none" spc="10" normalizeH="0" baseline="0">
+              <a:solidFill>
+                <a:schemeClr val="tx1"/>
+              </a:solidFill>
+              <a:latin typeface="+mn-lt"/>
+              <a:ea typeface="+mn-ea"/>
+              <a:cs typeface="+mn-cs"/>
+            </a:endParaRPr>
+          </a:p>
+          <a:p>
+            <a:pPr marL="0" lvl="0" indent="0" algn="l" defTabSz="914400" rtl="0" eaLnBrk="1" latinLnBrk="1" hangingPunct="1">
+              <a:lnSpc>
+                <a:spcPct val="95000"/>
+              </a:lnSpc>
+              <a:spcBef>
+                <a:spcPts val="1400"/>
+              </a:spcBef>
+              <a:spcAft>
+                <a:spcPts val="200"/>
+              </a:spcAft>
+              <a:buClr>
+                <a:schemeClr val="accent1"/>
+              </a:buClr>
+              <a:buSzPct val="80000"/>
+              <a:buFont typeface="Arial"/>
+              <a:buNone/>
+              <a:defRPr/>
+            </a:pPr>
+            <a:r>
+              <a:rPr kumimoji="0" lang="ko-KR" altLang="en-US" sz="1800" b="0" i="0" u="none" strike="noStrike" kern="1200" cap="none" spc="10" normalizeH="0" baseline="0">
+                <a:solidFill>
+                  <a:schemeClr val="tx1"/>
+                </a:solidFill>
+                <a:latin typeface="+mn-lt"/>
+                <a:ea typeface="+mn-ea"/>
+                <a:cs typeface="+mn-cs"/>
+              </a:rPr>
+              <a:t> </a:t>
+            </a:r>
+            <a:r>
+              <a:rPr kumimoji="0" lang="en-US" altLang="ko-KR" sz="1800" b="0" i="0" u="none" strike="noStrike" kern="1200" cap="none" spc="10" normalizeH="0" baseline="0">
+                <a:solidFill>
+                  <a:schemeClr val="tx1"/>
+                </a:solidFill>
+                <a:latin typeface="+mn-lt"/>
+                <a:ea typeface="+mn-ea"/>
+                <a:cs typeface="+mn-cs"/>
+              </a:rPr>
+              <a:t>2.</a:t>
+            </a:r>
+            <a:r>
+              <a:rPr kumimoji="0" lang="ko-KR" altLang="en-US" sz="1800" b="0" i="0" u="none" strike="noStrike" kern="1200" cap="none" spc="10" normalizeH="0" baseline="0">
+                <a:solidFill>
+                  <a:schemeClr val="tx1"/>
+                </a:solidFill>
+                <a:latin typeface="+mn-lt"/>
+                <a:ea typeface="+mn-ea"/>
+                <a:cs typeface="+mn-cs"/>
+              </a:rPr>
+              <a:t> 플레이어 클래스 생성하고 기능에맞는 멤버변수와 함수를 추가적으로 세팅함</a:t>
+            </a:r>
+          </a:p>
+          <a:p>
+            <a:pPr marL="0" lvl="0" indent="0" algn="l" defTabSz="914400" rtl="0" eaLnBrk="1" latinLnBrk="1" hangingPunct="1">
+              <a:lnSpc>
+                <a:spcPct val="95000"/>
+              </a:lnSpc>
+              <a:spcBef>
+                <a:spcPts val="1400"/>
+              </a:spcBef>
+              <a:spcAft>
+                <a:spcPts val="200"/>
+              </a:spcAft>
+              <a:buClr>
+                <a:schemeClr val="accent1"/>
+              </a:buClr>
+              <a:buSzPct val="80000"/>
+              <a:buFont typeface="Arial"/>
+              <a:buNone/>
+              <a:defRPr/>
+            </a:pPr>
+            <a:r>
+              <a:rPr kumimoji="0" lang="ko-KR" altLang="en-US" sz="1800" b="0" i="0" u="none" strike="noStrike" kern="1200" cap="none" spc="10" normalizeH="0" baseline="0">
+                <a:solidFill>
+                  <a:schemeClr val="tx1"/>
+                </a:solidFill>
+                <a:latin typeface="+mn-lt"/>
+                <a:ea typeface="+mn-ea"/>
+                <a:cs typeface="+mn-cs"/>
+              </a:rPr>
+              <a:t> </a:t>
+            </a:r>
+            <a:r>
+              <a:rPr kumimoji="0" lang="en-US" altLang="ko-KR" sz="1500" b="0" i="0" u="none" strike="noStrike" kern="1200" cap="none" spc="10" normalizeH="0" baseline="0">
+                <a:solidFill>
+                  <a:schemeClr val="tx1"/>
+                </a:solidFill>
+                <a:latin typeface="+mn-lt"/>
+                <a:ea typeface="+mn-ea"/>
+                <a:cs typeface="+mn-cs"/>
+              </a:rPr>
+              <a:t>-</a:t>
+            </a:r>
+            <a:r>
+              <a:rPr kumimoji="0" lang="ko-KR" altLang="en-US" sz="1500" b="0" i="0" u="none" strike="noStrike" kern="1200" cap="none" spc="10" normalizeH="0" baseline="0">
+                <a:solidFill>
+                  <a:schemeClr val="tx1"/>
+                </a:solidFill>
+                <a:latin typeface="+mn-lt"/>
+                <a:ea typeface="+mn-ea"/>
+                <a:cs typeface="+mn-cs"/>
+              </a:rPr>
+              <a:t> </a:t>
+            </a:r>
+            <a:r>
+              <a:rPr kumimoji="0" lang="en-US" altLang="ko-KR" sz="1500" b="0" i="0" u="none" strike="noStrike" kern="1200" cap="none" spc="10" normalizeH="0" baseline="0">
+                <a:solidFill>
+                  <a:schemeClr val="tx1"/>
+                </a:solidFill>
+                <a:latin typeface="+mn-lt"/>
+                <a:ea typeface="+mn-ea"/>
+                <a:cs typeface="+mn-cs"/>
+              </a:rPr>
+              <a:t>(</a:t>
+            </a:r>
+            <a:r>
+              <a:rPr kumimoji="0" lang="ko-KR" altLang="en-US" sz="1500" b="0" i="0" u="none" strike="noStrike" kern="1200" cap="none" spc="10" normalizeH="0" baseline="0">
+                <a:solidFill>
+                  <a:schemeClr val="tx1"/>
+                </a:solidFill>
+                <a:latin typeface="+mn-lt"/>
+                <a:ea typeface="+mn-ea"/>
+                <a:cs typeface="+mn-cs"/>
+              </a:rPr>
+              <a:t>생각 했던것들</a:t>
+            </a:r>
+            <a:r>
+              <a:rPr kumimoji="0" lang="en-US" altLang="ko-KR" sz="1500" b="0" i="0" u="none" strike="noStrike" kern="1200" cap="none" spc="10" normalizeH="0" baseline="0">
+                <a:solidFill>
+                  <a:schemeClr val="tx1"/>
+                </a:solidFill>
+                <a:latin typeface="+mn-lt"/>
+                <a:ea typeface="+mn-ea"/>
+                <a:cs typeface="+mn-cs"/>
+              </a:rPr>
+              <a:t>)</a:t>
+            </a:r>
+            <a:r>
+              <a:rPr kumimoji="0" lang="ko-KR" altLang="en-US" sz="1500" b="0" i="0" u="none" strike="noStrike" kern="1200" cap="none" spc="10" normalizeH="0" baseline="0">
+                <a:solidFill>
+                  <a:schemeClr val="tx1"/>
+                </a:solidFill>
+                <a:latin typeface="+mn-lt"/>
+                <a:ea typeface="+mn-ea"/>
+                <a:cs typeface="+mn-cs"/>
+              </a:rPr>
+              <a:t> 결국 플레이어 는 무기를 들고있기에 무기와 연동시키거나 몬스  </a:t>
+            </a:r>
+          </a:p>
+          <a:p>
+            <a:pPr marL="0" lvl="0" indent="0" algn="l" defTabSz="914400" rtl="0" eaLnBrk="1" latinLnBrk="1" hangingPunct="1">
+              <a:lnSpc>
+                <a:spcPct val="95000"/>
+              </a:lnSpc>
+              <a:spcBef>
+                <a:spcPts val="1400"/>
+              </a:spcBef>
+              <a:spcAft>
+                <a:spcPts val="200"/>
+              </a:spcAft>
+              <a:buClr>
+                <a:schemeClr val="accent1"/>
+              </a:buClr>
+              <a:buSzPct val="80000"/>
+              <a:buFont typeface="Arial"/>
+              <a:buNone/>
+              <a:defRPr/>
+            </a:pPr>
+            <a:r>
+              <a:rPr kumimoji="0" lang="ko-KR" altLang="en-US" sz="1500" b="0" i="0" u="none" strike="noStrike" kern="1200" cap="none" spc="10" normalizeH="0" baseline="0">
+                <a:solidFill>
+                  <a:schemeClr val="tx1"/>
+                </a:solidFill>
+                <a:latin typeface="+mn-lt"/>
+                <a:ea typeface="+mn-ea"/>
+                <a:cs typeface="+mn-cs"/>
+              </a:rPr>
+              <a:t>   터와 연동시킬수있는 함수들을 파는것을 고려하여 만듬</a:t>
+            </a:r>
+            <a:endParaRPr kumimoji="0" lang="ko-KR" altLang="en-US" sz="1800" b="0" i="0" u="none" strike="noStrike" kern="1200" cap="none" spc="10" normalizeH="0" baseline="0">
+              <a:solidFill>
+                <a:schemeClr val="tx1"/>
+              </a:solidFill>
+              <a:latin typeface="+mn-lt"/>
+              <a:ea typeface="+mn-ea"/>
+              <a:cs typeface="+mn-cs"/>
+            </a:endParaRPr>
+          </a:p>
+          <a:p>
+            <a:pPr marL="0" lvl="0" indent="0" algn="l" defTabSz="914400" rtl="0" eaLnBrk="1" latinLnBrk="1" hangingPunct="1">
+              <a:lnSpc>
+                <a:spcPct val="95000"/>
+              </a:lnSpc>
+              <a:spcBef>
+                <a:spcPts val="1400"/>
+              </a:spcBef>
+              <a:spcAft>
+                <a:spcPts val="200"/>
+              </a:spcAft>
+              <a:buClr>
+                <a:schemeClr val="accent1"/>
+              </a:buClr>
+              <a:buSzPct val="80000"/>
+              <a:buFont typeface="Arial"/>
+              <a:buNone/>
+              <a:defRPr/>
+            </a:pPr>
+            <a:r>
+              <a:rPr kumimoji="0" lang="ko-KR" altLang="en-US" sz="1800" b="0" i="0" u="none" strike="noStrike" kern="1200" cap="none" spc="10" normalizeH="0" baseline="0">
+                <a:solidFill>
+                  <a:schemeClr val="tx1"/>
+                </a:solidFill>
+                <a:latin typeface="+mn-lt"/>
+                <a:ea typeface="+mn-ea"/>
+                <a:cs typeface="+mn-cs"/>
+              </a:rPr>
+              <a:t> </a:t>
+            </a:r>
+            <a:r>
+              <a:rPr kumimoji="0" lang="en-US" altLang="ko-KR" sz="1800" b="0" i="0" u="none" strike="noStrike" kern="1200" cap="none" spc="10" normalizeH="0" baseline="0">
+                <a:solidFill>
+                  <a:schemeClr val="tx1"/>
+                </a:solidFill>
+                <a:latin typeface="+mn-lt"/>
+                <a:ea typeface="+mn-ea"/>
+                <a:cs typeface="+mn-cs"/>
+              </a:rPr>
+              <a:t>3.</a:t>
+            </a:r>
+            <a:r>
+              <a:rPr kumimoji="0" lang="ko-KR" altLang="en-US" sz="1800" b="0" i="0" u="none" strike="noStrike" kern="1200" cap="none" spc="10" normalizeH="0" baseline="0">
+                <a:solidFill>
+                  <a:schemeClr val="tx1"/>
+                </a:solidFill>
+                <a:latin typeface="+mn-lt"/>
+                <a:ea typeface="+mn-ea"/>
+                <a:cs typeface="+mn-cs"/>
+              </a:rPr>
+              <a:t> </a:t>
+            </a:r>
+            <a:r>
+              <a:rPr kumimoji="0" lang="en-US" altLang="ko-KR" sz="1800" b="0" i="0" u="none" strike="noStrike" kern="1200" cap="none" spc="10" normalizeH="0" baseline="0">
+                <a:solidFill>
+                  <a:schemeClr val="tx1"/>
+                </a:solidFill>
+                <a:latin typeface="+mn-lt"/>
+                <a:ea typeface="+mn-ea"/>
+                <a:cs typeface="+mn-cs"/>
+              </a:rPr>
+              <a:t>eunm class</a:t>
+            </a:r>
+            <a:r>
+              <a:rPr kumimoji="0" lang="ko-KR" altLang="en-US" sz="1800" b="0" i="0" u="none" strike="noStrike" kern="1200" cap="none" spc="10" normalizeH="0" baseline="0">
+                <a:solidFill>
+                  <a:schemeClr val="tx1"/>
+                </a:solidFill>
+                <a:latin typeface="+mn-lt"/>
+                <a:ea typeface="+mn-ea"/>
+                <a:cs typeface="+mn-cs"/>
+              </a:rPr>
+              <a:t>로 캐릭터 상태에따른 기능을 부여하려고함 </a:t>
+            </a:r>
+          </a:p>
+          <a:p>
+            <a:pPr marL="0" lvl="0" indent="0" algn="l" defTabSz="914400" rtl="0" eaLnBrk="1" latinLnBrk="1" hangingPunct="1">
+              <a:lnSpc>
+                <a:spcPct val="95000"/>
+              </a:lnSpc>
+              <a:spcBef>
+                <a:spcPts val="1400"/>
+              </a:spcBef>
+              <a:spcAft>
+                <a:spcPts val="200"/>
+              </a:spcAft>
+              <a:buClr>
+                <a:schemeClr val="accent1"/>
+              </a:buClr>
+              <a:buSzPct val="80000"/>
+              <a:buFont typeface="Arial"/>
+              <a:buNone/>
+              <a:defRPr/>
+            </a:pPr>
+            <a:r>
+              <a:rPr kumimoji="0" lang="ko-KR" altLang="en-US" sz="1500" b="0" i="0" u="none" strike="noStrike" kern="1200" cap="none" spc="10" normalizeH="0" baseline="0">
+                <a:solidFill>
+                  <a:schemeClr val="tx1"/>
+                </a:solidFill>
+                <a:latin typeface="+mn-lt"/>
+                <a:ea typeface="+mn-ea"/>
+                <a:cs typeface="+mn-cs"/>
+              </a:rPr>
+              <a:t> </a:t>
+            </a:r>
+            <a:r>
+              <a:rPr kumimoji="0" lang="en-US" altLang="ko-KR" sz="1500" b="0" i="0" u="none" strike="noStrike" kern="1200" cap="none" spc="10" normalizeH="0" baseline="0">
+                <a:solidFill>
+                  <a:schemeClr val="tx1"/>
+                </a:solidFill>
+                <a:latin typeface="+mn-lt"/>
+                <a:ea typeface="+mn-ea"/>
+                <a:cs typeface="+mn-cs"/>
+              </a:rPr>
+              <a:t>-</a:t>
+            </a:r>
+            <a:r>
+              <a:rPr kumimoji="0" lang="ko-KR" altLang="en-US" sz="1500" b="0" i="0" u="none" strike="noStrike" kern="1200" cap="none" spc="10" normalizeH="0" baseline="0">
+                <a:solidFill>
+                  <a:schemeClr val="tx1"/>
+                </a:solidFill>
+                <a:latin typeface="+mn-lt"/>
+                <a:ea typeface="+mn-ea"/>
+                <a:cs typeface="+mn-cs"/>
+              </a:rPr>
+              <a:t> </a:t>
+            </a:r>
+            <a:r>
+              <a:rPr kumimoji="0" lang="en-US" altLang="ko-KR" sz="1500" b="0" i="0" u="none" strike="noStrike" kern="1200" cap="none" spc="10" normalizeH="0" baseline="0">
+                <a:solidFill>
+                  <a:schemeClr val="tx1"/>
+                </a:solidFill>
+                <a:latin typeface="+mn-lt"/>
+                <a:ea typeface="+mn-ea"/>
+                <a:cs typeface="+mn-cs"/>
+              </a:rPr>
+              <a:t>(</a:t>
+            </a:r>
+            <a:r>
+              <a:rPr kumimoji="0" lang="ko-KR" altLang="en-US" sz="1500" b="0" i="0" u="none" strike="noStrike" kern="1200" cap="none" spc="10" normalizeH="0" baseline="0">
+                <a:solidFill>
+                  <a:schemeClr val="tx1"/>
+                </a:solidFill>
+                <a:latin typeface="+mn-lt"/>
+                <a:ea typeface="+mn-ea"/>
+                <a:cs typeface="+mn-cs"/>
+              </a:rPr>
+              <a:t> 처음엔 </a:t>
+            </a:r>
+            <a:r>
+              <a:rPr kumimoji="0" lang="en-US" altLang="ko-KR" sz="1500" b="0" i="0" u="none" strike="noStrike" kern="1200" cap="none" spc="10" normalizeH="0" baseline="0">
+                <a:solidFill>
+                  <a:schemeClr val="tx1"/>
+                </a:solidFill>
+                <a:latin typeface="+mn-lt"/>
+                <a:ea typeface="+mn-ea"/>
+                <a:cs typeface="+mn-cs"/>
+              </a:rPr>
+              <a:t>bool</a:t>
+            </a:r>
+            <a:r>
+              <a:rPr kumimoji="0" lang="ko-KR" altLang="en-US" sz="1500" b="0" i="0" u="none" strike="noStrike" kern="1200" cap="none" spc="10" normalizeH="0" baseline="0">
+                <a:solidFill>
+                  <a:schemeClr val="tx1"/>
+                </a:solidFill>
+                <a:latin typeface="+mn-lt"/>
+                <a:ea typeface="+mn-ea"/>
+                <a:cs typeface="+mn-cs"/>
+              </a:rPr>
+              <a:t> 값으로 시작하려고했지만 결국 나중에 연동시킬때 코드를 쉽게 눈  </a:t>
+            </a:r>
+          </a:p>
+          <a:p>
+            <a:pPr marL="0" lvl="0" indent="0" algn="l" defTabSz="914400" rtl="0" eaLnBrk="1" latinLnBrk="1" hangingPunct="1">
+              <a:lnSpc>
+                <a:spcPct val="95000"/>
+              </a:lnSpc>
+              <a:spcBef>
+                <a:spcPts val="1400"/>
+              </a:spcBef>
+              <a:spcAft>
+                <a:spcPts val="200"/>
+              </a:spcAft>
+              <a:buClr>
+                <a:schemeClr val="accent1"/>
+              </a:buClr>
+              <a:buSzPct val="80000"/>
+              <a:buFont typeface="Arial"/>
+              <a:buNone/>
+              <a:defRPr/>
+            </a:pPr>
+            <a:r>
+              <a:rPr kumimoji="0" lang="ko-KR" altLang="en-US" sz="1500" b="0" i="0" u="none" strike="noStrike" kern="1200" cap="none" spc="10" normalizeH="0" baseline="0">
+                <a:solidFill>
+                  <a:schemeClr val="tx1"/>
+                </a:solidFill>
+                <a:latin typeface="+mn-lt"/>
+                <a:ea typeface="+mn-ea"/>
+                <a:cs typeface="+mn-cs"/>
+              </a:rPr>
+              <a:t>    으로 고치고 확인하기 위하여 상태기반을 사용했던점이 좋은 판단이였음</a:t>
+            </a:r>
+            <a:r>
+              <a:rPr kumimoji="0" lang="en-US" altLang="ko-KR" sz="1500" b="0" i="0" u="none" strike="noStrike" kern="1200" cap="none" spc="10" normalizeH="0" baseline="0">
+                <a:solidFill>
+                  <a:schemeClr val="tx1"/>
+                </a:solidFill>
+                <a:latin typeface="+mn-lt"/>
+                <a:ea typeface="+mn-ea"/>
+                <a:cs typeface="+mn-cs"/>
+              </a:rPr>
+              <a:t>)</a:t>
+            </a:r>
+            <a:r>
+              <a:rPr kumimoji="0" lang="ko-KR" altLang="en-US" sz="1500" b="0" i="0" u="none" strike="noStrike" kern="1200" cap="none" spc="10" normalizeH="0" baseline="0">
+                <a:solidFill>
+                  <a:schemeClr val="tx1"/>
+                </a:solidFill>
+                <a:latin typeface="+mn-lt"/>
+                <a:ea typeface="+mn-ea"/>
+                <a:cs typeface="+mn-cs"/>
+              </a:rPr>
+              <a:t>   </a:t>
+            </a:r>
+            <a:endParaRPr kumimoji="0" lang="ko-KR" altLang="en-US" sz="1800" b="0" i="0" u="none" strike="noStrike" kern="1200" cap="none" spc="10" normalizeH="0" baseline="0">
+              <a:solidFill>
+                <a:schemeClr val="tx1"/>
+              </a:solidFill>
+              <a:latin typeface="+mn-lt"/>
+              <a:ea typeface="+mn-ea"/>
+              <a:cs typeface="+mn-cs"/>
+            </a:endParaRPr>
+          </a:p>
+        </p:txBody>
+      </p:sp>
+    </p:spTree>
+  </p:cSld>
+  <p:clrMapOvr>
+    <a:masterClrMapping/>
+  </p:clrMapOvr>
+  <mc:AlternateContent xmlns:mc="http://schemas.openxmlformats.org/markup-compatibility/2006" xmlns:p14="http://schemas.microsoft.com/office/powerpoint/2010/main">
+    <mc:Choice Requires="p14">
+      <p:transition/>
+    </mc:Choice>
+    <mc:Fallback xmlns:dsp="http://schemas.microsoft.com/office/drawing/2008/diagram" xmlns:dgm="http://schemas.openxmlformats.org/drawingml/2006/diagram" xmlns:c="http://schemas.openxmlformats.org/drawingml/2006/chart" xmlns="">
+      <p:transition/>
+    </mc:Fallback>
+  </mc:AlternateContent>
+</p:sld>
+</file>
+
+<file path=ppt/slides/slide14.xml><?xml version="1.0" encoding="utf-8"?>
+<p:sld xmlns:a="http://schemas.openxmlformats.org/drawingml/2006/main" xmlns:r="http://schemas.openxmlformats.org/officeDocument/2006/relationships" xmlns:p="http://schemas.openxmlformats.org/presentationml/2006/main">
+  <p:cSld>
+    <p:spTree>
+      <p:nvGrpSpPr>
+        <p:cNvPr id="1" name=""/>
+        <p:cNvGrpSpPr/>
+        <p:nvPr/>
+      </p:nvGrpSpPr>
+      <p:grpSpPr>
+        <a:xfrm>
+          <a:off x="0" y="0"/>
+          <a:ext cx="0" cy="0"/>
+          <a:chOff x="0" y="0"/>
+          <a:chExt cx="0" cy="0"/>
+        </a:xfrm>
+      </p:grpSpPr>
+      <p:pic>
+        <p:nvPicPr>
+          <p:cNvPr id="5" name="그림 4"/>
+          <p:cNvPicPr>
+            <a:picLocks noChangeAspect="1"/>
+          </p:cNvPicPr>
+          <p:nvPr/>
+        </p:nvPicPr>
+        <p:blipFill rotWithShape="1">
+          <a:blip r:embed="rId2"/>
+          <a:stretch>
+            <a:fillRect/>
+          </a:stretch>
+        </p:blipFill>
+        <p:spPr>
+          <a:xfrm>
+            <a:off x="1506792" y="1502373"/>
+            <a:ext cx="5710421" cy="3209506"/>
+          </a:xfrm>
+          <a:prstGeom prst="rect">
+            <a:avLst/>
+          </a:prstGeom>
+        </p:spPr>
+      </p:pic>
+      <p:cxnSp>
+        <p:nvCxnSpPr>
+          <p:cNvPr id="8" name="직선 화살표 연결선 7"/>
+          <p:cNvCxnSpPr/>
+          <p:nvPr/>
+        </p:nvCxnSpPr>
+        <p:spPr>
+          <a:xfrm rot="5400000">
+            <a:off x="1816100" y="990599"/>
+            <a:ext cx="590549" cy="431801"/>
+          </a:xfrm>
+          <a:prstGeom prst="straightConnector1">
+            <a:avLst/>
+          </a:prstGeom>
+          <a:ln>
+            <a:solidFill>
+              <a:schemeClr val="dk1"/>
+            </a:solidFill>
+            <a:tailEnd type="arrow"/>
+          </a:ln>
+        </p:spPr>
+        <p:style>
+          <a:lnRef idx="1">
+            <a:schemeClr val="accent1"/>
+          </a:lnRef>
+          <a:fillRef idx="0">
+            <a:schemeClr val="accent1"/>
+          </a:fillRef>
+          <a:effectRef idx="0">
+            <a:schemeClr val="accent1"/>
+          </a:effectRef>
+          <a:fontRef idx="minor">
+            <a:schemeClr val="tx1"/>
+          </a:fontRef>
+        </p:style>
+      </p:cxnSp>
+      <p:sp>
+        <p:nvSpPr>
+          <p:cNvPr id="9" name="TextBox 8"/>
+          <p:cNvSpPr txBox="1"/>
+          <p:nvPr/>
+        </p:nvSpPr>
+        <p:spPr>
+          <a:xfrm>
+            <a:off x="1889124" y="492125"/>
+            <a:ext cx="2051050" cy="363220"/>
+          </a:xfrm>
+          <a:prstGeom prst="rect">
+            <a:avLst/>
+          </a:prstGeom>
+        </p:spPr>
+        <p:txBody>
+          <a:bodyPr wrap="square">
+            <a:spAutoFit/>
+          </a:bodyPr>
+          <a:lstStyle/>
+          <a:p>
+            <a:pPr>
+              <a:defRPr/>
+            </a:pPr>
+            <a:r>
+              <a:rPr lang="ko-KR" altLang="en-US"/>
+              <a:t>레벨 </a:t>
+            </a:r>
+            <a:r>
+              <a:rPr lang="en-US" altLang="ko-KR"/>
+              <a:t>,</a:t>
+            </a:r>
+            <a:r>
+              <a:rPr lang="ko-KR" altLang="en-US"/>
+              <a:t> </a:t>
+            </a:r>
+            <a:r>
+              <a:rPr lang="en-US" altLang="ko-KR"/>
+              <a:t>HP</a:t>
+            </a:r>
+          </a:p>
+        </p:txBody>
+      </p:sp>
+      <p:sp>
+        <p:nvSpPr>
+          <p:cNvPr id="10" name="TextBox 9"/>
+          <p:cNvSpPr txBox="1"/>
+          <p:nvPr/>
+        </p:nvSpPr>
+        <p:spPr>
+          <a:xfrm>
+            <a:off x="111124" y="2168524"/>
+            <a:ext cx="1263650" cy="363221"/>
+          </a:xfrm>
+          <a:prstGeom prst="rect">
+            <a:avLst/>
+          </a:prstGeom>
+        </p:spPr>
+        <p:txBody>
+          <a:bodyPr wrap="square">
+            <a:spAutoFit/>
+          </a:bodyPr>
+          <a:lstStyle/>
+          <a:p>
+            <a:pPr>
+              <a:defRPr/>
+            </a:pPr>
+            <a:r>
+              <a:rPr lang="ko-KR" altLang="en-US"/>
+              <a:t>스텟창</a:t>
+            </a:r>
+          </a:p>
+        </p:txBody>
+      </p:sp>
+      <p:cxnSp>
+        <p:nvCxnSpPr>
+          <p:cNvPr id="11" name="직선 화살표 연결선 10"/>
+          <p:cNvCxnSpPr/>
+          <p:nvPr/>
+        </p:nvCxnSpPr>
+        <p:spPr>
+          <a:xfrm flipV="1">
+            <a:off x="949324" y="2193925"/>
+            <a:ext cx="507999" cy="88899"/>
+          </a:xfrm>
+          <a:prstGeom prst="straightConnector1">
+            <a:avLst/>
+          </a:prstGeom>
+          <a:ln>
+            <a:solidFill>
+              <a:schemeClr val="dk1"/>
+            </a:solidFill>
+            <a:tailEnd type="arrow"/>
+          </a:ln>
+        </p:spPr>
+        <p:style>
+          <a:lnRef idx="1">
+            <a:schemeClr val="accent1"/>
+          </a:lnRef>
+          <a:fillRef idx="0">
+            <a:schemeClr val="accent1"/>
+          </a:fillRef>
+          <a:effectRef idx="0">
+            <a:schemeClr val="accent1"/>
+          </a:effectRef>
+          <a:fontRef idx="minor">
+            <a:schemeClr val="tx1"/>
+          </a:fontRef>
+        </p:style>
+      </p:cxnSp>
+      <p:cxnSp>
+        <p:nvCxnSpPr>
+          <p:cNvPr id="12" name="직선 화살표 연결선 11"/>
+          <p:cNvCxnSpPr/>
+          <p:nvPr/>
+        </p:nvCxnSpPr>
+        <p:spPr>
+          <a:xfrm>
+            <a:off x="955674" y="1470025"/>
+            <a:ext cx="539750" cy="457199"/>
+          </a:xfrm>
+          <a:prstGeom prst="straightConnector1">
+            <a:avLst/>
+          </a:prstGeom>
+          <a:ln>
+            <a:solidFill>
+              <a:schemeClr val="dk1"/>
+            </a:solidFill>
+            <a:tailEnd type="arrow"/>
+          </a:ln>
+        </p:spPr>
+        <p:style>
+          <a:lnRef idx="1">
+            <a:schemeClr val="accent1"/>
+          </a:lnRef>
+          <a:fillRef idx="0">
+            <a:schemeClr val="accent1"/>
+          </a:fillRef>
+          <a:effectRef idx="0">
+            <a:schemeClr val="accent1"/>
+          </a:effectRef>
+          <a:fontRef idx="minor">
+            <a:schemeClr val="tx1"/>
+          </a:fontRef>
+        </p:style>
+      </p:cxnSp>
+      <p:sp>
+        <p:nvSpPr>
+          <p:cNvPr id="13" name="TextBox 12"/>
+          <p:cNvSpPr txBox="1"/>
+          <p:nvPr/>
+        </p:nvSpPr>
+        <p:spPr>
+          <a:xfrm>
+            <a:off x="168273" y="1025525"/>
+            <a:ext cx="1397000" cy="363220"/>
+          </a:xfrm>
+          <a:prstGeom prst="rect">
+            <a:avLst/>
+          </a:prstGeom>
+        </p:spPr>
+        <p:txBody>
+          <a:bodyPr wrap="square">
+            <a:spAutoFit/>
+          </a:bodyPr>
+          <a:lstStyle/>
+          <a:p>
+            <a:pPr>
+              <a:defRPr/>
+            </a:pPr>
+            <a:r>
+              <a:rPr lang="ko-KR" altLang="en-US"/>
+              <a:t>대시게이지</a:t>
+            </a:r>
+          </a:p>
+        </p:txBody>
+      </p:sp>
+      <p:cxnSp>
+        <p:nvCxnSpPr>
+          <p:cNvPr id="14" name="직선 화살표 연결선 13"/>
+          <p:cNvCxnSpPr/>
+          <p:nvPr/>
+        </p:nvCxnSpPr>
+        <p:spPr>
+          <a:xfrm rot="5400000" flipH="1" flipV="1">
+            <a:off x="3832224" y="4714875"/>
+            <a:ext cx="1174750" cy="31750"/>
+          </a:xfrm>
+          <a:prstGeom prst="straightConnector1">
+            <a:avLst/>
+          </a:prstGeom>
+          <a:ln>
+            <a:solidFill>
+              <a:schemeClr val="dk1"/>
+            </a:solidFill>
+            <a:tailEnd type="arrow"/>
+          </a:ln>
+        </p:spPr>
+        <p:style>
+          <a:lnRef idx="1">
+            <a:schemeClr val="accent1"/>
+          </a:lnRef>
+          <a:fillRef idx="0">
+            <a:schemeClr val="accent1"/>
+          </a:fillRef>
+          <a:effectRef idx="0">
+            <a:schemeClr val="accent1"/>
+          </a:effectRef>
+          <a:fontRef idx="minor">
+            <a:schemeClr val="tx1"/>
+          </a:fontRef>
+        </p:style>
+      </p:cxnSp>
+      <p:sp>
+        <p:nvSpPr>
+          <p:cNvPr id="15" name="TextBox 14"/>
+          <p:cNvSpPr txBox="1"/>
+          <p:nvPr/>
+        </p:nvSpPr>
+        <p:spPr>
+          <a:xfrm>
+            <a:off x="3889374" y="5426074"/>
+            <a:ext cx="1168400" cy="360046"/>
+          </a:xfrm>
+          <a:prstGeom prst="rect">
+            <a:avLst/>
+          </a:prstGeom>
+        </p:spPr>
+        <p:txBody>
+          <a:bodyPr wrap="square">
+            <a:spAutoFit/>
+          </a:bodyPr>
+          <a:lstStyle/>
+          <a:p>
+            <a:pPr>
+              <a:defRPr/>
+            </a:pPr>
+            <a:r>
+              <a:rPr lang="ko-KR" altLang="en-US"/>
+              <a:t>플레이어</a:t>
+            </a:r>
+          </a:p>
+        </p:txBody>
+      </p:sp>
+      <p:sp>
+        <p:nvSpPr>
+          <p:cNvPr id="16" name="TextBox 15"/>
+          <p:cNvSpPr txBox="1"/>
+          <p:nvPr/>
+        </p:nvSpPr>
+        <p:spPr>
+          <a:xfrm>
+            <a:off x="7807322" y="0"/>
+            <a:ext cx="3187702" cy="6913247"/>
+          </a:xfrm>
+          <a:prstGeom prst="rect">
+            <a:avLst/>
+          </a:prstGeom>
+        </p:spPr>
+        <p:txBody>
+          <a:bodyPr wrap="square">
+            <a:spAutoFit/>
+          </a:bodyPr>
+          <a:lstStyle/>
+          <a:p>
+            <a:pPr>
+              <a:defRPr/>
+            </a:pPr>
+            <a:r>
+              <a:rPr lang="ko-KR" altLang="en-US" sz="1400"/>
+              <a:t>플레이어</a:t>
+            </a:r>
+          </a:p>
+          <a:p>
+            <a:pPr>
+              <a:defRPr/>
+            </a:pPr>
+            <a:r>
+              <a:rPr lang="en-US" altLang="ko-KR" sz="1400"/>
+              <a:t>-</a:t>
+            </a:r>
+            <a:r>
+              <a:rPr lang="ko-KR" altLang="en-US" sz="1400"/>
+              <a:t> 에임이 의위치가 좌측 </a:t>
+            </a:r>
+            <a:r>
+              <a:rPr lang="en-US" altLang="ko-KR" sz="1400"/>
+              <a:t>,</a:t>
+            </a:r>
+            <a:r>
+              <a:rPr lang="ko-KR" altLang="en-US" sz="1400"/>
+              <a:t>우측</a:t>
+            </a:r>
+          </a:p>
+          <a:p>
+            <a:pPr>
+              <a:defRPr/>
+            </a:pPr>
+            <a:r>
+              <a:rPr lang="ko-KR" altLang="en-US" sz="1400"/>
+              <a:t>  에따라서 플레이어 바라보는</a:t>
+            </a:r>
+          </a:p>
+          <a:p>
+            <a:pPr>
+              <a:defRPr/>
+            </a:pPr>
+            <a:r>
+              <a:rPr lang="ko-KR" altLang="en-US" sz="1400"/>
+              <a:t>  방향이 달라짐</a:t>
+            </a:r>
+          </a:p>
+          <a:p>
+            <a:pPr>
+              <a:defRPr/>
+            </a:pPr>
+            <a:endParaRPr lang="ko-KR" altLang="en-US" sz="1400"/>
+          </a:p>
+          <a:p>
+            <a:pPr>
+              <a:defRPr/>
+            </a:pPr>
+            <a:r>
+              <a:rPr lang="en-US" altLang="ko-KR" sz="1400"/>
+              <a:t>-</a:t>
+            </a:r>
+            <a:r>
+              <a:rPr lang="ko-KR" altLang="en-US" sz="1400"/>
+              <a:t> 대시</a:t>
+            </a:r>
+          </a:p>
+          <a:p>
+            <a:pPr>
+              <a:defRPr/>
+            </a:pPr>
+            <a:r>
+              <a:rPr lang="ko-KR" altLang="en-US" sz="1400"/>
+              <a:t>  마우스 커서 보는 방향으로 대시</a:t>
+            </a:r>
+          </a:p>
+          <a:p>
+            <a:pPr>
+              <a:defRPr/>
+            </a:pPr>
+            <a:r>
+              <a:rPr lang="ko-KR" altLang="en-US" sz="1400"/>
+              <a:t>  </a:t>
+            </a:r>
+            <a:r>
+              <a:rPr lang="en-US" altLang="ko-KR" sz="1400"/>
+              <a:t>2</a:t>
+            </a:r>
+            <a:r>
+              <a:rPr lang="ko-KR" altLang="en-US" sz="1400"/>
+              <a:t>단 대시 가능</a:t>
+            </a:r>
+          </a:p>
+          <a:p>
+            <a:pPr>
+              <a:defRPr/>
+            </a:pPr>
+            <a:r>
+              <a:rPr lang="ko-KR" altLang="en-US" sz="1400"/>
+              <a:t>  대시 하였을때 몬스터 에게 대시</a:t>
+            </a:r>
+          </a:p>
+          <a:p>
+            <a:pPr>
+              <a:defRPr/>
+            </a:pPr>
+            <a:r>
+              <a:rPr lang="ko-KR" altLang="en-US" sz="1400"/>
+              <a:t>  대미지 입힘</a:t>
+            </a:r>
+          </a:p>
+          <a:p>
+            <a:pPr>
+              <a:defRPr/>
+            </a:pPr>
+            <a:endParaRPr lang="ko-KR" altLang="en-US" sz="1400"/>
+          </a:p>
+          <a:p>
+            <a:pPr>
+              <a:defRPr/>
+            </a:pPr>
+            <a:r>
+              <a:rPr lang="ko-KR" altLang="en-US" sz="1400"/>
+              <a:t>플레이어 </a:t>
+            </a:r>
+            <a:r>
+              <a:rPr lang="en-US" altLang="ko-KR" sz="1400"/>
+              <a:t>Ui</a:t>
+            </a:r>
+          </a:p>
+          <a:p>
+            <a:pPr>
+              <a:defRPr/>
+            </a:pPr>
+            <a:endParaRPr lang="en-US" altLang="ko-KR" sz="1400"/>
+          </a:p>
+          <a:p>
+            <a:pPr>
+              <a:defRPr/>
+            </a:pPr>
+            <a:r>
+              <a:rPr lang="en-US" altLang="ko-KR" sz="1400"/>
+              <a:t>-</a:t>
+            </a:r>
+            <a:r>
+              <a:rPr lang="ko-KR" altLang="en-US" sz="1400"/>
+              <a:t> 레벨 </a:t>
+            </a:r>
+            <a:r>
+              <a:rPr lang="en-US" altLang="ko-KR" sz="1400"/>
+              <a:t>,</a:t>
+            </a:r>
+            <a:r>
+              <a:rPr lang="ko-KR" altLang="en-US" sz="1400"/>
+              <a:t> 체력바</a:t>
+            </a:r>
+          </a:p>
+          <a:p>
+            <a:pPr>
+              <a:defRPr/>
+            </a:pPr>
+            <a:r>
+              <a:rPr lang="ko-KR" altLang="en-US" sz="1400"/>
+              <a:t>  몬스터 공격력 데미지로 체력바 줄음</a:t>
+            </a:r>
+          </a:p>
+          <a:p>
+            <a:pPr>
+              <a:defRPr/>
+            </a:pPr>
+            <a:r>
+              <a:rPr lang="ko-KR" altLang="en-US" sz="1400"/>
+              <a:t>  레벨은 몬스터 </a:t>
+            </a:r>
+            <a:r>
+              <a:rPr lang="en-US" altLang="ko-KR" sz="1400"/>
+              <a:t>8</a:t>
+            </a:r>
+            <a:r>
+              <a:rPr lang="ko-KR" altLang="en-US" sz="1400"/>
+              <a:t> 마리 잡을시 </a:t>
+            </a:r>
+            <a:r>
+              <a:rPr lang="en-US" altLang="ko-KR" sz="1400"/>
+              <a:t>EXP</a:t>
+            </a:r>
+            <a:r>
+              <a:rPr lang="ko-KR" altLang="en-US" sz="1400"/>
+              <a:t>를</a:t>
+            </a:r>
+          </a:p>
+          <a:p>
+            <a:pPr>
+              <a:defRPr/>
+            </a:pPr>
+            <a:r>
+              <a:rPr lang="ko-KR" altLang="en-US" sz="1400"/>
+              <a:t>  내부적으로 올려서 특정 </a:t>
+            </a:r>
+            <a:r>
+              <a:rPr lang="en-US" altLang="ko-KR" sz="1400"/>
+              <a:t>EXP</a:t>
+            </a:r>
+            <a:r>
+              <a:rPr lang="ko-KR" altLang="en-US" sz="1400"/>
+              <a:t>가 </a:t>
+            </a:r>
+          </a:p>
+          <a:p>
+            <a:pPr>
+              <a:defRPr/>
+            </a:pPr>
+            <a:r>
+              <a:rPr lang="ko-KR" altLang="en-US" sz="1400"/>
+              <a:t>  넘을시 자동 레벨업 </a:t>
+            </a:r>
+          </a:p>
+          <a:p>
+            <a:pPr>
+              <a:defRPr/>
+            </a:pPr>
+            <a:r>
+              <a:rPr lang="ko-KR" altLang="en-US" sz="1400"/>
+              <a:t>  레벨업시 공격력증가</a:t>
+            </a:r>
+          </a:p>
+          <a:p>
+            <a:pPr>
+              <a:defRPr/>
+            </a:pPr>
+            <a:r>
+              <a:rPr lang="en-US" altLang="ko-KR" sz="1400"/>
+              <a:t>-</a:t>
+            </a:r>
+            <a:r>
+              <a:rPr lang="ko-KR" altLang="en-US" sz="1400"/>
+              <a:t> 대시 게이지</a:t>
+            </a:r>
+          </a:p>
+          <a:p>
+            <a:pPr>
+              <a:defRPr/>
+            </a:pPr>
+            <a:r>
+              <a:rPr lang="ko-KR" altLang="en-US" sz="1400"/>
+              <a:t>  대시 게이지는 총 </a:t>
+            </a:r>
+            <a:r>
+              <a:rPr lang="en-US" altLang="ko-KR" sz="1400"/>
+              <a:t>2</a:t>
+            </a:r>
+            <a:r>
+              <a:rPr lang="ko-KR" altLang="en-US" sz="1400"/>
+              <a:t>칸이며</a:t>
+            </a:r>
+          </a:p>
+          <a:p>
+            <a:pPr>
+              <a:defRPr/>
+            </a:pPr>
+            <a:r>
+              <a:rPr lang="ko-KR" altLang="en-US" sz="1400"/>
+              <a:t>  대시 사용후 특정 시간이 흐르면 </a:t>
+            </a:r>
+          </a:p>
+          <a:p>
+            <a:pPr>
+              <a:defRPr/>
+            </a:pPr>
+            <a:r>
+              <a:rPr lang="ko-KR" altLang="en-US" sz="1400"/>
+              <a:t>  대시 게이지가 다시 참</a:t>
+            </a:r>
+          </a:p>
+          <a:p>
+            <a:pPr>
+              <a:defRPr/>
+            </a:pPr>
+            <a:endParaRPr lang="ko-KR" altLang="en-US" sz="1400"/>
+          </a:p>
+          <a:p>
+            <a:pPr>
+              <a:defRPr/>
+            </a:pPr>
+            <a:r>
+              <a:rPr lang="en-US" altLang="ko-KR" sz="1400"/>
+              <a:t>-</a:t>
+            </a:r>
+            <a:r>
+              <a:rPr lang="ko-KR" altLang="en-US" sz="1400"/>
+              <a:t> 스텟창</a:t>
+            </a:r>
+          </a:p>
+          <a:p>
+            <a:pPr>
+              <a:defRPr/>
+            </a:pPr>
+            <a:r>
+              <a:rPr lang="ko-KR" altLang="en-US" sz="1400"/>
+              <a:t> 총 </a:t>
+            </a:r>
+            <a:r>
+              <a:rPr lang="en-US" altLang="ko-KR" sz="1400"/>
+              <a:t>8</a:t>
+            </a:r>
+            <a:r>
+              <a:rPr lang="ko-KR" altLang="en-US" sz="1400"/>
+              <a:t>개의 스텟으로 구성되어있으며</a:t>
+            </a:r>
+          </a:p>
+          <a:p>
+            <a:pPr>
+              <a:defRPr/>
+            </a:pPr>
+            <a:r>
+              <a:rPr lang="ko-KR" altLang="en-US" sz="1400"/>
+              <a:t> 근력 크리 등등 무기에 따른 각각의</a:t>
+            </a:r>
+          </a:p>
+          <a:p>
+            <a:pPr>
+              <a:defRPr/>
+            </a:pPr>
+            <a:r>
+              <a:rPr lang="ko-KR" altLang="en-US" sz="1400"/>
+              <a:t> 확률과 데미지가 존재함</a:t>
+            </a:r>
+          </a:p>
+          <a:p>
+            <a:pPr>
+              <a:defRPr/>
+            </a:pPr>
+            <a:r>
+              <a:rPr lang="ko-KR" altLang="en-US" sz="1400"/>
+              <a:t> </a:t>
+            </a:r>
+            <a:r>
+              <a:rPr lang="en-US" altLang="ko-KR" sz="1400"/>
+              <a:t>(</a:t>
+            </a:r>
+            <a:r>
+              <a:rPr lang="ko-KR" altLang="en-US" sz="1400"/>
+              <a:t>아쉬운점</a:t>
+            </a:r>
+            <a:r>
+              <a:rPr lang="en-US" altLang="ko-KR" sz="1400"/>
+              <a:t>)</a:t>
+            </a:r>
+            <a:r>
+              <a:rPr lang="ko-KR" altLang="en-US" sz="1400"/>
+              <a:t> 크리 </a:t>
+            </a:r>
+            <a:r>
+              <a:rPr lang="en-US" altLang="ko-KR" sz="1400"/>
+              <a:t>,</a:t>
+            </a:r>
+            <a:r>
+              <a:rPr lang="ko-KR" altLang="en-US" sz="1400"/>
+              <a:t> 근력 </a:t>
+            </a:r>
+            <a:r>
+              <a:rPr lang="en-US" altLang="ko-KR" sz="1400"/>
+              <a:t>,</a:t>
+            </a:r>
+            <a:r>
+              <a:rPr lang="ko-KR" altLang="en-US" sz="1400"/>
+              <a:t> 대쉬데미지</a:t>
+            </a:r>
+          </a:p>
+          <a:p>
+            <a:pPr>
+              <a:defRPr/>
+            </a:pPr>
+            <a:r>
+              <a:rPr lang="ko-KR" altLang="en-US" sz="1400"/>
+              <a:t> 공속 은 구현완료했지만 방어도 이동속도는 고정값으로 넣어둠</a:t>
+            </a:r>
+          </a:p>
+          <a:p>
+            <a:pPr>
+              <a:defRPr/>
+            </a:pPr>
+            <a:endParaRPr lang="ko-KR" altLang="en-US" sz="1400"/>
+          </a:p>
+        </p:txBody>
+      </p:sp>
+    </p:spTree>
+  </p:cSld>
+  <p:clrMapOvr>
+    <a:masterClrMapping/>
+  </p:clrMapOvr>
+  <mc:AlternateContent xmlns:mc="http://schemas.openxmlformats.org/markup-compatibility/2006" xmlns:p14="http://schemas.microsoft.com/office/powerpoint/2010/main">
+    <mc:Choice Requires="p14">
+      <p:transition/>
+    </mc:Choice>
+    <mc:Fallback xmlns:dsp="http://schemas.microsoft.com/office/drawing/2008/diagram" xmlns:dgm="http://schemas.openxmlformats.org/drawingml/2006/diagram" xmlns:c="http://schemas.openxmlformats.org/drawingml/2006/chart" xmlns="">
+      <p:transition/>
+    </mc:Fallback>
+  </mc:AlternateContent>
+</p:sld>
+</file>
+
+<file path=ppt/slides/slide15.xml><?xml version="1.0" encoding="utf-8"?>
+<p:sld xmlns:a="http://schemas.openxmlformats.org/drawingml/2006/main" xmlns:r="http://schemas.openxmlformats.org/officeDocument/2006/relationships" xmlns:p="http://schemas.openxmlformats.org/presentationml/2006/main">
+  <p:cSld>
+    <p:spTree>
+      <p:nvGrpSpPr>
+        <p:cNvPr id="1" name=""/>
+        <p:cNvGrpSpPr/>
+        <p:nvPr/>
+      </p:nvGrpSpPr>
+      <p:grpSpPr>
+        <a:xfrm>
+          <a:off x="0" y="0"/>
+          <a:ext cx="0" cy="0"/>
+          <a:chOff x="0" y="0"/>
+          <a:chExt cx="0" cy="0"/>
+        </a:xfrm>
+      </p:grpSpPr>
+      <p:sp>
+        <p:nvSpPr>
+          <p:cNvPr id="2" name="Title 1"/>
+          <p:cNvSpPr>
+            <a:spLocks noGrp="1"/>
+          </p:cNvSpPr>
+          <p:nvPr>
+            <p:ph type="title"/>
+          </p:nvPr>
+        </p:nvSpPr>
+        <p:spPr>
+          <a:xfrm>
+            <a:off x="782468" y="258525"/>
+            <a:ext cx="9692640" cy="707383"/>
+          </a:xfrm>
+        </p:spPr>
+        <p:txBody>
+          <a:bodyPr/>
+          <a:lstStyle/>
+          <a:p>
+            <a:pPr>
+              <a:defRPr/>
+            </a:pPr>
+            <a:r>
+              <a:rPr lang="ko-KR" altLang="en-US" sz="3500"/>
+              <a:t>기본구현 에서 가장 잘했다고 생각하는 코드 부분</a:t>
+            </a:r>
+          </a:p>
+        </p:txBody>
+      </p:sp>
+      <p:sp>
+        <p:nvSpPr>
+          <p:cNvPr id="3" name="Content Placeholder 2"/>
+          <p:cNvSpPr>
+            <a:spLocks noGrp="1"/>
+          </p:cNvSpPr>
+          <p:nvPr>
+            <p:ph idx="1"/>
+          </p:nvPr>
+        </p:nvSpPr>
+        <p:spPr>
+          <a:xfrm>
+            <a:off x="5772055" y="1803568"/>
+            <a:ext cx="4646584" cy="1115360"/>
+          </a:xfrm>
+        </p:spPr>
+        <p:txBody>
+          <a:bodyPr/>
+          <a:lstStyle/>
+          <a:p>
+            <a:pPr>
+              <a:defRPr/>
+            </a:pPr>
+            <a:r>
+              <a:rPr lang="ko-KR" altLang="en-US"/>
+              <a:t>상태 기반으로 처리를 하다보니 다음에 말할 충돌체크 부분과도 연동이 쉽게 되어서 처리할때 불편함이 없었음</a:t>
+            </a:r>
+          </a:p>
+        </p:txBody>
+      </p:sp>
+      <p:pic>
+        <p:nvPicPr>
+          <p:cNvPr id="4" name="그림 3"/>
+          <p:cNvPicPr>
+            <a:picLocks noChangeAspect="1"/>
+          </p:cNvPicPr>
+          <p:nvPr/>
+        </p:nvPicPr>
+        <p:blipFill rotWithShape="1">
+          <a:blip r:embed="rId2"/>
+          <a:stretch>
+            <a:fillRect/>
+          </a:stretch>
+        </p:blipFill>
+        <p:spPr>
+          <a:xfrm>
+            <a:off x="1198013" y="1660131"/>
+            <a:ext cx="4156666" cy="4890610"/>
+          </a:xfrm>
+          <a:prstGeom prst="rect">
+            <a:avLst/>
+          </a:prstGeom>
+        </p:spPr>
+      </p:pic>
+    </p:spTree>
+  </p:cSld>
+  <p:clrMapOvr>
+    <a:masterClrMapping/>
+  </p:clrMapOvr>
+  <mc:AlternateContent xmlns:mc="http://schemas.openxmlformats.org/markup-compatibility/2006" xmlns:p14="http://schemas.microsoft.com/office/powerpoint/2010/main">
+    <mc:Choice Requires="p14">
+      <p:transition/>
+    </mc:Choice>
+    <mc:Fallback xmlns:dsp="http://schemas.microsoft.com/office/drawing/2008/diagram" xmlns:dgm="http://schemas.openxmlformats.org/drawingml/2006/diagram" xmlns:c="http://schemas.openxmlformats.org/drawingml/2006/chart" xmlns="">
+      <p:transition/>
+    </mc:Fallback>
+  </mc:AlternateContent>
+</p:sld>
+</file>
+
+<file path=ppt/slides/slide16.xml><?xml version="1.0" encoding="utf-8"?>
+<p:sld xmlns:a="http://schemas.openxmlformats.org/drawingml/2006/main" xmlns:r="http://schemas.openxmlformats.org/officeDocument/2006/relationships" xmlns:p="http://schemas.openxmlformats.org/presentationml/2006/main">
+  <p:cSld>
+    <p:spTree>
+      <p:nvGrpSpPr>
+        <p:cNvPr id="1" name=""/>
+        <p:cNvGrpSpPr/>
+        <p:nvPr/>
+      </p:nvGrpSpPr>
+      <p:grpSpPr>
+        <a:xfrm>
+          <a:off x="0" y="0"/>
+          <a:ext cx="0" cy="0"/>
+          <a:chOff x="0" y="0"/>
+          <a:chExt cx="0" cy="0"/>
+        </a:xfrm>
+      </p:grpSpPr>
+      <p:sp>
+        <p:nvSpPr>
+          <p:cNvPr id="2" name="Title 1"/>
+          <p:cNvSpPr>
+            <a:spLocks noGrp="1"/>
+          </p:cNvSpPr>
+          <p:nvPr>
+            <p:ph type="title"/>
+          </p:nvPr>
+        </p:nvSpPr>
+        <p:spPr>
+          <a:xfrm>
+            <a:off x="971707" y="302680"/>
+            <a:ext cx="9692640" cy="1325562"/>
+          </a:xfrm>
+        </p:spPr>
+        <p:txBody>
+          <a:bodyPr/>
+          <a:lstStyle/>
+          <a:p>
+            <a:pPr>
+              <a:defRPr/>
+            </a:pPr>
+            <a:r>
+              <a:rPr lang="ko-KR" altLang="en-US" sz="4000"/>
+              <a:t>플레이어 몬스터 충돌처리 및 맵 충돌처리</a:t>
+            </a:r>
+          </a:p>
+        </p:txBody>
+      </p:sp>
+      <p:sp>
+        <p:nvSpPr>
+          <p:cNvPr id="3" name="Content Placeholder 2"/>
+          <p:cNvSpPr>
+            <a:spLocks noGrp="1"/>
+          </p:cNvSpPr>
+          <p:nvPr>
+            <p:ph idx="1"/>
+          </p:nvPr>
+        </p:nvSpPr>
+        <p:spPr>
+          <a:xfrm>
+            <a:off x="6617321" y="1872955"/>
+            <a:ext cx="4463654" cy="4351337"/>
+          </a:xfrm>
+        </p:spPr>
+        <p:txBody>
+          <a:bodyPr/>
+          <a:lstStyle/>
+          <a:p>
+            <a:pPr>
+              <a:defRPr/>
+            </a:pPr>
+            <a:r>
+              <a:rPr lang="ko-KR" altLang="en-US"/>
+              <a:t>히트 박스들을 범위에 맞게 설정처리함</a:t>
+            </a:r>
+          </a:p>
+          <a:p>
+            <a:pPr marL="0" indent="0">
+              <a:buNone/>
+              <a:defRPr/>
+            </a:pPr>
+            <a:r>
+              <a:rPr lang="ko-KR" altLang="en-US"/>
+              <a:t>   빨간 히트박스는 절대적인 벽이며 </a:t>
+            </a:r>
+            <a:r>
+              <a:rPr lang="en-US" altLang="ko-KR"/>
+              <a:t>,</a:t>
+            </a:r>
+          </a:p>
+          <a:p>
+            <a:pPr marL="0" indent="0">
+              <a:buNone/>
+              <a:defRPr/>
+            </a:pPr>
+            <a:r>
+              <a:rPr lang="ko-KR" altLang="en-US"/>
+              <a:t>   노란색히트박스는 플레이어가 아래점프</a:t>
+            </a:r>
+          </a:p>
+          <a:p>
+            <a:pPr marL="0" indent="0">
+              <a:buNone/>
+              <a:defRPr/>
+            </a:pPr>
+            <a:r>
+              <a:rPr lang="ko-KR" altLang="en-US"/>
+              <a:t>   를할수있는 히트박스이며</a:t>
+            </a:r>
+          </a:p>
+          <a:p>
+            <a:pPr marL="0" indent="0">
+              <a:buNone/>
+              <a:defRPr/>
+            </a:pPr>
+            <a:r>
+              <a:rPr lang="ko-KR" altLang="en-US"/>
+              <a:t>   파란색의 경우 다음 방으로 이동하는</a:t>
+            </a:r>
+          </a:p>
+          <a:p>
+            <a:pPr marL="0" indent="0">
+              <a:buNone/>
+              <a:defRPr/>
+            </a:pPr>
+            <a:r>
+              <a:rPr lang="ko-KR" altLang="en-US"/>
+              <a:t>   포탈임 </a:t>
+            </a:r>
+          </a:p>
+          <a:p>
+            <a:pPr marL="0" indent="0">
+              <a:buNone/>
+              <a:defRPr/>
+            </a:pPr>
+            <a:r>
+              <a:rPr lang="ko-KR" altLang="en-US"/>
+              <a:t>   각상황에 맞는 충돌이 처리됌</a:t>
+            </a:r>
+          </a:p>
+        </p:txBody>
+      </p:sp>
+      <p:pic>
+        <p:nvPicPr>
+          <p:cNvPr id="4" name="그림 3"/>
+          <p:cNvPicPr>
+            <a:picLocks noChangeAspect="1"/>
+          </p:cNvPicPr>
+          <p:nvPr/>
+        </p:nvPicPr>
+        <p:blipFill rotWithShape="1">
+          <a:blip r:embed="rId2"/>
+          <a:stretch>
+            <a:fillRect/>
+          </a:stretch>
+        </p:blipFill>
+        <p:spPr>
+          <a:xfrm>
+            <a:off x="453885" y="1817084"/>
+            <a:ext cx="5739258" cy="3223830"/>
+          </a:xfrm>
+          <a:prstGeom prst="rect">
+            <a:avLst/>
+          </a:prstGeom>
+        </p:spPr>
+      </p:pic>
+    </p:spTree>
+  </p:cSld>
+  <p:clrMapOvr>
+    <a:masterClrMapping/>
+  </p:clrMapOvr>
+  <mc:AlternateContent xmlns:mc="http://schemas.openxmlformats.org/markup-compatibility/2006" xmlns:p14="http://schemas.microsoft.com/office/powerpoint/2010/main">
+    <mc:Choice Requires="p14">
+      <p:transition/>
+    </mc:Choice>
+    <mc:Fallback xmlns:dsp="http://schemas.microsoft.com/office/drawing/2008/diagram" xmlns:dgm="http://schemas.openxmlformats.org/drawingml/2006/diagram" xmlns:c="http://schemas.openxmlformats.org/drawingml/2006/chart" xmlns="">
+      <p:transition/>
+    </mc:Fallback>
+  </mc:AlternateContent>
+</p:sld>
+</file>
+
+<file path=ppt/slides/slide17.xml><?xml version="1.0" encoding="utf-8"?>
+<p:sld xmlns:a="http://schemas.openxmlformats.org/drawingml/2006/main" xmlns:r="http://schemas.openxmlformats.org/officeDocument/2006/relationships" xmlns:p="http://schemas.openxmlformats.org/presentationml/2006/main">
+  <p:cSld>
+    <p:spTree>
+      <p:nvGrpSpPr>
+        <p:cNvPr id="1" name=""/>
+        <p:cNvGrpSpPr/>
+        <p:nvPr/>
+      </p:nvGrpSpPr>
+      <p:grpSpPr>
+        <a:xfrm>
+          <a:off x="0" y="0"/>
+          <a:ext cx="0" cy="0"/>
+          <a:chOff x="0" y="0"/>
+          <a:chExt cx="0" cy="0"/>
+        </a:xfrm>
+      </p:grpSpPr>
+      <p:sp>
+        <p:nvSpPr>
+          <p:cNvPr id="2" name="Title 1"/>
+          <p:cNvSpPr>
+            <a:spLocks noGrp="1"/>
+          </p:cNvSpPr>
+          <p:nvPr>
+            <p:ph type="title"/>
+          </p:nvPr>
+        </p:nvSpPr>
+        <p:spPr/>
+        <p:txBody>
+          <a:bodyPr/>
+          <a:lstStyle/>
+          <a:p>
+            <a:pPr>
+              <a:defRPr/>
+            </a:pPr>
+            <a:r>
+              <a:rPr lang="ko-KR" altLang="en-US"/>
+              <a:t>메인 화면 </a:t>
+            </a:r>
+            <a:r>
+              <a:rPr lang="en-US" altLang="ko-KR"/>
+              <a:t>Ui</a:t>
+            </a:r>
+            <a:r>
+              <a:rPr lang="ko-KR" altLang="en-US"/>
+              <a:t> </a:t>
+            </a:r>
+            <a:endParaRPr lang="en-US" altLang="ko-KR"/>
+          </a:p>
+        </p:txBody>
+      </p:sp>
+      <p:sp>
+        <p:nvSpPr>
+          <p:cNvPr id="3" name="Content Placeholder 2"/>
+          <p:cNvSpPr>
+            <a:spLocks noGrp="1"/>
+          </p:cNvSpPr>
+          <p:nvPr>
+            <p:ph idx="1"/>
+          </p:nvPr>
+        </p:nvSpPr>
+        <p:spPr/>
+        <p:txBody>
+          <a:bodyPr/>
+          <a:lstStyle/>
+          <a:p>
+            <a:pPr>
+              <a:defRPr/>
+            </a:pPr>
+            <a:endParaRPr lang="ko-KR" altLang="en-US"/>
+          </a:p>
+        </p:txBody>
+      </p:sp>
+      <p:pic>
+        <p:nvPicPr>
+          <p:cNvPr id="4" name="그림 3"/>
+          <p:cNvPicPr>
+            <a:picLocks noChangeAspect="1"/>
+          </p:cNvPicPr>
+          <p:nvPr/>
+        </p:nvPicPr>
+        <p:blipFill rotWithShape="1">
+          <a:blip r:embed="rId2"/>
+          <a:stretch>
+            <a:fillRect/>
+          </a:stretch>
+        </p:blipFill>
+        <p:spPr>
+          <a:xfrm>
+            <a:off x="1171264" y="1698194"/>
+            <a:ext cx="8706472" cy="4902806"/>
+          </a:xfrm>
+          <a:prstGeom prst="rect">
+            <a:avLst/>
+          </a:prstGeom>
+        </p:spPr>
+      </p:pic>
+    </p:spTree>
+  </p:cSld>
+  <p:clrMapOvr>
+    <a:masterClrMapping/>
+  </p:clrMapOvr>
+  <mc:AlternateContent xmlns:mc="http://schemas.openxmlformats.org/markup-compatibility/2006" xmlns:p14="http://schemas.microsoft.com/office/powerpoint/2010/main">
+    <mc:Choice Requires="p14">
+      <p:transition/>
+    </mc:Choice>
+    <mc:Fallback xmlns:dsp="http://schemas.microsoft.com/office/drawing/2008/diagram" xmlns:dgm="http://schemas.openxmlformats.org/drawingml/2006/diagram" xmlns:c="http://schemas.openxmlformats.org/drawingml/2006/chart" xmlns="">
+      <p:transition/>
+    </mc:Fallback>
+  </mc:AlternateContent>
+</p:sld>
+</file>
+
+<file path=ppt/slides/slide18.xml><?xml version="1.0" encoding="utf-8"?>
+<p:sld xmlns:a="http://schemas.openxmlformats.org/drawingml/2006/main" xmlns:r="http://schemas.openxmlformats.org/officeDocument/2006/relationships" xmlns:p="http://schemas.openxmlformats.org/presentationml/2006/main">
+  <p:cSld>
+    <p:spTree>
+      <p:nvGrpSpPr>
+        <p:cNvPr id="1" name="">
+          <a:extLst>
+            <a:ext uri="{FF2B5EF4-FFF2-40B4-BE49-F238E27FC236}">
+              <a16:creationId xmlns:a16="http://schemas.microsoft.com/office/drawing/2014/main" id="{D120A0F8-5A31-E0D3-72D1-A7CE3EFE922B}"/>
+            </a:ext>
+          </a:extLst>
+        </p:cNvPr>
+        <p:cNvGrpSpPr/>
+        <p:nvPr/>
+      </p:nvGrpSpPr>
+      <p:grpSpPr>
+        <a:xfrm>
+          <a:off x="0" y="0"/>
+          <a:ext cx="0" cy="0"/>
+          <a:chOff x="0" y="0"/>
+          <a:chExt cx="0" cy="0"/>
+        </a:xfrm>
+      </p:grpSpPr>
+      <p:sp>
+        <p:nvSpPr>
+          <p:cNvPr id="2" name="제목 1">
+            <a:extLst>
+              <a:ext uri="{FF2B5EF4-FFF2-40B4-BE49-F238E27FC236}">
+                <a16:creationId xmlns:a16="http://schemas.microsoft.com/office/drawing/2014/main" id="{53F4EEEB-DFAB-02C3-2888-D0178DBA2095}"/>
+              </a:ext>
+            </a:extLst>
+          </p:cNvPr>
+          <p:cNvSpPr>
+            <a:spLocks noGrp="1"/>
+          </p:cNvSpPr>
+          <p:nvPr>
+            <p:ph type="title"/>
+          </p:nvPr>
+        </p:nvSpPr>
+        <p:spPr/>
+        <p:txBody>
+          <a:bodyPr/>
+          <a:lstStyle/>
+          <a:p>
+            <a:r>
+              <a:rPr lang="ko-KR" altLang="en-US" dirty="0"/>
+              <a:t>개발 과정 </a:t>
+            </a:r>
+            <a:r>
+              <a:rPr lang="en-US" altLang="ko-KR" dirty="0"/>
+              <a:t>– </a:t>
+            </a:r>
+            <a:r>
+              <a:rPr lang="ko-KR" altLang="en-US" dirty="0"/>
+              <a:t>황규영</a:t>
+            </a:r>
+          </a:p>
+        </p:txBody>
+      </p:sp>
+      <p:pic>
+        <p:nvPicPr>
+          <p:cNvPr id="5" name="내용 개체 틀 4">
+            <a:extLst>
+              <a:ext uri="{FF2B5EF4-FFF2-40B4-BE49-F238E27FC236}">
+                <a16:creationId xmlns:a16="http://schemas.microsoft.com/office/drawing/2014/main" id="{167F5CF7-CAA4-0CF4-49FA-D9058E9FAB32}"/>
+              </a:ext>
+            </a:extLst>
+          </p:cNvPr>
+          <p:cNvPicPr>
+            <a:picLocks noGrp="1" noChangeAspect="1"/>
+          </p:cNvPicPr>
+          <p:nvPr>
+            <p:ph idx="1"/>
+          </p:nvPr>
+        </p:nvPicPr>
+        <p:blipFill>
+          <a:blip r:embed="rId2"/>
+          <a:stretch>
+            <a:fillRect/>
+          </a:stretch>
+        </p:blipFill>
+        <p:spPr>
+          <a:xfrm>
+            <a:off x="2030848" y="1828800"/>
+            <a:ext cx="7057154" cy="4351338"/>
+          </a:xfrm>
+        </p:spPr>
+      </p:pic>
+    </p:spTree>
+    <p:extLst>
+      <p:ext uri="{BB962C8B-B14F-4D97-AF65-F5344CB8AC3E}">
+        <p14:creationId xmlns:p14="http://schemas.microsoft.com/office/powerpoint/2010/main" val="1445047430"/>
+      </p:ext>
+    </p:extLst>
+  </p:cSld>
+  <p:clrMapOvr>
+    <a:masterClrMapping/>
+  </p:clrMapOvr>
+</p:sld>
+</file>
+
+<file path=ppt/slides/slide19.xml><?xml version="1.0" encoding="utf-8"?>
+<p:sld xmlns:a="http://schemas.openxmlformats.org/drawingml/2006/main" xmlns:r="http://schemas.openxmlformats.org/officeDocument/2006/relationships" xmlns:p="http://schemas.openxmlformats.org/presentationml/2006/main">
+  <p:cSld>
+    <p:spTree>
+      <p:nvGrpSpPr>
+        <p:cNvPr id="1" name=""/>
+        <p:cNvGrpSpPr/>
+        <p:nvPr/>
+      </p:nvGrpSpPr>
+      <p:grpSpPr>
+        <a:xfrm>
+          <a:off x="0" y="0"/>
+          <a:ext cx="0" cy="0"/>
+          <a:chOff x="0" y="0"/>
+          <a:chExt cx="0" cy="0"/>
+        </a:xfrm>
+      </p:grpSpPr>
+      <p:sp>
+        <p:nvSpPr>
+          <p:cNvPr id="2" name="제목 1">
+            <a:extLst>
+              <a:ext uri="{FF2B5EF4-FFF2-40B4-BE49-F238E27FC236}">
+                <a16:creationId xmlns:a16="http://schemas.microsoft.com/office/drawing/2014/main" id="{1649AA7B-DA4A-BA85-7019-5E387CB348C6}"/>
+              </a:ext>
+            </a:extLst>
+          </p:cNvPr>
+          <p:cNvSpPr>
+            <a:spLocks noGrp="1"/>
+          </p:cNvSpPr>
+          <p:nvPr>
+            <p:ph type="title"/>
+          </p:nvPr>
+        </p:nvSpPr>
+        <p:spPr/>
+        <p:txBody>
+          <a:bodyPr/>
+          <a:lstStyle/>
+          <a:p>
+            <a:r>
+              <a:rPr lang="ko-KR" altLang="en-US" dirty="0"/>
+              <a:t>구현 내용 </a:t>
+            </a:r>
+            <a:r>
+              <a:rPr lang="en-US" altLang="ko-KR" dirty="0"/>
+              <a:t>– </a:t>
+            </a:r>
+            <a:r>
+              <a:rPr lang="ko-KR" altLang="en-US" dirty="0"/>
+              <a:t>황규영 </a:t>
+            </a:r>
+            <a:r>
+              <a:rPr lang="en-US" altLang="ko-KR" dirty="0"/>
+              <a:t>– </a:t>
+            </a:r>
+            <a:r>
+              <a:rPr lang="ko-KR" altLang="en-US" dirty="0"/>
+              <a:t>방 데이터</a:t>
+            </a:r>
+          </a:p>
+        </p:txBody>
+      </p:sp>
+      <p:sp>
+        <p:nvSpPr>
+          <p:cNvPr id="3" name="내용 개체 틀 2">
+            <a:extLst>
+              <a:ext uri="{FF2B5EF4-FFF2-40B4-BE49-F238E27FC236}">
+                <a16:creationId xmlns:a16="http://schemas.microsoft.com/office/drawing/2014/main" id="{F8764790-B41E-4D0A-224E-5E6B9C3890EF}"/>
+              </a:ext>
+            </a:extLst>
+          </p:cNvPr>
+          <p:cNvSpPr>
+            <a:spLocks noGrp="1"/>
+          </p:cNvSpPr>
+          <p:nvPr>
+            <p:ph idx="1"/>
+          </p:nvPr>
+        </p:nvSpPr>
+        <p:spPr/>
+        <p:txBody>
+          <a:bodyPr/>
+          <a:lstStyle/>
+          <a:p>
+            <a:r>
+              <a:rPr lang="en-US" altLang="ko-KR" dirty="0"/>
+              <a:t>3</a:t>
+            </a:r>
+            <a:r>
+              <a:rPr lang="ko-KR" altLang="en-US" dirty="0"/>
+              <a:t>개의 </a:t>
+            </a:r>
+            <a:r>
+              <a:rPr lang="ko-KR" altLang="en-US" dirty="0" err="1"/>
+              <a:t>타일맵</a:t>
+            </a:r>
+            <a:r>
+              <a:rPr lang="ko-KR" altLang="en-US" dirty="0"/>
+              <a:t> 레이어</a:t>
+            </a:r>
+            <a:r>
+              <a:rPr lang="en-US" altLang="ko-KR" dirty="0"/>
+              <a:t>, </a:t>
+            </a:r>
+            <a:r>
+              <a:rPr lang="ko-KR" altLang="en-US" dirty="0"/>
+              <a:t>히트박스</a:t>
+            </a:r>
+            <a:r>
+              <a:rPr lang="en-US" altLang="ko-KR" dirty="0"/>
+              <a:t>, </a:t>
+            </a:r>
+            <a:r>
+              <a:rPr lang="ko-KR" altLang="en-US" dirty="0"/>
+              <a:t>오브젝트</a:t>
+            </a:r>
+            <a:r>
+              <a:rPr lang="en-US" altLang="ko-KR" dirty="0"/>
+              <a:t>, </a:t>
+            </a:r>
+            <a:r>
+              <a:rPr lang="ko-KR" altLang="en-US" dirty="0"/>
+              <a:t>몬스터 목록으로 구성</a:t>
+            </a:r>
+            <a:endParaRPr lang="en-US" altLang="ko-KR" dirty="0"/>
+          </a:p>
+          <a:p>
+            <a:endParaRPr lang="en-US" altLang="ko-KR" dirty="0"/>
+          </a:p>
+          <a:p>
+            <a:endParaRPr lang="ko-KR" altLang="en-US" dirty="0"/>
+          </a:p>
+          <a:p>
+            <a:pPr lvl="1"/>
+            <a:endParaRPr lang="en-US" altLang="ko-KR" dirty="0"/>
+          </a:p>
+        </p:txBody>
+      </p:sp>
+      <p:pic>
+        <p:nvPicPr>
+          <p:cNvPr id="21" name="그림 20" descr="스크린샷, 그래픽 소프트웨어, 3D 모델링, 텍스트이(가) 표시된 사진&#10;&#10;자동 생성된 설명">
+            <a:extLst>
+              <a:ext uri="{FF2B5EF4-FFF2-40B4-BE49-F238E27FC236}">
+                <a16:creationId xmlns:a16="http://schemas.microsoft.com/office/drawing/2014/main" id="{EF33BBFE-CC04-F1AB-E6FB-E880970DCBC7}"/>
+              </a:ext>
+            </a:extLst>
+          </p:cNvPr>
+          <p:cNvPicPr>
+            <a:picLocks noChangeAspect="1"/>
+          </p:cNvPicPr>
+          <p:nvPr/>
+        </p:nvPicPr>
+        <p:blipFill>
+          <a:blip r:embed="rId2">
+            <a:extLst>
+              <a:ext uri="{28A0092B-C50C-407E-A947-70E740481C1C}">
+                <a14:useLocalDpi xmlns:a14="http://schemas.microsoft.com/office/drawing/2010/main" val="0"/>
+              </a:ext>
+            </a:extLst>
+          </a:blip>
+          <a:srcRect l="51790" t="58598" r="2895" b="13918"/>
+          <a:stretch/>
+        </p:blipFill>
+        <p:spPr>
+          <a:xfrm>
+            <a:off x="6998985" y="4588750"/>
+            <a:ext cx="4124746" cy="1372520"/>
+          </a:xfrm>
+          <a:prstGeom prst="rect">
+            <a:avLst/>
+          </a:prstGeom>
+        </p:spPr>
+      </p:pic>
+      <p:pic>
+        <p:nvPicPr>
+          <p:cNvPr id="23" name="그림 22" descr="스크린샷, 그래픽 소프트웨어, 3D 모델링, 멀티미디어 소프트웨어이(가) 표시된 사진&#10;&#10;자동 생성된 설명">
+            <a:extLst>
+              <a:ext uri="{FF2B5EF4-FFF2-40B4-BE49-F238E27FC236}">
+                <a16:creationId xmlns:a16="http://schemas.microsoft.com/office/drawing/2014/main" id="{9E858C39-7B6D-B773-6C6E-C9FD40AD1602}"/>
+              </a:ext>
+            </a:extLst>
+          </p:cNvPr>
+          <p:cNvPicPr>
+            <a:picLocks noChangeAspect="1"/>
+          </p:cNvPicPr>
+          <p:nvPr/>
+        </p:nvPicPr>
+        <p:blipFill>
+          <a:blip r:embed="rId3">
+            <a:extLst>
+              <a:ext uri="{28A0092B-C50C-407E-A947-70E740481C1C}">
+                <a14:useLocalDpi xmlns:a14="http://schemas.microsoft.com/office/drawing/2010/main" val="0"/>
+              </a:ext>
+            </a:extLst>
+          </a:blip>
+          <a:srcRect l="51789" t="58598" r="2895" b="13918"/>
+          <a:stretch/>
+        </p:blipFill>
+        <p:spPr>
+          <a:xfrm>
+            <a:off x="6998985" y="2674544"/>
+            <a:ext cx="4124746" cy="1372520"/>
+          </a:xfrm>
+          <a:prstGeom prst="rect">
+            <a:avLst/>
+          </a:prstGeom>
+        </p:spPr>
+      </p:pic>
+      <p:pic>
+        <p:nvPicPr>
+          <p:cNvPr id="25" name="그림 24" descr="텍스트, 스크린샷, 그래픽 소프트웨어, 멀티미디어 소프트웨어이(가) 표시된 사진&#10;&#10;자동 생성된 설명">
+            <a:extLst>
+              <a:ext uri="{FF2B5EF4-FFF2-40B4-BE49-F238E27FC236}">
+                <a16:creationId xmlns:a16="http://schemas.microsoft.com/office/drawing/2014/main" id="{02CDB5E0-5C52-A6B7-8490-0B19577E3AAB}"/>
+              </a:ext>
+            </a:extLst>
+          </p:cNvPr>
+          <p:cNvPicPr>
+            <a:picLocks noChangeAspect="1"/>
+          </p:cNvPicPr>
+          <p:nvPr/>
+        </p:nvPicPr>
+        <p:blipFill>
+          <a:blip r:embed="rId4">
+            <a:extLst>
+              <a:ext uri="{28A0092B-C50C-407E-A947-70E740481C1C}">
+                <a14:useLocalDpi xmlns:a14="http://schemas.microsoft.com/office/drawing/2010/main" val="0"/>
+              </a:ext>
+            </a:extLst>
+          </a:blip>
+          <a:srcRect l="24871" t="3683"/>
+          <a:stretch/>
+        </p:blipFill>
+        <p:spPr>
+          <a:xfrm>
+            <a:off x="489124" y="4588750"/>
+            <a:ext cx="2960411" cy="2082262"/>
+          </a:xfrm>
+          <a:prstGeom prst="rect">
+            <a:avLst/>
+          </a:prstGeom>
+        </p:spPr>
+      </p:pic>
+      <p:pic>
+        <p:nvPicPr>
+          <p:cNvPr id="27" name="그림 26" descr="스크린샷, 텍스트, 그래픽 소프트웨어, 멀티미디어 소프트웨어이(가) 표시된 사진&#10;&#10;자동 생성된 설명">
+            <a:extLst>
+              <a:ext uri="{FF2B5EF4-FFF2-40B4-BE49-F238E27FC236}">
+                <a16:creationId xmlns:a16="http://schemas.microsoft.com/office/drawing/2014/main" id="{F575B5EA-5E25-476C-35E3-8583C9462ACC}"/>
+              </a:ext>
+            </a:extLst>
+          </p:cNvPr>
+          <p:cNvPicPr>
+            <a:picLocks noChangeAspect="1"/>
+          </p:cNvPicPr>
+          <p:nvPr/>
+        </p:nvPicPr>
+        <p:blipFill>
+          <a:blip r:embed="rId5">
+            <a:extLst>
+              <a:ext uri="{28A0092B-C50C-407E-A947-70E740481C1C}">
+                <a14:useLocalDpi xmlns:a14="http://schemas.microsoft.com/office/drawing/2010/main" val="0"/>
+              </a:ext>
+            </a:extLst>
+          </a:blip>
+          <a:srcRect l="24871" t="3683"/>
+          <a:stretch/>
+        </p:blipFill>
+        <p:spPr>
+          <a:xfrm>
+            <a:off x="483349" y="2319675"/>
+            <a:ext cx="2960410" cy="2082261"/>
+          </a:xfrm>
+          <a:prstGeom prst="rect">
+            <a:avLst/>
+          </a:prstGeom>
+        </p:spPr>
+      </p:pic>
+      <p:pic>
+        <p:nvPicPr>
+          <p:cNvPr id="29" name="그림 28" descr="스크린샷, 그래픽 소프트웨어, 멀티미디어 소프트웨어, 텍스트이(가) 표시된 사진&#10;&#10;자동 생성된 설명">
+            <a:extLst>
+              <a:ext uri="{FF2B5EF4-FFF2-40B4-BE49-F238E27FC236}">
+                <a16:creationId xmlns:a16="http://schemas.microsoft.com/office/drawing/2014/main" id="{30F58842-CC60-D529-AA52-7177CD3AF92D}"/>
+              </a:ext>
+            </a:extLst>
+          </p:cNvPr>
+          <p:cNvPicPr>
+            <a:picLocks noChangeAspect="1"/>
+          </p:cNvPicPr>
+          <p:nvPr/>
+        </p:nvPicPr>
+        <p:blipFill>
+          <a:blip r:embed="rId6">
+            <a:extLst>
+              <a:ext uri="{28A0092B-C50C-407E-A947-70E740481C1C}">
+                <a14:useLocalDpi xmlns:a14="http://schemas.microsoft.com/office/drawing/2010/main" val="0"/>
+              </a:ext>
+            </a:extLst>
+          </a:blip>
+          <a:srcRect l="24871" t="3683"/>
+          <a:stretch/>
+        </p:blipFill>
+        <p:spPr>
+          <a:xfrm>
+            <a:off x="3779900" y="3467860"/>
+            <a:ext cx="2960410" cy="2082259"/>
+          </a:xfrm>
+          <a:prstGeom prst="rect">
+            <a:avLst/>
+          </a:prstGeom>
+        </p:spPr>
+      </p:pic>
+    </p:spTree>
+    <p:extLst>
+      <p:ext uri="{BB962C8B-B14F-4D97-AF65-F5344CB8AC3E}">
+        <p14:creationId xmlns:p14="http://schemas.microsoft.com/office/powerpoint/2010/main" val="2139748864"/>
+      </p:ext>
+    </p:extLst>
+  </p:cSld>
+  <p:clrMapOvr>
+    <a:masterClrMapping/>
+  </p:clrMapOvr>
+</p:sld>
+</file>
+
+<file path=ppt/slides/slide2.xml><?xml version="1.0" encoding="utf-8"?>
+<p:sld xmlns:a="http://schemas.openxmlformats.org/drawingml/2006/main" xmlns:r="http://schemas.openxmlformats.org/officeDocument/2006/relationships" xmlns:p="http://schemas.openxmlformats.org/presentationml/2006/main">
+  <p:cSld>
+    <p:spTree>
+      <p:nvGrpSpPr>
+        <p:cNvPr id="1" name=""/>
+        <p:cNvGrpSpPr/>
+        <p:nvPr/>
+      </p:nvGrpSpPr>
+      <p:grpSpPr>
+        <a:xfrm>
+          <a:off x="0" y="0"/>
+          <a:ext cx="0" cy="0"/>
+          <a:chOff x="0" y="0"/>
+          <a:chExt cx="0" cy="0"/>
+        </a:xfrm>
+      </p:grpSpPr>
+      <p:pic>
+        <p:nvPicPr>
+          <p:cNvPr id="6" name="그림 5">
+            <a:extLst>
+              <a:ext uri="{FF2B5EF4-FFF2-40B4-BE49-F238E27FC236}">
+                <a16:creationId xmlns:a16="http://schemas.microsoft.com/office/drawing/2014/main" id="{D0B0A015-C081-4F74-2A55-F0DED394BE19}"/>
+              </a:ext>
+            </a:extLst>
+          </p:cNvPr>
+          <p:cNvPicPr>
+            <a:picLocks noChangeAspect="1"/>
+          </p:cNvPicPr>
+          <p:nvPr/>
+        </p:nvPicPr>
+        <p:blipFill>
+          <a:blip r:embed="rId2"/>
+          <a:stretch>
+            <a:fillRect/>
+          </a:stretch>
+        </p:blipFill>
+        <p:spPr>
+          <a:xfrm>
+            <a:off x="3513220" y="4340994"/>
+            <a:ext cx="4166670" cy="2343752"/>
+          </a:xfrm>
+          <a:prstGeom prst="rect">
+            <a:avLst/>
+          </a:prstGeom>
+        </p:spPr>
+      </p:pic>
+      <p:sp>
+        <p:nvSpPr>
+          <p:cNvPr id="2" name="제목 1">
+            <a:extLst>
+              <a:ext uri="{FF2B5EF4-FFF2-40B4-BE49-F238E27FC236}">
+                <a16:creationId xmlns:a16="http://schemas.microsoft.com/office/drawing/2014/main" id="{31A728A7-B8FE-D469-D3E2-40B490C0F083}"/>
+              </a:ext>
+            </a:extLst>
+          </p:cNvPr>
+          <p:cNvSpPr>
+            <a:spLocks noGrp="1"/>
+          </p:cNvSpPr>
+          <p:nvPr>
+            <p:ph type="title"/>
+          </p:nvPr>
+        </p:nvSpPr>
+        <p:spPr/>
+        <p:txBody>
+          <a:bodyPr/>
+          <a:lstStyle/>
+          <a:p>
+            <a:r>
+              <a:rPr lang="ko-KR" altLang="en-US"/>
+              <a:t>원작 게임 개요</a:t>
+            </a:r>
+          </a:p>
+        </p:txBody>
+      </p:sp>
+      <p:sp>
+        <p:nvSpPr>
+          <p:cNvPr id="3" name="내용 개체 틀 2">
+            <a:extLst>
+              <a:ext uri="{FF2B5EF4-FFF2-40B4-BE49-F238E27FC236}">
+                <a16:creationId xmlns:a16="http://schemas.microsoft.com/office/drawing/2014/main" id="{ADA833FF-1537-EA2E-716A-CAAC249089E5}"/>
+              </a:ext>
+            </a:extLst>
+          </p:cNvPr>
+          <p:cNvSpPr>
+            <a:spLocks noGrp="1"/>
+          </p:cNvSpPr>
+          <p:nvPr>
+            <p:ph idx="1"/>
+          </p:nvPr>
+        </p:nvSpPr>
+        <p:spPr>
+          <a:xfrm>
+            <a:off x="1370530" y="1568918"/>
+            <a:ext cx="8595360" cy="4351337"/>
+          </a:xfrm>
+        </p:spPr>
+        <p:txBody>
+          <a:bodyPr/>
+          <a:lstStyle/>
+          <a:p>
+            <a:endParaRPr lang="en-US" altLang="ko-KR" dirty="0"/>
+          </a:p>
+          <a:p>
+            <a:r>
+              <a:rPr lang="ko-KR" altLang="en-US" dirty="0"/>
+              <a:t>게임 이름</a:t>
+            </a:r>
+            <a:r>
+              <a:rPr lang="en-US" altLang="ko-KR" dirty="0"/>
+              <a:t> : </a:t>
+            </a:r>
+            <a:r>
+              <a:rPr lang="ko-KR" altLang="en-US" dirty="0" err="1"/>
+              <a:t>던그리드</a:t>
+            </a:r>
+            <a:endParaRPr lang="en-US" altLang="ko-KR" dirty="0"/>
+          </a:p>
+          <a:p>
+            <a:r>
+              <a:rPr lang="ko-KR" altLang="en-US" dirty="0"/>
+              <a:t>장르 </a:t>
+            </a:r>
+            <a:r>
+              <a:rPr lang="en-US" altLang="ko-KR" dirty="0"/>
+              <a:t>: </a:t>
+            </a:r>
+            <a:r>
+              <a:rPr lang="ko-KR" altLang="en-US" dirty="0" err="1"/>
+              <a:t>로그라이트</a:t>
+            </a:r>
+            <a:r>
+              <a:rPr lang="ko-KR" altLang="en-US" dirty="0"/>
+              <a:t> </a:t>
+            </a:r>
+            <a:r>
+              <a:rPr lang="ko-KR" altLang="en-US" dirty="0" err="1"/>
+              <a:t>플랫포머</a:t>
+            </a:r>
+            <a:endParaRPr lang="en-US" altLang="ko-KR" dirty="0"/>
+          </a:p>
+          <a:p>
+            <a:r>
+              <a:rPr lang="ko-KR" altLang="en-US" dirty="0"/>
+              <a:t>입장할 때 마다 랜덤으로 생성되는 던전을 탐색하는 게임</a:t>
+            </a:r>
+            <a:endParaRPr lang="en-US" altLang="ko-KR" dirty="0"/>
+          </a:p>
+          <a:p>
+            <a:r>
+              <a:rPr lang="ko-KR" altLang="en-US" dirty="0"/>
+              <a:t>홀수 층 </a:t>
+            </a:r>
+            <a:r>
+              <a:rPr lang="en-US" altLang="ko-KR" dirty="0"/>
+              <a:t>: </a:t>
+            </a:r>
+            <a:r>
+              <a:rPr lang="ko-KR" altLang="en-US" dirty="0"/>
+              <a:t>일반 몬스터 </a:t>
+            </a:r>
+            <a:r>
+              <a:rPr lang="ko-KR" altLang="en-US" dirty="0" err="1"/>
+              <a:t>스폰</a:t>
+            </a:r>
+            <a:r>
+              <a:rPr lang="ko-KR" altLang="en-US" dirty="0"/>
+              <a:t> 및 다음 층으로 가는 출구를 </a:t>
+            </a:r>
+            <a:r>
+              <a:rPr lang="ko-KR" altLang="en-US" dirty="0" err="1"/>
+              <a:t>찾아야함</a:t>
+            </a:r>
+            <a:endParaRPr lang="en-US" altLang="ko-KR" dirty="0"/>
+          </a:p>
+          <a:p>
+            <a:r>
+              <a:rPr lang="ko-KR" altLang="en-US" dirty="0"/>
+              <a:t>짝수 층 </a:t>
+            </a:r>
+            <a:r>
+              <a:rPr lang="en-US" altLang="ko-KR" dirty="0"/>
+              <a:t>: </a:t>
+            </a:r>
+            <a:r>
+              <a:rPr lang="ko-KR" altLang="en-US" dirty="0"/>
+              <a:t>보스 몬스터와의 전투</a:t>
+            </a:r>
+          </a:p>
+        </p:txBody>
+      </p:sp>
+    </p:spTree>
+    <p:extLst>
+      <p:ext uri="{BB962C8B-B14F-4D97-AF65-F5344CB8AC3E}">
+        <p14:creationId xmlns:p14="http://schemas.microsoft.com/office/powerpoint/2010/main" val="2896178297"/>
+      </p:ext>
+    </p:extLst>
+  </p:cSld>
+  <p:clrMapOvr>
+    <a:masterClrMapping/>
+  </p:clrMapOvr>
+</p:sld>
+</file>
+
+<file path=ppt/slides/slide20.xml><?xml version="1.0" encoding="utf-8"?>
+<p:sld xmlns:a="http://schemas.openxmlformats.org/drawingml/2006/main" xmlns:r="http://schemas.openxmlformats.org/officeDocument/2006/relationships" xmlns:p="http://schemas.openxmlformats.org/presentationml/2006/main">
+  <p:cSld>
+    <p:spTree>
+      <p:nvGrpSpPr>
+        <p:cNvPr id="1" name="">
+          <a:extLst>
+            <a:ext uri="{FF2B5EF4-FFF2-40B4-BE49-F238E27FC236}">
+              <a16:creationId xmlns:a16="http://schemas.microsoft.com/office/drawing/2014/main" id="{340032BF-9680-9D51-4B54-F4A165561D35}"/>
+            </a:ext>
+          </a:extLst>
+        </p:cNvPr>
+        <p:cNvGrpSpPr/>
+        <p:nvPr/>
+      </p:nvGrpSpPr>
+      <p:grpSpPr>
+        <a:xfrm>
+          <a:off x="0" y="0"/>
+          <a:ext cx="0" cy="0"/>
+          <a:chOff x="0" y="0"/>
+          <a:chExt cx="0" cy="0"/>
+        </a:xfrm>
+      </p:grpSpPr>
+      <p:sp>
+        <p:nvSpPr>
+          <p:cNvPr id="2" name="제목 1">
+            <a:extLst>
+              <a:ext uri="{FF2B5EF4-FFF2-40B4-BE49-F238E27FC236}">
+                <a16:creationId xmlns:a16="http://schemas.microsoft.com/office/drawing/2014/main" id="{F2814FC8-1711-7221-992E-141C41A85C95}"/>
+              </a:ext>
+            </a:extLst>
+          </p:cNvPr>
+          <p:cNvSpPr>
+            <a:spLocks noGrp="1"/>
+          </p:cNvSpPr>
+          <p:nvPr>
+            <p:ph type="title"/>
+          </p:nvPr>
+        </p:nvSpPr>
+        <p:spPr/>
+        <p:txBody>
+          <a:bodyPr/>
+          <a:lstStyle/>
+          <a:p>
+            <a:r>
+              <a:rPr lang="ko-KR" altLang="en-US" dirty="0"/>
+              <a:t>구현 내용 </a:t>
+            </a:r>
+            <a:r>
+              <a:rPr lang="en-US" altLang="ko-KR" dirty="0"/>
+              <a:t>– </a:t>
+            </a:r>
+            <a:r>
+              <a:rPr lang="ko-KR" altLang="en-US" dirty="0"/>
+              <a:t>황규영 </a:t>
+            </a:r>
+            <a:r>
+              <a:rPr lang="en-US" altLang="ko-KR" dirty="0"/>
+              <a:t>– </a:t>
+            </a:r>
+            <a:r>
+              <a:rPr lang="ko-KR" altLang="en-US" dirty="0"/>
+              <a:t>맵 에디터</a:t>
+            </a:r>
+          </a:p>
+        </p:txBody>
+      </p:sp>
+      <p:sp>
+        <p:nvSpPr>
+          <p:cNvPr id="3" name="내용 개체 틀 2">
+            <a:extLst>
+              <a:ext uri="{FF2B5EF4-FFF2-40B4-BE49-F238E27FC236}">
+                <a16:creationId xmlns:a16="http://schemas.microsoft.com/office/drawing/2014/main" id="{DB6D850D-36C4-1A8F-0C0B-9578CADC3D72}"/>
+              </a:ext>
+            </a:extLst>
+          </p:cNvPr>
+          <p:cNvSpPr>
+            <a:spLocks noGrp="1"/>
+          </p:cNvSpPr>
+          <p:nvPr>
+            <p:ph idx="1"/>
+          </p:nvPr>
+        </p:nvSpPr>
+        <p:spPr/>
+        <p:txBody>
+          <a:bodyPr/>
+          <a:lstStyle/>
+          <a:p>
+            <a:r>
+              <a:rPr lang="ko-KR" altLang="en-US" dirty="0"/>
+              <a:t>각 방의 데이터를 설정 및 저장</a:t>
+            </a:r>
+            <a:r>
+              <a:rPr lang="en-US" altLang="ko-KR" dirty="0"/>
+              <a:t>, </a:t>
+            </a:r>
+            <a:r>
+              <a:rPr lang="ko-KR" altLang="en-US" dirty="0"/>
+              <a:t>불러오기 가능하도록 함</a:t>
+            </a:r>
+            <a:endParaRPr lang="en-US" altLang="ko-KR" dirty="0"/>
+          </a:p>
+          <a:p>
+            <a:endParaRPr lang="en-US" altLang="ko-KR" dirty="0"/>
+          </a:p>
+          <a:p>
+            <a:endParaRPr lang="ko-KR" altLang="en-US" dirty="0"/>
+          </a:p>
+          <a:p>
+            <a:pPr lvl="1"/>
+            <a:endParaRPr lang="en-US" altLang="ko-KR" dirty="0"/>
+          </a:p>
+        </p:txBody>
+      </p:sp>
+      <p:pic>
+        <p:nvPicPr>
+          <p:cNvPr id="5" name="그림 4" descr="텍스트, 스크린샷, 그래픽 소프트웨어, 멀티미디어 소프트웨어이(가) 표시된 사진&#10;&#10;자동 생성된 설명">
+            <a:extLst>
+              <a:ext uri="{FF2B5EF4-FFF2-40B4-BE49-F238E27FC236}">
+                <a16:creationId xmlns:a16="http://schemas.microsoft.com/office/drawing/2014/main" id="{16727180-8AD0-2B19-ADDC-7679F828EEAB}"/>
+              </a:ext>
+            </a:extLst>
+          </p:cNvPr>
+          <p:cNvPicPr>
+            <a:picLocks noChangeAspect="1"/>
+          </p:cNvPicPr>
+          <p:nvPr/>
+        </p:nvPicPr>
+        <p:blipFill>
+          <a:blip r:embed="rId2">
+            <a:extLst>
+              <a:ext uri="{28A0092B-C50C-407E-A947-70E740481C1C}">
+                <a14:useLocalDpi xmlns:a14="http://schemas.microsoft.com/office/drawing/2010/main" val="0"/>
+              </a:ext>
+            </a:extLst>
+          </a:blip>
+          <a:stretch>
+            <a:fillRect/>
+          </a:stretch>
+        </p:blipFill>
+        <p:spPr>
+          <a:xfrm>
+            <a:off x="5466179" y="4540470"/>
+            <a:ext cx="3898231" cy="2138726"/>
+          </a:xfrm>
+          <a:prstGeom prst="rect">
+            <a:avLst/>
+          </a:prstGeom>
+        </p:spPr>
+      </p:pic>
+      <p:pic>
+        <p:nvPicPr>
+          <p:cNvPr id="7" name="그림 6" descr="스크린샷, 그래픽 소프트웨어, 3D 모델링, 텍스트이(가) 표시된 사진&#10;&#10;자동 생성된 설명">
+            <a:extLst>
+              <a:ext uri="{FF2B5EF4-FFF2-40B4-BE49-F238E27FC236}">
+                <a16:creationId xmlns:a16="http://schemas.microsoft.com/office/drawing/2014/main" id="{0FE8DB77-88DB-B895-2EAC-30CBF27AFDB5}"/>
+              </a:ext>
+            </a:extLst>
+          </p:cNvPr>
+          <p:cNvPicPr>
+            <a:picLocks noChangeAspect="1"/>
+          </p:cNvPicPr>
+          <p:nvPr/>
+        </p:nvPicPr>
+        <p:blipFill>
+          <a:blip r:embed="rId3">
+            <a:extLst>
+              <a:ext uri="{28A0092B-C50C-407E-A947-70E740481C1C}">
+                <a14:useLocalDpi xmlns:a14="http://schemas.microsoft.com/office/drawing/2010/main" val="0"/>
+              </a:ext>
+            </a:extLst>
+          </a:blip>
+          <a:stretch>
+            <a:fillRect/>
+          </a:stretch>
+        </p:blipFill>
+        <p:spPr>
+          <a:xfrm>
+            <a:off x="1414908" y="2359637"/>
+            <a:ext cx="3898231" cy="2138726"/>
+          </a:xfrm>
+          <a:prstGeom prst="rect">
+            <a:avLst/>
+          </a:prstGeom>
+        </p:spPr>
+      </p:pic>
+      <p:pic>
+        <p:nvPicPr>
+          <p:cNvPr id="9" name="그림 8" descr="스크린샷, 텍스트, 그래픽 소프트웨어, 멀티미디어 소프트웨어이(가) 표시된 사진&#10;&#10;자동 생성된 설명">
+            <a:extLst>
+              <a:ext uri="{FF2B5EF4-FFF2-40B4-BE49-F238E27FC236}">
+                <a16:creationId xmlns:a16="http://schemas.microsoft.com/office/drawing/2014/main" id="{7C48F0F3-E76C-5295-DD3F-D3BF46958359}"/>
+              </a:ext>
+            </a:extLst>
+          </p:cNvPr>
+          <p:cNvPicPr>
+            <a:picLocks noChangeAspect="1"/>
+          </p:cNvPicPr>
+          <p:nvPr/>
+        </p:nvPicPr>
+        <p:blipFill>
+          <a:blip r:embed="rId4">
+            <a:extLst>
+              <a:ext uri="{28A0092B-C50C-407E-A947-70E740481C1C}">
+                <a14:useLocalDpi xmlns:a14="http://schemas.microsoft.com/office/drawing/2010/main" val="0"/>
+              </a:ext>
+            </a:extLst>
+          </a:blip>
+          <a:stretch>
+            <a:fillRect/>
+          </a:stretch>
+        </p:blipFill>
+        <p:spPr>
+          <a:xfrm>
+            <a:off x="5466175" y="2359637"/>
+            <a:ext cx="3898231" cy="2138726"/>
+          </a:xfrm>
+          <a:prstGeom prst="rect">
+            <a:avLst/>
+          </a:prstGeom>
+        </p:spPr>
+      </p:pic>
+      <p:pic>
+        <p:nvPicPr>
+          <p:cNvPr id="11" name="그림 10" descr="스크린샷, 그래픽 소프트웨어, 멀티미디어 소프트웨어, 텍스트이(가) 표시된 사진&#10;&#10;자동 생성된 설명">
+            <a:extLst>
+              <a:ext uri="{FF2B5EF4-FFF2-40B4-BE49-F238E27FC236}">
+                <a16:creationId xmlns:a16="http://schemas.microsoft.com/office/drawing/2014/main" id="{467B2692-47B5-EB83-317D-3FCCB84AF6BB}"/>
+              </a:ext>
+            </a:extLst>
+          </p:cNvPr>
+          <p:cNvPicPr>
+            <a:picLocks noChangeAspect="1"/>
+          </p:cNvPicPr>
+          <p:nvPr/>
+        </p:nvPicPr>
+        <p:blipFill>
+          <a:blip r:embed="rId5">
+            <a:extLst>
+              <a:ext uri="{28A0092B-C50C-407E-A947-70E740481C1C}">
+                <a14:useLocalDpi xmlns:a14="http://schemas.microsoft.com/office/drawing/2010/main" val="0"/>
+              </a:ext>
+            </a:extLst>
+          </a:blip>
+          <a:stretch>
+            <a:fillRect/>
+          </a:stretch>
+        </p:blipFill>
+        <p:spPr>
+          <a:xfrm>
+            <a:off x="1414910" y="4540470"/>
+            <a:ext cx="3898231" cy="2138726"/>
+          </a:xfrm>
+          <a:prstGeom prst="rect">
+            <a:avLst/>
+          </a:prstGeom>
+        </p:spPr>
+      </p:pic>
+    </p:spTree>
+    <p:extLst>
+      <p:ext uri="{BB962C8B-B14F-4D97-AF65-F5344CB8AC3E}">
+        <p14:creationId xmlns:p14="http://schemas.microsoft.com/office/powerpoint/2010/main" val="2619774222"/>
+      </p:ext>
+    </p:extLst>
+  </p:cSld>
+  <p:clrMapOvr>
+    <a:masterClrMapping/>
+  </p:clrMapOvr>
+</p:sld>
+</file>
+
+<file path=ppt/slides/slide21.xml><?xml version="1.0" encoding="utf-8"?>
+<p:sld xmlns:a="http://schemas.openxmlformats.org/drawingml/2006/main" xmlns:r="http://schemas.openxmlformats.org/officeDocument/2006/relationships" xmlns:p="http://schemas.openxmlformats.org/presentationml/2006/main">
+  <p:cSld>
+    <p:spTree>
+      <p:nvGrpSpPr>
+        <p:cNvPr id="1" name="">
+          <a:extLst>
+            <a:ext uri="{FF2B5EF4-FFF2-40B4-BE49-F238E27FC236}">
+              <a16:creationId xmlns:a16="http://schemas.microsoft.com/office/drawing/2014/main" id="{6FBE0966-202C-F317-787B-8D5B2DA25010}"/>
+            </a:ext>
+          </a:extLst>
+        </p:cNvPr>
+        <p:cNvGrpSpPr/>
+        <p:nvPr/>
+      </p:nvGrpSpPr>
+      <p:grpSpPr>
+        <a:xfrm>
+          <a:off x="0" y="0"/>
+          <a:ext cx="0" cy="0"/>
+          <a:chOff x="0" y="0"/>
+          <a:chExt cx="0" cy="0"/>
+        </a:xfrm>
+      </p:grpSpPr>
+      <p:sp>
+        <p:nvSpPr>
+          <p:cNvPr id="2" name="제목 1">
+            <a:extLst>
+              <a:ext uri="{FF2B5EF4-FFF2-40B4-BE49-F238E27FC236}">
+                <a16:creationId xmlns:a16="http://schemas.microsoft.com/office/drawing/2014/main" id="{4E6EF649-A4DC-B6AA-2ECA-2EE7C2C03D94}"/>
+              </a:ext>
+            </a:extLst>
+          </p:cNvPr>
+          <p:cNvSpPr>
+            <a:spLocks noGrp="1"/>
+          </p:cNvSpPr>
+          <p:nvPr>
+            <p:ph type="title"/>
+          </p:nvPr>
+        </p:nvSpPr>
+        <p:spPr/>
+        <p:txBody>
+          <a:bodyPr/>
+          <a:lstStyle/>
+          <a:p>
+            <a:r>
+              <a:rPr lang="ko-KR" altLang="en-US" dirty="0"/>
+              <a:t>구현 내용 </a:t>
+            </a:r>
+            <a:r>
+              <a:rPr lang="en-US" altLang="ko-KR" dirty="0"/>
+              <a:t>– </a:t>
+            </a:r>
+            <a:r>
+              <a:rPr lang="ko-KR" altLang="en-US" dirty="0"/>
+              <a:t>황규영 </a:t>
+            </a:r>
+            <a:r>
+              <a:rPr lang="en-US" altLang="ko-KR" dirty="0"/>
+              <a:t>– </a:t>
+            </a:r>
+            <a:r>
+              <a:rPr lang="ko-KR" altLang="en-US" dirty="0"/>
+              <a:t>층 생성</a:t>
+            </a:r>
+          </a:p>
+        </p:txBody>
+      </p:sp>
+      <p:sp>
+        <p:nvSpPr>
+          <p:cNvPr id="3" name="내용 개체 틀 2">
+            <a:extLst>
+              <a:ext uri="{FF2B5EF4-FFF2-40B4-BE49-F238E27FC236}">
+                <a16:creationId xmlns:a16="http://schemas.microsoft.com/office/drawing/2014/main" id="{BC636198-2B5D-525F-C83A-1C130F5618D4}"/>
+              </a:ext>
+            </a:extLst>
+          </p:cNvPr>
+          <p:cNvSpPr>
+            <a:spLocks noGrp="1"/>
+          </p:cNvSpPr>
+          <p:nvPr>
+            <p:ph idx="1"/>
+          </p:nvPr>
+        </p:nvSpPr>
+        <p:spPr/>
+        <p:txBody>
+          <a:bodyPr/>
+          <a:lstStyle/>
+          <a:p>
+            <a:r>
+              <a:rPr lang="ko-KR" altLang="en-US" dirty="0"/>
+              <a:t>만들어진 기본 입구 방을 랜덤으로 선택</a:t>
+            </a:r>
+            <a:endParaRPr lang="en-US" altLang="ko-KR" dirty="0"/>
+          </a:p>
+          <a:p>
+            <a:r>
+              <a:rPr lang="en-US" altLang="ko-KR" dirty="0"/>
+              <a:t>BFS</a:t>
+            </a:r>
+            <a:r>
+              <a:rPr lang="ko-KR" altLang="en-US" dirty="0"/>
+              <a:t>를 사용 상하좌우 순서로 생성 큐에 추가</a:t>
+            </a:r>
+            <a:endParaRPr lang="en-US" altLang="ko-KR" dirty="0"/>
+          </a:p>
+          <a:p>
+            <a:r>
+              <a:rPr lang="ko-KR" altLang="en-US" dirty="0"/>
+              <a:t>생성된 방향을 제외한 </a:t>
+            </a:r>
+            <a:r>
+              <a:rPr lang="en-US" altLang="ko-KR" dirty="0"/>
+              <a:t>3 </a:t>
+            </a:r>
+            <a:r>
+              <a:rPr lang="ko-KR" altLang="en-US" dirty="0"/>
+              <a:t>방향을 랜덤으로 선택하여 연결될 방 선택</a:t>
+            </a:r>
+            <a:endParaRPr lang="en-US" altLang="ko-KR" dirty="0"/>
+          </a:p>
+          <a:p>
+            <a:r>
+              <a:rPr lang="ko-KR" altLang="en-US" dirty="0"/>
+              <a:t>미리 </a:t>
+            </a:r>
+            <a:r>
+              <a:rPr lang="ko-KR" altLang="en-US" dirty="0" err="1"/>
+              <a:t>생성되어있거나</a:t>
+            </a:r>
+            <a:r>
+              <a:rPr lang="ko-KR" altLang="en-US" dirty="0"/>
+              <a:t> 생성 큐에 들어간 위치는 제외하여 해당 연결 상태를 가지는 방을 랜덤으로 선택</a:t>
+            </a:r>
+            <a:endParaRPr lang="en-US" altLang="ko-KR" dirty="0"/>
+          </a:p>
+        </p:txBody>
+      </p:sp>
+      <p:graphicFrame>
+        <p:nvGraphicFramePr>
+          <p:cNvPr id="6" name="표 5">
+            <a:extLst>
+              <a:ext uri="{FF2B5EF4-FFF2-40B4-BE49-F238E27FC236}">
+                <a16:creationId xmlns:a16="http://schemas.microsoft.com/office/drawing/2014/main" id="{B4526DA3-16E3-06FC-9482-BF1AA0BD3C95}"/>
+              </a:ext>
+            </a:extLst>
+          </p:cNvPr>
+          <p:cNvGraphicFramePr>
+            <a:graphicFrameLocks noGrp="1"/>
+          </p:cNvGraphicFramePr>
+          <p:nvPr/>
+        </p:nvGraphicFramePr>
+        <p:xfrm>
+          <a:off x="2418133" y="3977580"/>
+          <a:ext cx="6208945" cy="2671680"/>
+        </p:xfrm>
+        <a:graphic>
+          <a:graphicData uri="http://schemas.openxmlformats.org/drawingml/2006/table">
+            <a:tbl>
+              <a:tblPr firstRow="1" bandRow="1">
+                <a:tableStyleId>{5940675A-B579-460E-94D1-54222C63F5DA}</a:tableStyleId>
+              </a:tblPr>
+              <a:tblGrid>
+                <a:gridCol w="1241789">
+                  <a:extLst>
+                    <a:ext uri="{9D8B030D-6E8A-4147-A177-3AD203B41FA5}">
+                      <a16:colId xmlns:a16="http://schemas.microsoft.com/office/drawing/2014/main" val="1598940904"/>
+                    </a:ext>
+                  </a:extLst>
+                </a:gridCol>
+                <a:gridCol w="1241789">
+                  <a:extLst>
+                    <a:ext uri="{9D8B030D-6E8A-4147-A177-3AD203B41FA5}">
+                      <a16:colId xmlns:a16="http://schemas.microsoft.com/office/drawing/2014/main" val="21660658"/>
+                    </a:ext>
+                  </a:extLst>
+                </a:gridCol>
+                <a:gridCol w="1241789">
+                  <a:extLst>
+                    <a:ext uri="{9D8B030D-6E8A-4147-A177-3AD203B41FA5}">
+                      <a16:colId xmlns:a16="http://schemas.microsoft.com/office/drawing/2014/main" val="2577790227"/>
+                    </a:ext>
+                  </a:extLst>
+                </a:gridCol>
+                <a:gridCol w="1241789">
+                  <a:extLst>
+                    <a:ext uri="{9D8B030D-6E8A-4147-A177-3AD203B41FA5}">
+                      <a16:colId xmlns:a16="http://schemas.microsoft.com/office/drawing/2014/main" val="385002661"/>
+                    </a:ext>
+                  </a:extLst>
+                </a:gridCol>
+                <a:gridCol w="1241789">
+                  <a:extLst>
+                    <a:ext uri="{9D8B030D-6E8A-4147-A177-3AD203B41FA5}">
+                      <a16:colId xmlns:a16="http://schemas.microsoft.com/office/drawing/2014/main" val="2337363058"/>
+                    </a:ext>
+                  </a:extLst>
+                </a:gridCol>
+              </a:tblGrid>
+              <a:tr h="534336">
+                <a:tc>
+                  <a:txBody>
+                    <a:bodyPr/>
+                    <a:lstStyle/>
+                    <a:p>
+                      <a:pPr algn="ctr" latinLnBrk="1"/>
+                      <a:endParaRPr lang="ko-KR" altLang="en-US" dirty="0"/>
+                    </a:p>
+                  </a:txBody>
+                  <a:tcPr anchor="ctr"/>
+                </a:tc>
+                <a:tc>
+                  <a:txBody>
+                    <a:bodyPr/>
+                    <a:lstStyle/>
+                    <a:p>
+                      <a:pPr algn="ctr" latinLnBrk="1"/>
+                      <a:endParaRPr lang="ko-KR" altLang="en-US"/>
+                    </a:p>
+                  </a:txBody>
+                  <a:tcPr anchor="ctr"/>
+                </a:tc>
+                <a:tc>
+                  <a:txBody>
+                    <a:bodyPr/>
+                    <a:lstStyle/>
+                    <a:p>
+                      <a:pPr algn="ctr" latinLnBrk="1"/>
+                      <a:r>
+                        <a:rPr lang="en-US" altLang="ko-KR" dirty="0"/>
+                        <a:t>3</a:t>
+                      </a:r>
+                      <a:endParaRPr lang="ko-KR" altLang="en-US" dirty="0"/>
+                    </a:p>
+                  </a:txBody>
+                  <a:tcPr anchor="ctr"/>
+                </a:tc>
+                <a:tc>
+                  <a:txBody>
+                    <a:bodyPr/>
+                    <a:lstStyle/>
+                    <a:p>
+                      <a:pPr algn="ctr" latinLnBrk="1"/>
+                      <a:endParaRPr lang="ko-KR" altLang="en-US"/>
+                    </a:p>
+                  </a:txBody>
+                  <a:tcPr anchor="ctr"/>
+                </a:tc>
+                <a:tc>
+                  <a:txBody>
+                    <a:bodyPr/>
+                    <a:lstStyle/>
+                    <a:p>
+                      <a:pPr algn="ctr" latinLnBrk="1"/>
+                      <a:endParaRPr lang="ko-KR" altLang="en-US"/>
+                    </a:p>
+                  </a:txBody>
+                  <a:tcPr anchor="ctr"/>
+                </a:tc>
+                <a:extLst>
+                  <a:ext uri="{0D108BD9-81ED-4DB2-BD59-A6C34878D82A}">
+                    <a16:rowId xmlns:a16="http://schemas.microsoft.com/office/drawing/2014/main" val="1970236003"/>
+                  </a:ext>
+                </a:extLst>
+              </a:tr>
+              <a:tr h="534336">
+                <a:tc>
+                  <a:txBody>
+                    <a:bodyPr/>
+                    <a:lstStyle/>
+                    <a:p>
+                      <a:pPr algn="ctr" latinLnBrk="1"/>
+                      <a:endParaRPr lang="ko-KR" altLang="en-US"/>
+                    </a:p>
+                  </a:txBody>
+                  <a:tcPr anchor="ctr"/>
+                </a:tc>
+                <a:tc>
+                  <a:txBody>
+                    <a:bodyPr/>
+                    <a:lstStyle/>
+                    <a:p>
+                      <a:pPr algn="ctr" latinLnBrk="1"/>
+                      <a:r>
+                        <a:rPr lang="en-US" altLang="ko-KR" dirty="0"/>
+                        <a:t>4</a:t>
+                      </a:r>
+                      <a:endParaRPr lang="ko-KR" altLang="en-US" dirty="0"/>
+                    </a:p>
+                  </a:txBody>
+                  <a:tcPr anchor="ctr"/>
+                </a:tc>
+                <a:tc>
+                  <a:txBody>
+                    <a:bodyPr/>
+                    <a:lstStyle/>
+                    <a:p>
+                      <a:pPr algn="ctr" latinLnBrk="1"/>
+                      <a:r>
+                        <a:rPr lang="en-US" altLang="ko-KR" dirty="0"/>
+                        <a:t>1</a:t>
+                      </a:r>
+                      <a:endParaRPr lang="ko-KR" altLang="en-US" dirty="0"/>
+                    </a:p>
+                  </a:txBody>
+                  <a:tcPr anchor="ctr"/>
+                </a:tc>
+                <a:tc>
+                  <a:txBody>
+                    <a:bodyPr/>
+                    <a:lstStyle/>
+                    <a:p>
+                      <a:pPr algn="ctr" latinLnBrk="1"/>
+                      <a:endParaRPr lang="ko-KR" altLang="en-US"/>
+                    </a:p>
+                  </a:txBody>
+                  <a:tcPr anchor="ctr"/>
+                </a:tc>
+                <a:tc>
+                  <a:txBody>
+                    <a:bodyPr/>
+                    <a:lstStyle/>
+                    <a:p>
+                      <a:pPr algn="ctr" latinLnBrk="1"/>
+                      <a:endParaRPr lang="ko-KR" altLang="en-US"/>
+                    </a:p>
+                  </a:txBody>
+                  <a:tcPr anchor="ctr"/>
+                </a:tc>
+                <a:extLst>
+                  <a:ext uri="{0D108BD9-81ED-4DB2-BD59-A6C34878D82A}">
+                    <a16:rowId xmlns:a16="http://schemas.microsoft.com/office/drawing/2014/main" val="1941619480"/>
+                  </a:ext>
+                </a:extLst>
+              </a:tr>
+              <a:tr h="534336">
+                <a:tc>
+                  <a:txBody>
+                    <a:bodyPr/>
+                    <a:lstStyle/>
+                    <a:p>
+                      <a:pPr algn="ctr" latinLnBrk="1"/>
+                      <a:endParaRPr lang="ko-KR" altLang="en-US"/>
+                    </a:p>
+                  </a:txBody>
+                  <a:tcPr anchor="ctr"/>
+                </a:tc>
+                <a:tc>
+                  <a:txBody>
+                    <a:bodyPr/>
+                    <a:lstStyle/>
+                    <a:p>
+                      <a:pPr algn="ctr" latinLnBrk="1"/>
+                      <a:endParaRPr lang="ko-KR" altLang="en-US"/>
+                    </a:p>
+                  </a:txBody>
+                  <a:tcPr anchor="ctr"/>
+                </a:tc>
+                <a:tc>
+                  <a:txBody>
+                    <a:bodyPr/>
+                    <a:lstStyle/>
+                    <a:p>
+                      <a:pPr algn="ctr" latinLnBrk="1"/>
+                      <a:r>
+                        <a:rPr lang="en-US" altLang="ko-KR" dirty="0"/>
+                        <a:t>START</a:t>
+                      </a:r>
+                      <a:endParaRPr lang="ko-KR" altLang="en-US" dirty="0"/>
+                    </a:p>
+                  </a:txBody>
+                  <a:tcPr anchor="ctr">
+                    <a:solidFill>
+                      <a:srgbClr val="FFFF00"/>
+                    </a:solidFill>
+                  </a:tcPr>
+                </a:tc>
+                <a:tc>
+                  <a:txBody>
+                    <a:bodyPr/>
+                    <a:lstStyle/>
+                    <a:p>
+                      <a:pPr algn="ctr" latinLnBrk="1"/>
+                      <a:endParaRPr lang="ko-KR" altLang="en-US"/>
+                    </a:p>
+                  </a:txBody>
+                  <a:tcPr anchor="ctr"/>
+                </a:tc>
+                <a:tc>
+                  <a:txBody>
+                    <a:bodyPr/>
+                    <a:lstStyle/>
+                    <a:p>
+                      <a:pPr algn="ctr" latinLnBrk="1"/>
+                      <a:endParaRPr lang="ko-KR" altLang="en-US"/>
+                    </a:p>
+                  </a:txBody>
+                  <a:tcPr anchor="ctr"/>
+                </a:tc>
+                <a:extLst>
+                  <a:ext uri="{0D108BD9-81ED-4DB2-BD59-A6C34878D82A}">
+                    <a16:rowId xmlns:a16="http://schemas.microsoft.com/office/drawing/2014/main" val="2262015129"/>
+                  </a:ext>
+                </a:extLst>
+              </a:tr>
+              <a:tr h="534336">
+                <a:tc>
+                  <a:txBody>
+                    <a:bodyPr/>
+                    <a:lstStyle/>
+                    <a:p>
+                      <a:pPr algn="ctr" latinLnBrk="1"/>
+                      <a:endParaRPr lang="ko-KR" altLang="en-US"/>
+                    </a:p>
+                  </a:txBody>
+                  <a:tcPr anchor="ctr"/>
+                </a:tc>
+                <a:tc>
+                  <a:txBody>
+                    <a:bodyPr/>
+                    <a:lstStyle/>
+                    <a:p>
+                      <a:pPr algn="ctr" latinLnBrk="1"/>
+                      <a:endParaRPr lang="ko-KR" altLang="en-US" dirty="0"/>
+                    </a:p>
+                  </a:txBody>
+                  <a:tcPr anchor="ctr"/>
+                </a:tc>
+                <a:tc>
+                  <a:txBody>
+                    <a:bodyPr/>
+                    <a:lstStyle/>
+                    <a:p>
+                      <a:pPr algn="ctr" latinLnBrk="1"/>
+                      <a:r>
+                        <a:rPr lang="en-US" altLang="ko-KR" dirty="0"/>
+                        <a:t>2</a:t>
+                      </a:r>
+                      <a:endParaRPr lang="ko-KR" altLang="en-US" dirty="0"/>
+                    </a:p>
+                  </a:txBody>
+                  <a:tcPr anchor="ctr"/>
+                </a:tc>
+                <a:tc>
+                  <a:txBody>
+                    <a:bodyPr/>
+                    <a:lstStyle/>
+                    <a:p>
+                      <a:pPr algn="ctr" latinLnBrk="1"/>
+                      <a:r>
+                        <a:rPr lang="en-US" altLang="ko-KR" dirty="0"/>
+                        <a:t>5</a:t>
+                      </a:r>
+                      <a:endParaRPr lang="ko-KR" altLang="en-US" dirty="0"/>
+                    </a:p>
+                  </a:txBody>
+                  <a:tcPr anchor="ctr"/>
+                </a:tc>
+                <a:tc>
+                  <a:txBody>
+                    <a:bodyPr/>
+                    <a:lstStyle/>
+                    <a:p>
+                      <a:pPr algn="ctr" latinLnBrk="1"/>
+                      <a:endParaRPr lang="ko-KR" altLang="en-US"/>
+                    </a:p>
+                  </a:txBody>
+                  <a:tcPr anchor="ctr"/>
+                </a:tc>
+                <a:extLst>
+                  <a:ext uri="{0D108BD9-81ED-4DB2-BD59-A6C34878D82A}">
+                    <a16:rowId xmlns:a16="http://schemas.microsoft.com/office/drawing/2014/main" val="3909715957"/>
+                  </a:ext>
+                </a:extLst>
+              </a:tr>
+              <a:tr h="534336">
+                <a:tc>
+                  <a:txBody>
+                    <a:bodyPr/>
+                    <a:lstStyle/>
+                    <a:p>
+                      <a:pPr algn="ctr" latinLnBrk="1"/>
+                      <a:endParaRPr lang="ko-KR" altLang="en-US"/>
+                    </a:p>
+                  </a:txBody>
+                  <a:tcPr anchor="ctr"/>
+                </a:tc>
+                <a:tc>
+                  <a:txBody>
+                    <a:bodyPr/>
+                    <a:lstStyle/>
+                    <a:p>
+                      <a:pPr algn="ctr" latinLnBrk="1"/>
+                      <a:endParaRPr lang="ko-KR" altLang="en-US"/>
+                    </a:p>
+                  </a:txBody>
+                  <a:tcPr anchor="ctr"/>
+                </a:tc>
+                <a:tc>
+                  <a:txBody>
+                    <a:bodyPr/>
+                    <a:lstStyle/>
+                    <a:p>
+                      <a:pPr algn="ctr" latinLnBrk="1"/>
+                      <a:endParaRPr lang="ko-KR" altLang="en-US" dirty="0"/>
+                    </a:p>
+                  </a:txBody>
+                  <a:tcPr anchor="ctr"/>
+                </a:tc>
+                <a:tc>
+                  <a:txBody>
+                    <a:bodyPr/>
+                    <a:lstStyle/>
+                    <a:p>
+                      <a:pPr algn="ctr" latinLnBrk="1"/>
+                      <a:endParaRPr lang="ko-KR" altLang="en-US" dirty="0"/>
+                    </a:p>
+                  </a:txBody>
+                  <a:tcPr anchor="ctr"/>
+                </a:tc>
+                <a:tc>
+                  <a:txBody>
+                    <a:bodyPr/>
+                    <a:lstStyle/>
+                    <a:p>
+                      <a:pPr algn="ctr" latinLnBrk="1"/>
+                      <a:endParaRPr lang="ko-KR" altLang="en-US" dirty="0"/>
+                    </a:p>
+                  </a:txBody>
+                  <a:tcPr anchor="ctr"/>
+                </a:tc>
+                <a:extLst>
+                  <a:ext uri="{0D108BD9-81ED-4DB2-BD59-A6C34878D82A}">
+                    <a16:rowId xmlns:a16="http://schemas.microsoft.com/office/drawing/2014/main" val="1904378427"/>
+                  </a:ext>
+                </a:extLst>
+              </a:tr>
+            </a:tbl>
+          </a:graphicData>
+        </a:graphic>
+      </p:graphicFrame>
+      <p:cxnSp>
+        <p:nvCxnSpPr>
+          <p:cNvPr id="9" name="직선 화살표 연결선 8">
+            <a:extLst>
+              <a:ext uri="{FF2B5EF4-FFF2-40B4-BE49-F238E27FC236}">
+                <a16:creationId xmlns:a16="http://schemas.microsoft.com/office/drawing/2014/main" id="{D08B078B-3ECF-32C2-B874-9B570FAC1F2B}"/>
+              </a:ext>
+            </a:extLst>
+          </p:cNvPr>
+          <p:cNvCxnSpPr>
+            <a:cxnSpLocks/>
+          </p:cNvCxnSpPr>
+          <p:nvPr/>
+        </p:nvCxnSpPr>
+        <p:spPr>
+          <a:xfrm flipV="1">
+            <a:off x="5514276" y="4374425"/>
+            <a:ext cx="0" cy="239675"/>
+          </a:xfrm>
+          <a:prstGeom prst="straightConnector1">
+            <a:avLst/>
+          </a:prstGeom>
+          <a:ln w="28575">
+            <a:solidFill>
+              <a:srgbClr val="FF0000"/>
+            </a:solidFill>
+            <a:tailEnd type="triangle"/>
+          </a:ln>
+        </p:spPr>
+        <p:style>
+          <a:lnRef idx="1">
+            <a:schemeClr val="accent1"/>
+          </a:lnRef>
+          <a:fillRef idx="0">
+            <a:schemeClr val="accent1"/>
+          </a:fillRef>
+          <a:effectRef idx="0">
+            <a:schemeClr val="accent1"/>
+          </a:effectRef>
+          <a:fontRef idx="minor">
+            <a:schemeClr val="tx1"/>
+          </a:fontRef>
+        </p:style>
+      </p:cxnSp>
+      <p:cxnSp>
+        <p:nvCxnSpPr>
+          <p:cNvPr id="13" name="직선 화살표 연결선 12">
+            <a:extLst>
+              <a:ext uri="{FF2B5EF4-FFF2-40B4-BE49-F238E27FC236}">
+                <a16:creationId xmlns:a16="http://schemas.microsoft.com/office/drawing/2014/main" id="{6303DE5A-3914-7320-BEEB-9A8B71679F8A}"/>
+              </a:ext>
+            </a:extLst>
+          </p:cNvPr>
+          <p:cNvCxnSpPr>
+            <a:cxnSpLocks/>
+          </p:cNvCxnSpPr>
+          <p:nvPr/>
+        </p:nvCxnSpPr>
+        <p:spPr>
+          <a:xfrm>
+            <a:off x="5980205" y="5875273"/>
+            <a:ext cx="332002" cy="0"/>
+          </a:xfrm>
+          <a:prstGeom prst="straightConnector1">
+            <a:avLst/>
+          </a:prstGeom>
+          <a:ln w="28575">
+            <a:solidFill>
+              <a:srgbClr val="FF0000"/>
+            </a:solidFill>
+            <a:tailEnd type="triangle"/>
+          </a:ln>
+        </p:spPr>
+        <p:style>
+          <a:lnRef idx="1">
+            <a:schemeClr val="accent1"/>
+          </a:lnRef>
+          <a:fillRef idx="0">
+            <a:schemeClr val="accent1"/>
+          </a:fillRef>
+          <a:effectRef idx="0">
+            <a:schemeClr val="accent1"/>
+          </a:effectRef>
+          <a:fontRef idx="minor">
+            <a:schemeClr val="tx1"/>
+          </a:fontRef>
+        </p:style>
+      </p:cxnSp>
+      <p:cxnSp>
+        <p:nvCxnSpPr>
+          <p:cNvPr id="15" name="직선 화살표 연결선 14">
+            <a:extLst>
+              <a:ext uri="{FF2B5EF4-FFF2-40B4-BE49-F238E27FC236}">
+                <a16:creationId xmlns:a16="http://schemas.microsoft.com/office/drawing/2014/main" id="{D368570A-391F-E1BB-A05C-06B5B2D71E05}"/>
+              </a:ext>
+            </a:extLst>
+          </p:cNvPr>
+          <p:cNvCxnSpPr>
+            <a:cxnSpLocks/>
+          </p:cNvCxnSpPr>
+          <p:nvPr/>
+        </p:nvCxnSpPr>
+        <p:spPr>
+          <a:xfrm flipH="1">
+            <a:off x="4679300" y="4771118"/>
+            <a:ext cx="332002" cy="0"/>
+          </a:xfrm>
+          <a:prstGeom prst="straightConnector1">
+            <a:avLst/>
+          </a:prstGeom>
+          <a:ln w="28575">
+            <a:solidFill>
+              <a:srgbClr val="FF0000"/>
+            </a:solidFill>
+            <a:tailEnd type="triangle"/>
+          </a:ln>
+        </p:spPr>
+        <p:style>
+          <a:lnRef idx="1">
+            <a:schemeClr val="accent1"/>
+          </a:lnRef>
+          <a:fillRef idx="0">
+            <a:schemeClr val="accent1"/>
+          </a:fillRef>
+          <a:effectRef idx="0">
+            <a:schemeClr val="accent1"/>
+          </a:effectRef>
+          <a:fontRef idx="minor">
+            <a:schemeClr val="tx1"/>
+          </a:fontRef>
+        </p:style>
+      </p:cxnSp>
+      <p:cxnSp>
+        <p:nvCxnSpPr>
+          <p:cNvPr id="23" name="직선 화살표 연결선 22">
+            <a:extLst>
+              <a:ext uri="{FF2B5EF4-FFF2-40B4-BE49-F238E27FC236}">
+                <a16:creationId xmlns:a16="http://schemas.microsoft.com/office/drawing/2014/main" id="{C230928B-8D7C-9B2C-C123-3CF4B8ED07A0}"/>
+              </a:ext>
+            </a:extLst>
+          </p:cNvPr>
+          <p:cNvCxnSpPr>
+            <a:cxnSpLocks/>
+          </p:cNvCxnSpPr>
+          <p:nvPr/>
+        </p:nvCxnSpPr>
+        <p:spPr>
+          <a:xfrm flipV="1">
+            <a:off x="5514276" y="4925177"/>
+            <a:ext cx="0" cy="239675"/>
+          </a:xfrm>
+          <a:prstGeom prst="straightConnector1">
+            <a:avLst/>
+          </a:prstGeom>
+          <a:ln w="28575">
+            <a:solidFill>
+              <a:srgbClr val="FF0000"/>
+            </a:solidFill>
+            <a:tailEnd type="triangle"/>
+          </a:ln>
+        </p:spPr>
+        <p:style>
+          <a:lnRef idx="1">
+            <a:schemeClr val="accent1"/>
+          </a:lnRef>
+          <a:fillRef idx="0">
+            <a:schemeClr val="accent1"/>
+          </a:fillRef>
+          <a:effectRef idx="0">
+            <a:schemeClr val="accent1"/>
+          </a:effectRef>
+          <a:fontRef idx="minor">
+            <a:schemeClr val="tx1"/>
+          </a:fontRef>
+        </p:style>
+      </p:cxnSp>
+      <p:cxnSp>
+        <p:nvCxnSpPr>
+          <p:cNvPr id="24" name="직선 화살표 연결선 23">
+            <a:extLst>
+              <a:ext uri="{FF2B5EF4-FFF2-40B4-BE49-F238E27FC236}">
+                <a16:creationId xmlns:a16="http://schemas.microsoft.com/office/drawing/2014/main" id="{54B840DF-0692-CE67-A30F-0121559452F4}"/>
+              </a:ext>
+            </a:extLst>
+          </p:cNvPr>
+          <p:cNvCxnSpPr>
+            <a:cxnSpLocks/>
+          </p:cNvCxnSpPr>
+          <p:nvPr/>
+        </p:nvCxnSpPr>
+        <p:spPr>
+          <a:xfrm flipV="1">
+            <a:off x="5514276" y="5430662"/>
+            <a:ext cx="0" cy="239675"/>
+          </a:xfrm>
+          <a:prstGeom prst="straightConnector1">
+            <a:avLst/>
+          </a:prstGeom>
+          <a:ln w="28575">
+            <a:solidFill>
+              <a:srgbClr val="FF0000"/>
+            </a:solidFill>
+            <a:headEnd type="triangle"/>
+            <a:tailEnd type="none"/>
+          </a:ln>
+        </p:spPr>
+        <p:style>
+          <a:lnRef idx="1">
+            <a:schemeClr val="accent1"/>
+          </a:lnRef>
+          <a:fillRef idx="0">
+            <a:schemeClr val="accent1"/>
+          </a:fillRef>
+          <a:effectRef idx="0">
+            <a:schemeClr val="accent1"/>
+          </a:effectRef>
+          <a:fontRef idx="minor">
+            <a:schemeClr val="tx1"/>
+          </a:fontRef>
+        </p:style>
+      </p:cxnSp>
+    </p:spTree>
+    <p:extLst>
+      <p:ext uri="{BB962C8B-B14F-4D97-AF65-F5344CB8AC3E}">
+        <p14:creationId xmlns:p14="http://schemas.microsoft.com/office/powerpoint/2010/main" val="4065988385"/>
+      </p:ext>
+    </p:extLst>
+  </p:cSld>
+  <p:clrMapOvr>
+    <a:masterClrMapping/>
+  </p:clrMapOvr>
+</p:sld>
+</file>
+
+<file path=ppt/slides/slide22.xml><?xml version="1.0" encoding="utf-8"?>
+<p:sld xmlns:a="http://schemas.openxmlformats.org/drawingml/2006/main" xmlns:r="http://schemas.openxmlformats.org/officeDocument/2006/relationships" xmlns:p="http://schemas.openxmlformats.org/presentationml/2006/main">
+  <p:cSld>
+    <p:spTree>
+      <p:nvGrpSpPr>
+        <p:cNvPr id="1" name="">
+          <a:extLst>
+            <a:ext uri="{FF2B5EF4-FFF2-40B4-BE49-F238E27FC236}">
+              <a16:creationId xmlns:a16="http://schemas.microsoft.com/office/drawing/2014/main" id="{28C5971E-14C7-75C8-09B3-63C1325B166E}"/>
+            </a:ext>
+          </a:extLst>
+        </p:cNvPr>
+        <p:cNvGrpSpPr/>
+        <p:nvPr/>
+      </p:nvGrpSpPr>
+      <p:grpSpPr>
+        <a:xfrm>
+          <a:off x="0" y="0"/>
+          <a:ext cx="0" cy="0"/>
+          <a:chOff x="0" y="0"/>
+          <a:chExt cx="0" cy="0"/>
+        </a:xfrm>
+      </p:grpSpPr>
+      <p:sp>
+        <p:nvSpPr>
+          <p:cNvPr id="2" name="제목 1">
+            <a:extLst>
+              <a:ext uri="{FF2B5EF4-FFF2-40B4-BE49-F238E27FC236}">
+                <a16:creationId xmlns:a16="http://schemas.microsoft.com/office/drawing/2014/main" id="{A23A43F6-D6E9-E9F8-A253-2BAC27EB85BC}"/>
+              </a:ext>
+            </a:extLst>
+          </p:cNvPr>
+          <p:cNvSpPr>
+            <a:spLocks noGrp="1"/>
+          </p:cNvSpPr>
+          <p:nvPr>
+            <p:ph type="title"/>
+          </p:nvPr>
+        </p:nvSpPr>
+        <p:spPr/>
+        <p:txBody>
+          <a:bodyPr/>
+          <a:lstStyle/>
+          <a:p>
+            <a:r>
+              <a:rPr lang="ko-KR" altLang="en-US" dirty="0"/>
+              <a:t>구현 내용 </a:t>
+            </a:r>
+            <a:r>
+              <a:rPr lang="en-US" altLang="ko-KR" dirty="0"/>
+              <a:t>– </a:t>
+            </a:r>
+            <a:r>
+              <a:rPr lang="ko-KR" altLang="en-US" dirty="0"/>
+              <a:t>황규영 </a:t>
+            </a:r>
+            <a:r>
+              <a:rPr lang="en-US" altLang="ko-KR" dirty="0"/>
+              <a:t>– </a:t>
+            </a:r>
+            <a:r>
+              <a:rPr lang="ko-KR" altLang="en-US" dirty="0" err="1"/>
+              <a:t>셰이더</a:t>
+            </a:r>
+            <a:endParaRPr lang="ko-KR" altLang="en-US" dirty="0"/>
+          </a:p>
+        </p:txBody>
+      </p:sp>
+      <p:sp>
+        <p:nvSpPr>
+          <p:cNvPr id="3" name="내용 개체 틀 2">
+            <a:extLst>
+              <a:ext uri="{FF2B5EF4-FFF2-40B4-BE49-F238E27FC236}">
+                <a16:creationId xmlns:a16="http://schemas.microsoft.com/office/drawing/2014/main" id="{0E236097-8259-C219-F43F-B26ABE487F2F}"/>
+              </a:ext>
+            </a:extLst>
+          </p:cNvPr>
+          <p:cNvSpPr>
+            <a:spLocks noGrp="1"/>
+          </p:cNvSpPr>
+          <p:nvPr>
+            <p:ph idx="1"/>
+          </p:nvPr>
+        </p:nvSpPr>
+        <p:spPr/>
+        <p:txBody>
+          <a:bodyPr/>
+          <a:lstStyle/>
+          <a:p>
+            <a:r>
+              <a:rPr lang="ko-KR" altLang="en-US" dirty="0" err="1"/>
+              <a:t>스프라이트의</a:t>
+            </a:r>
+            <a:r>
+              <a:rPr lang="en-US" altLang="ko-KR" dirty="0"/>
+              <a:t> </a:t>
+            </a:r>
+            <a:r>
+              <a:rPr lang="ko-KR" altLang="en-US" dirty="0"/>
+              <a:t>셋 컬러로는 기존 </a:t>
+            </a:r>
+            <a:r>
+              <a:rPr lang="ko-KR" altLang="en-US" dirty="0" err="1"/>
+              <a:t>텍스쳐의</a:t>
+            </a:r>
+            <a:r>
+              <a:rPr lang="ko-KR" altLang="en-US" dirty="0"/>
+              <a:t> 픽셀 값을 넘어설 수 없음</a:t>
+            </a:r>
+            <a:endParaRPr lang="en-US" altLang="ko-KR" dirty="0"/>
+          </a:p>
+          <a:p>
+            <a:r>
+              <a:rPr lang="ko-KR" altLang="en-US" dirty="0" err="1"/>
+              <a:t>셰이더를</a:t>
+            </a:r>
+            <a:r>
+              <a:rPr lang="ko-KR" altLang="en-US" dirty="0"/>
+              <a:t> 통해 </a:t>
+            </a:r>
+            <a:r>
+              <a:rPr lang="ko-KR" altLang="en-US" dirty="0" err="1"/>
+              <a:t>텍스쳐의</a:t>
+            </a:r>
+            <a:r>
+              <a:rPr lang="ko-KR" altLang="en-US" dirty="0"/>
+              <a:t> 픽셀 값을 넘어서도록 함</a:t>
+            </a:r>
+            <a:endParaRPr lang="en-US" altLang="ko-KR" dirty="0"/>
+          </a:p>
+        </p:txBody>
+      </p:sp>
+      <p:pic>
+        <p:nvPicPr>
+          <p:cNvPr id="8" name="그림 7">
+            <a:extLst>
+              <a:ext uri="{FF2B5EF4-FFF2-40B4-BE49-F238E27FC236}">
+                <a16:creationId xmlns:a16="http://schemas.microsoft.com/office/drawing/2014/main" id="{73DCCAE4-E62F-BC20-E136-B1DB7DE7FDDA}"/>
+              </a:ext>
+            </a:extLst>
+          </p:cNvPr>
+          <p:cNvPicPr>
+            <a:picLocks noChangeAspect="1"/>
+          </p:cNvPicPr>
+          <p:nvPr/>
+        </p:nvPicPr>
+        <p:blipFill>
+          <a:blip r:embed="rId2"/>
+          <a:stretch>
+            <a:fillRect/>
+          </a:stretch>
+        </p:blipFill>
+        <p:spPr>
+          <a:xfrm>
+            <a:off x="769813" y="3029820"/>
+            <a:ext cx="6127683" cy="2791641"/>
+          </a:xfrm>
+          <a:prstGeom prst="rect">
+            <a:avLst/>
+          </a:prstGeom>
+        </p:spPr>
+      </p:pic>
+      <p:pic>
+        <p:nvPicPr>
+          <p:cNvPr id="11" name="그림 10">
+            <a:extLst>
+              <a:ext uri="{FF2B5EF4-FFF2-40B4-BE49-F238E27FC236}">
+                <a16:creationId xmlns:a16="http://schemas.microsoft.com/office/drawing/2014/main" id="{AB7C903D-E221-2221-38A0-552A0A068EC0}"/>
+              </a:ext>
+            </a:extLst>
+          </p:cNvPr>
+          <p:cNvPicPr>
+            <a:picLocks noChangeAspect="1"/>
+          </p:cNvPicPr>
+          <p:nvPr/>
+        </p:nvPicPr>
+        <p:blipFill>
+          <a:blip r:embed="rId3"/>
+          <a:stretch>
+            <a:fillRect/>
+          </a:stretch>
+        </p:blipFill>
+        <p:spPr>
+          <a:xfrm>
+            <a:off x="7389555" y="4224990"/>
+            <a:ext cx="2142857" cy="1742857"/>
+          </a:xfrm>
+          <a:prstGeom prst="rect">
+            <a:avLst/>
+          </a:prstGeom>
+        </p:spPr>
+      </p:pic>
+      <p:pic>
+        <p:nvPicPr>
+          <p:cNvPr id="14" name="그림 13">
+            <a:extLst>
+              <a:ext uri="{FF2B5EF4-FFF2-40B4-BE49-F238E27FC236}">
+                <a16:creationId xmlns:a16="http://schemas.microsoft.com/office/drawing/2014/main" id="{3BA077B0-0D63-D598-B520-EC8C7DEB9FA5}"/>
+              </a:ext>
+            </a:extLst>
+          </p:cNvPr>
+          <p:cNvPicPr>
+            <a:picLocks noChangeAspect="1"/>
+          </p:cNvPicPr>
+          <p:nvPr/>
+        </p:nvPicPr>
+        <p:blipFill>
+          <a:blip r:embed="rId4"/>
+          <a:stretch>
+            <a:fillRect/>
+          </a:stretch>
+        </p:blipFill>
+        <p:spPr>
+          <a:xfrm>
+            <a:off x="9614702" y="4224989"/>
+            <a:ext cx="1454923" cy="1733949"/>
+          </a:xfrm>
+          <a:prstGeom prst="rect">
+            <a:avLst/>
+          </a:prstGeom>
+        </p:spPr>
+      </p:pic>
+      <p:pic>
+        <p:nvPicPr>
+          <p:cNvPr id="17" name="그림 16">
+            <a:extLst>
+              <a:ext uri="{FF2B5EF4-FFF2-40B4-BE49-F238E27FC236}">
+                <a16:creationId xmlns:a16="http://schemas.microsoft.com/office/drawing/2014/main" id="{FD3C156D-6519-72CE-4F1C-FB2D46ACB53B}"/>
+              </a:ext>
+            </a:extLst>
+          </p:cNvPr>
+          <p:cNvPicPr>
+            <a:picLocks noChangeAspect="1"/>
+          </p:cNvPicPr>
+          <p:nvPr/>
+        </p:nvPicPr>
+        <p:blipFill>
+          <a:blip r:embed="rId5"/>
+          <a:stretch>
+            <a:fillRect/>
+          </a:stretch>
+        </p:blipFill>
+        <p:spPr>
+          <a:xfrm>
+            <a:off x="769813" y="5958939"/>
+            <a:ext cx="6294922" cy="659053"/>
+          </a:xfrm>
+          <a:prstGeom prst="rect">
+            <a:avLst/>
+          </a:prstGeom>
+        </p:spPr>
+      </p:pic>
+    </p:spTree>
+    <p:extLst>
+      <p:ext uri="{BB962C8B-B14F-4D97-AF65-F5344CB8AC3E}">
+        <p14:creationId xmlns:p14="http://schemas.microsoft.com/office/powerpoint/2010/main" val="1351261721"/>
+      </p:ext>
+    </p:extLst>
+  </p:cSld>
+  <p:clrMapOvr>
+    <a:masterClrMapping/>
+  </p:clrMapOvr>
+</p:sld>
+</file>
+
+<file path=ppt/slides/slide23.xml><?xml version="1.0" encoding="utf-8"?>
+<p:sld xmlns:a="http://schemas.openxmlformats.org/drawingml/2006/main" xmlns:r="http://schemas.openxmlformats.org/officeDocument/2006/relationships" xmlns:p="http://schemas.openxmlformats.org/presentationml/2006/main">
+  <p:cSld>
+    <p:spTree>
+      <p:nvGrpSpPr>
+        <p:cNvPr id="1" name=""/>
+        <p:cNvGrpSpPr/>
+        <p:nvPr/>
+      </p:nvGrpSpPr>
+      <p:grpSpPr>
+        <a:xfrm>
+          <a:off x="0" y="0"/>
+          <a:ext cx="0" cy="0"/>
+          <a:chOff x="0" y="0"/>
+          <a:chExt cx="0" cy="0"/>
+        </a:xfrm>
+      </p:grpSpPr>
+      <p:sp>
+        <p:nvSpPr>
+          <p:cNvPr id="2" name="제목 1">
+            <a:extLst>
+              <a:ext uri="{FF2B5EF4-FFF2-40B4-BE49-F238E27FC236}">
+                <a16:creationId xmlns:a16="http://schemas.microsoft.com/office/drawing/2014/main" id="{EDA8DB17-7539-0EF3-E9C8-F2244548F708}"/>
+              </a:ext>
+            </a:extLst>
+          </p:cNvPr>
+          <p:cNvSpPr>
+            <a:spLocks noGrp="1"/>
+          </p:cNvSpPr>
+          <p:nvPr>
+            <p:ph type="title"/>
+          </p:nvPr>
+        </p:nvSpPr>
+        <p:spPr/>
+        <p:txBody>
+          <a:bodyPr/>
+          <a:lstStyle/>
+          <a:p>
+            <a:r>
+              <a:rPr lang="ko-KR" altLang="en-US" dirty="0"/>
+              <a:t>잘한 점 </a:t>
+            </a:r>
+            <a:r>
+              <a:rPr lang="en-US" altLang="ko-KR" dirty="0"/>
+              <a:t>– </a:t>
+            </a:r>
+            <a:r>
+              <a:rPr lang="ko-KR" altLang="en-US" dirty="0"/>
+              <a:t>황규영</a:t>
+            </a:r>
+          </a:p>
+        </p:txBody>
+      </p:sp>
+      <p:sp>
+        <p:nvSpPr>
+          <p:cNvPr id="3" name="내용 개체 틀 2">
+            <a:extLst>
+              <a:ext uri="{FF2B5EF4-FFF2-40B4-BE49-F238E27FC236}">
+                <a16:creationId xmlns:a16="http://schemas.microsoft.com/office/drawing/2014/main" id="{27A526C7-6A5C-8A0A-1DD1-0D71594327FC}"/>
+              </a:ext>
+            </a:extLst>
+          </p:cNvPr>
+          <p:cNvSpPr>
+            <a:spLocks noGrp="1"/>
+          </p:cNvSpPr>
+          <p:nvPr>
+            <p:ph idx="1"/>
+          </p:nvPr>
+        </p:nvSpPr>
+        <p:spPr>
+          <a:xfrm>
+            <a:off x="1261872" y="1828800"/>
+            <a:ext cx="8595360" cy="4663440"/>
+          </a:xfrm>
+        </p:spPr>
+        <p:txBody>
+          <a:bodyPr>
+            <a:normAutofit/>
+          </a:bodyPr>
+          <a:lstStyle/>
+          <a:p>
+            <a:r>
+              <a:rPr lang="ko-KR" altLang="en-US" dirty="0"/>
+              <a:t>맵 에디터 구현 완료</a:t>
+            </a:r>
+            <a:endParaRPr lang="en-US" altLang="ko-KR" dirty="0"/>
+          </a:p>
+          <a:p>
+            <a:r>
+              <a:rPr lang="ko-KR" altLang="en-US" dirty="0"/>
+              <a:t>간단한 </a:t>
+            </a:r>
+            <a:r>
+              <a:rPr lang="ko-KR" altLang="en-US" dirty="0" err="1"/>
+              <a:t>셰이더</a:t>
+            </a:r>
+            <a:r>
+              <a:rPr lang="ko-KR" altLang="en-US" dirty="0"/>
+              <a:t> 작성 및 해당 </a:t>
+            </a:r>
+            <a:r>
+              <a:rPr lang="ko-KR" altLang="en-US" dirty="0" err="1"/>
+              <a:t>셰이더</a:t>
+            </a:r>
+            <a:r>
+              <a:rPr lang="ko-KR" altLang="en-US" dirty="0"/>
+              <a:t> </a:t>
+            </a:r>
+            <a:r>
+              <a:rPr lang="ko-KR" altLang="en-US" dirty="0" err="1"/>
+              <a:t>사용해봄</a:t>
+            </a:r>
+            <a:endParaRPr lang="en-US" altLang="ko-KR" dirty="0"/>
+          </a:p>
+          <a:p>
+            <a:r>
+              <a:rPr lang="ko-KR" altLang="en-US" dirty="0"/>
+              <a:t>버튼 클래스를 만들어서 재사용</a:t>
+            </a:r>
+            <a:endParaRPr lang="en-US" altLang="ko-KR" dirty="0"/>
+          </a:p>
+          <a:p>
+            <a:r>
+              <a:rPr lang="en-US" altLang="ko-KR" dirty="0"/>
+              <a:t>BFS</a:t>
+            </a:r>
+            <a:r>
+              <a:rPr lang="ko-KR" altLang="en-US" dirty="0"/>
+              <a:t>를 사용해 맵 자동 생성</a:t>
+            </a:r>
+            <a:endParaRPr lang="en-US" altLang="ko-KR" dirty="0"/>
+          </a:p>
+        </p:txBody>
+      </p:sp>
+      <p:sp>
+        <p:nvSpPr>
+          <p:cNvPr id="4" name="제목 1">
+            <a:extLst>
+              <a:ext uri="{FF2B5EF4-FFF2-40B4-BE49-F238E27FC236}">
+                <a16:creationId xmlns:a16="http://schemas.microsoft.com/office/drawing/2014/main" id="{924A12FC-927F-4F0F-928A-46C73361F1E9}"/>
+              </a:ext>
+            </a:extLst>
+          </p:cNvPr>
+          <p:cNvSpPr txBox="1">
+            <a:spLocks/>
+          </p:cNvSpPr>
+          <p:nvPr/>
+        </p:nvSpPr>
+        <p:spPr>
+          <a:xfrm>
+            <a:off x="1261872" y="2926381"/>
+            <a:ext cx="9692640" cy="1325562"/>
+          </a:xfrm>
+          <a:prstGeom prst="rect">
+            <a:avLst/>
+          </a:prstGeom>
+        </p:spPr>
+        <p:txBody>
+          <a:bodyPr vert="horz" lIns="91440" tIns="45720" rIns="91440" bIns="45720" rtlCol="0" anchor="b">
+            <a:normAutofit/>
+          </a:bodyPr>
+          <a:lstStyle>
+            <a:lvl1pPr algn="l" defTabSz="914400" rtl="0" eaLnBrk="1" latinLnBrk="1" hangingPunct="1">
+              <a:lnSpc>
+                <a:spcPct val="90000"/>
+              </a:lnSpc>
+              <a:spcBef>
+                <a:spcPct val="0"/>
+              </a:spcBef>
+              <a:buNone/>
+              <a:defRPr sz="4400" kern="1200" spc="-50" baseline="0">
+                <a:solidFill>
+                  <a:schemeClr val="tx1"/>
+                </a:solidFill>
+                <a:latin typeface="+mj-lt"/>
+                <a:ea typeface="+mj-ea"/>
+                <a:cs typeface="+mj-cs"/>
+              </a:defRPr>
+            </a:lvl1pPr>
+          </a:lstStyle>
+          <a:p>
+            <a:r>
+              <a:rPr lang="ko-KR" altLang="en-US" dirty="0"/>
+              <a:t>아쉬운 점 </a:t>
+            </a:r>
+            <a:r>
+              <a:rPr lang="en-US" altLang="ko-KR" dirty="0"/>
+              <a:t>– </a:t>
+            </a:r>
+            <a:r>
+              <a:rPr lang="ko-KR" altLang="en-US" dirty="0"/>
+              <a:t>황규영</a:t>
+            </a:r>
+          </a:p>
+        </p:txBody>
+      </p:sp>
+      <p:sp>
+        <p:nvSpPr>
+          <p:cNvPr id="5" name="내용 개체 틀 2">
+            <a:extLst>
+              <a:ext uri="{FF2B5EF4-FFF2-40B4-BE49-F238E27FC236}">
+                <a16:creationId xmlns:a16="http://schemas.microsoft.com/office/drawing/2014/main" id="{A1DC4239-8BEE-62F5-4225-60F60C3B85C1}"/>
+              </a:ext>
+            </a:extLst>
+          </p:cNvPr>
+          <p:cNvSpPr txBox="1">
+            <a:spLocks/>
+          </p:cNvSpPr>
+          <p:nvPr/>
+        </p:nvSpPr>
+        <p:spPr>
+          <a:xfrm>
+            <a:off x="1261872" y="4429256"/>
+            <a:ext cx="8595360" cy="2202707"/>
+          </a:xfrm>
+          <a:prstGeom prst="rect">
+            <a:avLst/>
+          </a:prstGeom>
+        </p:spPr>
+        <p:txBody>
+          <a:bodyPr vert="horz" lIns="91440" tIns="45720" rIns="91440" bIns="45720" rtlCol="0">
+            <a:normAutofit/>
+          </a:bodyPr>
+          <a:lstStyle>
+            <a:lvl1pPr marL="182880" indent="-182880" algn="l" defTabSz="914400" rtl="0" eaLnBrk="1" latinLnBrk="1" hangingPunct="1">
+              <a:lnSpc>
+                <a:spcPct val="95000"/>
+              </a:lnSpc>
+              <a:spcBef>
+                <a:spcPts val="1400"/>
+              </a:spcBef>
+              <a:spcAft>
+                <a:spcPts val="200"/>
+              </a:spcAft>
+              <a:buClr>
+                <a:schemeClr val="accent1"/>
+              </a:buClr>
+              <a:buSzPct val="80000"/>
+              <a:buFont typeface="Arial" pitchFamily="34" charset="0"/>
+              <a:buChar char="•"/>
+              <a:defRPr sz="1800" kern="1200" spc="10" baseline="0">
+                <a:solidFill>
+                  <a:schemeClr val="tx1"/>
+                </a:solidFill>
+                <a:latin typeface="+mn-lt"/>
+                <a:ea typeface="+mn-ea"/>
+                <a:cs typeface="+mn-cs"/>
+              </a:defRPr>
+            </a:lvl1pPr>
+            <a:lvl2pPr marL="457200" indent="-182880" algn="l" defTabSz="914400" rtl="0" eaLnBrk="1" latinLnBrk="1" hangingPunct="1">
+              <a:lnSpc>
+                <a:spcPct val="90000"/>
+              </a:lnSpc>
+              <a:spcBef>
+                <a:spcPts val="300"/>
+              </a:spcBef>
+              <a:spcAft>
+                <a:spcPts val="300"/>
+              </a:spcAft>
+              <a:buClr>
+                <a:schemeClr val="accent1"/>
+              </a:buClr>
+              <a:buFont typeface="Wingdings 2" pitchFamily="18" charset="2"/>
+              <a:buChar char=""/>
+              <a:defRPr sz="1600" kern="1200">
+                <a:solidFill>
+                  <a:schemeClr val="tx1">
+                    <a:lumMod val="85000"/>
+                    <a:lumOff val="15000"/>
+                  </a:schemeClr>
+                </a:solidFill>
+                <a:latin typeface="+mn-lt"/>
+                <a:ea typeface="+mn-ea"/>
+                <a:cs typeface="+mn-cs"/>
+              </a:defRPr>
+            </a:lvl2pPr>
+            <a:lvl3pPr marL="731520" indent="-182880" algn="l" defTabSz="914400" rtl="0" eaLnBrk="1" latinLnBrk="1" hangingPunct="1">
+              <a:lnSpc>
+                <a:spcPct val="90000"/>
+              </a:lnSpc>
+              <a:spcBef>
+                <a:spcPts val="300"/>
+              </a:spcBef>
+              <a:spcAft>
+                <a:spcPts val="300"/>
+              </a:spcAft>
+              <a:buClr>
+                <a:schemeClr val="accent1"/>
+              </a:buClr>
+              <a:buFont typeface="Wingdings 2" pitchFamily="18" charset="2"/>
+              <a:buChar char=""/>
+              <a:defRPr sz="1400" kern="1200">
+                <a:solidFill>
+                  <a:schemeClr val="tx1">
+                    <a:lumMod val="85000"/>
+                    <a:lumOff val="15000"/>
+                  </a:schemeClr>
+                </a:solidFill>
+                <a:latin typeface="+mn-lt"/>
+                <a:ea typeface="+mn-ea"/>
+                <a:cs typeface="+mn-cs"/>
+              </a:defRPr>
+            </a:lvl3pPr>
+            <a:lvl4pPr marL="1005840" indent="-182880" algn="l" defTabSz="914400" rtl="0" eaLnBrk="1" latinLnBrk="1" hangingPunct="1">
+              <a:lnSpc>
+                <a:spcPct val="90000"/>
+              </a:lnSpc>
+              <a:spcBef>
+                <a:spcPts val="300"/>
+              </a:spcBef>
+              <a:spcAft>
+                <a:spcPts val="300"/>
+              </a:spcAft>
+              <a:buClr>
+                <a:schemeClr val="accent1"/>
+              </a:buClr>
+              <a:buFont typeface="Wingdings 2" pitchFamily="18" charset="2"/>
+              <a:buChar char=""/>
+              <a:defRPr sz="1400" kern="1200">
+                <a:solidFill>
+                  <a:schemeClr val="tx1">
+                    <a:lumMod val="85000"/>
+                    <a:lumOff val="15000"/>
+                  </a:schemeClr>
+                </a:solidFill>
+                <a:latin typeface="+mn-lt"/>
+                <a:ea typeface="+mn-ea"/>
+                <a:cs typeface="+mn-cs"/>
+              </a:defRPr>
+            </a:lvl4pPr>
+            <a:lvl5pPr marL="1280160" indent="-182880" algn="l" defTabSz="914400" rtl="0" eaLnBrk="1" latinLnBrk="1" hangingPunct="1">
+              <a:lnSpc>
+                <a:spcPct val="90000"/>
+              </a:lnSpc>
+              <a:spcBef>
+                <a:spcPts val="300"/>
+              </a:spcBef>
+              <a:spcAft>
+                <a:spcPts val="300"/>
+              </a:spcAft>
+              <a:buClr>
+                <a:schemeClr val="accent1"/>
+              </a:buClr>
+              <a:buFont typeface="Wingdings 2" pitchFamily="18" charset="2"/>
+              <a:buChar char=""/>
+              <a:defRPr sz="1400" kern="1200">
+                <a:solidFill>
+                  <a:schemeClr val="tx1">
+                    <a:lumMod val="85000"/>
+                    <a:lumOff val="15000"/>
+                  </a:schemeClr>
+                </a:solidFill>
+                <a:latin typeface="+mn-lt"/>
+                <a:ea typeface="+mn-ea"/>
+                <a:cs typeface="+mn-cs"/>
+              </a:defRPr>
+            </a:lvl5pPr>
+            <a:lvl6pPr marL="1600000" indent="-228600" algn="l" defTabSz="914400" rtl="0" eaLnBrk="1" latinLnBrk="1" hangingPunct="1">
+              <a:lnSpc>
+                <a:spcPct val="90000"/>
+              </a:lnSpc>
+              <a:spcBef>
+                <a:spcPts val="300"/>
+              </a:spcBef>
+              <a:spcAft>
+                <a:spcPts val="300"/>
+              </a:spcAft>
+              <a:buClr>
+                <a:schemeClr val="accent1"/>
+              </a:buClr>
+              <a:buFont typeface="Wingdings 2" pitchFamily="18" charset="2"/>
+              <a:buChar char=""/>
+              <a:defRPr sz="1400" kern="1200">
+                <a:solidFill>
+                  <a:schemeClr val="tx1">
+                    <a:lumMod val="85000"/>
+                    <a:lumOff val="15000"/>
+                  </a:schemeClr>
+                </a:solidFill>
+                <a:latin typeface="+mn-lt"/>
+                <a:ea typeface="+mn-ea"/>
+                <a:cs typeface="+mn-cs"/>
+              </a:defRPr>
+            </a:lvl6pPr>
+            <a:lvl7pPr marL="1900000" indent="-228600" algn="l" defTabSz="914400" rtl="0" eaLnBrk="1" latinLnBrk="1" hangingPunct="1">
+              <a:lnSpc>
+                <a:spcPct val="90000"/>
+              </a:lnSpc>
+              <a:spcBef>
+                <a:spcPts val="300"/>
+              </a:spcBef>
+              <a:spcAft>
+                <a:spcPts val="300"/>
+              </a:spcAft>
+              <a:buClr>
+                <a:schemeClr val="accent1"/>
+              </a:buClr>
+              <a:buFont typeface="Wingdings 2" pitchFamily="18" charset="2"/>
+              <a:buChar char=""/>
+              <a:defRPr sz="1400" kern="1200">
+                <a:solidFill>
+                  <a:schemeClr val="tx1">
+                    <a:lumMod val="85000"/>
+                    <a:lumOff val="15000"/>
+                  </a:schemeClr>
+                </a:solidFill>
+                <a:latin typeface="+mn-lt"/>
+                <a:ea typeface="+mn-ea"/>
+                <a:cs typeface="+mn-cs"/>
+              </a:defRPr>
+            </a:lvl7pPr>
+            <a:lvl8pPr marL="2200000" indent="-228600" algn="l" defTabSz="914400" rtl="0" eaLnBrk="1" latinLnBrk="1" hangingPunct="1">
+              <a:lnSpc>
+                <a:spcPct val="90000"/>
+              </a:lnSpc>
+              <a:spcBef>
+                <a:spcPts val="300"/>
+              </a:spcBef>
+              <a:spcAft>
+                <a:spcPts val="300"/>
+              </a:spcAft>
+              <a:buClr>
+                <a:schemeClr val="accent1"/>
+              </a:buClr>
+              <a:buFont typeface="Wingdings 2" pitchFamily="18" charset="2"/>
+              <a:buChar char=""/>
+              <a:defRPr sz="1400" kern="1200">
+                <a:solidFill>
+                  <a:schemeClr val="tx1">
+                    <a:lumMod val="85000"/>
+                    <a:lumOff val="15000"/>
+                  </a:schemeClr>
+                </a:solidFill>
+                <a:latin typeface="+mn-lt"/>
+                <a:ea typeface="+mn-ea"/>
+                <a:cs typeface="+mn-cs"/>
+              </a:defRPr>
+            </a:lvl8pPr>
+            <a:lvl9pPr marL="2500000" indent="-228600" algn="l" defTabSz="914400" rtl="0" eaLnBrk="1" latinLnBrk="1" hangingPunct="1">
+              <a:lnSpc>
+                <a:spcPct val="90000"/>
+              </a:lnSpc>
+              <a:spcBef>
+                <a:spcPts val="300"/>
+              </a:spcBef>
+              <a:spcAft>
+                <a:spcPts val="300"/>
+              </a:spcAft>
+              <a:buClr>
+                <a:schemeClr val="accent1"/>
+              </a:buClr>
+              <a:buFont typeface="Wingdings 2" pitchFamily="18" charset="2"/>
+              <a:buChar char=""/>
+              <a:defRPr sz="1400" kern="1200">
+                <a:solidFill>
+                  <a:schemeClr val="tx1">
+                    <a:lumMod val="85000"/>
+                    <a:lumOff val="15000"/>
+                  </a:schemeClr>
+                </a:solidFill>
+                <a:latin typeface="+mn-lt"/>
+                <a:ea typeface="+mn-ea"/>
+                <a:cs typeface="+mn-cs"/>
+              </a:defRPr>
+            </a:lvl9pPr>
+          </a:lstStyle>
+          <a:p>
+            <a:r>
+              <a:rPr lang="ko-KR" altLang="en-US" dirty="0"/>
+              <a:t>맵 오브젝트 일부 </a:t>
+            </a:r>
+            <a:r>
+              <a:rPr lang="ko-KR" altLang="en-US" dirty="0" err="1"/>
+              <a:t>미구현</a:t>
+            </a:r>
+            <a:endParaRPr lang="en-US" altLang="ko-KR" dirty="0"/>
+          </a:p>
+          <a:p>
+            <a:r>
+              <a:rPr lang="ko-KR" altLang="en-US" dirty="0"/>
+              <a:t>애니메이션 들어간 맵 배경 </a:t>
+            </a:r>
+            <a:r>
+              <a:rPr lang="ko-KR" altLang="en-US" dirty="0" err="1"/>
+              <a:t>미구현</a:t>
+            </a:r>
+            <a:endParaRPr lang="en-US" altLang="ko-KR" dirty="0"/>
+          </a:p>
+          <a:p>
+            <a:r>
+              <a:rPr lang="ko-KR" altLang="en-US" dirty="0"/>
+              <a:t>비효율적인 맵 자동 생성 방식</a:t>
+            </a:r>
+            <a:endParaRPr lang="en-US" altLang="ko-KR" dirty="0"/>
+          </a:p>
+          <a:p>
+            <a:r>
+              <a:rPr lang="ko-KR" altLang="en-US" dirty="0"/>
+              <a:t>버튼 클래스의 경우 기본 작동 방식을 잘못 짜서 특정 스타일을 원할 때 업데이트에서 추가 함수 호출이 필요</a:t>
+            </a:r>
+            <a:endParaRPr lang="en-US" altLang="ko-KR" dirty="0"/>
+          </a:p>
+        </p:txBody>
+      </p:sp>
+    </p:spTree>
+    <p:extLst>
+      <p:ext uri="{BB962C8B-B14F-4D97-AF65-F5344CB8AC3E}">
+        <p14:creationId xmlns:p14="http://schemas.microsoft.com/office/powerpoint/2010/main" val="3398261412"/>
+      </p:ext>
+    </p:extLst>
+  </p:cSld>
+  <p:clrMapOvr>
+    <a:masterClrMapping/>
+  </p:clrMapOvr>
+</p:sld>
+</file>
+
+<file path=ppt/slides/slide24.xml><?xml version="1.0" encoding="utf-8"?>
+<p:sld xmlns:a="http://schemas.openxmlformats.org/drawingml/2006/main" xmlns:r="http://schemas.openxmlformats.org/officeDocument/2006/relationships" xmlns:p="http://schemas.openxmlformats.org/presentationml/2006/main">
+  <p:cSld>
+    <p:spTree>
+      <p:nvGrpSpPr>
+        <p:cNvPr id="1" name=""/>
+        <p:cNvGrpSpPr/>
+        <p:nvPr/>
+      </p:nvGrpSpPr>
+      <p:grpSpPr>
+        <a:xfrm>
+          <a:off x="0" y="0"/>
+          <a:ext cx="0" cy="0"/>
+          <a:chOff x="0" y="0"/>
+          <a:chExt cx="0" cy="0"/>
+        </a:xfrm>
+      </p:grpSpPr>
+      <p:sp>
+        <p:nvSpPr>
+          <p:cNvPr id="3" name="내용 개체 틀 2">
+            <a:extLst>
+              <a:ext uri="{FF2B5EF4-FFF2-40B4-BE49-F238E27FC236}">
+                <a16:creationId xmlns:a16="http://schemas.microsoft.com/office/drawing/2014/main" id="{1ED05F37-68BA-E885-41E0-5F5C1B48FADE}"/>
+              </a:ext>
+            </a:extLst>
+          </p:cNvPr>
+          <p:cNvSpPr>
+            <a:spLocks noGrp="1"/>
+          </p:cNvSpPr>
+          <p:nvPr>
+            <p:ph idx="1"/>
+          </p:nvPr>
+        </p:nvSpPr>
+        <p:spPr>
+          <a:xfrm>
+            <a:off x="1261872" y="365760"/>
+            <a:ext cx="8595360" cy="5814377"/>
+          </a:xfrm>
+        </p:spPr>
+        <p:txBody>
+          <a:bodyPr anchor="ctr" anchorCtr="0">
+            <a:normAutofit/>
+          </a:bodyPr>
+          <a:lstStyle/>
+          <a:p>
+            <a:pPr marL="0" indent="0" algn="ctr">
+              <a:buNone/>
+            </a:pPr>
+            <a:r>
+              <a:rPr lang="en-US" altLang="ko-KR" sz="11500"/>
+              <a:t>Q&amp;A</a:t>
+            </a:r>
+            <a:endParaRPr lang="ko-KR" altLang="en-US" sz="11500"/>
+          </a:p>
+        </p:txBody>
+      </p:sp>
+    </p:spTree>
+    <p:extLst>
+      <p:ext uri="{BB962C8B-B14F-4D97-AF65-F5344CB8AC3E}">
+        <p14:creationId xmlns:p14="http://schemas.microsoft.com/office/powerpoint/2010/main" val="1819617275"/>
+      </p:ext>
+    </p:extLst>
+  </p:cSld>
+  <p:clrMapOvr>
+    <a:masterClrMapping/>
+  </p:clrMapOvr>
+</p:sld>
+</file>
+
+<file path=ppt/slides/slide25.xml><?xml version="1.0" encoding="utf-8"?>
+<p:sld xmlns:a="http://schemas.openxmlformats.org/drawingml/2006/main" xmlns:r="http://schemas.openxmlformats.org/officeDocument/2006/relationships" xmlns:p="http://schemas.openxmlformats.org/presentationml/2006/main">
+  <p:cSld>
+    <p:spTree>
+      <p:nvGrpSpPr>
+        <p:cNvPr id="1" name="">
+          <a:extLst>
+            <a:ext uri="{FF2B5EF4-FFF2-40B4-BE49-F238E27FC236}">
+              <a16:creationId xmlns:a16="http://schemas.microsoft.com/office/drawing/2014/main" id="{5B584EBE-F781-6652-A243-9F12FC74610E}"/>
+            </a:ext>
+          </a:extLst>
+        </p:cNvPr>
+        <p:cNvGrpSpPr/>
+        <p:nvPr/>
+      </p:nvGrpSpPr>
+      <p:grpSpPr>
+        <a:xfrm>
+          <a:off x="0" y="0"/>
+          <a:ext cx="0" cy="0"/>
+          <a:chOff x="0" y="0"/>
+          <a:chExt cx="0" cy="0"/>
+        </a:xfrm>
+      </p:grpSpPr>
+      <p:sp>
+        <p:nvSpPr>
+          <p:cNvPr id="3" name="내용 개체 틀 2">
+            <a:extLst>
+              <a:ext uri="{FF2B5EF4-FFF2-40B4-BE49-F238E27FC236}">
+                <a16:creationId xmlns:a16="http://schemas.microsoft.com/office/drawing/2014/main" id="{ACA2252D-E8D4-0C82-E469-6DF97D9FF7AF}"/>
+              </a:ext>
+            </a:extLst>
+          </p:cNvPr>
+          <p:cNvSpPr>
+            <a:spLocks noGrp="1"/>
+          </p:cNvSpPr>
+          <p:nvPr>
+            <p:ph idx="1"/>
+          </p:nvPr>
+        </p:nvSpPr>
+        <p:spPr>
+          <a:xfrm>
+            <a:off x="1261872" y="365760"/>
+            <a:ext cx="8595360" cy="5814377"/>
+          </a:xfrm>
+        </p:spPr>
+        <p:txBody>
+          <a:bodyPr anchor="ctr" anchorCtr="0">
+            <a:normAutofit/>
+          </a:bodyPr>
+          <a:lstStyle/>
+          <a:p>
+            <a:pPr marL="0" indent="0" algn="ctr">
+              <a:buNone/>
+            </a:pPr>
+            <a:r>
+              <a:rPr lang="ko-KR" altLang="en-US" sz="11500"/>
+              <a:t>감사합니다</a:t>
+            </a:r>
+          </a:p>
+        </p:txBody>
+      </p:sp>
+    </p:spTree>
+    <p:extLst>
+      <p:ext uri="{BB962C8B-B14F-4D97-AF65-F5344CB8AC3E}">
+        <p14:creationId xmlns:p14="http://schemas.microsoft.com/office/powerpoint/2010/main" val="1205023557"/>
+      </p:ext>
+    </p:extLst>
+  </p:cSld>
+  <p:clrMapOvr>
+    <a:masterClrMapping/>
+  </p:clrMapOvr>
+</p:sld>
+</file>
+
+<file path=ppt/slides/slide3.xml><?xml version="1.0" encoding="utf-8"?>
+<p:sld xmlns:a="http://schemas.openxmlformats.org/drawingml/2006/main" xmlns:r="http://schemas.openxmlformats.org/officeDocument/2006/relationships" xmlns:p="http://schemas.openxmlformats.org/presentationml/2006/main">
+  <p:cSld>
+    <p:spTree>
+      <p:nvGrpSpPr>
+        <p:cNvPr id="1" name=""/>
+        <p:cNvGrpSpPr/>
+        <p:nvPr/>
+      </p:nvGrpSpPr>
+      <p:grpSpPr>
+        <a:xfrm>
+          <a:off x="0" y="0"/>
+          <a:ext cx="0" cy="0"/>
+          <a:chOff x="0" y="0"/>
+          <a:chExt cx="0" cy="0"/>
+        </a:xfrm>
+      </p:grpSpPr>
+      <p:sp>
+        <p:nvSpPr>
+          <p:cNvPr id="2" name="제목 1">
+            <a:extLst>
+              <a:ext uri="{FF2B5EF4-FFF2-40B4-BE49-F238E27FC236}">
+                <a16:creationId xmlns:a16="http://schemas.microsoft.com/office/drawing/2014/main" id="{C9877359-8163-8AF5-D2F4-FFF52964B6FE}"/>
+              </a:ext>
+            </a:extLst>
+          </p:cNvPr>
+          <p:cNvSpPr>
+            <a:spLocks noGrp="1"/>
+          </p:cNvSpPr>
+          <p:nvPr>
+            <p:ph type="title"/>
+          </p:nvPr>
+        </p:nvSpPr>
+        <p:spPr/>
+        <p:txBody>
+          <a:bodyPr/>
+          <a:lstStyle/>
+          <a:p>
+            <a:r>
+              <a:rPr lang="ko-KR" altLang="en-US"/>
+              <a:t>선정 이유</a:t>
+            </a:r>
+            <a:endParaRPr lang="ko-KR" altLang="en-US" dirty="0"/>
+          </a:p>
+        </p:txBody>
+      </p:sp>
+      <p:sp>
+        <p:nvSpPr>
+          <p:cNvPr id="3" name="내용 개체 틀 2">
+            <a:extLst>
+              <a:ext uri="{FF2B5EF4-FFF2-40B4-BE49-F238E27FC236}">
+                <a16:creationId xmlns:a16="http://schemas.microsoft.com/office/drawing/2014/main" id="{85A616E9-51EB-C3BC-DAF3-001A42C911F6}"/>
+              </a:ext>
+            </a:extLst>
+          </p:cNvPr>
+          <p:cNvSpPr>
+            <a:spLocks noGrp="1"/>
+          </p:cNvSpPr>
+          <p:nvPr>
+            <p:ph idx="1"/>
+          </p:nvPr>
+        </p:nvSpPr>
+        <p:spPr/>
+        <p:txBody>
+          <a:bodyPr/>
+          <a:lstStyle/>
+          <a:p>
+            <a:endParaRPr lang="en-US" altLang="ko-KR" dirty="0"/>
+          </a:p>
+          <a:p>
+            <a:r>
+              <a:rPr lang="ko-KR" altLang="en-US" dirty="0"/>
+              <a:t>게임 중에서 구현 가능한 목표 분담 및 구현 가능성이 높다고 판단함</a:t>
+            </a:r>
+            <a:endParaRPr lang="en-US" altLang="ko-KR" dirty="0"/>
+          </a:p>
+          <a:p>
+            <a:endParaRPr lang="en-US" altLang="ko-KR" dirty="0"/>
+          </a:p>
+        </p:txBody>
+      </p:sp>
+    </p:spTree>
+    <p:extLst>
+      <p:ext uri="{BB962C8B-B14F-4D97-AF65-F5344CB8AC3E}">
+        <p14:creationId xmlns:p14="http://schemas.microsoft.com/office/powerpoint/2010/main" val="1528793594"/>
+      </p:ext>
+    </p:extLst>
+  </p:cSld>
+  <p:clrMapOvr>
+    <a:masterClrMapping/>
+  </p:clrMapOvr>
+</p:sld>
+</file>
+
+<file path=ppt/slides/slide4.xml><?xml version="1.0" encoding="utf-8"?>
+<p:sld xmlns:a="http://schemas.openxmlformats.org/drawingml/2006/main" xmlns:r="http://schemas.openxmlformats.org/officeDocument/2006/relationships" xmlns:p="http://schemas.openxmlformats.org/presentationml/2006/main">
+  <p:cSld>
+    <p:spTree>
+      <p:nvGrpSpPr>
+        <p:cNvPr id="1" name=""/>
+        <p:cNvGrpSpPr/>
+        <p:nvPr/>
+      </p:nvGrpSpPr>
+      <p:grpSpPr>
+        <a:xfrm>
+          <a:off x="0" y="0"/>
+          <a:ext cx="0" cy="0"/>
+          <a:chOff x="0" y="0"/>
+          <a:chExt cx="0" cy="0"/>
+        </a:xfrm>
+      </p:grpSpPr>
+      <p:sp>
+        <p:nvSpPr>
+          <p:cNvPr id="2" name="제목 1">
+            <a:extLst>
+              <a:ext uri="{FF2B5EF4-FFF2-40B4-BE49-F238E27FC236}">
+                <a16:creationId xmlns:a16="http://schemas.microsoft.com/office/drawing/2014/main" id="{F0AFCA4D-13B0-78A4-484D-A7A06C012546}"/>
+              </a:ext>
+            </a:extLst>
+          </p:cNvPr>
+          <p:cNvSpPr>
+            <a:spLocks noGrp="1"/>
+          </p:cNvSpPr>
+          <p:nvPr>
+            <p:ph type="title"/>
+          </p:nvPr>
+        </p:nvSpPr>
+        <p:spPr/>
+        <p:txBody>
+          <a:bodyPr/>
+          <a:lstStyle/>
+          <a:p>
+            <a:r>
+              <a:rPr lang="ko-KR" altLang="en-US"/>
+              <a:t>구현 범위</a:t>
+            </a:r>
+          </a:p>
+        </p:txBody>
+      </p:sp>
+      <p:graphicFrame>
+        <p:nvGraphicFramePr>
+          <p:cNvPr id="4" name="내용 개체 틀 3">
+            <a:extLst>
+              <a:ext uri="{FF2B5EF4-FFF2-40B4-BE49-F238E27FC236}">
+                <a16:creationId xmlns:a16="http://schemas.microsoft.com/office/drawing/2014/main" id="{2CFC9945-9E3C-A948-E132-63D34B3C1451}"/>
+              </a:ext>
+            </a:extLst>
+          </p:cNvPr>
+          <p:cNvGraphicFramePr>
+            <a:graphicFrameLocks noGrp="1"/>
+          </p:cNvGraphicFramePr>
+          <p:nvPr>
+            <p:ph idx="1"/>
+            <p:extLst>
+              <p:ext uri="{D42A27DB-BD31-4B8C-83A1-F6EECF244321}">
+                <p14:modId xmlns:p14="http://schemas.microsoft.com/office/powerpoint/2010/main" val="3134520995"/>
+              </p:ext>
+            </p:extLst>
+          </p:nvPr>
+        </p:nvGraphicFramePr>
+        <p:xfrm>
+          <a:off x="1262063" y="1828800"/>
+          <a:ext cx="8594724" cy="3307080"/>
+        </p:xfrm>
+        <a:graphic>
+          <a:graphicData uri="http://schemas.openxmlformats.org/drawingml/2006/table">
+            <a:tbl>
+              <a:tblPr firstRow="1" bandRow="1">
+                <a:tableStyleId>{5C22544A-7EE6-4342-B048-85BDC9FD1C3A}</a:tableStyleId>
+              </a:tblPr>
+              <a:tblGrid>
+                <a:gridCol w="2148681">
+                  <a:extLst>
+                    <a:ext uri="{9D8B030D-6E8A-4147-A177-3AD203B41FA5}">
+                      <a16:colId xmlns:a16="http://schemas.microsoft.com/office/drawing/2014/main" val="1301307449"/>
+                    </a:ext>
+                  </a:extLst>
+                </a:gridCol>
+                <a:gridCol w="2148681">
+                  <a:extLst>
+                    <a:ext uri="{9D8B030D-6E8A-4147-A177-3AD203B41FA5}">
+                      <a16:colId xmlns:a16="http://schemas.microsoft.com/office/drawing/2014/main" val="357371823"/>
+                    </a:ext>
+                  </a:extLst>
+                </a:gridCol>
+                <a:gridCol w="2148681">
+                  <a:extLst>
+                    <a:ext uri="{9D8B030D-6E8A-4147-A177-3AD203B41FA5}">
+                      <a16:colId xmlns:a16="http://schemas.microsoft.com/office/drawing/2014/main" val="2062727329"/>
+                    </a:ext>
+                  </a:extLst>
+                </a:gridCol>
+                <a:gridCol w="2148681">
+                  <a:extLst>
+                    <a:ext uri="{9D8B030D-6E8A-4147-A177-3AD203B41FA5}">
+                      <a16:colId xmlns:a16="http://schemas.microsoft.com/office/drawing/2014/main" val="1906889881"/>
+                    </a:ext>
+                  </a:extLst>
+                </a:gridCol>
+              </a:tblGrid>
+              <a:tr h="370840">
+                <a:tc>
+                  <a:txBody>
+                    <a:bodyPr/>
+                    <a:lstStyle/>
+                    <a:p>
+                      <a:pPr latinLnBrk="1"/>
+                      <a:r>
+                        <a:rPr lang="ko-KR" altLang="en-US"/>
+                        <a:t>원작에 있던 요소</a:t>
+                      </a:r>
+                    </a:p>
+                  </a:txBody>
+                  <a:tcPr/>
+                </a:tc>
+                <a:tc>
+                  <a:txBody>
+                    <a:bodyPr/>
+                    <a:lstStyle/>
+                    <a:p>
+                      <a:pPr latinLnBrk="1"/>
+                      <a:r>
+                        <a:rPr lang="ko-KR" altLang="en-US"/>
+                        <a:t>원작에 있지만 변경한 요소</a:t>
+                      </a:r>
+                    </a:p>
+                  </a:txBody>
+                  <a:tcPr/>
+                </a:tc>
+                <a:tc>
+                  <a:txBody>
+                    <a:bodyPr/>
+                    <a:lstStyle/>
+                    <a:p>
+                      <a:pPr latinLnBrk="1"/>
+                      <a:r>
+                        <a:rPr lang="ko-KR" altLang="en-US"/>
+                        <a:t>원작에 없던 요소</a:t>
+                      </a:r>
+                    </a:p>
+                  </a:txBody>
+                  <a:tcPr/>
+                </a:tc>
+                <a:tc>
+                  <a:txBody>
+                    <a:bodyPr/>
+                    <a:lstStyle/>
+                    <a:p>
+                      <a:pPr latinLnBrk="1"/>
+                      <a:r>
+                        <a:rPr lang="ko-KR" altLang="en-US"/>
+                        <a:t>구현하지 못한 요소</a:t>
+                      </a:r>
+                    </a:p>
+                  </a:txBody>
+                  <a:tcPr/>
+                </a:tc>
+                <a:extLst>
+                  <a:ext uri="{0D108BD9-81ED-4DB2-BD59-A6C34878D82A}">
+                    <a16:rowId xmlns:a16="http://schemas.microsoft.com/office/drawing/2014/main" val="3752105223"/>
+                  </a:ext>
+                </a:extLst>
+              </a:tr>
+              <a:tr h="370840">
+                <a:tc>
+                  <a:txBody>
+                    <a:bodyPr/>
+                    <a:lstStyle/>
+                    <a:p>
+                      <a:pPr marL="0" marR="0" lvl="0" indent="0" algn="l" defTabSz="914400" rtl="0" eaLnBrk="1" fontAlgn="auto" latinLnBrk="1" hangingPunct="1">
+                        <a:lnSpc>
+                          <a:spcPct val="100000"/>
+                        </a:lnSpc>
+                        <a:spcBef>
+                          <a:spcPts val="0"/>
+                        </a:spcBef>
+                        <a:spcAft>
+                          <a:spcPts val="0"/>
+                        </a:spcAft>
+                        <a:buClrTx/>
+                        <a:buSzTx/>
+                        <a:buFontTx/>
+                        <a:buNone/>
+                        <a:tabLst/>
+                        <a:defRPr/>
+                      </a:pPr>
+                      <a:r>
+                        <a:rPr lang="ko-KR" altLang="en-US" dirty="0"/>
+                        <a:t>몬스터와의 전투</a:t>
+                      </a:r>
+                    </a:p>
+                  </a:txBody>
+                  <a:tcPr/>
+                </a:tc>
+                <a:tc>
+                  <a:txBody>
+                    <a:bodyPr/>
+                    <a:lstStyle/>
+                    <a:p>
+                      <a:pPr latinLnBrk="1"/>
+                      <a:r>
+                        <a:rPr lang="ko-KR" altLang="en-US" dirty="0"/>
+                        <a:t>캐릭터 </a:t>
+                      </a:r>
+                      <a:r>
+                        <a:rPr lang="ko-KR" altLang="en-US" dirty="0" err="1"/>
+                        <a:t>스테이터스</a:t>
+                      </a:r>
+                      <a:endParaRPr lang="ko-KR" altLang="en-US" dirty="0"/>
+                    </a:p>
+                  </a:txBody>
+                  <a:tcPr/>
+                </a:tc>
+                <a:tc>
+                  <a:txBody>
+                    <a:bodyPr/>
+                    <a:lstStyle/>
+                    <a:p>
+                      <a:pPr latinLnBrk="1"/>
+                      <a:r>
+                        <a:rPr lang="ko-KR" altLang="en-US" dirty="0" err="1"/>
+                        <a:t>맵에디터</a:t>
+                      </a:r>
+                      <a:endParaRPr lang="ko-KR" altLang="en-US" dirty="0"/>
+                    </a:p>
+                  </a:txBody>
+                  <a:tcPr/>
+                </a:tc>
+                <a:tc>
+                  <a:txBody>
+                    <a:bodyPr/>
+                    <a:lstStyle/>
+                    <a:p>
+                      <a:pPr latinLnBrk="1"/>
+                      <a:r>
+                        <a:rPr lang="ko-KR" altLang="en-US" dirty="0"/>
+                        <a:t>캐릭터 스킬</a:t>
+                      </a:r>
+                    </a:p>
+                  </a:txBody>
+                  <a:tcPr/>
+                </a:tc>
+                <a:extLst>
+                  <a:ext uri="{0D108BD9-81ED-4DB2-BD59-A6C34878D82A}">
+                    <a16:rowId xmlns:a16="http://schemas.microsoft.com/office/drawing/2014/main" val="2980111132"/>
+                  </a:ext>
+                </a:extLst>
+              </a:tr>
+              <a:tr h="370840">
+                <a:tc>
+                  <a:txBody>
+                    <a:bodyPr/>
+                    <a:lstStyle/>
+                    <a:p>
+                      <a:pPr latinLnBrk="1"/>
+                      <a:r>
+                        <a:rPr lang="ko-KR" altLang="en-US" dirty="0"/>
+                        <a:t>일반 몬스터</a:t>
+                      </a:r>
+                      <a:endParaRPr lang="en-US" altLang="ko-KR" dirty="0"/>
+                    </a:p>
+                    <a:p>
+                      <a:pPr latinLnBrk="1"/>
+                      <a:r>
+                        <a:rPr lang="ko-KR" altLang="en-US" dirty="0" err="1"/>
+                        <a:t>해골개</a:t>
+                      </a:r>
+                      <a:r>
+                        <a:rPr lang="en-US" altLang="ko-KR" dirty="0"/>
+                        <a:t>, </a:t>
+                      </a:r>
+                      <a:r>
+                        <a:rPr lang="ko-KR" altLang="en-US" dirty="0"/>
+                        <a:t>박쥐</a:t>
+                      </a:r>
+                      <a:r>
+                        <a:rPr lang="en-US" altLang="ko-KR" dirty="0"/>
+                        <a:t>, </a:t>
+                      </a:r>
+                      <a:r>
+                        <a:rPr lang="ko-KR" altLang="en-US" dirty="0" err="1"/>
+                        <a:t>밴쉬</a:t>
+                      </a:r>
+                      <a:r>
+                        <a:rPr lang="en-US" altLang="ko-KR" dirty="0"/>
+                        <a:t>, </a:t>
+                      </a:r>
+                      <a:r>
+                        <a:rPr lang="ko-KR" altLang="en-US" dirty="0"/>
+                        <a:t>유령</a:t>
+                      </a:r>
+                      <a:r>
+                        <a:rPr lang="en-US" altLang="ko-KR" dirty="0"/>
+                        <a:t>, </a:t>
+                      </a:r>
+                      <a:r>
+                        <a:rPr lang="ko-KR" altLang="en-US" dirty="0"/>
+                        <a:t>인간형 해골</a:t>
+                      </a:r>
+                    </a:p>
+                  </a:txBody>
+                  <a:tcPr/>
+                </a:tc>
+                <a:tc>
+                  <a:txBody>
+                    <a:bodyPr/>
+                    <a:lstStyle/>
+                    <a:p>
+                      <a:pPr latinLnBrk="1"/>
+                      <a:r>
+                        <a:rPr lang="ko-KR" altLang="en-US" dirty="0"/>
+                        <a:t>몬스터 </a:t>
+                      </a:r>
+                      <a:r>
+                        <a:rPr lang="en-US" altLang="ko-KR" dirty="0"/>
+                        <a:t>AI</a:t>
+                      </a:r>
+                      <a:endParaRPr lang="ko-KR" altLang="en-US" dirty="0"/>
+                    </a:p>
+                  </a:txBody>
+                  <a:tcPr/>
+                </a:tc>
+                <a:tc>
+                  <a:txBody>
+                    <a:bodyPr/>
+                    <a:lstStyle/>
+                    <a:p>
+                      <a:pPr latinLnBrk="1"/>
+                      <a:endParaRPr lang="ko-KR" altLang="en-US" dirty="0"/>
+                    </a:p>
+                  </a:txBody>
+                  <a:tcPr/>
+                </a:tc>
+                <a:tc>
+                  <a:txBody>
+                    <a:bodyPr/>
+                    <a:lstStyle/>
+                    <a:p>
+                      <a:pPr latinLnBrk="1"/>
+                      <a:r>
+                        <a:rPr lang="ko-KR" altLang="en-US" dirty="0"/>
+                        <a:t>몬스터 피격 </a:t>
+                      </a:r>
+                      <a:r>
+                        <a:rPr lang="ko-KR" altLang="en-US" dirty="0" err="1"/>
+                        <a:t>대미지</a:t>
+                      </a:r>
+                      <a:r>
+                        <a:rPr lang="ko-KR" altLang="en-US" dirty="0"/>
+                        <a:t> 표시</a:t>
+                      </a:r>
+                    </a:p>
+                  </a:txBody>
+                  <a:tcPr/>
+                </a:tc>
+                <a:extLst>
+                  <a:ext uri="{0D108BD9-81ED-4DB2-BD59-A6C34878D82A}">
+                    <a16:rowId xmlns:a16="http://schemas.microsoft.com/office/drawing/2014/main" val="2097985995"/>
+                  </a:ext>
+                </a:extLst>
+              </a:tr>
+              <a:tr h="370840">
+                <a:tc>
+                  <a:txBody>
+                    <a:bodyPr/>
+                    <a:lstStyle/>
+                    <a:p>
+                      <a:pPr marL="0" marR="0" lvl="0" indent="0" algn="l" defTabSz="914400" rtl="0" eaLnBrk="1" fontAlgn="auto" latinLnBrk="1" hangingPunct="1">
+                        <a:lnSpc>
+                          <a:spcPct val="100000"/>
+                        </a:lnSpc>
+                        <a:spcBef>
+                          <a:spcPts val="0"/>
+                        </a:spcBef>
+                        <a:spcAft>
+                          <a:spcPts val="0"/>
+                        </a:spcAft>
+                        <a:buClrTx/>
+                        <a:buSzTx/>
+                        <a:buFontTx/>
+                        <a:buNone/>
+                        <a:tabLst/>
+                        <a:defRPr/>
+                      </a:pPr>
+                      <a:r>
+                        <a:rPr lang="ko-KR" altLang="en-US" dirty="0"/>
+                        <a:t>보스 몬스터</a:t>
+                      </a:r>
+                      <a:endParaRPr lang="en-US" altLang="ko-KR" dirty="0"/>
+                    </a:p>
+                    <a:p>
+                      <a:pPr marL="0" marR="0" lvl="0" indent="0" algn="l" defTabSz="914400" rtl="0" eaLnBrk="1" fontAlgn="auto" latinLnBrk="1" hangingPunct="1">
+                        <a:lnSpc>
+                          <a:spcPct val="100000"/>
+                        </a:lnSpc>
+                        <a:spcBef>
+                          <a:spcPts val="0"/>
+                        </a:spcBef>
+                        <a:spcAft>
+                          <a:spcPts val="0"/>
+                        </a:spcAft>
+                        <a:buClrTx/>
+                        <a:buSzTx/>
+                        <a:buFontTx/>
+                        <a:buNone/>
+                        <a:tabLst/>
+                        <a:defRPr/>
+                      </a:pPr>
+                      <a:r>
+                        <a:rPr lang="ko-KR" altLang="en-US" dirty="0" err="1"/>
+                        <a:t>베리알</a:t>
+                      </a:r>
+                      <a:endParaRPr lang="ko-KR" altLang="en-US" dirty="0"/>
+                    </a:p>
+                  </a:txBody>
+                  <a:tcPr/>
+                </a:tc>
+                <a:tc>
+                  <a:txBody>
+                    <a:bodyPr/>
+                    <a:lstStyle/>
+                    <a:p>
+                      <a:pPr latinLnBrk="1"/>
+                      <a:endParaRPr lang="ko-KR" altLang="en-US" dirty="0"/>
+                    </a:p>
+                  </a:txBody>
+                  <a:tcPr/>
+                </a:tc>
+                <a:tc>
+                  <a:txBody>
+                    <a:bodyPr/>
+                    <a:lstStyle/>
+                    <a:p>
+                      <a:pPr latinLnBrk="1"/>
+                      <a:endParaRPr lang="ko-KR" altLang="en-US"/>
+                    </a:p>
+                  </a:txBody>
+                  <a:tcPr/>
+                </a:tc>
+                <a:tc>
+                  <a:txBody>
+                    <a:bodyPr/>
+                    <a:lstStyle/>
+                    <a:p>
+                      <a:pPr latinLnBrk="1"/>
+                      <a:r>
+                        <a:rPr lang="ko-KR" altLang="en-US" dirty="0"/>
+                        <a:t>방 디테일 요소</a:t>
+                      </a:r>
+                    </a:p>
+                  </a:txBody>
+                  <a:tcPr/>
+                </a:tc>
+                <a:extLst>
+                  <a:ext uri="{0D108BD9-81ED-4DB2-BD59-A6C34878D82A}">
+                    <a16:rowId xmlns:a16="http://schemas.microsoft.com/office/drawing/2014/main" val="1831143818"/>
+                  </a:ext>
+                </a:extLst>
+              </a:tr>
+              <a:tr h="370840">
+                <a:tc>
+                  <a:txBody>
+                    <a:bodyPr/>
+                    <a:lstStyle/>
+                    <a:p>
+                      <a:pPr latinLnBrk="1"/>
+                      <a:r>
+                        <a:rPr lang="ko-KR" altLang="en-US" dirty="0"/>
+                        <a:t>플레이어 기본 조작</a:t>
+                      </a:r>
+                      <a:endParaRPr lang="en-US" altLang="ko-KR" dirty="0"/>
+                    </a:p>
+                  </a:txBody>
+                  <a:tcPr/>
+                </a:tc>
+                <a:tc>
+                  <a:txBody>
+                    <a:bodyPr/>
+                    <a:lstStyle/>
+                    <a:p>
+                      <a:pPr latinLnBrk="1"/>
+                      <a:endParaRPr lang="ko-KR" altLang="en-US"/>
+                    </a:p>
+                  </a:txBody>
+                  <a:tcPr/>
+                </a:tc>
+                <a:tc>
+                  <a:txBody>
+                    <a:bodyPr/>
+                    <a:lstStyle/>
+                    <a:p>
+                      <a:pPr latinLnBrk="1"/>
+                      <a:endParaRPr lang="ko-KR" altLang="en-US" dirty="0"/>
+                    </a:p>
+                  </a:txBody>
+                  <a:tcPr/>
+                </a:tc>
+                <a:tc>
+                  <a:txBody>
+                    <a:bodyPr/>
+                    <a:lstStyle/>
+                    <a:p>
+                      <a:pPr latinLnBrk="1"/>
+                      <a:r>
+                        <a:rPr lang="ko-KR" altLang="en-US" dirty="0"/>
+                        <a:t>아이템</a:t>
+                      </a:r>
+                      <a:r>
+                        <a:rPr lang="en-US" altLang="ko-KR" dirty="0"/>
+                        <a:t>, </a:t>
+                      </a:r>
+                      <a:r>
+                        <a:rPr lang="ko-KR" altLang="en-US" dirty="0"/>
+                        <a:t>인벤토리</a:t>
+                      </a:r>
+                    </a:p>
+                  </a:txBody>
+                  <a:tcPr/>
+                </a:tc>
+                <a:extLst>
+                  <a:ext uri="{0D108BD9-81ED-4DB2-BD59-A6C34878D82A}">
+                    <a16:rowId xmlns:a16="http://schemas.microsoft.com/office/drawing/2014/main" val="1773932581"/>
+                  </a:ext>
+                </a:extLst>
+              </a:tr>
+              <a:tr h="370840">
+                <a:tc>
+                  <a:txBody>
+                    <a:bodyPr/>
+                    <a:lstStyle/>
+                    <a:p>
+                      <a:pPr latinLnBrk="1"/>
+                      <a:r>
+                        <a:rPr lang="ko-KR" altLang="en-US" dirty="0"/>
+                        <a:t>방 기본 로직</a:t>
+                      </a:r>
+                    </a:p>
+                  </a:txBody>
+                  <a:tcPr/>
+                </a:tc>
+                <a:tc>
+                  <a:txBody>
+                    <a:bodyPr/>
+                    <a:lstStyle/>
+                    <a:p>
+                      <a:pPr latinLnBrk="1"/>
+                      <a:endParaRPr lang="ko-KR" altLang="en-US"/>
+                    </a:p>
+                  </a:txBody>
+                  <a:tcPr/>
+                </a:tc>
+                <a:tc>
+                  <a:txBody>
+                    <a:bodyPr/>
+                    <a:lstStyle/>
+                    <a:p>
+                      <a:pPr latinLnBrk="1"/>
+                      <a:endParaRPr lang="ko-KR" altLang="en-US"/>
+                    </a:p>
+                  </a:txBody>
+                  <a:tcPr/>
+                </a:tc>
+                <a:tc>
+                  <a:txBody>
+                    <a:bodyPr/>
+                    <a:lstStyle/>
+                    <a:p>
+                      <a:pPr latinLnBrk="1"/>
+                      <a:r>
+                        <a:rPr lang="ko-KR" altLang="en-US" dirty="0"/>
+                        <a:t>추가 무기</a:t>
+                      </a:r>
+                    </a:p>
+                  </a:txBody>
+                  <a:tcPr/>
+                </a:tc>
+                <a:extLst>
+                  <a:ext uri="{0D108BD9-81ED-4DB2-BD59-A6C34878D82A}">
+                    <a16:rowId xmlns:a16="http://schemas.microsoft.com/office/drawing/2014/main" val="2206439524"/>
+                  </a:ext>
+                </a:extLst>
+              </a:tr>
+            </a:tbl>
+          </a:graphicData>
+        </a:graphic>
+      </p:graphicFrame>
+    </p:spTree>
+    <p:extLst>
+      <p:ext uri="{BB962C8B-B14F-4D97-AF65-F5344CB8AC3E}">
+        <p14:creationId xmlns:p14="http://schemas.microsoft.com/office/powerpoint/2010/main" val="2571699313"/>
+      </p:ext>
+    </p:extLst>
+  </p:cSld>
+  <p:clrMapOvr>
+    <a:masterClrMapping/>
+  </p:clrMapOvr>
+</p:sld>
+</file>
+
+<file path=ppt/slides/slide5.xml><?xml version="1.0" encoding="utf-8"?>
+<p:sld xmlns:a="http://schemas.openxmlformats.org/drawingml/2006/main" xmlns:r="http://schemas.openxmlformats.org/officeDocument/2006/relationships" xmlns:p="http://schemas.openxmlformats.org/presentationml/2006/main">
+  <p:cSld>
+    <p:spTree>
+      <p:nvGrpSpPr>
+        <p:cNvPr id="1" name=""/>
+        <p:cNvGrpSpPr/>
+        <p:nvPr/>
+      </p:nvGrpSpPr>
+      <p:grpSpPr>
+        <a:xfrm>
+          <a:off x="0" y="0"/>
+          <a:ext cx="0" cy="0"/>
+          <a:chOff x="0" y="0"/>
+          <a:chExt cx="0" cy="0"/>
+        </a:xfrm>
+      </p:grpSpPr>
+      <p:sp>
+        <p:nvSpPr>
+          <p:cNvPr id="2" name="제목 1">
+            <a:extLst>
+              <a:ext uri="{FF2B5EF4-FFF2-40B4-BE49-F238E27FC236}">
+                <a16:creationId xmlns:a16="http://schemas.microsoft.com/office/drawing/2014/main" id="{EDA8DB17-7539-0EF3-E9C8-F2244548F708}"/>
+              </a:ext>
+            </a:extLst>
+          </p:cNvPr>
+          <p:cNvSpPr>
+            <a:spLocks noGrp="1"/>
+          </p:cNvSpPr>
+          <p:nvPr>
+            <p:ph type="title"/>
+          </p:nvPr>
+        </p:nvSpPr>
+        <p:spPr/>
+        <p:txBody>
+          <a:bodyPr/>
+          <a:lstStyle/>
+          <a:p>
+            <a:r>
+              <a:rPr lang="ko-KR" altLang="en-US" dirty="0"/>
+              <a:t>잘한 점 </a:t>
+            </a:r>
+            <a:r>
+              <a:rPr lang="en-US" altLang="ko-KR" dirty="0"/>
+              <a:t>– </a:t>
+            </a:r>
+            <a:r>
+              <a:rPr lang="ko-KR" altLang="en-US" dirty="0"/>
+              <a:t>팀</a:t>
+            </a:r>
+          </a:p>
+        </p:txBody>
+      </p:sp>
+      <p:sp>
+        <p:nvSpPr>
+          <p:cNvPr id="3" name="내용 개체 틀 2">
+            <a:extLst>
+              <a:ext uri="{FF2B5EF4-FFF2-40B4-BE49-F238E27FC236}">
+                <a16:creationId xmlns:a16="http://schemas.microsoft.com/office/drawing/2014/main" id="{27A526C7-6A5C-8A0A-1DD1-0D71594327FC}"/>
+              </a:ext>
+            </a:extLst>
+          </p:cNvPr>
+          <p:cNvSpPr>
+            <a:spLocks noGrp="1"/>
+          </p:cNvSpPr>
+          <p:nvPr>
+            <p:ph idx="1"/>
+          </p:nvPr>
+        </p:nvSpPr>
+        <p:spPr>
+          <a:xfrm>
+            <a:off x="1261872" y="1828800"/>
+            <a:ext cx="8595360" cy="1502875"/>
+          </a:xfrm>
+        </p:spPr>
+        <p:txBody>
+          <a:bodyPr>
+            <a:normAutofit/>
+          </a:bodyPr>
+          <a:lstStyle/>
+          <a:p>
+            <a:r>
+              <a:rPr lang="ko-KR" altLang="en-US" dirty="0"/>
+              <a:t>깃으로 협업을 하면서 큰 문제가 발생하지 않음</a:t>
+            </a:r>
+            <a:endParaRPr lang="en-US" altLang="ko-KR" dirty="0"/>
+          </a:p>
+          <a:p>
+            <a:r>
+              <a:rPr lang="ko-KR" altLang="en-US" dirty="0"/>
+              <a:t>모두 같이 협동심 있게 작업함</a:t>
+            </a:r>
+            <a:endParaRPr lang="en-US" altLang="ko-KR" dirty="0"/>
+          </a:p>
+          <a:p>
+            <a:r>
+              <a:rPr lang="ko-KR" altLang="en-US" dirty="0"/>
+              <a:t>작업 분담 및 분담 파트에 대한 존중을 함</a:t>
+            </a:r>
+            <a:endParaRPr lang="en-US" altLang="ko-KR" dirty="0"/>
+          </a:p>
+          <a:p>
+            <a:endParaRPr lang="en-US" altLang="ko-KR" dirty="0"/>
+          </a:p>
+        </p:txBody>
+      </p:sp>
+      <p:sp>
+        <p:nvSpPr>
+          <p:cNvPr id="6" name="제목 1">
+            <a:extLst>
+              <a:ext uri="{FF2B5EF4-FFF2-40B4-BE49-F238E27FC236}">
+                <a16:creationId xmlns:a16="http://schemas.microsoft.com/office/drawing/2014/main" id="{226A3D37-7F4F-2E29-BFCD-C23D16A6CDE0}"/>
+              </a:ext>
+            </a:extLst>
+          </p:cNvPr>
+          <p:cNvSpPr txBox="1">
+            <a:spLocks/>
+          </p:cNvSpPr>
+          <p:nvPr/>
+        </p:nvSpPr>
+        <p:spPr>
+          <a:xfrm>
+            <a:off x="1261872" y="2926381"/>
+            <a:ext cx="9692640" cy="1325562"/>
+          </a:xfrm>
+          <a:prstGeom prst="rect">
+            <a:avLst/>
+          </a:prstGeom>
+        </p:spPr>
+        <p:txBody>
+          <a:bodyPr vert="horz" lIns="91440" tIns="45720" rIns="91440" bIns="45720" rtlCol="0" anchor="b">
+            <a:normAutofit/>
+          </a:bodyPr>
+          <a:lstStyle>
+            <a:lvl1pPr algn="l" defTabSz="914400" rtl="0" eaLnBrk="1" latinLnBrk="1" hangingPunct="1">
+              <a:lnSpc>
+                <a:spcPct val="90000"/>
+              </a:lnSpc>
+              <a:spcBef>
+                <a:spcPct val="0"/>
+              </a:spcBef>
+              <a:buNone/>
+              <a:defRPr sz="4400" kern="1200" spc="-50" baseline="0">
+                <a:solidFill>
+                  <a:schemeClr val="tx1"/>
+                </a:solidFill>
+                <a:latin typeface="+mj-lt"/>
+                <a:ea typeface="+mj-ea"/>
+                <a:cs typeface="+mj-cs"/>
+              </a:defRPr>
+            </a:lvl1pPr>
+          </a:lstStyle>
+          <a:p>
+            <a:r>
+              <a:rPr lang="ko-KR" altLang="en-US" dirty="0"/>
+              <a:t>아쉬운 점 </a:t>
+            </a:r>
+            <a:r>
+              <a:rPr lang="en-US" altLang="ko-KR" dirty="0"/>
+              <a:t>– </a:t>
+            </a:r>
+            <a:r>
+              <a:rPr lang="ko-KR" altLang="en-US" dirty="0"/>
+              <a:t>팀</a:t>
+            </a:r>
+          </a:p>
+        </p:txBody>
+      </p:sp>
+      <p:sp>
+        <p:nvSpPr>
+          <p:cNvPr id="7" name="내용 개체 틀 2">
+            <a:extLst>
+              <a:ext uri="{FF2B5EF4-FFF2-40B4-BE49-F238E27FC236}">
+                <a16:creationId xmlns:a16="http://schemas.microsoft.com/office/drawing/2014/main" id="{FCD82384-87D2-8B68-0CB0-29FBAA93383F}"/>
+              </a:ext>
+            </a:extLst>
+          </p:cNvPr>
+          <p:cNvSpPr txBox="1">
+            <a:spLocks/>
+          </p:cNvSpPr>
+          <p:nvPr/>
+        </p:nvSpPr>
+        <p:spPr>
+          <a:xfrm>
+            <a:off x="1261872" y="4429256"/>
+            <a:ext cx="8595360" cy="2202707"/>
+          </a:xfrm>
+          <a:prstGeom prst="rect">
+            <a:avLst/>
+          </a:prstGeom>
+        </p:spPr>
+        <p:txBody>
+          <a:bodyPr vert="horz" lIns="91440" tIns="45720" rIns="91440" bIns="45720" rtlCol="0">
+            <a:normAutofit/>
+          </a:bodyPr>
+          <a:lstStyle>
+            <a:lvl1pPr marL="182880" indent="-182880" algn="l" defTabSz="914400" rtl="0" eaLnBrk="1" latinLnBrk="1" hangingPunct="1">
+              <a:lnSpc>
+                <a:spcPct val="95000"/>
+              </a:lnSpc>
+              <a:spcBef>
+                <a:spcPts val="1400"/>
+              </a:spcBef>
+              <a:spcAft>
+                <a:spcPts val="200"/>
+              </a:spcAft>
+              <a:buClr>
+                <a:schemeClr val="accent1"/>
+              </a:buClr>
+              <a:buSzPct val="80000"/>
+              <a:buFont typeface="Arial" pitchFamily="34" charset="0"/>
+              <a:buChar char="•"/>
+              <a:defRPr sz="1800" kern="1200" spc="10" baseline="0">
+                <a:solidFill>
+                  <a:schemeClr val="tx1"/>
+                </a:solidFill>
+                <a:latin typeface="+mn-lt"/>
+                <a:ea typeface="+mn-ea"/>
+                <a:cs typeface="+mn-cs"/>
+              </a:defRPr>
+            </a:lvl1pPr>
+            <a:lvl2pPr marL="457200" indent="-182880" algn="l" defTabSz="914400" rtl="0" eaLnBrk="1" latinLnBrk="1" hangingPunct="1">
+              <a:lnSpc>
+                <a:spcPct val="90000"/>
+              </a:lnSpc>
+              <a:spcBef>
+                <a:spcPts val="300"/>
+              </a:spcBef>
+              <a:spcAft>
+                <a:spcPts val="300"/>
+              </a:spcAft>
+              <a:buClr>
+                <a:schemeClr val="accent1"/>
+              </a:buClr>
+              <a:buFont typeface="Wingdings 2" pitchFamily="18" charset="2"/>
+              <a:buChar char=""/>
+              <a:defRPr sz="1600" kern="1200">
+                <a:solidFill>
+                  <a:schemeClr val="tx1">
+                    <a:lumMod val="85000"/>
+                    <a:lumOff val="15000"/>
+                  </a:schemeClr>
+                </a:solidFill>
+                <a:latin typeface="+mn-lt"/>
+                <a:ea typeface="+mn-ea"/>
+                <a:cs typeface="+mn-cs"/>
+              </a:defRPr>
+            </a:lvl2pPr>
+            <a:lvl3pPr marL="731520" indent="-182880" algn="l" defTabSz="914400" rtl="0" eaLnBrk="1" latinLnBrk="1" hangingPunct="1">
+              <a:lnSpc>
+                <a:spcPct val="90000"/>
+              </a:lnSpc>
+              <a:spcBef>
+                <a:spcPts val="300"/>
+              </a:spcBef>
+              <a:spcAft>
+                <a:spcPts val="300"/>
+              </a:spcAft>
+              <a:buClr>
+                <a:schemeClr val="accent1"/>
+              </a:buClr>
+              <a:buFont typeface="Wingdings 2" pitchFamily="18" charset="2"/>
+              <a:buChar char=""/>
+              <a:defRPr sz="1400" kern="1200">
+                <a:solidFill>
+                  <a:schemeClr val="tx1">
+                    <a:lumMod val="85000"/>
+                    <a:lumOff val="15000"/>
+                  </a:schemeClr>
+                </a:solidFill>
+                <a:latin typeface="+mn-lt"/>
+                <a:ea typeface="+mn-ea"/>
+                <a:cs typeface="+mn-cs"/>
+              </a:defRPr>
+            </a:lvl3pPr>
+            <a:lvl4pPr marL="1005840" indent="-182880" algn="l" defTabSz="914400" rtl="0" eaLnBrk="1" latinLnBrk="1" hangingPunct="1">
+              <a:lnSpc>
+                <a:spcPct val="90000"/>
+              </a:lnSpc>
+              <a:spcBef>
+                <a:spcPts val="300"/>
+              </a:spcBef>
+              <a:spcAft>
+                <a:spcPts val="300"/>
+              </a:spcAft>
+              <a:buClr>
+                <a:schemeClr val="accent1"/>
+              </a:buClr>
+              <a:buFont typeface="Wingdings 2" pitchFamily="18" charset="2"/>
+              <a:buChar char=""/>
+              <a:defRPr sz="1400" kern="1200">
+                <a:solidFill>
+                  <a:schemeClr val="tx1">
+                    <a:lumMod val="85000"/>
+                    <a:lumOff val="15000"/>
+                  </a:schemeClr>
+                </a:solidFill>
+                <a:latin typeface="+mn-lt"/>
+                <a:ea typeface="+mn-ea"/>
+                <a:cs typeface="+mn-cs"/>
+              </a:defRPr>
+            </a:lvl4pPr>
+            <a:lvl5pPr marL="1280160" indent="-182880" algn="l" defTabSz="914400" rtl="0" eaLnBrk="1" latinLnBrk="1" hangingPunct="1">
+              <a:lnSpc>
+                <a:spcPct val="90000"/>
+              </a:lnSpc>
+              <a:spcBef>
+                <a:spcPts val="300"/>
+              </a:spcBef>
+              <a:spcAft>
+                <a:spcPts val="300"/>
+              </a:spcAft>
+              <a:buClr>
+                <a:schemeClr val="accent1"/>
+              </a:buClr>
+              <a:buFont typeface="Wingdings 2" pitchFamily="18" charset="2"/>
+              <a:buChar char=""/>
+              <a:defRPr sz="1400" kern="1200">
+                <a:solidFill>
+                  <a:schemeClr val="tx1">
+                    <a:lumMod val="85000"/>
+                    <a:lumOff val="15000"/>
+                  </a:schemeClr>
+                </a:solidFill>
+                <a:latin typeface="+mn-lt"/>
+                <a:ea typeface="+mn-ea"/>
+                <a:cs typeface="+mn-cs"/>
+              </a:defRPr>
+            </a:lvl5pPr>
+            <a:lvl6pPr marL="1600000" indent="-228600" algn="l" defTabSz="914400" rtl="0" eaLnBrk="1" latinLnBrk="1" hangingPunct="1">
+              <a:lnSpc>
+                <a:spcPct val="90000"/>
+              </a:lnSpc>
+              <a:spcBef>
+                <a:spcPts val="300"/>
+              </a:spcBef>
+              <a:spcAft>
+                <a:spcPts val="300"/>
+              </a:spcAft>
+              <a:buClr>
+                <a:schemeClr val="accent1"/>
+              </a:buClr>
+              <a:buFont typeface="Wingdings 2" pitchFamily="18" charset="2"/>
+              <a:buChar char=""/>
+              <a:defRPr sz="1400" kern="1200">
+                <a:solidFill>
+                  <a:schemeClr val="tx1">
+                    <a:lumMod val="85000"/>
+                    <a:lumOff val="15000"/>
+                  </a:schemeClr>
+                </a:solidFill>
+                <a:latin typeface="+mn-lt"/>
+                <a:ea typeface="+mn-ea"/>
+                <a:cs typeface="+mn-cs"/>
+              </a:defRPr>
+            </a:lvl6pPr>
+            <a:lvl7pPr marL="1900000" indent="-228600" algn="l" defTabSz="914400" rtl="0" eaLnBrk="1" latinLnBrk="1" hangingPunct="1">
+              <a:lnSpc>
+                <a:spcPct val="90000"/>
+              </a:lnSpc>
+              <a:spcBef>
+                <a:spcPts val="300"/>
+              </a:spcBef>
+              <a:spcAft>
+                <a:spcPts val="300"/>
+              </a:spcAft>
+              <a:buClr>
+                <a:schemeClr val="accent1"/>
+              </a:buClr>
+              <a:buFont typeface="Wingdings 2" pitchFamily="18" charset="2"/>
+              <a:buChar char=""/>
+              <a:defRPr sz="1400" kern="1200">
+                <a:solidFill>
+                  <a:schemeClr val="tx1">
+                    <a:lumMod val="85000"/>
+                    <a:lumOff val="15000"/>
+                  </a:schemeClr>
+                </a:solidFill>
+                <a:latin typeface="+mn-lt"/>
+                <a:ea typeface="+mn-ea"/>
+                <a:cs typeface="+mn-cs"/>
+              </a:defRPr>
+            </a:lvl7pPr>
+            <a:lvl8pPr marL="2200000" indent="-228600" algn="l" defTabSz="914400" rtl="0" eaLnBrk="1" latinLnBrk="1" hangingPunct="1">
+              <a:lnSpc>
+                <a:spcPct val="90000"/>
+              </a:lnSpc>
+              <a:spcBef>
+                <a:spcPts val="300"/>
+              </a:spcBef>
+              <a:spcAft>
+                <a:spcPts val="300"/>
+              </a:spcAft>
+              <a:buClr>
+                <a:schemeClr val="accent1"/>
+              </a:buClr>
+              <a:buFont typeface="Wingdings 2" pitchFamily="18" charset="2"/>
+              <a:buChar char=""/>
+              <a:defRPr sz="1400" kern="1200">
+                <a:solidFill>
+                  <a:schemeClr val="tx1">
+                    <a:lumMod val="85000"/>
+                    <a:lumOff val="15000"/>
+                  </a:schemeClr>
+                </a:solidFill>
+                <a:latin typeface="+mn-lt"/>
+                <a:ea typeface="+mn-ea"/>
+                <a:cs typeface="+mn-cs"/>
+              </a:defRPr>
+            </a:lvl8pPr>
+            <a:lvl9pPr marL="2500000" indent="-228600" algn="l" defTabSz="914400" rtl="0" eaLnBrk="1" latinLnBrk="1" hangingPunct="1">
+              <a:lnSpc>
+                <a:spcPct val="90000"/>
+              </a:lnSpc>
+              <a:spcBef>
+                <a:spcPts val="300"/>
+              </a:spcBef>
+              <a:spcAft>
+                <a:spcPts val="300"/>
+              </a:spcAft>
+              <a:buClr>
+                <a:schemeClr val="accent1"/>
+              </a:buClr>
+              <a:buFont typeface="Wingdings 2" pitchFamily="18" charset="2"/>
+              <a:buChar char=""/>
+              <a:defRPr sz="1400" kern="1200">
+                <a:solidFill>
+                  <a:schemeClr val="tx1">
+                    <a:lumMod val="85000"/>
+                    <a:lumOff val="15000"/>
+                  </a:schemeClr>
+                </a:solidFill>
+                <a:latin typeface="+mn-lt"/>
+                <a:ea typeface="+mn-ea"/>
+                <a:cs typeface="+mn-cs"/>
+              </a:defRPr>
+            </a:lvl9pPr>
+          </a:lstStyle>
+          <a:p>
+            <a:r>
+              <a:rPr lang="ko-KR" altLang="en-US" dirty="0"/>
+              <a:t>작업 시간이 촉박하여 원작 기능 구현에 미흡한 점이 있음</a:t>
+            </a:r>
+            <a:endParaRPr lang="en-US" altLang="ko-KR" dirty="0"/>
+          </a:p>
+          <a:p>
+            <a:r>
+              <a:rPr lang="ko-KR" altLang="en-US" dirty="0"/>
+              <a:t>목표한 기능 중 미구현으로 남은 기능</a:t>
+            </a:r>
+            <a:endParaRPr lang="en-US" altLang="ko-KR" dirty="0"/>
+          </a:p>
+        </p:txBody>
+      </p:sp>
+    </p:spTree>
+    <p:extLst>
+      <p:ext uri="{BB962C8B-B14F-4D97-AF65-F5344CB8AC3E}">
+        <p14:creationId xmlns:p14="http://schemas.microsoft.com/office/powerpoint/2010/main" val="511770704"/>
       </p:ext>
     </p:extLst>
   </p:cSld>
@@ -4687,10 +10342,372 @@
   <p:cSld>
     <p:spTree>
       <p:nvGrpSpPr>
+        <p:cNvPr id="1" name=""/>
+        <p:cNvGrpSpPr/>
+        <p:nvPr/>
+      </p:nvGrpSpPr>
+      <p:grpSpPr>
+        <a:xfrm>
+          <a:off x="0" y="0"/>
+          <a:ext cx="0" cy="0"/>
+          <a:chOff x="0" y="0"/>
+          <a:chExt cx="0" cy="0"/>
+        </a:xfrm>
+      </p:grpSpPr>
+      <p:sp>
+        <p:nvSpPr>
+          <p:cNvPr id="2" name="제목 1">
+            <a:extLst>
+              <a:ext uri="{FF2B5EF4-FFF2-40B4-BE49-F238E27FC236}">
+                <a16:creationId xmlns:a16="http://schemas.microsoft.com/office/drawing/2014/main" id="{85BF1289-27EB-44B3-D298-D1497944353D}"/>
+              </a:ext>
+            </a:extLst>
+          </p:cNvPr>
+          <p:cNvSpPr>
+            <a:spLocks noGrp="1"/>
+          </p:cNvSpPr>
+          <p:nvPr>
+            <p:ph type="title"/>
+          </p:nvPr>
+        </p:nvSpPr>
+        <p:spPr/>
+        <p:txBody>
+          <a:bodyPr/>
+          <a:lstStyle/>
+          <a:p>
+            <a:r>
+              <a:rPr lang="ko-KR" altLang="en-US" dirty="0"/>
+              <a:t>개발 과정 </a:t>
+            </a:r>
+            <a:r>
+              <a:rPr lang="en-US" altLang="ko-KR" dirty="0"/>
+              <a:t>– </a:t>
+            </a:r>
+            <a:r>
+              <a:rPr lang="ko-KR" altLang="en-US" dirty="0" err="1"/>
+              <a:t>민지규</a:t>
+            </a:r>
+            <a:endParaRPr lang="ko-KR" altLang="en-US" dirty="0"/>
+          </a:p>
+        </p:txBody>
+      </p:sp>
+      <p:pic>
+        <p:nvPicPr>
+          <p:cNvPr id="9" name="그림 8">
+            <a:extLst>
+              <a:ext uri="{FF2B5EF4-FFF2-40B4-BE49-F238E27FC236}">
+                <a16:creationId xmlns:a16="http://schemas.microsoft.com/office/drawing/2014/main" id="{7B1BDF5E-4083-304F-299D-946724BA4CA9}"/>
+              </a:ext>
+            </a:extLst>
+          </p:cNvPr>
+          <p:cNvPicPr>
+            <a:picLocks noChangeAspect="1"/>
+          </p:cNvPicPr>
+          <p:nvPr/>
+        </p:nvPicPr>
+        <p:blipFill>
+          <a:blip r:embed="rId2"/>
+          <a:stretch>
+            <a:fillRect/>
+          </a:stretch>
+        </p:blipFill>
+        <p:spPr>
+          <a:xfrm>
+            <a:off x="1657350" y="1862703"/>
+            <a:ext cx="8086714" cy="4543812"/>
+          </a:xfrm>
+          <a:prstGeom prst="rect">
+            <a:avLst/>
+          </a:prstGeom>
+        </p:spPr>
+      </p:pic>
+    </p:spTree>
+    <p:extLst>
+      <p:ext uri="{BB962C8B-B14F-4D97-AF65-F5344CB8AC3E}">
+        <p14:creationId xmlns:p14="http://schemas.microsoft.com/office/powerpoint/2010/main" val="1174075548"/>
+      </p:ext>
+    </p:extLst>
+  </p:cSld>
+  <p:clrMapOvr>
+    <a:masterClrMapping/>
+  </p:clrMapOvr>
+</p:sld>
+</file>
+
+<file path=ppt/slides/slide7.xml><?xml version="1.0" encoding="utf-8"?>
+<p:sld xmlns:a="http://schemas.openxmlformats.org/drawingml/2006/main" xmlns:r="http://schemas.openxmlformats.org/officeDocument/2006/relationships" xmlns:p="http://schemas.openxmlformats.org/presentationml/2006/main">
+  <p:cSld>
+    <p:spTree>
+      <p:nvGrpSpPr>
+        <p:cNvPr id="1" name=""/>
+        <p:cNvGrpSpPr/>
+        <p:nvPr/>
+      </p:nvGrpSpPr>
+      <p:grpSpPr>
+        <a:xfrm>
+          <a:off x="0" y="0"/>
+          <a:ext cx="0" cy="0"/>
+          <a:chOff x="0" y="0"/>
+          <a:chExt cx="0" cy="0"/>
+        </a:xfrm>
+      </p:grpSpPr>
+      <p:sp>
+        <p:nvSpPr>
+          <p:cNvPr id="2" name="제목 1">
+            <a:extLst>
+              <a:ext uri="{FF2B5EF4-FFF2-40B4-BE49-F238E27FC236}">
+                <a16:creationId xmlns:a16="http://schemas.microsoft.com/office/drawing/2014/main" id="{1649AA7B-DA4A-BA85-7019-5E387CB348C6}"/>
+              </a:ext>
+            </a:extLst>
+          </p:cNvPr>
+          <p:cNvSpPr>
+            <a:spLocks noGrp="1"/>
+          </p:cNvSpPr>
+          <p:nvPr>
+            <p:ph type="title"/>
+          </p:nvPr>
+        </p:nvSpPr>
+        <p:spPr>
+          <a:xfrm>
+            <a:off x="750898" y="626152"/>
+            <a:ext cx="9692640" cy="1325562"/>
+          </a:xfrm>
+        </p:spPr>
+        <p:txBody>
+          <a:bodyPr/>
+          <a:lstStyle/>
+          <a:p>
+            <a:r>
+              <a:rPr lang="ko-KR" altLang="en-US" dirty="0"/>
+              <a:t>구현 내용 </a:t>
+            </a:r>
+            <a:r>
+              <a:rPr lang="en-US" altLang="ko-KR" dirty="0"/>
+              <a:t>– </a:t>
+            </a:r>
+            <a:r>
+              <a:rPr lang="ko-KR" altLang="en-US" dirty="0"/>
+              <a:t>몬스터 상태패턴 </a:t>
+            </a:r>
+            <a:r>
+              <a:rPr lang="en-US" altLang="ko-KR" dirty="0"/>
+              <a:t>(</a:t>
+            </a:r>
+            <a:r>
+              <a:rPr lang="ko-KR" altLang="en-US" dirty="0"/>
+              <a:t>민지규</a:t>
+            </a:r>
+            <a:r>
+              <a:rPr lang="en-US" altLang="ko-KR" dirty="0"/>
+              <a:t>)</a:t>
+            </a:r>
+            <a:endParaRPr lang="ko-KR" altLang="en-US" dirty="0"/>
+          </a:p>
+        </p:txBody>
+      </p:sp>
+      <p:pic>
+        <p:nvPicPr>
+          <p:cNvPr id="5" name="내용 개체 틀 4" descr="텍스트, 스크린샷, 폰트, 디자인이(가) 표시된 사진&#10;&#10;자동 생성된 설명">
+            <a:extLst>
+              <a:ext uri="{FF2B5EF4-FFF2-40B4-BE49-F238E27FC236}">
+                <a16:creationId xmlns:a16="http://schemas.microsoft.com/office/drawing/2014/main" id="{FB120F24-18BA-5D36-EF9A-D395B23F4CD0}"/>
+              </a:ext>
+            </a:extLst>
+          </p:cNvPr>
+          <p:cNvPicPr>
+            <a:picLocks noGrp="1" noChangeAspect="1"/>
+          </p:cNvPicPr>
+          <p:nvPr>
+            <p:ph idx="1"/>
+          </p:nvPr>
+        </p:nvPicPr>
+        <p:blipFill>
+          <a:blip r:embed="rId2">
+            <a:extLst>
+              <a:ext uri="{28A0092B-C50C-407E-A947-70E740481C1C}">
+                <a14:useLocalDpi xmlns:a14="http://schemas.microsoft.com/office/drawing/2010/main" val="0"/>
+              </a:ext>
+            </a:extLst>
+          </a:blip>
+          <a:stretch>
+            <a:fillRect/>
+          </a:stretch>
+        </p:blipFill>
+        <p:spPr>
+          <a:xfrm>
+            <a:off x="864314" y="3913876"/>
+            <a:ext cx="1835244" cy="1809843"/>
+          </a:xfrm>
+        </p:spPr>
+      </p:pic>
+      <p:pic>
+        <p:nvPicPr>
+          <p:cNvPr id="7" name="그림 6" descr="텍스트, 폰트, 스크린샷이(가) 표시된 사진&#10;&#10;자동 생성된 설명">
+            <a:extLst>
+              <a:ext uri="{FF2B5EF4-FFF2-40B4-BE49-F238E27FC236}">
+                <a16:creationId xmlns:a16="http://schemas.microsoft.com/office/drawing/2014/main" id="{1DE97FA3-3924-46CA-E674-C80E7CB0DEA4}"/>
+              </a:ext>
+            </a:extLst>
+          </p:cNvPr>
+          <p:cNvPicPr>
+            <a:picLocks noChangeAspect="1"/>
+          </p:cNvPicPr>
+          <p:nvPr/>
+        </p:nvPicPr>
+        <p:blipFill>
+          <a:blip r:embed="rId3">
+            <a:extLst>
+              <a:ext uri="{28A0092B-C50C-407E-A947-70E740481C1C}">
+                <a14:useLocalDpi xmlns:a14="http://schemas.microsoft.com/office/drawing/2010/main" val="0"/>
+              </a:ext>
+            </a:extLst>
+          </a:blip>
+          <a:stretch>
+            <a:fillRect/>
+          </a:stretch>
+        </p:blipFill>
+        <p:spPr>
+          <a:xfrm>
+            <a:off x="3294118" y="3917051"/>
+            <a:ext cx="3181514" cy="901746"/>
+          </a:xfrm>
+          <a:prstGeom prst="rect">
+            <a:avLst/>
+          </a:prstGeom>
+        </p:spPr>
+      </p:pic>
+      <p:sp>
+        <p:nvSpPr>
+          <p:cNvPr id="10" name="제목 1">
+            <a:extLst>
+              <a:ext uri="{FF2B5EF4-FFF2-40B4-BE49-F238E27FC236}">
+                <a16:creationId xmlns:a16="http://schemas.microsoft.com/office/drawing/2014/main" id="{16885FDA-7393-695B-3919-4C1F85E923D8}"/>
+              </a:ext>
+            </a:extLst>
+          </p:cNvPr>
+          <p:cNvSpPr txBox="1">
+            <a:spLocks/>
+          </p:cNvSpPr>
+          <p:nvPr/>
+        </p:nvSpPr>
+        <p:spPr>
+          <a:xfrm>
+            <a:off x="708508" y="429950"/>
+            <a:ext cx="10356014" cy="3421430"/>
+          </a:xfrm>
+          <a:prstGeom prst="rect">
+            <a:avLst/>
+          </a:prstGeom>
+        </p:spPr>
+        <p:txBody>
+          <a:bodyPr vert="horz" lIns="91440" tIns="45720" rIns="91440" bIns="45720" rtlCol="0" anchor="b">
+            <a:normAutofit/>
+          </a:bodyPr>
+          <a:lstStyle>
+            <a:lvl1pPr algn="l" defTabSz="914400" rtl="0" eaLnBrk="1" latinLnBrk="1" hangingPunct="1">
+              <a:lnSpc>
+                <a:spcPct val="90000"/>
+              </a:lnSpc>
+              <a:spcBef>
+                <a:spcPct val="0"/>
+              </a:spcBef>
+              <a:buNone/>
+              <a:defRPr sz="4400" kern="1200" spc="-50" baseline="0">
+                <a:solidFill>
+                  <a:schemeClr val="tx1"/>
+                </a:solidFill>
+                <a:latin typeface="+mj-lt"/>
+                <a:ea typeface="+mj-ea"/>
+                <a:cs typeface="+mj-cs"/>
+              </a:defRPr>
+            </a:lvl1pPr>
+          </a:lstStyle>
+          <a:p>
+            <a:endParaRPr lang="ko-KR" altLang="en-US" dirty="0"/>
+          </a:p>
+        </p:txBody>
+      </p:sp>
+      <p:sp>
+        <p:nvSpPr>
+          <p:cNvPr id="11" name="제목 1">
+            <a:extLst>
+              <a:ext uri="{FF2B5EF4-FFF2-40B4-BE49-F238E27FC236}">
+                <a16:creationId xmlns:a16="http://schemas.microsoft.com/office/drawing/2014/main" id="{9E1B8191-C311-98AC-24C1-ABDFFBE4BD65}"/>
+              </a:ext>
+            </a:extLst>
+          </p:cNvPr>
+          <p:cNvSpPr txBox="1">
+            <a:spLocks/>
+          </p:cNvSpPr>
+          <p:nvPr/>
+        </p:nvSpPr>
+        <p:spPr>
+          <a:xfrm>
+            <a:off x="750898" y="1705063"/>
+            <a:ext cx="9692640" cy="1325562"/>
+          </a:xfrm>
+          <a:prstGeom prst="rect">
+            <a:avLst/>
+          </a:prstGeom>
+        </p:spPr>
+        <p:txBody>
+          <a:bodyPr vert="horz" lIns="91440" tIns="45720" rIns="91440" bIns="45720" rtlCol="0" anchor="b">
+            <a:normAutofit/>
+          </a:bodyPr>
+          <a:lstStyle>
+            <a:lvl1pPr algn="l" defTabSz="914400" rtl="0" eaLnBrk="1" latinLnBrk="1" hangingPunct="1">
+              <a:lnSpc>
+                <a:spcPct val="90000"/>
+              </a:lnSpc>
+              <a:spcBef>
+                <a:spcPct val="0"/>
+              </a:spcBef>
+              <a:buNone/>
+              <a:defRPr sz="4400" kern="1200" spc="-50" baseline="0">
+                <a:solidFill>
+                  <a:schemeClr val="tx1"/>
+                </a:solidFill>
+                <a:latin typeface="+mj-lt"/>
+                <a:ea typeface="+mj-ea"/>
+                <a:cs typeface="+mj-cs"/>
+              </a:defRPr>
+            </a:lvl1pPr>
+          </a:lstStyle>
+          <a:p>
+            <a:r>
+              <a:rPr lang="ko-KR" altLang="en-US" sz="1800" dirty="0"/>
+              <a:t>몬스터의 행동을 상태 패턴 기반으로 행동하게 하였다</a:t>
+            </a:r>
+            <a:r>
+              <a:rPr lang="en-US" altLang="ko-KR" sz="1800" dirty="0"/>
+              <a:t>.</a:t>
+            </a:r>
+            <a:endParaRPr lang="ko-KR" altLang="en-US" sz="1800" dirty="0"/>
+          </a:p>
+        </p:txBody>
+      </p:sp>
+    </p:spTree>
+    <p:extLst>
+      <p:ext uri="{BB962C8B-B14F-4D97-AF65-F5344CB8AC3E}">
+        <p14:creationId xmlns:p14="http://schemas.microsoft.com/office/powerpoint/2010/main" val="1524543689"/>
+      </p:ext>
+    </p:extLst>
+  </p:cSld>
+  <p:clrMapOvr>
+    <a:masterClrMapping/>
+  </p:clrMapOvr>
+</p:sld>
+</file>
+
+<file path=ppt/slides/slide8.xml><?xml version="1.0" encoding="utf-8"?>
+<p:sld xmlns:a="http://schemas.openxmlformats.org/drawingml/2006/main" xmlns:r="http://schemas.openxmlformats.org/officeDocument/2006/relationships" xmlns:p="http://schemas.openxmlformats.org/presentationml/2006/main">
+  <p:cSld>
+    <p:spTree>
+      <p:nvGrpSpPr>
         <p:cNvPr id="1" name="">
           <a:extLst>
             <a:ext uri="{FF2B5EF4-FFF2-40B4-BE49-F238E27FC236}">
-              <a16:creationId xmlns:a16="http://schemas.microsoft.com/office/drawing/2014/main" id="{63FBC2BD-9AAB-85BD-77EC-1337D6ABE2B7}"/>
+              <a16:creationId xmlns:a16="http://schemas.microsoft.com/office/drawing/2014/main" id="{28F1DE55-8DC6-E382-16F7-AA75FA0642AF}"/>
             </a:ext>
           </a:extLst>
         </p:cNvPr>
@@ -4710,7 +10727,7 @@
           <p:cNvPr id="2" name="제목 1">
             <a:extLst>
               <a:ext uri="{FF2B5EF4-FFF2-40B4-BE49-F238E27FC236}">
-                <a16:creationId xmlns:a16="http://schemas.microsoft.com/office/drawing/2014/main" id="{7AB1B0FC-0870-2D9B-21ED-FF9533E0BB64}"/>
+                <a16:creationId xmlns:a16="http://schemas.microsoft.com/office/drawing/2014/main" id="{812CF639-D999-0B14-39F8-BB8A9C6AD12F}"/>
               </a:ext>
             </a:extLst>
           </p:cNvPr>
@@ -4728,16 +10745,29 @@
           <a:p>
             <a:r>
               <a:rPr lang="ko-KR" altLang="en-US" dirty="0"/>
-              <a:t>아쉬운 점 </a:t>
+              <a:t>구현 내용 </a:t>
             </a:r>
             <a:r>
               <a:rPr lang="en-US" altLang="ko-KR" dirty="0"/>
-              <a:t>- </a:t>
+              <a:t>– </a:t>
+            </a:r>
+            <a:r>
+              <a:rPr lang="ko-KR" altLang="en-US" dirty="0"/>
+              <a:t>몬스터 충돌 처리 </a:t>
+            </a:r>
+            <a:r>
+              <a:rPr lang="en-US" altLang="ko-KR" dirty="0"/>
+              <a:t>(</a:t>
             </a:r>
             <a:r>
               <a:rPr lang="ko-KR" altLang="en-US" dirty="0"/>
               <a:t>민지규</a:t>
             </a:r>
+            <a:r>
+              <a:rPr lang="en-US" altLang="ko-KR" dirty="0"/>
+              <a:t>)</a:t>
+            </a:r>
+            <a:endParaRPr lang="ko-KR" altLang="en-US" dirty="0"/>
           </a:p>
         </p:txBody>
       </p:sp>
@@ -4746,7 +10776,7 @@
           <p:cNvPr id="3" name="내용 개체 틀 2">
             <a:extLst>
               <a:ext uri="{FF2B5EF4-FFF2-40B4-BE49-F238E27FC236}">
-                <a16:creationId xmlns:a16="http://schemas.microsoft.com/office/drawing/2014/main" id="{C8EE11C1-B93A-F0CF-4BB8-66F845DE35FF}"/>
+                <a16:creationId xmlns:a16="http://schemas.microsoft.com/office/drawing/2014/main" id="{EC4500DF-9562-60C8-03AE-1F4966584E12}"/>
               </a:ext>
             </a:extLst>
           </p:cNvPr>
@@ -4757,37 +10787,19 @@
             <p:ph idx="1"/>
           </p:nvPr>
         </p:nvSpPr>
-        <p:spPr/>
+        <p:spPr>
+          <a:xfrm>
+            <a:off x="1261872" y="1828801"/>
+            <a:ext cx="8595360" cy="969818"/>
+          </a:xfrm>
+        </p:spPr>
         <p:txBody>
           <a:bodyPr/>
           <a:lstStyle/>
           <a:p>
             <a:r>
               <a:rPr lang="ko-KR" altLang="en-US" dirty="0"/>
-              <a:t>몬스터  </a:t>
-            </a:r>
-            <a:r>
-              <a:rPr lang="en-US" altLang="ko-KR" dirty="0"/>
-              <a:t>AI </a:t>
-            </a:r>
-            <a:r>
-              <a:rPr lang="ko-KR" altLang="en-US" dirty="0"/>
-              <a:t>행동 별 충돌처리 처리를 구현 하느라 시간을 많이 소모했음</a:t>
-            </a:r>
-            <a:endParaRPr lang="en-US" altLang="ko-KR" dirty="0"/>
-          </a:p>
-          <a:p>
-            <a:r>
-              <a:rPr lang="ko-KR" altLang="en-US" dirty="0"/>
-              <a:t>생각보다 몬스터와 무기에 디테일 적인 요소들이 많은데</a:t>
-            </a:r>
-            <a:r>
-              <a:rPr lang="en-US" altLang="ko-KR" dirty="0"/>
-              <a:t>, </a:t>
-            </a:r>
-            <a:r>
-              <a:rPr lang="ko-KR" altLang="en-US" dirty="0"/>
-              <a:t>이를 세세하게 구현하지 못한 점이 아쉬움</a:t>
+              <a:t>중력을 받는 오브젝트가 땅 위에 서 있게 하는 충돌 처리 코드의 일부이다</a:t>
             </a:r>
             <a:r>
               <a:rPr lang="en-US" altLang="ko-KR" dirty="0"/>
@@ -4797,10 +10809,243 @@
           </a:p>
         </p:txBody>
       </p:sp>
+      <p:pic>
+        <p:nvPicPr>
+          <p:cNvPr id="11" name="그림 10">
+            <a:extLst>
+              <a:ext uri="{FF2B5EF4-FFF2-40B4-BE49-F238E27FC236}">
+                <a16:creationId xmlns:a16="http://schemas.microsoft.com/office/drawing/2014/main" id="{13DFB9FE-0963-11B9-B8D5-251AE24C5697}"/>
+              </a:ext>
+            </a:extLst>
+          </p:cNvPr>
+          <p:cNvPicPr>
+            <a:picLocks noChangeAspect="1"/>
+          </p:cNvPicPr>
+          <p:nvPr/>
+        </p:nvPicPr>
+        <p:blipFill>
+          <a:blip r:embed="rId2"/>
+          <a:stretch>
+            <a:fillRect/>
+          </a:stretch>
+        </p:blipFill>
+        <p:spPr>
+          <a:xfrm>
+            <a:off x="1261872" y="3044453"/>
+            <a:ext cx="5092962" cy="3225966"/>
+          </a:xfrm>
+          <a:prstGeom prst="rect">
+            <a:avLst/>
+          </a:prstGeom>
+        </p:spPr>
+      </p:pic>
     </p:spTree>
     <p:extLst>
       <p:ext uri="{BB962C8B-B14F-4D97-AF65-F5344CB8AC3E}">
-        <p14:creationId xmlns:p14="http://schemas.microsoft.com/office/powerpoint/2010/main" val="3846376203"/>
+        <p14:creationId xmlns:p14="http://schemas.microsoft.com/office/powerpoint/2010/main" val="3385414614"/>
+      </p:ext>
+    </p:extLst>
+  </p:cSld>
+  <p:clrMapOvr>
+    <a:masterClrMapping/>
+  </p:clrMapOvr>
+</p:sld>
+</file>
+
+<file path=ppt/slides/slide9.xml><?xml version="1.0" encoding="utf-8"?>
+<p:sld xmlns:a="http://schemas.openxmlformats.org/drawingml/2006/main" xmlns:r="http://schemas.openxmlformats.org/officeDocument/2006/relationships" xmlns:p="http://schemas.openxmlformats.org/presentationml/2006/main">
+  <p:cSld>
+    <p:spTree>
+      <p:nvGrpSpPr>
+        <p:cNvPr id="1" name="">
+          <a:extLst>
+            <a:ext uri="{FF2B5EF4-FFF2-40B4-BE49-F238E27FC236}">
+              <a16:creationId xmlns:a16="http://schemas.microsoft.com/office/drawing/2014/main" id="{FC5E3C23-EAC9-BD7F-A1B3-4EE15C44BA5D}"/>
+            </a:ext>
+          </a:extLst>
+        </p:cNvPr>
+        <p:cNvGrpSpPr/>
+        <p:nvPr/>
+      </p:nvGrpSpPr>
+      <p:grpSpPr>
+        <a:xfrm>
+          <a:off x="0" y="0"/>
+          <a:ext cx="0" cy="0"/>
+          <a:chOff x="0" y="0"/>
+          <a:chExt cx="0" cy="0"/>
+        </a:xfrm>
+      </p:grpSpPr>
+      <p:sp>
+        <p:nvSpPr>
+          <p:cNvPr id="2" name="제목 1">
+            <a:extLst>
+              <a:ext uri="{FF2B5EF4-FFF2-40B4-BE49-F238E27FC236}">
+                <a16:creationId xmlns:a16="http://schemas.microsoft.com/office/drawing/2014/main" id="{AFA33A54-7653-B20C-CD22-55F07F28CB8E}"/>
+              </a:ext>
+            </a:extLst>
+          </p:cNvPr>
+          <p:cNvSpPr>
+            <a:spLocks noGrp="1"/>
+          </p:cNvSpPr>
+          <p:nvPr>
+            <p:ph type="title"/>
+          </p:nvPr>
+        </p:nvSpPr>
+        <p:spPr/>
+        <p:txBody>
+          <a:bodyPr/>
+          <a:lstStyle/>
+          <a:p>
+            <a:r>
+              <a:rPr lang="ko-KR" altLang="en-US" dirty="0"/>
+              <a:t>구현 내용 </a:t>
+            </a:r>
+            <a:r>
+              <a:rPr lang="en-US" altLang="ko-KR" dirty="0"/>
+              <a:t>– </a:t>
+            </a:r>
+            <a:r>
+              <a:rPr lang="ko-KR" altLang="en-US" dirty="0"/>
+              <a:t>보스 </a:t>
+            </a:r>
+            <a:r>
+              <a:rPr lang="en-US" altLang="ko-KR" dirty="0"/>
+              <a:t>(</a:t>
+            </a:r>
+            <a:r>
+              <a:rPr lang="ko-KR" altLang="en-US" dirty="0"/>
+              <a:t>민지규</a:t>
+            </a:r>
+            <a:r>
+              <a:rPr lang="en-US" altLang="ko-KR" dirty="0"/>
+              <a:t>)</a:t>
+            </a:r>
+            <a:endParaRPr lang="ko-KR" altLang="en-US" dirty="0"/>
+          </a:p>
+        </p:txBody>
+      </p:sp>
+      <p:sp>
+        <p:nvSpPr>
+          <p:cNvPr id="3" name="내용 개체 틀 2">
+            <a:extLst>
+              <a:ext uri="{FF2B5EF4-FFF2-40B4-BE49-F238E27FC236}">
+                <a16:creationId xmlns:a16="http://schemas.microsoft.com/office/drawing/2014/main" id="{2CF296B2-BE32-A461-B5BC-63A0655BE9A6}"/>
+              </a:ext>
+            </a:extLst>
+          </p:cNvPr>
+          <p:cNvSpPr>
+            <a:spLocks noGrp="1"/>
+          </p:cNvSpPr>
+          <p:nvPr>
+            <p:ph idx="1"/>
+          </p:nvPr>
+        </p:nvSpPr>
+        <p:spPr>
+          <a:xfrm>
+            <a:off x="1261872" y="1828800"/>
+            <a:ext cx="8595360" cy="683491"/>
+          </a:xfrm>
+        </p:spPr>
+        <p:txBody>
+          <a:bodyPr/>
+          <a:lstStyle/>
+          <a:p>
+            <a:r>
+              <a:rPr lang="ko-KR" altLang="en-US" dirty="0"/>
+              <a:t>보스도 상태 기반 패턴으로 구현 하였으며</a:t>
+            </a:r>
+            <a:r>
+              <a:rPr lang="en-US" altLang="ko-KR" dirty="0"/>
+              <a:t>, </a:t>
+            </a:r>
+            <a:r>
+              <a:rPr lang="ko-KR" altLang="en-US" dirty="0"/>
+              <a:t>이에 필요한 각각의 오브젝트들과 행동을 클래스와 함수로 만들어서 구현하였다</a:t>
+            </a:r>
+            <a:r>
+              <a:rPr lang="en-US" altLang="ko-KR" dirty="0"/>
+              <a:t>.</a:t>
+            </a:r>
+            <a:endParaRPr lang="ko-KR" altLang="en-US" dirty="0"/>
+          </a:p>
+        </p:txBody>
+      </p:sp>
+      <p:pic>
+        <p:nvPicPr>
+          <p:cNvPr id="5" name="그림 4" descr="텍스트, 스크린샷, 소프트웨어, 폰트이(가) 표시된 사진&#10;&#10;자동 생성된 설명">
+            <a:extLst>
+              <a:ext uri="{FF2B5EF4-FFF2-40B4-BE49-F238E27FC236}">
+                <a16:creationId xmlns:a16="http://schemas.microsoft.com/office/drawing/2014/main" id="{C8637FD4-4F29-E920-2413-B27363654E5A}"/>
+              </a:ext>
+            </a:extLst>
+          </p:cNvPr>
+          <p:cNvPicPr>
+            <a:picLocks noChangeAspect="1"/>
+          </p:cNvPicPr>
+          <p:nvPr/>
+        </p:nvPicPr>
+        <p:blipFill>
+          <a:blip r:embed="rId2">
+            <a:extLst>
+              <a:ext uri="{28A0092B-C50C-407E-A947-70E740481C1C}">
+                <a14:useLocalDpi xmlns:a14="http://schemas.microsoft.com/office/drawing/2010/main" val="0"/>
+              </a:ext>
+            </a:extLst>
+          </a:blip>
+          <a:stretch>
+            <a:fillRect/>
+          </a:stretch>
+        </p:blipFill>
+        <p:spPr>
+          <a:xfrm>
+            <a:off x="1959785" y="3191384"/>
+            <a:ext cx="2121009" cy="2673487"/>
+          </a:xfrm>
+          <a:prstGeom prst="rect">
+            <a:avLst/>
+          </a:prstGeom>
+        </p:spPr>
+      </p:pic>
+      <p:pic>
+        <p:nvPicPr>
+          <p:cNvPr id="7" name="그림 6" descr="텍스트, 스크린샷이(가) 표시된 사진&#10;&#10;자동 생성된 설명">
+            <a:extLst>
+              <a:ext uri="{FF2B5EF4-FFF2-40B4-BE49-F238E27FC236}">
+                <a16:creationId xmlns:a16="http://schemas.microsoft.com/office/drawing/2014/main" id="{6C5A2240-3F0B-BD60-DE18-8F0CAB316178}"/>
+              </a:ext>
+            </a:extLst>
+          </p:cNvPr>
+          <p:cNvPicPr>
+            <a:picLocks noChangeAspect="1"/>
+          </p:cNvPicPr>
+          <p:nvPr/>
+        </p:nvPicPr>
+        <p:blipFill>
+          <a:blip r:embed="rId3">
+            <a:extLst>
+              <a:ext uri="{28A0092B-C50C-407E-A947-70E740481C1C}">
+                <a14:useLocalDpi xmlns:a14="http://schemas.microsoft.com/office/drawing/2010/main" val="0"/>
+              </a:ext>
+            </a:extLst>
+          </a:blip>
+          <a:stretch>
+            <a:fillRect/>
+          </a:stretch>
+        </p:blipFill>
+        <p:spPr>
+          <a:xfrm>
+            <a:off x="5421042" y="2512291"/>
+            <a:ext cx="3750668" cy="4345709"/>
+          </a:xfrm>
+          <a:prstGeom prst="rect">
+            <a:avLst/>
+          </a:prstGeom>
+        </p:spPr>
+      </p:pic>
+    </p:spTree>
+    <p:extLst>
+      <p:ext uri="{BB962C8B-B14F-4D97-AF65-F5344CB8AC3E}">
+        <p14:creationId xmlns:p14="http://schemas.microsoft.com/office/powerpoint/2010/main" val="3205282881"/>
       </p:ext>
     </p:extLst>
   </p:cSld>

--- a/SFML 던그리드 모작 팀 프로젝트(민지규, 박지광, 황규영) 발표 자료.pptx
+++ b/SFML 던그리드 모작 팀 프로젝트(민지규, 박지광, 황규영) 발표 자료.pptx
@@ -22,28 +22,29 @@
     <p:sldId id="278" r:id="rId16"/>
     <p:sldId id="279" r:id="rId17"/>
     <p:sldId id="280" r:id="rId18"/>
-    <p:sldId id="272" r:id="rId19"/>
-    <p:sldId id="281" r:id="rId20"/>
-    <p:sldId id="282" r:id="rId21"/>
-    <p:sldId id="283" r:id="rId22"/>
-    <p:sldId id="284" r:id="rId23"/>
-    <p:sldId id="285" r:id="rId24"/>
-    <p:sldId id="268" r:id="rId25"/>
-    <p:sldId id="269" r:id="rId26"/>
+    <p:sldId id="286" r:id="rId19"/>
+    <p:sldId id="272" r:id="rId20"/>
+    <p:sldId id="281" r:id="rId21"/>
+    <p:sldId id="282" r:id="rId22"/>
+    <p:sldId id="283" r:id="rId23"/>
+    <p:sldId id="284" r:id="rId24"/>
+    <p:sldId id="285" r:id="rId25"/>
+    <p:sldId id="268" r:id="rId26"/>
+    <p:sldId id="269" r:id="rId27"/>
   </p:sldIdLst>
   <p:sldSz cx="12192000" cy="6858000"/>
   <p:notesSz cx="6858000" cy="9144000"/>
   <p:embeddedFontLst>
     <p:embeddedFont>
       <p:font typeface="Century Schoolbook" panose="02040604050505020304" pitchFamily="18" charset="0"/>
-      <p:regular r:id="rId27"/>
-      <p:bold r:id="rId28"/>
-      <p:italic r:id="rId29"/>
-      <p:boldItalic r:id="rId30"/>
+      <p:regular r:id="rId28"/>
+      <p:bold r:id="rId29"/>
+      <p:italic r:id="rId30"/>
+      <p:boldItalic r:id="rId31"/>
     </p:embeddedFont>
     <p:embeddedFont>
       <p:font typeface="Wingdings 2" panose="05020102010507070707" pitchFamily="18" charset="2"/>
-      <p:regular r:id="rId31"/>
+      <p:regular r:id="rId32"/>
     </p:embeddedFont>
   </p:embeddedFontLst>
   <p:defaultTextStyle>
@@ -5411,7 +5412,7 @@
     <mc:Choice Requires="p14">
       <p:transition/>
     </mc:Choice>
-    <mc:Fallback xmlns:dsp="http://schemas.microsoft.com/office/drawing/2008/diagram" xmlns:dgm="http://schemas.openxmlformats.org/drawingml/2006/diagram" xmlns:c="http://schemas.openxmlformats.org/drawingml/2006/chart" xmlns="">
+    <mc:Fallback xmlns="" xmlns:c="http://schemas.openxmlformats.org/drawingml/2006/chart" xmlns:dgm="http://schemas.openxmlformats.org/drawingml/2006/diagram" xmlns:dsp="http://schemas.microsoft.com/office/drawing/2008/diagram">
       <p:transition/>
     </mc:Fallback>
   </mc:AlternateContent>
@@ -6154,7 +6155,7 @@
     <mc:Choice Requires="p14">
       <p:transition/>
     </mc:Choice>
-    <mc:Fallback xmlns:dsp="http://schemas.microsoft.com/office/drawing/2008/diagram" xmlns:dgm="http://schemas.openxmlformats.org/drawingml/2006/diagram" xmlns:c="http://schemas.openxmlformats.org/drawingml/2006/chart" xmlns="">
+    <mc:Fallback xmlns="" xmlns:c="http://schemas.openxmlformats.org/drawingml/2006/chart" xmlns:dgm="http://schemas.openxmlformats.org/drawingml/2006/diagram" xmlns:dsp="http://schemas.microsoft.com/office/drawing/2008/diagram">
       <p:transition/>
     </mc:Fallback>
   </mc:AlternateContent>
@@ -6271,7 +6272,7 @@
     <mc:Choice Requires="p14">
       <p:transition/>
     </mc:Choice>
-    <mc:Fallback xmlns:dsp="http://schemas.microsoft.com/office/drawing/2008/diagram" xmlns:dgm="http://schemas.openxmlformats.org/drawingml/2006/diagram" xmlns:c="http://schemas.openxmlformats.org/drawingml/2006/chart" xmlns="">
+    <mc:Fallback xmlns="" xmlns:c="http://schemas.openxmlformats.org/drawingml/2006/chart" xmlns:dgm="http://schemas.openxmlformats.org/drawingml/2006/diagram" xmlns:dsp="http://schemas.microsoft.com/office/drawing/2008/diagram">
       <p:transition/>
     </mc:Fallback>
   </mc:AlternateContent>
@@ -6452,7 +6453,7 @@
     <mc:Choice Requires="p14">
       <p:transition/>
     </mc:Choice>
-    <mc:Fallback xmlns:dsp="http://schemas.microsoft.com/office/drawing/2008/diagram" xmlns:dgm="http://schemas.openxmlformats.org/drawingml/2006/diagram" xmlns:c="http://schemas.openxmlformats.org/drawingml/2006/chart" xmlns="">
+    <mc:Fallback xmlns="" xmlns:c="http://schemas.openxmlformats.org/drawingml/2006/chart" xmlns:dgm="http://schemas.openxmlformats.org/drawingml/2006/diagram" xmlns:dsp="http://schemas.microsoft.com/office/drawing/2008/diagram">
       <p:transition/>
     </mc:Fallback>
   </mc:AlternateContent>
@@ -6565,7 +6566,7 @@
     <mc:Choice Requires="p14">
       <p:transition/>
     </mc:Choice>
-    <mc:Fallback xmlns:dsp="http://schemas.microsoft.com/office/drawing/2008/diagram" xmlns:dgm="http://schemas.openxmlformats.org/drawingml/2006/diagram" xmlns:c="http://schemas.openxmlformats.org/drawingml/2006/chart" xmlns="">
+    <mc:Fallback xmlns="" xmlns:c="http://schemas.openxmlformats.org/drawingml/2006/chart" xmlns:dgm="http://schemas.openxmlformats.org/drawingml/2006/diagram" xmlns:dsp="http://schemas.microsoft.com/office/drawing/2008/diagram">
       <p:transition/>
     </mc:Fallback>
   </mc:AlternateContent>
@@ -6573,6 +6574,587 @@
 </file>
 
 <file path=ppt/slides/slide18.xml><?xml version="1.0" encoding="utf-8"?>
+<p:sld xmlns:a="http://schemas.openxmlformats.org/drawingml/2006/main" xmlns:r="http://schemas.openxmlformats.org/officeDocument/2006/relationships" xmlns:p="http://schemas.openxmlformats.org/presentationml/2006/main">
+  <p:cSld>
+    <p:spTree>
+      <p:nvGrpSpPr>
+        <p:cNvPr id="1" name=""/>
+        <p:cNvGrpSpPr/>
+        <p:nvPr/>
+      </p:nvGrpSpPr>
+      <p:grpSpPr>
+        <a:xfrm>
+          <a:off x="0" y="0"/>
+          <a:ext cx="0" cy="0"/>
+          <a:chOff x="0" y="0"/>
+          <a:chExt cx="0" cy="0"/>
+        </a:xfrm>
+      </p:grpSpPr>
+      <p:sp>
+        <p:nvSpPr>
+          <p:cNvPr id="2" name="제목 1">
+            <a:extLst>
+              <a:ext uri="{FF2B5EF4-FFF2-40B4-BE49-F238E27FC236}">
+                <a16:creationId xmlns:a16="http://schemas.microsoft.com/office/drawing/2014/main" id="{2C10F13F-DEF5-DA19-0869-0DE5BBC22EA5}"/>
+              </a:ext>
+            </a:extLst>
+          </p:cNvPr>
+          <p:cNvSpPr>
+            <a:spLocks noGrp="1"/>
+          </p:cNvSpPr>
+          <p:nvPr>
+            <p:ph type="title"/>
+          </p:nvPr>
+        </p:nvSpPr>
+        <p:spPr/>
+        <p:txBody>
+          <a:bodyPr/>
+          <a:lstStyle/>
+          <a:p>
+            <a:r>
+              <a:rPr lang="ko-KR" altLang="en-US" dirty="0"/>
+              <a:t>잘한 점 </a:t>
+            </a:r>
+            <a:r>
+              <a:rPr lang="en-US" altLang="ko-KR" dirty="0"/>
+              <a:t>– </a:t>
+            </a:r>
+            <a:r>
+              <a:rPr lang="ko-KR" altLang="en-US" dirty="0" err="1"/>
+              <a:t>박지광</a:t>
+            </a:r>
+            <a:endParaRPr lang="ko-KR" altLang="en-US" dirty="0"/>
+          </a:p>
+        </p:txBody>
+      </p:sp>
+      <p:sp>
+        <p:nvSpPr>
+          <p:cNvPr id="3" name="내용 개체 틀 2">
+            <a:extLst>
+              <a:ext uri="{FF2B5EF4-FFF2-40B4-BE49-F238E27FC236}">
+                <a16:creationId xmlns:a16="http://schemas.microsoft.com/office/drawing/2014/main" id="{F8B3114A-1ABC-B369-6742-FAB57FA96D16}"/>
+              </a:ext>
+            </a:extLst>
+          </p:cNvPr>
+          <p:cNvSpPr>
+            <a:spLocks noGrp="1"/>
+          </p:cNvSpPr>
+          <p:nvPr>
+            <p:ph idx="1"/>
+          </p:nvPr>
+        </p:nvSpPr>
+        <p:spPr>
+          <a:xfrm>
+            <a:off x="1261872" y="1828800"/>
+            <a:ext cx="8595360" cy="1731909"/>
+          </a:xfrm>
+        </p:spPr>
+        <p:txBody>
+          <a:bodyPr>
+            <a:normAutofit/>
+          </a:bodyPr>
+          <a:lstStyle/>
+          <a:p>
+            <a:r>
+              <a:rPr lang="ko-KR" altLang="en-US" dirty="0"/>
+              <a:t>팀적으로 피드백 </a:t>
+            </a:r>
+            <a:r>
+              <a:rPr lang="ko-KR" altLang="en-US" dirty="0" err="1"/>
+              <a:t>받은부분을</a:t>
+            </a:r>
+            <a:r>
+              <a:rPr lang="ko-KR" altLang="en-US" dirty="0"/>
+              <a:t> </a:t>
+            </a:r>
+            <a:r>
+              <a:rPr lang="ko-KR" altLang="en-US" dirty="0" err="1"/>
+              <a:t>잘적용</a:t>
+            </a:r>
+            <a:r>
+              <a:rPr lang="ko-KR" altLang="en-US" dirty="0"/>
+              <a:t> 시켰다</a:t>
+            </a:r>
+            <a:r>
+              <a:rPr lang="en-US" altLang="ko-KR" dirty="0"/>
+              <a:t>.</a:t>
+            </a:r>
+          </a:p>
+          <a:p>
+            <a:r>
+              <a:rPr lang="ko-KR" altLang="en-US" dirty="0"/>
+              <a:t>로직을 </a:t>
+            </a:r>
+            <a:r>
+              <a:rPr lang="ko-KR" altLang="en-US" dirty="0" err="1"/>
+              <a:t>구현할때</a:t>
+            </a:r>
+            <a:r>
+              <a:rPr lang="ko-KR" altLang="en-US" dirty="0"/>
+              <a:t> 필요한 </a:t>
+            </a:r>
+            <a:r>
+              <a:rPr lang="ko-KR" altLang="en-US" dirty="0" err="1"/>
+              <a:t>로직에대해</a:t>
+            </a:r>
+            <a:r>
+              <a:rPr lang="ko-KR" altLang="en-US" dirty="0"/>
+              <a:t> 정보를 빠르게 찾아보고 수용했다</a:t>
+            </a:r>
+            <a:endParaRPr lang="en-US" altLang="ko-KR" dirty="0"/>
+          </a:p>
+          <a:p>
+            <a:r>
+              <a:rPr lang="ko-KR" altLang="en-US" dirty="0"/>
+              <a:t>원래 선정했던 구현범위보다 초과 구현을 하였다</a:t>
+            </a:r>
+            <a:endParaRPr lang="en-US" altLang="ko-KR" dirty="0"/>
+          </a:p>
+          <a:p>
+            <a:endParaRPr lang="en-US" altLang="ko-KR" dirty="0"/>
+          </a:p>
+          <a:p>
+            <a:endParaRPr lang="en-US" altLang="ko-KR" dirty="0"/>
+          </a:p>
+        </p:txBody>
+      </p:sp>
+      <p:sp>
+        <p:nvSpPr>
+          <p:cNvPr id="5" name="제목 1">
+            <a:extLst>
+              <a:ext uri="{FF2B5EF4-FFF2-40B4-BE49-F238E27FC236}">
+                <a16:creationId xmlns:a16="http://schemas.microsoft.com/office/drawing/2014/main" id="{FA0A43EF-F24C-C150-94B6-C38BAFC99F8D}"/>
+              </a:ext>
+            </a:extLst>
+          </p:cNvPr>
+          <p:cNvSpPr txBox="1">
+            <a:spLocks/>
+          </p:cNvSpPr>
+          <p:nvPr/>
+        </p:nvSpPr>
+        <p:spPr>
+          <a:xfrm>
+            <a:off x="1249680" y="3134192"/>
+            <a:ext cx="9692640" cy="1325562"/>
+          </a:xfrm>
+          <a:prstGeom prst="rect">
+            <a:avLst/>
+          </a:prstGeom>
+        </p:spPr>
+        <p:txBody>
+          <a:bodyPr vert="horz" lIns="91440" tIns="45720" rIns="91440" bIns="45720" rtlCol="0" anchor="b">
+            <a:normAutofit/>
+          </a:bodyPr>
+          <a:lstStyle>
+            <a:lvl1pPr algn="l" defTabSz="914400" rtl="0" eaLnBrk="1" latinLnBrk="1" hangingPunct="1">
+              <a:lnSpc>
+                <a:spcPct val="90000"/>
+              </a:lnSpc>
+              <a:spcBef>
+                <a:spcPct val="0"/>
+              </a:spcBef>
+              <a:buNone/>
+              <a:defRPr sz="4400" kern="1200" spc="-50" baseline="0">
+                <a:solidFill>
+                  <a:schemeClr val="tx1"/>
+                </a:solidFill>
+                <a:latin typeface="+mj-lt"/>
+                <a:ea typeface="+mj-ea"/>
+                <a:cs typeface="+mj-cs"/>
+              </a:defRPr>
+            </a:lvl1pPr>
+          </a:lstStyle>
+          <a:p>
+            <a:r>
+              <a:rPr lang="ko-KR" altLang="en-US" dirty="0"/>
+              <a:t>아쉬운 점 </a:t>
+            </a:r>
+            <a:r>
+              <a:rPr lang="en-US" altLang="ko-KR" dirty="0"/>
+              <a:t>– </a:t>
+            </a:r>
+            <a:r>
+              <a:rPr lang="ko-KR" altLang="en-US" dirty="0" err="1"/>
+              <a:t>박지광</a:t>
+            </a:r>
+            <a:endParaRPr lang="ko-KR" altLang="en-US" dirty="0"/>
+          </a:p>
+        </p:txBody>
+      </p:sp>
+      <p:sp>
+        <p:nvSpPr>
+          <p:cNvPr id="6" name="내용 개체 틀 2">
+            <a:extLst>
+              <a:ext uri="{FF2B5EF4-FFF2-40B4-BE49-F238E27FC236}">
+                <a16:creationId xmlns:a16="http://schemas.microsoft.com/office/drawing/2014/main" id="{35D8CF4D-4237-38D2-7DD3-36824F9BF720}"/>
+              </a:ext>
+            </a:extLst>
+          </p:cNvPr>
+          <p:cNvSpPr txBox="1">
+            <a:spLocks/>
+          </p:cNvSpPr>
+          <p:nvPr/>
+        </p:nvSpPr>
+        <p:spPr>
+          <a:xfrm>
+            <a:off x="1172047" y="4621456"/>
+            <a:ext cx="8595360" cy="1809622"/>
+          </a:xfrm>
+          <a:prstGeom prst="rect">
+            <a:avLst/>
+          </a:prstGeom>
+        </p:spPr>
+        <p:txBody>
+          <a:bodyPr vert="horz" lIns="91440" tIns="45720" rIns="91440" bIns="45720" rtlCol="0">
+            <a:normAutofit/>
+          </a:bodyPr>
+          <a:lstStyle>
+            <a:lvl1pPr marL="182880" indent="-182880" algn="l" defTabSz="914400" rtl="0" eaLnBrk="1" latinLnBrk="1" hangingPunct="1">
+              <a:lnSpc>
+                <a:spcPct val="95000"/>
+              </a:lnSpc>
+              <a:spcBef>
+                <a:spcPts val="1400"/>
+              </a:spcBef>
+              <a:spcAft>
+                <a:spcPts val="200"/>
+              </a:spcAft>
+              <a:buClr>
+                <a:schemeClr val="accent1"/>
+              </a:buClr>
+              <a:buSzPct val="80000"/>
+              <a:buFont typeface="Arial" pitchFamily="34" charset="0"/>
+              <a:buChar char="•"/>
+              <a:defRPr sz="1800" kern="1200" spc="10" baseline="0">
+                <a:solidFill>
+                  <a:schemeClr val="tx1"/>
+                </a:solidFill>
+                <a:latin typeface="+mn-lt"/>
+                <a:ea typeface="+mn-ea"/>
+                <a:cs typeface="+mn-cs"/>
+              </a:defRPr>
+            </a:lvl1pPr>
+            <a:lvl2pPr marL="457200" indent="-182880" algn="l" defTabSz="914400" rtl="0" eaLnBrk="1" latinLnBrk="1" hangingPunct="1">
+              <a:lnSpc>
+                <a:spcPct val="90000"/>
+              </a:lnSpc>
+              <a:spcBef>
+                <a:spcPts val="300"/>
+              </a:spcBef>
+              <a:spcAft>
+                <a:spcPts val="300"/>
+              </a:spcAft>
+              <a:buClr>
+                <a:schemeClr val="accent1"/>
+              </a:buClr>
+              <a:buFont typeface="Wingdings 2" pitchFamily="18" charset="2"/>
+              <a:buChar char=""/>
+              <a:defRPr sz="1600" kern="1200">
+                <a:solidFill>
+                  <a:schemeClr val="tx1">
+                    <a:lumMod val="85000"/>
+                    <a:lumOff val="15000"/>
+                  </a:schemeClr>
+                </a:solidFill>
+                <a:latin typeface="+mn-lt"/>
+                <a:ea typeface="+mn-ea"/>
+                <a:cs typeface="+mn-cs"/>
+              </a:defRPr>
+            </a:lvl2pPr>
+            <a:lvl3pPr marL="731520" indent="-182880" algn="l" defTabSz="914400" rtl="0" eaLnBrk="1" latinLnBrk="1" hangingPunct="1">
+              <a:lnSpc>
+                <a:spcPct val="90000"/>
+              </a:lnSpc>
+              <a:spcBef>
+                <a:spcPts val="300"/>
+              </a:spcBef>
+              <a:spcAft>
+                <a:spcPts val="300"/>
+              </a:spcAft>
+              <a:buClr>
+                <a:schemeClr val="accent1"/>
+              </a:buClr>
+              <a:buFont typeface="Wingdings 2" pitchFamily="18" charset="2"/>
+              <a:buChar char=""/>
+              <a:defRPr sz="1400" kern="1200">
+                <a:solidFill>
+                  <a:schemeClr val="tx1">
+                    <a:lumMod val="85000"/>
+                    <a:lumOff val="15000"/>
+                  </a:schemeClr>
+                </a:solidFill>
+                <a:latin typeface="+mn-lt"/>
+                <a:ea typeface="+mn-ea"/>
+                <a:cs typeface="+mn-cs"/>
+              </a:defRPr>
+            </a:lvl3pPr>
+            <a:lvl4pPr marL="1005840" indent="-182880" algn="l" defTabSz="914400" rtl="0" eaLnBrk="1" latinLnBrk="1" hangingPunct="1">
+              <a:lnSpc>
+                <a:spcPct val="90000"/>
+              </a:lnSpc>
+              <a:spcBef>
+                <a:spcPts val="300"/>
+              </a:spcBef>
+              <a:spcAft>
+                <a:spcPts val="300"/>
+              </a:spcAft>
+              <a:buClr>
+                <a:schemeClr val="accent1"/>
+              </a:buClr>
+              <a:buFont typeface="Wingdings 2" pitchFamily="18" charset="2"/>
+              <a:buChar char=""/>
+              <a:defRPr sz="1400" kern="1200">
+                <a:solidFill>
+                  <a:schemeClr val="tx1">
+                    <a:lumMod val="85000"/>
+                    <a:lumOff val="15000"/>
+                  </a:schemeClr>
+                </a:solidFill>
+                <a:latin typeface="+mn-lt"/>
+                <a:ea typeface="+mn-ea"/>
+                <a:cs typeface="+mn-cs"/>
+              </a:defRPr>
+            </a:lvl4pPr>
+            <a:lvl5pPr marL="1280160" indent="-182880" algn="l" defTabSz="914400" rtl="0" eaLnBrk="1" latinLnBrk="1" hangingPunct="1">
+              <a:lnSpc>
+                <a:spcPct val="90000"/>
+              </a:lnSpc>
+              <a:spcBef>
+                <a:spcPts val="300"/>
+              </a:spcBef>
+              <a:spcAft>
+                <a:spcPts val="300"/>
+              </a:spcAft>
+              <a:buClr>
+                <a:schemeClr val="accent1"/>
+              </a:buClr>
+              <a:buFont typeface="Wingdings 2" pitchFamily="18" charset="2"/>
+              <a:buChar char=""/>
+              <a:defRPr sz="1400" kern="1200">
+                <a:solidFill>
+                  <a:schemeClr val="tx1">
+                    <a:lumMod val="85000"/>
+                    <a:lumOff val="15000"/>
+                  </a:schemeClr>
+                </a:solidFill>
+                <a:latin typeface="+mn-lt"/>
+                <a:ea typeface="+mn-ea"/>
+                <a:cs typeface="+mn-cs"/>
+              </a:defRPr>
+            </a:lvl5pPr>
+            <a:lvl6pPr marL="1600000" indent="-228600" algn="l" defTabSz="914400" rtl="0" eaLnBrk="1" latinLnBrk="1" hangingPunct="1">
+              <a:lnSpc>
+                <a:spcPct val="90000"/>
+              </a:lnSpc>
+              <a:spcBef>
+                <a:spcPts val="300"/>
+              </a:spcBef>
+              <a:spcAft>
+                <a:spcPts val="300"/>
+              </a:spcAft>
+              <a:buClr>
+                <a:schemeClr val="accent1"/>
+              </a:buClr>
+              <a:buFont typeface="Wingdings 2" pitchFamily="18" charset="2"/>
+              <a:buChar char=""/>
+              <a:defRPr sz="1400" kern="1200">
+                <a:solidFill>
+                  <a:schemeClr val="tx1">
+                    <a:lumMod val="85000"/>
+                    <a:lumOff val="15000"/>
+                  </a:schemeClr>
+                </a:solidFill>
+                <a:latin typeface="+mn-lt"/>
+                <a:ea typeface="+mn-ea"/>
+                <a:cs typeface="+mn-cs"/>
+              </a:defRPr>
+            </a:lvl6pPr>
+            <a:lvl7pPr marL="1900000" indent="-228600" algn="l" defTabSz="914400" rtl="0" eaLnBrk="1" latinLnBrk="1" hangingPunct="1">
+              <a:lnSpc>
+                <a:spcPct val="90000"/>
+              </a:lnSpc>
+              <a:spcBef>
+                <a:spcPts val="300"/>
+              </a:spcBef>
+              <a:spcAft>
+                <a:spcPts val="300"/>
+              </a:spcAft>
+              <a:buClr>
+                <a:schemeClr val="accent1"/>
+              </a:buClr>
+              <a:buFont typeface="Wingdings 2" pitchFamily="18" charset="2"/>
+              <a:buChar char=""/>
+              <a:defRPr sz="1400" kern="1200">
+                <a:solidFill>
+                  <a:schemeClr val="tx1">
+                    <a:lumMod val="85000"/>
+                    <a:lumOff val="15000"/>
+                  </a:schemeClr>
+                </a:solidFill>
+                <a:latin typeface="+mn-lt"/>
+                <a:ea typeface="+mn-ea"/>
+                <a:cs typeface="+mn-cs"/>
+              </a:defRPr>
+            </a:lvl7pPr>
+            <a:lvl8pPr marL="2200000" indent="-228600" algn="l" defTabSz="914400" rtl="0" eaLnBrk="1" latinLnBrk="1" hangingPunct="1">
+              <a:lnSpc>
+                <a:spcPct val="90000"/>
+              </a:lnSpc>
+              <a:spcBef>
+                <a:spcPts val="300"/>
+              </a:spcBef>
+              <a:spcAft>
+                <a:spcPts val="300"/>
+              </a:spcAft>
+              <a:buClr>
+                <a:schemeClr val="accent1"/>
+              </a:buClr>
+              <a:buFont typeface="Wingdings 2" pitchFamily="18" charset="2"/>
+              <a:buChar char=""/>
+              <a:defRPr sz="1400" kern="1200">
+                <a:solidFill>
+                  <a:schemeClr val="tx1">
+                    <a:lumMod val="85000"/>
+                    <a:lumOff val="15000"/>
+                  </a:schemeClr>
+                </a:solidFill>
+                <a:latin typeface="+mn-lt"/>
+                <a:ea typeface="+mn-ea"/>
+                <a:cs typeface="+mn-cs"/>
+              </a:defRPr>
+            </a:lvl8pPr>
+            <a:lvl9pPr marL="2500000" indent="-228600" algn="l" defTabSz="914400" rtl="0" eaLnBrk="1" latinLnBrk="1" hangingPunct="1">
+              <a:lnSpc>
+                <a:spcPct val="90000"/>
+              </a:lnSpc>
+              <a:spcBef>
+                <a:spcPts val="300"/>
+              </a:spcBef>
+              <a:spcAft>
+                <a:spcPts val="300"/>
+              </a:spcAft>
+              <a:buClr>
+                <a:schemeClr val="accent1"/>
+              </a:buClr>
+              <a:buFont typeface="Wingdings 2" pitchFamily="18" charset="2"/>
+              <a:buChar char=""/>
+              <a:defRPr sz="1400" kern="1200">
+                <a:solidFill>
+                  <a:schemeClr val="tx1">
+                    <a:lumMod val="85000"/>
+                    <a:lumOff val="15000"/>
+                  </a:schemeClr>
+                </a:solidFill>
+                <a:latin typeface="+mn-lt"/>
+                <a:ea typeface="+mn-ea"/>
+                <a:cs typeface="+mn-cs"/>
+              </a:defRPr>
+            </a:lvl9pPr>
+          </a:lstStyle>
+          <a:p>
+            <a:r>
+              <a:rPr lang="ko-KR" altLang="en-US" dirty="0" err="1"/>
+              <a:t>대쉬</a:t>
+            </a:r>
+            <a:r>
+              <a:rPr lang="ko-KR" altLang="en-US" dirty="0"/>
+              <a:t> 및 데미지 </a:t>
+            </a:r>
+            <a:r>
+              <a:rPr lang="ko-KR" altLang="en-US" dirty="0" err="1"/>
+              <a:t>입힐때</a:t>
+            </a:r>
+            <a:r>
+              <a:rPr lang="ko-KR" altLang="en-US" dirty="0"/>
+              <a:t> </a:t>
+            </a:r>
+            <a:r>
+              <a:rPr lang="en-US" altLang="ko-KR" dirty="0" err="1"/>
+              <a:t>ui</a:t>
+            </a:r>
+            <a:r>
+              <a:rPr lang="ko-KR" altLang="en-US" dirty="0" err="1"/>
+              <a:t>를</a:t>
+            </a:r>
+            <a:r>
+              <a:rPr lang="ko-KR" altLang="en-US" dirty="0"/>
+              <a:t> 추가적으로 </a:t>
+            </a:r>
+            <a:r>
+              <a:rPr lang="ko-KR" altLang="en-US" dirty="0" err="1"/>
+              <a:t>구현하지못하였다</a:t>
+            </a:r>
+            <a:endParaRPr lang="en-US" altLang="ko-KR" dirty="0"/>
+          </a:p>
+          <a:p>
+            <a:r>
+              <a:rPr lang="ko-KR" altLang="en-US" dirty="0"/>
+              <a:t>플레이어와 </a:t>
+            </a:r>
+            <a:r>
+              <a:rPr lang="ko-KR" altLang="en-US" dirty="0" err="1"/>
+              <a:t>맵간의</a:t>
+            </a:r>
+            <a:r>
+              <a:rPr lang="ko-KR" altLang="en-US" dirty="0"/>
+              <a:t> 충돌처리 부분에서 많은 시간을 소요하였다</a:t>
+            </a:r>
+            <a:endParaRPr lang="en-US" altLang="ko-KR" dirty="0"/>
+          </a:p>
+          <a:p>
+            <a:r>
+              <a:rPr lang="ko-KR" altLang="en-US" dirty="0"/>
+              <a:t>미리 구현한 </a:t>
+            </a:r>
+            <a:r>
+              <a:rPr lang="ko-KR" altLang="en-US" dirty="0" err="1"/>
+              <a:t>것들중에</a:t>
+            </a:r>
+            <a:r>
+              <a:rPr lang="ko-KR" altLang="en-US" dirty="0"/>
+              <a:t> </a:t>
+            </a:r>
+            <a:r>
+              <a:rPr lang="ko-KR" altLang="en-US" dirty="0" err="1"/>
+              <a:t>수정되어야할</a:t>
+            </a:r>
+            <a:r>
+              <a:rPr lang="ko-KR" altLang="en-US" dirty="0"/>
+              <a:t> 부분들이 많아서 </a:t>
+            </a:r>
+            <a:r>
+              <a:rPr lang="ko-KR" altLang="en-US" dirty="0" err="1"/>
+              <a:t>재구현</a:t>
+            </a:r>
+            <a:r>
+              <a:rPr lang="ko-KR" altLang="en-US" dirty="0"/>
+              <a:t> 하는데 시간을 </a:t>
+            </a:r>
+            <a:r>
+              <a:rPr lang="ko-KR" altLang="en-US" dirty="0" err="1"/>
+              <a:t>많이소비하였다</a:t>
+            </a:r>
+            <a:r>
+              <a:rPr lang="en-US" altLang="ko-KR" dirty="0"/>
+              <a:t>.</a:t>
+            </a:r>
+          </a:p>
+        </p:txBody>
+      </p:sp>
+    </p:spTree>
+    <p:extLst>
+      <p:ext uri="{BB962C8B-B14F-4D97-AF65-F5344CB8AC3E}">
+        <p14:creationId xmlns:p14="http://schemas.microsoft.com/office/powerpoint/2010/main" val="2880035745"/>
+      </p:ext>
+    </p:extLst>
+  </p:cSld>
+  <p:clrMapOvr>
+    <a:masterClrMapping/>
+  </p:clrMapOvr>
+</p:sld>
+</file>
+
+<file path=ppt/slides/slide19.xml><?xml version="1.0" encoding="utf-8"?>
 <p:sld xmlns:a="http://schemas.openxmlformats.org/drawingml/2006/main" xmlns:r="http://schemas.openxmlformats.org/officeDocument/2006/relationships" xmlns:p="http://schemas.openxmlformats.org/presentationml/2006/main">
   <p:cSld>
     <p:spTree>
@@ -6673,7 +7255,211 @@
 </p:sld>
 </file>
 
-<file path=ppt/slides/slide19.xml><?xml version="1.0" encoding="utf-8"?>
+<file path=ppt/slides/slide2.xml><?xml version="1.0" encoding="utf-8"?>
+<p:sld xmlns:a="http://schemas.openxmlformats.org/drawingml/2006/main" xmlns:r="http://schemas.openxmlformats.org/officeDocument/2006/relationships" xmlns:p="http://schemas.openxmlformats.org/presentationml/2006/main">
+  <p:cSld>
+    <p:spTree>
+      <p:nvGrpSpPr>
+        <p:cNvPr id="1" name=""/>
+        <p:cNvGrpSpPr/>
+        <p:nvPr/>
+      </p:nvGrpSpPr>
+      <p:grpSpPr>
+        <a:xfrm>
+          <a:off x="0" y="0"/>
+          <a:ext cx="0" cy="0"/>
+          <a:chOff x="0" y="0"/>
+          <a:chExt cx="0" cy="0"/>
+        </a:xfrm>
+      </p:grpSpPr>
+      <p:pic>
+        <p:nvPicPr>
+          <p:cNvPr id="6" name="그림 5">
+            <a:extLst>
+              <a:ext uri="{FF2B5EF4-FFF2-40B4-BE49-F238E27FC236}">
+                <a16:creationId xmlns:a16="http://schemas.microsoft.com/office/drawing/2014/main" id="{D0B0A015-C081-4F74-2A55-F0DED394BE19}"/>
+              </a:ext>
+            </a:extLst>
+          </p:cNvPr>
+          <p:cNvPicPr>
+            <a:picLocks noChangeAspect="1"/>
+          </p:cNvPicPr>
+          <p:nvPr/>
+        </p:nvPicPr>
+        <p:blipFill>
+          <a:blip r:embed="rId2"/>
+          <a:stretch>
+            <a:fillRect/>
+          </a:stretch>
+        </p:blipFill>
+        <p:spPr>
+          <a:xfrm>
+            <a:off x="3513220" y="4340994"/>
+            <a:ext cx="4166670" cy="2343752"/>
+          </a:xfrm>
+          <a:prstGeom prst="rect">
+            <a:avLst/>
+          </a:prstGeom>
+        </p:spPr>
+      </p:pic>
+      <p:sp>
+        <p:nvSpPr>
+          <p:cNvPr id="2" name="제목 1">
+            <a:extLst>
+              <a:ext uri="{FF2B5EF4-FFF2-40B4-BE49-F238E27FC236}">
+                <a16:creationId xmlns:a16="http://schemas.microsoft.com/office/drawing/2014/main" id="{31A728A7-B8FE-D469-D3E2-40B490C0F083}"/>
+              </a:ext>
+            </a:extLst>
+          </p:cNvPr>
+          <p:cNvSpPr>
+            <a:spLocks noGrp="1"/>
+          </p:cNvSpPr>
+          <p:nvPr>
+            <p:ph type="title"/>
+          </p:nvPr>
+        </p:nvSpPr>
+        <p:spPr/>
+        <p:txBody>
+          <a:bodyPr/>
+          <a:lstStyle/>
+          <a:p>
+            <a:r>
+              <a:rPr lang="ko-KR" altLang="en-US"/>
+              <a:t>원작 게임 개요</a:t>
+            </a:r>
+          </a:p>
+        </p:txBody>
+      </p:sp>
+      <p:sp>
+        <p:nvSpPr>
+          <p:cNvPr id="3" name="내용 개체 틀 2">
+            <a:extLst>
+              <a:ext uri="{FF2B5EF4-FFF2-40B4-BE49-F238E27FC236}">
+                <a16:creationId xmlns:a16="http://schemas.microsoft.com/office/drawing/2014/main" id="{ADA833FF-1537-EA2E-716A-CAAC249089E5}"/>
+              </a:ext>
+            </a:extLst>
+          </p:cNvPr>
+          <p:cNvSpPr>
+            <a:spLocks noGrp="1"/>
+          </p:cNvSpPr>
+          <p:nvPr>
+            <p:ph idx="1"/>
+          </p:nvPr>
+        </p:nvSpPr>
+        <p:spPr>
+          <a:xfrm>
+            <a:off x="1370530" y="1568918"/>
+            <a:ext cx="8595360" cy="4351337"/>
+          </a:xfrm>
+        </p:spPr>
+        <p:txBody>
+          <a:bodyPr/>
+          <a:lstStyle/>
+          <a:p>
+            <a:endParaRPr lang="en-US" altLang="ko-KR" dirty="0"/>
+          </a:p>
+          <a:p>
+            <a:r>
+              <a:rPr lang="ko-KR" altLang="en-US" dirty="0"/>
+              <a:t>게임 이름</a:t>
+            </a:r>
+            <a:r>
+              <a:rPr lang="en-US" altLang="ko-KR" dirty="0"/>
+              <a:t> : </a:t>
+            </a:r>
+            <a:r>
+              <a:rPr lang="ko-KR" altLang="en-US" dirty="0" err="1"/>
+              <a:t>던그리드</a:t>
+            </a:r>
+            <a:endParaRPr lang="en-US" altLang="ko-KR" dirty="0"/>
+          </a:p>
+          <a:p>
+            <a:r>
+              <a:rPr lang="ko-KR" altLang="en-US" dirty="0"/>
+              <a:t>장르 </a:t>
+            </a:r>
+            <a:r>
+              <a:rPr lang="en-US" altLang="ko-KR" dirty="0"/>
+              <a:t>: </a:t>
+            </a:r>
+            <a:r>
+              <a:rPr lang="ko-KR" altLang="en-US" dirty="0" err="1"/>
+              <a:t>로그라이트</a:t>
+            </a:r>
+            <a:r>
+              <a:rPr lang="ko-KR" altLang="en-US" dirty="0"/>
+              <a:t> </a:t>
+            </a:r>
+            <a:r>
+              <a:rPr lang="ko-KR" altLang="en-US" dirty="0" err="1"/>
+              <a:t>플랫포머</a:t>
+            </a:r>
+            <a:endParaRPr lang="en-US" altLang="ko-KR" dirty="0"/>
+          </a:p>
+          <a:p>
+            <a:r>
+              <a:rPr lang="ko-KR" altLang="en-US" dirty="0"/>
+              <a:t>입장할 때 마다 랜덤으로 생성되는 던전을 탐색하는 게임</a:t>
+            </a:r>
+            <a:endParaRPr lang="en-US" altLang="ko-KR" dirty="0"/>
+          </a:p>
+          <a:p>
+            <a:r>
+              <a:rPr lang="ko-KR" altLang="en-US" dirty="0"/>
+              <a:t>홀수 층 </a:t>
+            </a:r>
+            <a:r>
+              <a:rPr lang="en-US" altLang="ko-KR" dirty="0"/>
+              <a:t>: </a:t>
+            </a:r>
+            <a:r>
+              <a:rPr lang="ko-KR" altLang="en-US" dirty="0"/>
+              <a:t>일반 몬스터 </a:t>
+            </a:r>
+            <a:r>
+              <a:rPr lang="ko-KR" altLang="en-US" dirty="0" err="1"/>
+              <a:t>스폰</a:t>
+            </a:r>
+            <a:r>
+              <a:rPr lang="ko-KR" altLang="en-US" dirty="0"/>
+              <a:t> 및 다음 층으로 가는 출구를 </a:t>
+            </a:r>
+            <a:r>
+              <a:rPr lang="ko-KR" altLang="en-US" dirty="0" err="1"/>
+              <a:t>찾아야함</a:t>
+            </a:r>
+            <a:endParaRPr lang="en-US" altLang="ko-KR" dirty="0"/>
+          </a:p>
+          <a:p>
+            <a:r>
+              <a:rPr lang="ko-KR" altLang="en-US" dirty="0"/>
+              <a:t>짝수 층 </a:t>
+            </a:r>
+            <a:r>
+              <a:rPr lang="en-US" altLang="ko-KR" dirty="0"/>
+              <a:t>: </a:t>
+            </a:r>
+            <a:r>
+              <a:rPr lang="ko-KR" altLang="en-US" dirty="0"/>
+              <a:t>보스 몬스터와의 전투</a:t>
+            </a:r>
+          </a:p>
+        </p:txBody>
+      </p:sp>
+    </p:spTree>
+    <p:extLst>
+      <p:ext uri="{BB962C8B-B14F-4D97-AF65-F5344CB8AC3E}">
+        <p14:creationId xmlns:p14="http://schemas.microsoft.com/office/powerpoint/2010/main" val="2896178297"/>
+      </p:ext>
+    </p:extLst>
+  </p:cSld>
+  <p:clrMapOvr>
+    <a:masterClrMapping/>
+  </p:clrMapOvr>
+</p:sld>
+</file>
+
+<file path=ppt/slides/slide20.xml><?xml version="1.0" encoding="utf-8"?>
 <p:sld xmlns:a="http://schemas.openxmlformats.org/drawingml/2006/main" xmlns:r="http://schemas.openxmlformats.org/officeDocument/2006/relationships" xmlns:p="http://schemas.openxmlformats.org/presentationml/2006/main">
   <p:cSld>
     <p:spTree>
@@ -6997,211 +7783,7 @@
 </p:sld>
 </file>
 
-<file path=ppt/slides/slide2.xml><?xml version="1.0" encoding="utf-8"?>
-<p:sld xmlns:a="http://schemas.openxmlformats.org/drawingml/2006/main" xmlns:r="http://schemas.openxmlformats.org/officeDocument/2006/relationships" xmlns:p="http://schemas.openxmlformats.org/presentationml/2006/main">
-  <p:cSld>
-    <p:spTree>
-      <p:nvGrpSpPr>
-        <p:cNvPr id="1" name=""/>
-        <p:cNvGrpSpPr/>
-        <p:nvPr/>
-      </p:nvGrpSpPr>
-      <p:grpSpPr>
-        <a:xfrm>
-          <a:off x="0" y="0"/>
-          <a:ext cx="0" cy="0"/>
-          <a:chOff x="0" y="0"/>
-          <a:chExt cx="0" cy="0"/>
-        </a:xfrm>
-      </p:grpSpPr>
-      <p:pic>
-        <p:nvPicPr>
-          <p:cNvPr id="6" name="그림 5">
-            <a:extLst>
-              <a:ext uri="{FF2B5EF4-FFF2-40B4-BE49-F238E27FC236}">
-                <a16:creationId xmlns:a16="http://schemas.microsoft.com/office/drawing/2014/main" id="{D0B0A015-C081-4F74-2A55-F0DED394BE19}"/>
-              </a:ext>
-            </a:extLst>
-          </p:cNvPr>
-          <p:cNvPicPr>
-            <a:picLocks noChangeAspect="1"/>
-          </p:cNvPicPr>
-          <p:nvPr/>
-        </p:nvPicPr>
-        <p:blipFill>
-          <a:blip r:embed="rId2"/>
-          <a:stretch>
-            <a:fillRect/>
-          </a:stretch>
-        </p:blipFill>
-        <p:spPr>
-          <a:xfrm>
-            <a:off x="3513220" y="4340994"/>
-            <a:ext cx="4166670" cy="2343752"/>
-          </a:xfrm>
-          <a:prstGeom prst="rect">
-            <a:avLst/>
-          </a:prstGeom>
-        </p:spPr>
-      </p:pic>
-      <p:sp>
-        <p:nvSpPr>
-          <p:cNvPr id="2" name="제목 1">
-            <a:extLst>
-              <a:ext uri="{FF2B5EF4-FFF2-40B4-BE49-F238E27FC236}">
-                <a16:creationId xmlns:a16="http://schemas.microsoft.com/office/drawing/2014/main" id="{31A728A7-B8FE-D469-D3E2-40B490C0F083}"/>
-              </a:ext>
-            </a:extLst>
-          </p:cNvPr>
-          <p:cNvSpPr>
-            <a:spLocks noGrp="1"/>
-          </p:cNvSpPr>
-          <p:nvPr>
-            <p:ph type="title"/>
-          </p:nvPr>
-        </p:nvSpPr>
-        <p:spPr/>
-        <p:txBody>
-          <a:bodyPr/>
-          <a:lstStyle/>
-          <a:p>
-            <a:r>
-              <a:rPr lang="ko-KR" altLang="en-US"/>
-              <a:t>원작 게임 개요</a:t>
-            </a:r>
-          </a:p>
-        </p:txBody>
-      </p:sp>
-      <p:sp>
-        <p:nvSpPr>
-          <p:cNvPr id="3" name="내용 개체 틀 2">
-            <a:extLst>
-              <a:ext uri="{FF2B5EF4-FFF2-40B4-BE49-F238E27FC236}">
-                <a16:creationId xmlns:a16="http://schemas.microsoft.com/office/drawing/2014/main" id="{ADA833FF-1537-EA2E-716A-CAAC249089E5}"/>
-              </a:ext>
-            </a:extLst>
-          </p:cNvPr>
-          <p:cNvSpPr>
-            <a:spLocks noGrp="1"/>
-          </p:cNvSpPr>
-          <p:nvPr>
-            <p:ph idx="1"/>
-          </p:nvPr>
-        </p:nvSpPr>
-        <p:spPr>
-          <a:xfrm>
-            <a:off x="1370530" y="1568918"/>
-            <a:ext cx="8595360" cy="4351337"/>
-          </a:xfrm>
-        </p:spPr>
-        <p:txBody>
-          <a:bodyPr/>
-          <a:lstStyle/>
-          <a:p>
-            <a:endParaRPr lang="en-US" altLang="ko-KR" dirty="0"/>
-          </a:p>
-          <a:p>
-            <a:r>
-              <a:rPr lang="ko-KR" altLang="en-US" dirty="0"/>
-              <a:t>게임 이름</a:t>
-            </a:r>
-            <a:r>
-              <a:rPr lang="en-US" altLang="ko-KR" dirty="0"/>
-              <a:t> : </a:t>
-            </a:r>
-            <a:r>
-              <a:rPr lang="ko-KR" altLang="en-US" dirty="0" err="1"/>
-              <a:t>던그리드</a:t>
-            </a:r>
-            <a:endParaRPr lang="en-US" altLang="ko-KR" dirty="0"/>
-          </a:p>
-          <a:p>
-            <a:r>
-              <a:rPr lang="ko-KR" altLang="en-US" dirty="0"/>
-              <a:t>장르 </a:t>
-            </a:r>
-            <a:r>
-              <a:rPr lang="en-US" altLang="ko-KR" dirty="0"/>
-              <a:t>: </a:t>
-            </a:r>
-            <a:r>
-              <a:rPr lang="ko-KR" altLang="en-US" dirty="0" err="1"/>
-              <a:t>로그라이트</a:t>
-            </a:r>
-            <a:r>
-              <a:rPr lang="ko-KR" altLang="en-US" dirty="0"/>
-              <a:t> </a:t>
-            </a:r>
-            <a:r>
-              <a:rPr lang="ko-KR" altLang="en-US" dirty="0" err="1"/>
-              <a:t>플랫포머</a:t>
-            </a:r>
-            <a:endParaRPr lang="en-US" altLang="ko-KR" dirty="0"/>
-          </a:p>
-          <a:p>
-            <a:r>
-              <a:rPr lang="ko-KR" altLang="en-US" dirty="0"/>
-              <a:t>입장할 때 마다 랜덤으로 생성되는 던전을 탐색하는 게임</a:t>
-            </a:r>
-            <a:endParaRPr lang="en-US" altLang="ko-KR" dirty="0"/>
-          </a:p>
-          <a:p>
-            <a:r>
-              <a:rPr lang="ko-KR" altLang="en-US" dirty="0"/>
-              <a:t>홀수 층 </a:t>
-            </a:r>
-            <a:r>
-              <a:rPr lang="en-US" altLang="ko-KR" dirty="0"/>
-              <a:t>: </a:t>
-            </a:r>
-            <a:r>
-              <a:rPr lang="ko-KR" altLang="en-US" dirty="0"/>
-              <a:t>일반 몬스터 </a:t>
-            </a:r>
-            <a:r>
-              <a:rPr lang="ko-KR" altLang="en-US" dirty="0" err="1"/>
-              <a:t>스폰</a:t>
-            </a:r>
-            <a:r>
-              <a:rPr lang="ko-KR" altLang="en-US" dirty="0"/>
-              <a:t> 및 다음 층으로 가는 출구를 </a:t>
-            </a:r>
-            <a:r>
-              <a:rPr lang="ko-KR" altLang="en-US" dirty="0" err="1"/>
-              <a:t>찾아야함</a:t>
-            </a:r>
-            <a:endParaRPr lang="en-US" altLang="ko-KR" dirty="0"/>
-          </a:p>
-          <a:p>
-            <a:r>
-              <a:rPr lang="ko-KR" altLang="en-US" dirty="0"/>
-              <a:t>짝수 층 </a:t>
-            </a:r>
-            <a:r>
-              <a:rPr lang="en-US" altLang="ko-KR" dirty="0"/>
-              <a:t>: </a:t>
-            </a:r>
-            <a:r>
-              <a:rPr lang="ko-KR" altLang="en-US" dirty="0"/>
-              <a:t>보스 몬스터와의 전투</a:t>
-            </a:r>
-          </a:p>
-        </p:txBody>
-      </p:sp>
-    </p:spTree>
-    <p:extLst>
-      <p:ext uri="{BB962C8B-B14F-4D97-AF65-F5344CB8AC3E}">
-        <p14:creationId xmlns:p14="http://schemas.microsoft.com/office/powerpoint/2010/main" val="2896178297"/>
-      </p:ext>
-    </p:extLst>
-  </p:cSld>
-  <p:clrMapOvr>
-    <a:masterClrMapping/>
-  </p:clrMapOvr>
-</p:sld>
-</file>
-
-<file path=ppt/slides/slide20.xml><?xml version="1.0" encoding="utf-8"?>
+<file path=ppt/slides/slide21.xml><?xml version="1.0" encoding="utf-8"?>
 <p:sld xmlns:a="http://schemas.openxmlformats.org/drawingml/2006/main" xmlns:r="http://schemas.openxmlformats.org/officeDocument/2006/relationships" xmlns:p="http://schemas.openxmlformats.org/presentationml/2006/main">
   <p:cSld>
     <p:spTree>
@@ -7472,7 +8054,7 @@
 </p:sld>
 </file>
 
-<file path=ppt/slides/slide21.xml><?xml version="1.0" encoding="utf-8"?>
+<file path=ppt/slides/slide22.xml><?xml version="1.0" encoding="utf-8"?>
 <p:sld xmlns:a="http://schemas.openxmlformats.org/drawingml/2006/main" xmlns:r="http://schemas.openxmlformats.org/officeDocument/2006/relationships" xmlns:p="http://schemas.openxmlformats.org/presentationml/2006/main">
   <p:cSld>
     <p:spTree>
@@ -8246,7 +8828,7 @@
 </p:sld>
 </file>
 
-<file path=ppt/slides/slide22.xml><?xml version="1.0" encoding="utf-8"?>
+<file path=ppt/slides/slide23.xml><?xml version="1.0" encoding="utf-8"?>
 <p:sld xmlns:a="http://schemas.openxmlformats.org/drawingml/2006/main" xmlns:r="http://schemas.openxmlformats.org/officeDocument/2006/relationships" xmlns:p="http://schemas.openxmlformats.org/presentationml/2006/main">
   <p:cSld>
     <p:spTree>
@@ -8511,7 +9093,7 @@
 </p:sld>
 </file>
 
-<file path=ppt/slides/slide23.xml><?xml version="1.0" encoding="utf-8"?>
+<file path=ppt/slides/slide24.xml><?xml version="1.0" encoding="utf-8"?>
 <p:sld xmlns:a="http://schemas.openxmlformats.org/drawingml/2006/main" xmlns:r="http://schemas.openxmlformats.org/officeDocument/2006/relationships" xmlns:p="http://schemas.openxmlformats.org/presentationml/2006/main">
   <p:cSld>
     <p:spTree>
@@ -9028,7 +9610,7 @@
 </p:sld>
 </file>
 
-<file path=ppt/slides/slide24.xml><?xml version="1.0" encoding="utf-8"?>
+<file path=ppt/slides/slide25.xml><?xml version="1.0" encoding="utf-8"?>
 <p:sld xmlns:a="http://schemas.openxmlformats.org/drawingml/2006/main" xmlns:r="http://schemas.openxmlformats.org/officeDocument/2006/relationships" xmlns:p="http://schemas.openxmlformats.org/presentationml/2006/main">
   <p:cSld>
     <p:spTree>
@@ -9097,7 +9679,7 @@
 </p:sld>
 </file>
 
-<file path=ppt/slides/slide25.xml><?xml version="1.0" encoding="utf-8"?>
+<file path=ppt/slides/slide26.xml><?xml version="1.0" encoding="utf-8"?>
 <p:sld xmlns:a="http://schemas.openxmlformats.org/drawingml/2006/main" xmlns:r="http://schemas.openxmlformats.org/officeDocument/2006/relationships" xmlns:p="http://schemas.openxmlformats.org/presentationml/2006/main">
   <p:cSld>
     <p:spTree>
